--- a/웹해킹 정리.pptx
+++ b/웹해킹 정리.pptx
@@ -5,16 +5,18 @@
     <p:sldMasterId id="2147483660" r:id="rId1"/>
   </p:sldMasterIdLst>
   <p:notesMasterIdLst>
-    <p:notesMasterId r:id="rId9"/>
+    <p:notesMasterId r:id="rId11"/>
   </p:notesMasterIdLst>
   <p:sldIdLst>
     <p:sldId id="256" r:id="rId2"/>
     <p:sldId id="258" r:id="rId3"/>
-    <p:sldId id="257" r:id="rId4"/>
-    <p:sldId id="259" r:id="rId5"/>
-    <p:sldId id="261" r:id="rId6"/>
-    <p:sldId id="262" r:id="rId7"/>
-    <p:sldId id="263" r:id="rId8"/>
+    <p:sldId id="265" r:id="rId4"/>
+    <p:sldId id="257" r:id="rId5"/>
+    <p:sldId id="259" r:id="rId6"/>
+    <p:sldId id="261" r:id="rId7"/>
+    <p:sldId id="262" r:id="rId8"/>
+    <p:sldId id="263" r:id="rId9"/>
+    <p:sldId id="264" r:id="rId10"/>
   </p:sldIdLst>
   <p:sldSz cx="9144000" cy="6858000" type="screen4x3"/>
   <p:notesSz cx="6858000" cy="9144000"/>
@@ -113,6 +115,11 @@
       </a:defRPr>
     </a:lvl9pPr>
   </p:defaultTextStyle>
+  <p:extLst>
+    <p:ext uri="{EFAFB233-063F-42B5-8137-9DF3F51BA10A}">
+      <p15:sldGuideLst xmlns:p15="http://schemas.microsoft.com/office/powerpoint/2012/main"/>
+    </p:ext>
+  </p:extLst>
 </p:presentation>
 </file>
 
@@ -714,7 +721,7 @@
           <a:p>
             <a:fld id="{C0BBB671-4B3E-4FB5-B7FC-9D241F428B7C}" type="slidenum">
               <a:rPr lang="ko-KR" altLang="en-US" smtClean="0"/>
-              <a:t>5</a:t>
+              <a:t>6</a:t>
             </a:fld>
             <a:endParaRPr lang="ko-KR" altLang="en-US" dirty="0"/>
           </a:p>
@@ -799,7 +806,7 @@
           <a:p>
             <a:fld id="{C0BBB671-4B3E-4FB5-B7FC-9D241F428B7C}" type="slidenum">
               <a:rPr lang="ko-KR" altLang="en-US" smtClean="0"/>
-              <a:t>6</a:t>
+              <a:t>7</a:t>
             </a:fld>
             <a:endParaRPr lang="ko-KR" altLang="en-US" dirty="0"/>
           </a:p>
@@ -884,7 +891,7 @@
           <a:p>
             <a:fld id="{C0BBB671-4B3E-4FB5-B7FC-9D241F428B7C}" type="slidenum">
               <a:rPr lang="ko-KR" altLang="en-US" smtClean="0"/>
-              <a:t>7</a:t>
+              <a:t>8</a:t>
             </a:fld>
             <a:endParaRPr lang="ko-KR" altLang="en-US" dirty="0"/>
           </a:p>
@@ -4266,7 +4273,7 @@
                 <a:latin typeface="sn별별정직" panose="02000500000000000000" pitchFamily="2" charset="0"/>
                 <a:ea typeface="sn별별정직" panose="02000500000000000000" pitchFamily="2" charset="0"/>
               </a:rPr>
-              <a:t>: HTTP/HTTPS</a:t>
+              <a:t>1~5 : HTTP/HTTPS</a:t>
             </a:r>
           </a:p>
           <a:p>
@@ -4285,7 +4292,7 @@
                 <a:latin typeface="sn별별정직" panose="02000500000000000000" pitchFamily="2" charset="0"/>
                 <a:ea typeface="sn별별정직" panose="02000500000000000000" pitchFamily="2" charset="0"/>
               </a:rPr>
-              <a:t>Web Browser</a:t>
+              <a:t>6~ : Web Browser</a:t>
             </a:r>
           </a:p>
           <a:p>
@@ -4401,6 +4408,41 @@
                   <a:lumMod val="65000"/>
                 </a:schemeClr>
               </a:solidFill>
+              <a:latin typeface="sn별별정직" panose="02000500000000000000" pitchFamily="2" charset="0"/>
+              <a:ea typeface="sn별별정직" panose="02000500000000000000" pitchFamily="2" charset="0"/>
+            </a:endParaRPr>
+          </a:p>
+        </p:txBody>
+      </p:sp>
+      <p:sp>
+        <p:nvSpPr>
+          <p:cNvPr id="2" name="바닥글 개체 틀 1">
+            <a:extLst>
+              <a:ext uri="{FF2B5EF4-FFF2-40B4-BE49-F238E27FC236}">
+                <a16:creationId xmlns:a16="http://schemas.microsoft.com/office/drawing/2014/main" id="{210ED581-5500-40A7-A7E1-8BBFF4FAA12A}"/>
+              </a:ext>
+            </a:extLst>
+          </p:cNvPr>
+          <p:cNvSpPr>
+            <a:spLocks noGrp="1"/>
+          </p:cNvSpPr>
+          <p:nvPr>
+            <p:ph type="ftr" sz="quarter" idx="11"/>
+          </p:nvPr>
+        </p:nvSpPr>
+        <p:spPr/>
+        <p:txBody>
+          <a:bodyPr/>
+          <a:lstStyle/>
+          <a:p>
+            <a:r>
+              <a:rPr lang="ko-KR" altLang="en-US">
+                <a:latin typeface="sn별별정직" panose="02000500000000000000" pitchFamily="2" charset="0"/>
+                <a:ea typeface="sn별별정직" panose="02000500000000000000" pitchFamily="2" charset="0"/>
+              </a:rPr>
+              <a:t>목차</a:t>
+            </a:r>
+            <a:endParaRPr lang="ko-KR" altLang="en-US" dirty="0">
               <a:latin typeface="sn별별정직" panose="02000500000000000000" pitchFamily="2" charset="0"/>
               <a:ea typeface="sn별별정직" panose="02000500000000000000" pitchFamily="2" charset="0"/>
             </a:endParaRPr>
@@ -4437,6 +4479,229 @@
           <a:chExt cx="0" cy="0"/>
         </a:xfrm>
       </p:grpSpPr>
+      <p:pic>
+        <p:nvPicPr>
+          <p:cNvPr id="7" name="그림 6">
+            <a:extLst>
+              <a:ext uri="{FF2B5EF4-FFF2-40B4-BE49-F238E27FC236}">
+                <a16:creationId xmlns:a16="http://schemas.microsoft.com/office/drawing/2014/main" id="{83C5B4E3-2340-4738-BD30-090F631319E7}"/>
+              </a:ext>
+            </a:extLst>
+          </p:cNvPr>
+          <p:cNvPicPr>
+            <a:picLocks noChangeAspect="1"/>
+          </p:cNvPicPr>
+          <p:nvPr/>
+        </p:nvPicPr>
+        <p:blipFill>
+          <a:blip r:embed="rId2">
+            <a:duotone>
+              <a:schemeClr val="accent6">
+                <a:shade val="45000"/>
+                <a:satMod val="135000"/>
+              </a:schemeClr>
+              <a:prstClr val="white"/>
+            </a:duotone>
+            <a:extLst>
+              <a:ext uri="{28A0092B-C50C-407E-A947-70E740481C1C}">
+                <a14:useLocalDpi xmlns:a14="http://schemas.microsoft.com/office/drawing/2010/main" val="0"/>
+              </a:ext>
+            </a:extLst>
+          </a:blip>
+          <a:stretch>
+            <a:fillRect/>
+          </a:stretch>
+        </p:blipFill>
+        <p:spPr>
+          <a:xfrm>
+            <a:off x="2133905" y="990905"/>
+            <a:ext cx="4876190" cy="4876190"/>
+          </a:xfrm>
+          <a:prstGeom prst="rect">
+            <a:avLst/>
+          </a:prstGeom>
+        </p:spPr>
+      </p:pic>
+      <p:sp>
+        <p:nvSpPr>
+          <p:cNvPr id="8" name="직사각형 7">
+            <a:extLst>
+              <a:ext uri="{FF2B5EF4-FFF2-40B4-BE49-F238E27FC236}">
+                <a16:creationId xmlns:a16="http://schemas.microsoft.com/office/drawing/2014/main" id="{75FCC8E3-0A86-48F2-9124-9EA70DA93E2F}"/>
+              </a:ext>
+            </a:extLst>
+          </p:cNvPr>
+          <p:cNvSpPr/>
+          <p:nvPr/>
+        </p:nvSpPr>
+        <p:spPr>
+          <a:xfrm>
+            <a:off x="276726" y="2201778"/>
+            <a:ext cx="8590548" cy="2153653"/>
+          </a:xfrm>
+          <a:prstGeom prst="rect">
+            <a:avLst/>
+          </a:prstGeom>
+          <a:solidFill>
+            <a:schemeClr val="accent1">
+              <a:alpha val="50000"/>
+            </a:schemeClr>
+          </a:solidFill>
+          <a:ln>
+            <a:noFill/>
+          </a:ln>
+        </p:spPr>
+        <p:style>
+          <a:lnRef idx="2">
+            <a:schemeClr val="accent1">
+              <a:shade val="50000"/>
+            </a:schemeClr>
+          </a:lnRef>
+          <a:fillRef idx="1">
+            <a:schemeClr val="accent1"/>
+          </a:fillRef>
+          <a:effectRef idx="0">
+            <a:schemeClr val="accent1"/>
+          </a:effectRef>
+          <a:fontRef idx="minor">
+            <a:schemeClr val="lt1"/>
+          </a:fontRef>
+        </p:style>
+        <p:txBody>
+          <a:bodyPr rtlCol="0" anchor="ctr"/>
+          <a:lstStyle/>
+          <a:p>
+            <a:pPr algn="ctr"/>
+            <a:r>
+              <a:rPr lang="en-US" altLang="ko-KR" sz="8000" dirty="0">
+                <a:latin typeface="sn별별정직" panose="02000500000000000000" pitchFamily="2" charset="0"/>
+                <a:ea typeface="sn별별정직" panose="02000500000000000000" pitchFamily="2" charset="0"/>
+              </a:rPr>
+              <a:t>HTTP / HTTPS</a:t>
+            </a:r>
+            <a:endParaRPr lang="ko-KR" altLang="en-US" sz="8000" dirty="0">
+              <a:latin typeface="sn별별정직" panose="02000500000000000000" pitchFamily="2" charset="0"/>
+              <a:ea typeface="sn별별정직" panose="02000500000000000000" pitchFamily="2" charset="0"/>
+            </a:endParaRPr>
+          </a:p>
+        </p:txBody>
+      </p:sp>
+      <p:sp>
+        <p:nvSpPr>
+          <p:cNvPr id="9" name="바닥글 개체 틀 8">
+            <a:extLst>
+              <a:ext uri="{FF2B5EF4-FFF2-40B4-BE49-F238E27FC236}">
+                <a16:creationId xmlns:a16="http://schemas.microsoft.com/office/drawing/2014/main" id="{35B947D6-ADED-46FA-B8FA-7627C972419C}"/>
+              </a:ext>
+            </a:extLst>
+          </p:cNvPr>
+          <p:cNvSpPr>
+            <a:spLocks noGrp="1"/>
+          </p:cNvSpPr>
+          <p:nvPr>
+            <p:ph type="ftr" sz="quarter" idx="11"/>
+          </p:nvPr>
+        </p:nvSpPr>
+        <p:spPr/>
+        <p:txBody>
+          <a:bodyPr/>
+          <a:lstStyle/>
+          <a:p>
+            <a:r>
+              <a:rPr lang="en-US" altLang="ko-KR"/>
+              <a:t>HTTP / HTTPS</a:t>
+            </a:r>
+            <a:endParaRPr lang="ko-KR" altLang="en-US" dirty="0"/>
+          </a:p>
+        </p:txBody>
+      </p:sp>
+    </p:spTree>
+    <p:extLst>
+      <p:ext uri="{BB962C8B-B14F-4D97-AF65-F5344CB8AC3E}">
+        <p14:creationId xmlns:p14="http://schemas.microsoft.com/office/powerpoint/2010/main" val="1210419434"/>
+      </p:ext>
+    </p:extLst>
+  </p:cSld>
+  <p:clrMapOvr>
+    <a:masterClrMapping/>
+  </p:clrMapOvr>
+</p:sld>
+</file>
+
+<file path=ppt/slides/slide4.xml><?xml version="1.0" encoding="utf-8"?>
+<p:sld xmlns:a="http://schemas.openxmlformats.org/drawingml/2006/main" xmlns:r="http://schemas.openxmlformats.org/officeDocument/2006/relationships" xmlns:p="http://schemas.openxmlformats.org/presentationml/2006/main">
+  <p:cSld>
+    <p:spTree>
+      <p:nvGrpSpPr>
+        <p:cNvPr id="1" name=""/>
+        <p:cNvGrpSpPr/>
+        <p:nvPr/>
+      </p:nvGrpSpPr>
+      <p:grpSpPr>
+        <a:xfrm>
+          <a:off x="0" y="0"/>
+          <a:ext cx="0" cy="0"/>
+          <a:chOff x="0" y="0"/>
+          <a:chExt cx="0" cy="0"/>
+        </a:xfrm>
+      </p:grpSpPr>
+      <p:sp>
+        <p:nvSpPr>
+          <p:cNvPr id="18" name="직사각형 17">
+            <a:extLst>
+              <a:ext uri="{FF2B5EF4-FFF2-40B4-BE49-F238E27FC236}">
+                <a16:creationId xmlns:a16="http://schemas.microsoft.com/office/drawing/2014/main" id="{51E40DA8-EFC7-4D9E-85D9-FA38B66D357E}"/>
+              </a:ext>
+            </a:extLst>
+          </p:cNvPr>
+          <p:cNvSpPr/>
+          <p:nvPr/>
+        </p:nvSpPr>
+        <p:spPr>
+          <a:xfrm>
+            <a:off x="318501" y="704494"/>
+            <a:ext cx="8590548" cy="228311"/>
+          </a:xfrm>
+          <a:prstGeom prst="rect">
+            <a:avLst/>
+          </a:prstGeom>
+          <a:solidFill>
+            <a:schemeClr val="accent1">
+              <a:alpha val="50000"/>
+            </a:schemeClr>
+          </a:solidFill>
+          <a:ln>
+            <a:noFill/>
+          </a:ln>
+        </p:spPr>
+        <p:style>
+          <a:lnRef idx="2">
+            <a:schemeClr val="accent1">
+              <a:shade val="50000"/>
+            </a:schemeClr>
+          </a:lnRef>
+          <a:fillRef idx="1">
+            <a:schemeClr val="accent1"/>
+          </a:fillRef>
+          <a:effectRef idx="0">
+            <a:schemeClr val="accent1"/>
+          </a:effectRef>
+          <a:fontRef idx="minor">
+            <a:schemeClr val="lt1"/>
+          </a:fontRef>
+        </p:style>
+        <p:txBody>
+          <a:bodyPr rtlCol="0" anchor="ctr"/>
+          <a:lstStyle/>
+          <a:p>
+            <a:pPr algn="ctr"/>
+            <a:endParaRPr lang="ko-KR" altLang="en-US" sz="8000" dirty="0">
+              <a:latin typeface="sn별별정직" panose="02000500000000000000" pitchFamily="2" charset="0"/>
+              <a:ea typeface="sn별별정직" panose="02000500000000000000" pitchFamily="2" charset="0"/>
+            </a:endParaRPr>
+          </a:p>
+        </p:txBody>
+      </p:sp>
       <p:sp>
         <p:nvSpPr>
           <p:cNvPr id="2" name="제목 1">
@@ -5427,6 +5692,35 @@
           </a:p>
         </p:txBody>
       </p:sp>
+      <p:sp>
+        <p:nvSpPr>
+          <p:cNvPr id="3" name="바닥글 개체 틀 2">
+            <a:extLst>
+              <a:ext uri="{FF2B5EF4-FFF2-40B4-BE49-F238E27FC236}">
+                <a16:creationId xmlns:a16="http://schemas.microsoft.com/office/drawing/2014/main" id="{28C4EFE4-6C4D-4D6B-A026-AB6DFC82E6E6}"/>
+              </a:ext>
+            </a:extLst>
+          </p:cNvPr>
+          <p:cNvSpPr>
+            <a:spLocks noGrp="1"/>
+          </p:cNvSpPr>
+          <p:nvPr>
+            <p:ph type="ftr" sz="quarter" idx="11"/>
+          </p:nvPr>
+        </p:nvSpPr>
+        <p:spPr/>
+        <p:txBody>
+          <a:bodyPr/>
+          <a:lstStyle/>
+          <a:p>
+            <a:r>
+              <a:rPr lang="en-US" altLang="ko-KR"/>
+              <a:t>HTTP / HTTPS</a:t>
+            </a:r>
+            <a:endParaRPr lang="ko-KR" altLang="en-US" dirty="0"/>
+          </a:p>
+        </p:txBody>
+      </p:sp>
     </p:spTree>
     <p:extLst>
       <p:ext uri="{BB962C8B-B14F-4D97-AF65-F5344CB8AC3E}">
@@ -5440,7 +5734,7 @@
 </p:sld>
 </file>
 
-<file path=ppt/slides/slide4.xml><?xml version="1.0" encoding="utf-8"?>
+<file path=ppt/slides/slide5.xml><?xml version="1.0" encoding="utf-8"?>
 <p:sld xmlns:a="http://schemas.openxmlformats.org/drawingml/2006/main" xmlns:r="http://schemas.openxmlformats.org/officeDocument/2006/relationships" xmlns:p="http://schemas.openxmlformats.org/presentationml/2006/main">
   <p:cSld>
     <p:spTree>
@@ -6351,6 +6645,92 @@
           </a:p>
         </p:txBody>
       </p:sp>
+      <p:sp>
+        <p:nvSpPr>
+          <p:cNvPr id="17" name="직사각형 16">
+            <a:extLst>
+              <a:ext uri="{FF2B5EF4-FFF2-40B4-BE49-F238E27FC236}">
+                <a16:creationId xmlns:a16="http://schemas.microsoft.com/office/drawing/2014/main" id="{6D4BCD90-EE4C-4292-B42B-D2B55FDD64A5}"/>
+              </a:ext>
+            </a:extLst>
+          </p:cNvPr>
+          <p:cNvSpPr/>
+          <p:nvPr/>
+        </p:nvSpPr>
+        <p:spPr>
+          <a:xfrm>
+            <a:off x="318501" y="704494"/>
+            <a:ext cx="8590548" cy="228311"/>
+          </a:xfrm>
+          <a:prstGeom prst="rect">
+            <a:avLst/>
+          </a:prstGeom>
+          <a:solidFill>
+            <a:schemeClr val="accent1">
+              <a:alpha val="50000"/>
+            </a:schemeClr>
+          </a:solidFill>
+          <a:ln>
+            <a:noFill/>
+          </a:ln>
+        </p:spPr>
+        <p:style>
+          <a:lnRef idx="2">
+            <a:schemeClr val="accent1">
+              <a:shade val="50000"/>
+            </a:schemeClr>
+          </a:lnRef>
+          <a:fillRef idx="1">
+            <a:schemeClr val="accent1"/>
+          </a:fillRef>
+          <a:effectRef idx="0">
+            <a:schemeClr val="accent1"/>
+          </a:effectRef>
+          <a:fontRef idx="minor">
+            <a:schemeClr val="lt1"/>
+          </a:fontRef>
+        </p:style>
+        <p:txBody>
+          <a:bodyPr rtlCol="0" anchor="ctr"/>
+          <a:lstStyle/>
+          <a:p>
+            <a:pPr algn="ctr"/>
+            <a:endParaRPr lang="ko-KR" altLang="en-US" sz="8000" dirty="0">
+              <a:latin typeface="sn별별정직" panose="02000500000000000000" pitchFamily="2" charset="0"/>
+              <a:ea typeface="sn별별정직" panose="02000500000000000000" pitchFamily="2" charset="0"/>
+            </a:endParaRPr>
+          </a:p>
+        </p:txBody>
+      </p:sp>
+      <p:sp>
+        <p:nvSpPr>
+          <p:cNvPr id="3" name="바닥글 개체 틀 2">
+            <a:extLst>
+              <a:ext uri="{FF2B5EF4-FFF2-40B4-BE49-F238E27FC236}">
+                <a16:creationId xmlns:a16="http://schemas.microsoft.com/office/drawing/2014/main" id="{5348D690-F075-49A1-8CC3-7EC42B94F671}"/>
+              </a:ext>
+            </a:extLst>
+          </p:cNvPr>
+          <p:cNvSpPr>
+            <a:spLocks noGrp="1"/>
+          </p:cNvSpPr>
+          <p:nvPr>
+            <p:ph type="ftr" sz="quarter" idx="11"/>
+          </p:nvPr>
+        </p:nvSpPr>
+        <p:spPr/>
+        <p:txBody>
+          <a:bodyPr/>
+          <a:lstStyle/>
+          <a:p>
+            <a:r>
+              <a:rPr lang="en-US" altLang="ko-KR"/>
+              <a:t>HTTP / HTTPS</a:t>
+            </a:r>
+            <a:endParaRPr lang="ko-KR" altLang="en-US" dirty="0"/>
+          </a:p>
+        </p:txBody>
+      </p:sp>
     </p:spTree>
     <p:extLst>
       <p:ext uri="{BB962C8B-B14F-4D97-AF65-F5344CB8AC3E}">
@@ -6364,7 +6744,7 @@
 </p:sld>
 </file>
 
-<file path=ppt/slides/slide5.xml><?xml version="1.0" encoding="utf-8"?>
+<file path=ppt/slides/slide6.xml><?xml version="1.0" encoding="utf-8"?>
 <p:sld xmlns:a="http://schemas.openxmlformats.org/drawingml/2006/main" xmlns:r="http://schemas.openxmlformats.org/officeDocument/2006/relationships" xmlns:p="http://schemas.openxmlformats.org/presentationml/2006/main">
   <p:cSld>
     <p:spTree>
@@ -8037,6 +8417,92 @@
           </a:graphicData>
         </a:graphic>
       </p:graphicFrame>
+      <p:sp>
+        <p:nvSpPr>
+          <p:cNvPr id="5" name="직사각형 4">
+            <a:extLst>
+              <a:ext uri="{FF2B5EF4-FFF2-40B4-BE49-F238E27FC236}">
+                <a16:creationId xmlns:a16="http://schemas.microsoft.com/office/drawing/2014/main" id="{74D032C3-7BBF-48D3-8F04-BB84CA34573D}"/>
+              </a:ext>
+            </a:extLst>
+          </p:cNvPr>
+          <p:cNvSpPr/>
+          <p:nvPr/>
+        </p:nvSpPr>
+        <p:spPr>
+          <a:xfrm>
+            <a:off x="318501" y="704494"/>
+            <a:ext cx="8590548" cy="228311"/>
+          </a:xfrm>
+          <a:prstGeom prst="rect">
+            <a:avLst/>
+          </a:prstGeom>
+          <a:solidFill>
+            <a:schemeClr val="accent1">
+              <a:alpha val="50000"/>
+            </a:schemeClr>
+          </a:solidFill>
+          <a:ln>
+            <a:noFill/>
+          </a:ln>
+        </p:spPr>
+        <p:style>
+          <a:lnRef idx="2">
+            <a:schemeClr val="accent1">
+              <a:shade val="50000"/>
+            </a:schemeClr>
+          </a:lnRef>
+          <a:fillRef idx="1">
+            <a:schemeClr val="accent1"/>
+          </a:fillRef>
+          <a:effectRef idx="0">
+            <a:schemeClr val="accent1"/>
+          </a:effectRef>
+          <a:fontRef idx="minor">
+            <a:schemeClr val="lt1"/>
+          </a:fontRef>
+        </p:style>
+        <p:txBody>
+          <a:bodyPr rtlCol="0" anchor="ctr"/>
+          <a:lstStyle/>
+          <a:p>
+            <a:pPr algn="ctr"/>
+            <a:endParaRPr lang="ko-KR" altLang="en-US" sz="8000" dirty="0">
+              <a:latin typeface="sn별별정직" panose="02000500000000000000" pitchFamily="2" charset="0"/>
+              <a:ea typeface="sn별별정직" panose="02000500000000000000" pitchFamily="2" charset="0"/>
+            </a:endParaRPr>
+          </a:p>
+        </p:txBody>
+      </p:sp>
+      <p:sp>
+        <p:nvSpPr>
+          <p:cNvPr id="3" name="바닥글 개체 틀 2">
+            <a:extLst>
+              <a:ext uri="{FF2B5EF4-FFF2-40B4-BE49-F238E27FC236}">
+                <a16:creationId xmlns:a16="http://schemas.microsoft.com/office/drawing/2014/main" id="{D627E6DC-7D91-4B00-AC2A-584A2BB3572F}"/>
+              </a:ext>
+            </a:extLst>
+          </p:cNvPr>
+          <p:cNvSpPr>
+            <a:spLocks noGrp="1"/>
+          </p:cNvSpPr>
+          <p:nvPr>
+            <p:ph type="ftr" sz="quarter" idx="11"/>
+          </p:nvPr>
+        </p:nvSpPr>
+        <p:spPr/>
+        <p:txBody>
+          <a:bodyPr/>
+          <a:lstStyle/>
+          <a:p>
+            <a:r>
+              <a:rPr lang="en-US" altLang="ko-KR"/>
+              <a:t>HTTP / HTTPS</a:t>
+            </a:r>
+            <a:endParaRPr lang="ko-KR" altLang="en-US" dirty="0"/>
+          </a:p>
+        </p:txBody>
+      </p:sp>
     </p:spTree>
     <p:extLst>
       <p:ext uri="{BB962C8B-B14F-4D97-AF65-F5344CB8AC3E}">
@@ -8050,7 +8516,7 @@
 </p:sld>
 </file>
 
-<file path=ppt/slides/slide6.xml><?xml version="1.0" encoding="utf-8"?>
+<file path=ppt/slides/slide7.xml><?xml version="1.0" encoding="utf-8"?>
 <p:sld xmlns:a="http://schemas.openxmlformats.org/drawingml/2006/main" xmlns:r="http://schemas.openxmlformats.org/officeDocument/2006/relationships" xmlns:p="http://schemas.openxmlformats.org/presentationml/2006/main">
   <p:cSld>
     <p:spTree>
@@ -8440,6 +8906,92 @@
           </a:p>
         </p:txBody>
       </p:sp>
+      <p:sp>
+        <p:nvSpPr>
+          <p:cNvPr id="9" name="직사각형 8">
+            <a:extLst>
+              <a:ext uri="{FF2B5EF4-FFF2-40B4-BE49-F238E27FC236}">
+                <a16:creationId xmlns:a16="http://schemas.microsoft.com/office/drawing/2014/main" id="{926F8161-69B1-466E-B077-B4E807DC7DD6}"/>
+              </a:ext>
+            </a:extLst>
+          </p:cNvPr>
+          <p:cNvSpPr/>
+          <p:nvPr/>
+        </p:nvSpPr>
+        <p:spPr>
+          <a:xfrm>
+            <a:off x="318501" y="704494"/>
+            <a:ext cx="8590548" cy="228311"/>
+          </a:xfrm>
+          <a:prstGeom prst="rect">
+            <a:avLst/>
+          </a:prstGeom>
+          <a:solidFill>
+            <a:schemeClr val="accent1">
+              <a:alpha val="50000"/>
+            </a:schemeClr>
+          </a:solidFill>
+          <a:ln>
+            <a:noFill/>
+          </a:ln>
+        </p:spPr>
+        <p:style>
+          <a:lnRef idx="2">
+            <a:schemeClr val="accent1">
+              <a:shade val="50000"/>
+            </a:schemeClr>
+          </a:lnRef>
+          <a:fillRef idx="1">
+            <a:schemeClr val="accent1"/>
+          </a:fillRef>
+          <a:effectRef idx="0">
+            <a:schemeClr val="accent1"/>
+          </a:effectRef>
+          <a:fontRef idx="minor">
+            <a:schemeClr val="lt1"/>
+          </a:fontRef>
+        </p:style>
+        <p:txBody>
+          <a:bodyPr rtlCol="0" anchor="ctr"/>
+          <a:lstStyle/>
+          <a:p>
+            <a:pPr algn="ctr"/>
+            <a:endParaRPr lang="ko-KR" altLang="en-US" sz="8000" dirty="0">
+              <a:latin typeface="sn별별정직" panose="02000500000000000000" pitchFamily="2" charset="0"/>
+              <a:ea typeface="sn별별정직" panose="02000500000000000000" pitchFamily="2" charset="0"/>
+            </a:endParaRPr>
+          </a:p>
+        </p:txBody>
+      </p:sp>
+      <p:sp>
+        <p:nvSpPr>
+          <p:cNvPr id="4" name="바닥글 개체 틀 3">
+            <a:extLst>
+              <a:ext uri="{FF2B5EF4-FFF2-40B4-BE49-F238E27FC236}">
+                <a16:creationId xmlns:a16="http://schemas.microsoft.com/office/drawing/2014/main" id="{FFE29C43-69BF-4537-9FB6-22BFF1BAF3E4}"/>
+              </a:ext>
+            </a:extLst>
+          </p:cNvPr>
+          <p:cNvSpPr>
+            <a:spLocks noGrp="1"/>
+          </p:cNvSpPr>
+          <p:nvPr>
+            <p:ph type="ftr" sz="quarter" idx="11"/>
+          </p:nvPr>
+        </p:nvSpPr>
+        <p:spPr/>
+        <p:txBody>
+          <a:bodyPr/>
+          <a:lstStyle/>
+          <a:p>
+            <a:r>
+              <a:rPr lang="en-US" altLang="ko-KR"/>
+              <a:t>HTTP / HTTPS</a:t>
+            </a:r>
+            <a:endParaRPr lang="ko-KR" altLang="en-US" dirty="0"/>
+          </a:p>
+        </p:txBody>
+      </p:sp>
     </p:spTree>
     <p:extLst>
       <p:ext uri="{BB962C8B-B14F-4D97-AF65-F5344CB8AC3E}">
@@ -8453,7 +9005,7 @@
 </p:sld>
 </file>
 
-<file path=ppt/slides/slide7.xml><?xml version="1.0" encoding="utf-8"?>
+<file path=ppt/slides/slide8.xml><?xml version="1.0" encoding="utf-8"?>
 <p:sld xmlns:a="http://schemas.openxmlformats.org/drawingml/2006/main" xmlns:r="http://schemas.openxmlformats.org/officeDocument/2006/relationships" xmlns:p="http://schemas.openxmlformats.org/presentationml/2006/main">
   <p:cSld>
     <p:spTree>
@@ -8484,7 +9036,7 @@
         </p:nvSpPr>
         <p:spPr>
           <a:xfrm>
-            <a:off x="5480383" y="1652000"/>
+            <a:off x="5359316" y="1397733"/>
             <a:ext cx="3456070" cy="4772107"/>
           </a:xfrm>
           <a:prstGeom prst="flowChartProcess">
@@ -8548,21 +9100,11 @@
             <a:pPr algn="ctr"/>
             <a:r>
               <a:rPr lang="en-US" altLang="ko-KR" dirty="0"/>
-              <a:t>Web : Web</a:t>
+              <a:t>Web</a:t>
             </a:r>
             <a:br>
               <a:rPr lang="en-US" altLang="ko-KR" dirty="0"/>
             </a:br>
-            <a:r>
-              <a:rPr lang="en-US" altLang="ko-KR" sz="2800" dirty="0">
-                <a:solidFill>
-                  <a:schemeClr val="bg1">
-                    <a:lumMod val="65000"/>
-                  </a:schemeClr>
-                </a:solidFill>
-              </a:rPr>
-              <a:t>Web</a:t>
-            </a:r>
             <a:endParaRPr lang="ko-KR" altLang="en-US" sz="2800" dirty="0">
               <a:solidFill>
                 <a:schemeClr val="bg1">
@@ -8587,7 +9129,7 @@
         </p:nvSpPr>
         <p:spPr>
           <a:xfrm>
-            <a:off x="397044" y="1263316"/>
+            <a:off x="178753" y="1126793"/>
             <a:ext cx="3729790" cy="5229558"/>
           </a:xfrm>
           <a:prstGeom prst="flowChartProcess">
@@ -8636,7 +9178,7 @@
         </p:nvSpPr>
         <p:spPr>
           <a:xfrm>
-            <a:off x="637675" y="1251285"/>
+            <a:off x="419384" y="1114762"/>
             <a:ext cx="2971800" cy="318585"/>
           </a:xfrm>
           <a:prstGeom prst="rect">
@@ -8712,7 +9254,7 @@
         </p:nvSpPr>
         <p:spPr>
           <a:xfrm>
-            <a:off x="5722518" y="3778168"/>
+            <a:off x="5601451" y="3523901"/>
             <a:ext cx="2971800" cy="318585"/>
           </a:xfrm>
           <a:prstGeom prst="rect">
@@ -8788,7 +9330,7 @@
         </p:nvSpPr>
         <p:spPr>
           <a:xfrm>
-            <a:off x="481263" y="1652001"/>
+            <a:off x="262972" y="1515478"/>
             <a:ext cx="3465095" cy="4532231"/>
           </a:xfrm>
           <a:prstGeom prst="rect">
@@ -8842,7 +9384,7 @@
         </p:nvSpPr>
         <p:spPr>
           <a:xfrm>
-            <a:off x="481263" y="6003757"/>
+            <a:off x="262972" y="5867234"/>
             <a:ext cx="2971800" cy="318585"/>
           </a:xfrm>
           <a:prstGeom prst="rect">
@@ -8918,8 +9460,8 @@
         </p:nvSpPr>
         <p:spPr>
           <a:xfrm>
-            <a:off x="1440781" y="6424108"/>
-            <a:ext cx="3465095" cy="318585"/>
+            <a:off x="548720" y="6313991"/>
+            <a:ext cx="3179348" cy="318585"/>
           </a:xfrm>
           <a:prstGeom prst="rect">
             <a:avLst/>
@@ -9005,21 +9547,20 @@
           </p:cNvPr>
           <p:cNvCxnSpPr>
             <a:cxnSpLocks/>
-            <a:endCxn id="14" idx="1"/>
           </p:cNvCxnSpPr>
           <p:nvPr/>
         </p:nvCxnSpPr>
         <p:spPr>
-          <a:xfrm>
-            <a:off x="818147" y="6322342"/>
-            <a:ext cx="622634" cy="261059"/>
+          <a:xfrm rot="16200000" flipH="1">
+            <a:off x="264194" y="6242358"/>
+            <a:ext cx="343462" cy="225587"/>
           </a:xfrm>
           <a:prstGeom prst="curvedConnector3">
             <a:avLst>
-              <a:gd name="adj1" fmla="val 50000"/>
+              <a:gd name="adj1" fmla="val 99111"/>
             </a:avLst>
           </a:prstGeom>
-          <a:ln w="12700">
+          <a:ln w="28575">
             <a:solidFill>
               <a:schemeClr val="bg1"/>
             </a:solidFill>
@@ -9055,7 +9596,7 @@
         </p:nvSpPr>
         <p:spPr>
           <a:xfrm>
-            <a:off x="541424" y="1756609"/>
+            <a:off x="323133" y="1620086"/>
             <a:ext cx="3332744" cy="1256797"/>
           </a:xfrm>
           <a:prstGeom prst="rect">
@@ -9171,7 +9712,7 @@
         </p:nvSpPr>
         <p:spPr>
           <a:xfrm>
-            <a:off x="541423" y="3183938"/>
+            <a:off x="323132" y="3047415"/>
             <a:ext cx="3332744" cy="1325563"/>
           </a:xfrm>
           <a:prstGeom prst="rect">
@@ -9259,7 +9800,7 @@
         </p:nvSpPr>
         <p:spPr>
           <a:xfrm>
-            <a:off x="541423" y="4591632"/>
+            <a:off x="323132" y="4455109"/>
             <a:ext cx="3332744" cy="1325563"/>
           </a:xfrm>
           <a:prstGeom prst="rect">
@@ -9378,7 +9919,7 @@
         </p:nvSpPr>
         <p:spPr>
           <a:xfrm>
-            <a:off x="4072689" y="3233613"/>
+            <a:off x="3951622" y="3074321"/>
             <a:ext cx="1407694" cy="1407694"/>
           </a:xfrm>
           <a:prstGeom prst="mathPlus">
@@ -9420,10 +9961,262 @@
           </a:p>
         </p:txBody>
       </p:sp>
+      <p:sp>
+        <p:nvSpPr>
+          <p:cNvPr id="25" name="직사각형 24">
+            <a:extLst>
+              <a:ext uri="{FF2B5EF4-FFF2-40B4-BE49-F238E27FC236}">
+                <a16:creationId xmlns:a16="http://schemas.microsoft.com/office/drawing/2014/main" id="{755606F2-F87F-45F2-B926-54D95624332A}"/>
+              </a:ext>
+            </a:extLst>
+          </p:cNvPr>
+          <p:cNvSpPr/>
+          <p:nvPr/>
+        </p:nvSpPr>
+        <p:spPr>
+          <a:xfrm>
+            <a:off x="318501" y="704494"/>
+            <a:ext cx="8590548" cy="228311"/>
+          </a:xfrm>
+          <a:prstGeom prst="rect">
+            <a:avLst/>
+          </a:prstGeom>
+          <a:solidFill>
+            <a:schemeClr val="accent1">
+              <a:alpha val="50000"/>
+            </a:schemeClr>
+          </a:solidFill>
+          <a:ln>
+            <a:noFill/>
+          </a:ln>
+        </p:spPr>
+        <p:style>
+          <a:lnRef idx="2">
+            <a:schemeClr val="accent1">
+              <a:shade val="50000"/>
+            </a:schemeClr>
+          </a:lnRef>
+          <a:fillRef idx="1">
+            <a:schemeClr val="accent1"/>
+          </a:fillRef>
+          <a:effectRef idx="0">
+            <a:schemeClr val="accent1"/>
+          </a:effectRef>
+          <a:fontRef idx="minor">
+            <a:schemeClr val="lt1"/>
+          </a:fontRef>
+        </p:style>
+        <p:txBody>
+          <a:bodyPr rtlCol="0" anchor="ctr"/>
+          <a:lstStyle/>
+          <a:p>
+            <a:pPr algn="ctr"/>
+            <a:endParaRPr lang="ko-KR" altLang="en-US" sz="8000" dirty="0">
+              <a:latin typeface="sn별별정직" panose="02000500000000000000" pitchFamily="2" charset="0"/>
+              <a:ea typeface="sn별별정직" panose="02000500000000000000" pitchFamily="2" charset="0"/>
+            </a:endParaRPr>
+          </a:p>
+        </p:txBody>
+      </p:sp>
+      <p:sp>
+        <p:nvSpPr>
+          <p:cNvPr id="15" name="바닥글 개체 틀 14">
+            <a:extLst>
+              <a:ext uri="{FF2B5EF4-FFF2-40B4-BE49-F238E27FC236}">
+                <a16:creationId xmlns:a16="http://schemas.microsoft.com/office/drawing/2014/main" id="{4683AB0D-6B09-44E5-AD42-4221B4F98109}"/>
+              </a:ext>
+            </a:extLst>
+          </p:cNvPr>
+          <p:cNvSpPr>
+            <a:spLocks noGrp="1"/>
+          </p:cNvSpPr>
+          <p:nvPr>
+            <p:ph type="ftr" sz="quarter" idx="11"/>
+          </p:nvPr>
+        </p:nvSpPr>
+        <p:spPr/>
+        <p:txBody>
+          <a:bodyPr/>
+          <a:lstStyle/>
+          <a:p>
+            <a:r>
+              <a:rPr lang="en-US" altLang="ko-KR"/>
+              <a:t>HTTP / HTTPS</a:t>
+            </a:r>
+            <a:endParaRPr lang="ko-KR" altLang="en-US" dirty="0"/>
+          </a:p>
+        </p:txBody>
+      </p:sp>
     </p:spTree>
     <p:extLst>
       <p:ext uri="{BB962C8B-B14F-4D97-AF65-F5344CB8AC3E}">
         <p14:creationId xmlns:p14="http://schemas.microsoft.com/office/powerpoint/2010/main" val="644440050"/>
+      </p:ext>
+    </p:extLst>
+  </p:cSld>
+  <p:clrMapOvr>
+    <a:masterClrMapping/>
+  </p:clrMapOvr>
+</p:sld>
+</file>
+
+<file path=ppt/slides/slide9.xml><?xml version="1.0" encoding="utf-8"?>
+<p:sld xmlns:a="http://schemas.openxmlformats.org/drawingml/2006/main" xmlns:r="http://schemas.openxmlformats.org/officeDocument/2006/relationships" xmlns:p="http://schemas.openxmlformats.org/presentationml/2006/main">
+  <p:cSld>
+    <p:spTree>
+      <p:nvGrpSpPr>
+        <p:cNvPr id="1" name=""/>
+        <p:cNvGrpSpPr/>
+        <p:nvPr/>
+      </p:nvGrpSpPr>
+      <p:grpSpPr>
+        <a:xfrm>
+          <a:off x="0" y="0"/>
+          <a:ext cx="0" cy="0"/>
+          <a:chOff x="0" y="0"/>
+          <a:chExt cx="0" cy="0"/>
+        </a:xfrm>
+      </p:grpSpPr>
+      <p:pic>
+        <p:nvPicPr>
+          <p:cNvPr id="5" name="그림 4">
+            <a:extLst>
+              <a:ext uri="{FF2B5EF4-FFF2-40B4-BE49-F238E27FC236}">
+                <a16:creationId xmlns:a16="http://schemas.microsoft.com/office/drawing/2014/main" id="{11524B76-3F6D-430D-807F-96DD0BA64E5B}"/>
+              </a:ext>
+            </a:extLst>
+          </p:cNvPr>
+          <p:cNvPicPr>
+            <a:picLocks noChangeAspect="1"/>
+          </p:cNvPicPr>
+          <p:nvPr/>
+        </p:nvPicPr>
+        <p:blipFill>
+          <a:blip r:embed="rId2">
+            <a:duotone>
+              <a:schemeClr val="accent6">
+                <a:shade val="45000"/>
+                <a:satMod val="135000"/>
+              </a:schemeClr>
+              <a:prstClr val="white"/>
+            </a:duotone>
+            <a:extLst>
+              <a:ext uri="{28A0092B-C50C-407E-A947-70E740481C1C}">
+                <a14:useLocalDpi xmlns:a14="http://schemas.microsoft.com/office/drawing/2010/main" val="0"/>
+              </a:ext>
+            </a:extLst>
+          </a:blip>
+          <a:stretch>
+            <a:fillRect/>
+          </a:stretch>
+        </p:blipFill>
+        <p:spPr>
+          <a:xfrm>
+            <a:off x="2133905" y="990905"/>
+            <a:ext cx="4876190" cy="4876190"/>
+          </a:xfrm>
+          <a:prstGeom prst="rect">
+            <a:avLst/>
+          </a:prstGeom>
+        </p:spPr>
+      </p:pic>
+      <p:sp>
+        <p:nvSpPr>
+          <p:cNvPr id="6" name="직사각형 5">
+            <a:extLst>
+              <a:ext uri="{FF2B5EF4-FFF2-40B4-BE49-F238E27FC236}">
+                <a16:creationId xmlns:a16="http://schemas.microsoft.com/office/drawing/2014/main" id="{06878913-ACEB-495F-B620-887364B447D7}"/>
+              </a:ext>
+            </a:extLst>
+          </p:cNvPr>
+          <p:cNvSpPr/>
+          <p:nvPr/>
+        </p:nvSpPr>
+        <p:spPr>
+          <a:xfrm>
+            <a:off x="276726" y="2201778"/>
+            <a:ext cx="8590548" cy="2153653"/>
+          </a:xfrm>
+          <a:prstGeom prst="rect">
+            <a:avLst/>
+          </a:prstGeom>
+          <a:solidFill>
+            <a:schemeClr val="accent1">
+              <a:alpha val="50000"/>
+            </a:schemeClr>
+          </a:solidFill>
+          <a:ln>
+            <a:noFill/>
+          </a:ln>
+        </p:spPr>
+        <p:style>
+          <a:lnRef idx="2">
+            <a:schemeClr val="accent1">
+              <a:shade val="50000"/>
+            </a:schemeClr>
+          </a:lnRef>
+          <a:fillRef idx="1">
+            <a:schemeClr val="accent1"/>
+          </a:fillRef>
+          <a:effectRef idx="0">
+            <a:schemeClr val="accent1"/>
+          </a:effectRef>
+          <a:fontRef idx="minor">
+            <a:schemeClr val="lt1"/>
+          </a:fontRef>
+        </p:style>
+        <p:txBody>
+          <a:bodyPr rtlCol="0" anchor="ctr"/>
+          <a:lstStyle/>
+          <a:p>
+            <a:pPr algn="ctr"/>
+            <a:r>
+              <a:rPr lang="en-US" altLang="ko-KR" sz="8000" dirty="0">
+                <a:latin typeface="sn별별정직" panose="02000500000000000000" pitchFamily="2" charset="0"/>
+                <a:ea typeface="sn별별정직" panose="02000500000000000000" pitchFamily="2" charset="0"/>
+              </a:rPr>
+              <a:t>Web Browser</a:t>
+            </a:r>
+            <a:endParaRPr lang="ko-KR" altLang="en-US" sz="8000" dirty="0">
+              <a:latin typeface="sn별별정직" panose="02000500000000000000" pitchFamily="2" charset="0"/>
+              <a:ea typeface="sn별별정직" panose="02000500000000000000" pitchFamily="2" charset="0"/>
+            </a:endParaRPr>
+          </a:p>
+        </p:txBody>
+      </p:sp>
+      <p:sp>
+        <p:nvSpPr>
+          <p:cNvPr id="8" name="바닥글 개체 틀 7">
+            <a:extLst>
+              <a:ext uri="{FF2B5EF4-FFF2-40B4-BE49-F238E27FC236}">
+                <a16:creationId xmlns:a16="http://schemas.microsoft.com/office/drawing/2014/main" id="{43F733BE-717E-4D59-829E-D6516A477DA6}"/>
+              </a:ext>
+            </a:extLst>
+          </p:cNvPr>
+          <p:cNvSpPr>
+            <a:spLocks noGrp="1"/>
+          </p:cNvSpPr>
+          <p:nvPr>
+            <p:ph type="ftr" sz="quarter" idx="11"/>
+          </p:nvPr>
+        </p:nvSpPr>
+        <p:spPr/>
+        <p:txBody>
+          <a:bodyPr/>
+          <a:lstStyle/>
+          <a:p>
+            <a:r>
+              <a:rPr lang="en-US" altLang="ko-KR"/>
+              <a:t>Web Browser</a:t>
+            </a:r>
+            <a:endParaRPr lang="ko-KR" altLang="en-US" dirty="0"/>
+          </a:p>
+        </p:txBody>
+      </p:sp>
+    </p:spTree>
+    <p:extLst>
+      <p:ext uri="{BB962C8B-B14F-4D97-AF65-F5344CB8AC3E}">
+        <p14:creationId xmlns:p14="http://schemas.microsoft.com/office/powerpoint/2010/main" val="847257386"/>
       </p:ext>
     </p:extLst>
   </p:cSld>

--- a/웹해킹 정리.pptx
+++ b/웹해킹 정리.pptx
@@ -5,7 +5,7 @@
     <p:sldMasterId id="2147483660" r:id="rId1"/>
   </p:sldMasterIdLst>
   <p:notesMasterIdLst>
-    <p:notesMasterId r:id="rId11"/>
+    <p:notesMasterId r:id="rId16"/>
   </p:notesMasterIdLst>
   <p:sldIdLst>
     <p:sldId id="256" r:id="rId2"/>
@@ -17,6 +17,11 @@
     <p:sldId id="262" r:id="rId8"/>
     <p:sldId id="263" r:id="rId9"/>
     <p:sldId id="264" r:id="rId10"/>
+    <p:sldId id="266" r:id="rId11"/>
+    <p:sldId id="267" r:id="rId12"/>
+    <p:sldId id="268" r:id="rId13"/>
+    <p:sldId id="269" r:id="rId14"/>
+    <p:sldId id="270" r:id="rId15"/>
   </p:sldIdLst>
   <p:sldSz cx="9144000" cy="6858000" type="screen4x3"/>
   <p:notesSz cx="6858000" cy="9144000"/>
@@ -205,7 +210,7 @@
           <a:p>
             <a:fld id="{92DBC77A-631B-4825-961B-5487F8D6C50C}" type="datetimeFigureOut">
               <a:rPr lang="ko-KR" altLang="en-US" smtClean="0"/>
-              <a:t>2022-04-17</a:t>
+              <a:t>2022-04-18</a:t>
             </a:fld>
             <a:endParaRPr lang="ko-KR" altLang="en-US" dirty="0"/>
           </a:p>
@@ -1063,7 +1068,7 @@
             <a:fld id="{52EA8240-A5CC-4C55-A761-22CE61EA312A}" type="datetimeFigureOut">
               <a:rPr lang="ko-KR" altLang="en-US" smtClean="0"/>
               <a:pPr/>
-              <a:t>2022-04-17</a:t>
+              <a:t>2022-04-18</a:t>
             </a:fld>
             <a:endParaRPr lang="ko-KR" altLang="en-US" dirty="0"/>
           </a:p>
@@ -1248,7 +1253,7 @@
           <a:p>
             <a:fld id="{52EA8240-A5CC-4C55-A761-22CE61EA312A}" type="datetimeFigureOut">
               <a:rPr lang="ko-KR" altLang="en-US" smtClean="0"/>
-              <a:t>2022-04-17</a:t>
+              <a:t>2022-04-18</a:t>
             </a:fld>
             <a:endParaRPr lang="ko-KR" altLang="en-US" dirty="0"/>
           </a:p>
@@ -1428,7 +1433,7 @@
           <a:p>
             <a:fld id="{52EA8240-A5CC-4C55-A761-22CE61EA312A}" type="datetimeFigureOut">
               <a:rPr lang="ko-KR" altLang="en-US" smtClean="0"/>
-              <a:t>2022-04-17</a:t>
+              <a:t>2022-04-18</a:t>
             </a:fld>
             <a:endParaRPr lang="ko-KR" altLang="en-US" dirty="0"/>
           </a:p>
@@ -1665,7 +1670,7 @@
             <a:fld id="{52EA8240-A5CC-4C55-A761-22CE61EA312A}" type="datetimeFigureOut">
               <a:rPr lang="ko-KR" altLang="en-US" smtClean="0"/>
               <a:pPr/>
-              <a:t>2022-04-17</a:t>
+              <a:t>2022-04-18</a:t>
             </a:fld>
             <a:endParaRPr lang="ko-KR" altLang="en-US" dirty="0"/>
           </a:p>
@@ -1930,7 +1935,7 @@
           <a:p>
             <a:fld id="{52EA8240-A5CC-4C55-A761-22CE61EA312A}" type="datetimeFigureOut">
               <a:rPr lang="ko-KR" altLang="en-US" smtClean="0"/>
-              <a:t>2022-04-17</a:t>
+              <a:t>2022-04-18</a:t>
             </a:fld>
             <a:endParaRPr lang="ko-KR" altLang="en-US" dirty="0"/>
           </a:p>
@@ -2162,7 +2167,7 @@
           <a:p>
             <a:fld id="{52EA8240-A5CC-4C55-A761-22CE61EA312A}" type="datetimeFigureOut">
               <a:rPr lang="ko-KR" altLang="en-US" smtClean="0"/>
-              <a:t>2022-04-17</a:t>
+              <a:t>2022-04-18</a:t>
             </a:fld>
             <a:endParaRPr lang="ko-KR" altLang="en-US" dirty="0"/>
           </a:p>
@@ -2529,7 +2534,7 @@
           <a:p>
             <a:fld id="{52EA8240-A5CC-4C55-A761-22CE61EA312A}" type="datetimeFigureOut">
               <a:rPr lang="ko-KR" altLang="en-US" smtClean="0"/>
-              <a:t>2022-04-17</a:t>
+              <a:t>2022-04-18</a:t>
             </a:fld>
             <a:endParaRPr lang="ko-KR" altLang="en-US" dirty="0"/>
           </a:p>
@@ -2647,7 +2652,7 @@
           <a:p>
             <a:fld id="{52EA8240-A5CC-4C55-A761-22CE61EA312A}" type="datetimeFigureOut">
               <a:rPr lang="ko-KR" altLang="en-US" smtClean="0"/>
-              <a:t>2022-04-17</a:t>
+              <a:t>2022-04-18</a:t>
             </a:fld>
             <a:endParaRPr lang="ko-KR" altLang="en-US" dirty="0"/>
           </a:p>
@@ -2742,7 +2747,7 @@
           <a:p>
             <a:fld id="{52EA8240-A5CC-4C55-A761-22CE61EA312A}" type="datetimeFigureOut">
               <a:rPr lang="ko-KR" altLang="en-US" smtClean="0"/>
-              <a:t>2022-04-17</a:t>
+              <a:t>2022-04-18</a:t>
             </a:fld>
             <a:endParaRPr lang="ko-KR" altLang="en-US" dirty="0"/>
           </a:p>
@@ -3019,7 +3024,7 @@
           <a:p>
             <a:fld id="{52EA8240-A5CC-4C55-A761-22CE61EA312A}" type="datetimeFigureOut">
               <a:rPr lang="ko-KR" altLang="en-US" smtClean="0"/>
-              <a:t>2022-04-17</a:t>
+              <a:t>2022-04-18</a:t>
             </a:fld>
             <a:endParaRPr lang="ko-KR" altLang="en-US" dirty="0"/>
           </a:p>
@@ -3276,7 +3281,7 @@
           <a:p>
             <a:fld id="{52EA8240-A5CC-4C55-A761-22CE61EA312A}" type="datetimeFigureOut">
               <a:rPr lang="ko-KR" altLang="en-US" smtClean="0"/>
-              <a:t>2022-04-17</a:t>
+              <a:t>2022-04-18</a:t>
             </a:fld>
             <a:endParaRPr lang="ko-KR" altLang="en-US" dirty="0"/>
           </a:p>
@@ -3492,7 +3497,7 @@
           <a:p>
             <a:fld id="{52EA8240-A5CC-4C55-A761-22CE61EA312A}" type="datetimeFigureOut">
               <a:rPr lang="ko-KR" altLang="en-US" smtClean="0"/>
-              <a:t>2022-04-17</a:t>
+              <a:t>2022-04-18</a:t>
             </a:fld>
             <a:endParaRPr lang="ko-KR" altLang="en-US" dirty="0"/>
           </a:p>
@@ -4041,6 +4046,4580 @@
 </p:sld>
 </file>
 
+<file path=ppt/slides/slide10.xml><?xml version="1.0" encoding="utf-8"?>
+<p:sld xmlns:a="http://schemas.openxmlformats.org/drawingml/2006/main" xmlns:r="http://schemas.openxmlformats.org/officeDocument/2006/relationships" xmlns:p="http://schemas.openxmlformats.org/presentationml/2006/main">
+  <p:cSld>
+    <p:spTree>
+      <p:nvGrpSpPr>
+        <p:cNvPr id="1" name=""/>
+        <p:cNvGrpSpPr/>
+        <p:nvPr/>
+      </p:nvGrpSpPr>
+      <p:grpSpPr>
+        <a:xfrm>
+          <a:off x="0" y="0"/>
+          <a:ext cx="0" cy="0"/>
+          <a:chOff x="0" y="0"/>
+          <a:chExt cx="0" cy="0"/>
+        </a:xfrm>
+      </p:grpSpPr>
+      <p:sp>
+        <p:nvSpPr>
+          <p:cNvPr id="4" name="직사각형 3">
+            <a:extLst>
+              <a:ext uri="{FF2B5EF4-FFF2-40B4-BE49-F238E27FC236}">
+                <a16:creationId xmlns:a16="http://schemas.microsoft.com/office/drawing/2014/main" id="{7DE5497F-7948-4CA1-8940-250A87E88077}"/>
+              </a:ext>
+            </a:extLst>
+          </p:cNvPr>
+          <p:cNvSpPr/>
+          <p:nvPr/>
+        </p:nvSpPr>
+        <p:spPr>
+          <a:xfrm>
+            <a:off x="318501" y="704494"/>
+            <a:ext cx="8590548" cy="228311"/>
+          </a:xfrm>
+          <a:prstGeom prst="rect">
+            <a:avLst/>
+          </a:prstGeom>
+          <a:solidFill>
+            <a:schemeClr val="accent1">
+              <a:alpha val="50000"/>
+            </a:schemeClr>
+          </a:solidFill>
+          <a:ln>
+            <a:noFill/>
+          </a:ln>
+        </p:spPr>
+        <p:style>
+          <a:lnRef idx="2">
+            <a:schemeClr val="accent1">
+              <a:shade val="50000"/>
+            </a:schemeClr>
+          </a:lnRef>
+          <a:fillRef idx="1">
+            <a:schemeClr val="accent1"/>
+          </a:fillRef>
+          <a:effectRef idx="0">
+            <a:schemeClr val="accent1"/>
+          </a:effectRef>
+          <a:fontRef idx="minor">
+            <a:schemeClr val="lt1"/>
+          </a:fontRef>
+        </p:style>
+        <p:txBody>
+          <a:bodyPr rtlCol="0" anchor="ctr"/>
+          <a:lstStyle/>
+          <a:p>
+            <a:pPr algn="ctr"/>
+            <a:endParaRPr lang="ko-KR" altLang="en-US" sz="8000" dirty="0">
+              <a:latin typeface="sn별별정직" panose="02000500000000000000" pitchFamily="2" charset="0"/>
+              <a:ea typeface="sn별별정직" panose="02000500000000000000" pitchFamily="2" charset="0"/>
+            </a:endParaRPr>
+          </a:p>
+        </p:txBody>
+      </p:sp>
+      <p:sp>
+        <p:nvSpPr>
+          <p:cNvPr id="2" name="제목 1">
+            <a:extLst>
+              <a:ext uri="{FF2B5EF4-FFF2-40B4-BE49-F238E27FC236}">
+                <a16:creationId xmlns:a16="http://schemas.microsoft.com/office/drawing/2014/main" id="{6E0C0954-F8FB-4F14-BE7C-D009E20B2CD9}"/>
+              </a:ext>
+            </a:extLst>
+          </p:cNvPr>
+          <p:cNvSpPr>
+            <a:spLocks noGrp="1"/>
+          </p:cNvSpPr>
+          <p:nvPr>
+            <p:ph type="title"/>
+          </p:nvPr>
+        </p:nvSpPr>
+        <p:spPr/>
+        <p:txBody>
+          <a:bodyPr>
+            <a:normAutofit fontScale="90000"/>
+          </a:bodyPr>
+          <a:lstStyle/>
+          <a:p>
+            <a:pPr algn="ctr"/>
+            <a:r>
+              <a:rPr lang="en-US" altLang="ko-KR" sz="4900" dirty="0"/>
+              <a:t>Web : Web Browser</a:t>
+            </a:r>
+            <a:br>
+              <a:rPr lang="en-US" altLang="ko-KR" dirty="0"/>
+            </a:br>
+            <a:r>
+              <a:rPr lang="en-US" altLang="ko-KR" sz="3100" dirty="0">
+                <a:solidFill>
+                  <a:schemeClr val="bg1">
+                    <a:lumMod val="65000"/>
+                  </a:schemeClr>
+                </a:solidFill>
+              </a:rPr>
+              <a:t>Web Browser</a:t>
+            </a:r>
+            <a:r>
+              <a:rPr lang="en-US" altLang="ko-KR" sz="5300" dirty="0"/>
+              <a:t> </a:t>
+            </a:r>
+            <a:endParaRPr lang="ko-KR" altLang="en-US" dirty="0"/>
+          </a:p>
+        </p:txBody>
+      </p:sp>
+      <p:pic>
+        <p:nvPicPr>
+          <p:cNvPr id="8" name="그림 7">
+            <a:extLst>
+              <a:ext uri="{FF2B5EF4-FFF2-40B4-BE49-F238E27FC236}">
+                <a16:creationId xmlns:a16="http://schemas.microsoft.com/office/drawing/2014/main" id="{B163C961-D585-41FB-BC64-91DCA6A3C504}"/>
+              </a:ext>
+            </a:extLst>
+          </p:cNvPr>
+          <p:cNvPicPr>
+            <a:picLocks noChangeAspect="1"/>
+          </p:cNvPicPr>
+          <p:nvPr/>
+        </p:nvPicPr>
+        <p:blipFill>
+          <a:blip r:embed="rId2">
+            <a:duotone>
+              <a:schemeClr val="bg2">
+                <a:shade val="45000"/>
+                <a:satMod val="135000"/>
+              </a:schemeClr>
+              <a:prstClr val="white"/>
+            </a:duotone>
+            <a:extLst>
+              <a:ext uri="{28A0092B-C50C-407E-A947-70E740481C1C}">
+                <a14:useLocalDpi xmlns:a14="http://schemas.microsoft.com/office/drawing/2010/main" val="0"/>
+              </a:ext>
+            </a:extLst>
+          </a:blip>
+          <a:stretch>
+            <a:fillRect/>
+          </a:stretch>
+        </p:blipFill>
+        <p:spPr>
+          <a:xfrm>
+            <a:off x="2876481" y="3004180"/>
+            <a:ext cx="2418173" cy="2418173"/>
+          </a:xfrm>
+          <a:prstGeom prst="rect">
+            <a:avLst/>
+          </a:prstGeom>
+        </p:spPr>
+      </p:pic>
+      <p:sp>
+        <p:nvSpPr>
+          <p:cNvPr id="9" name="TextBox 8">
+            <a:extLst>
+              <a:ext uri="{FF2B5EF4-FFF2-40B4-BE49-F238E27FC236}">
+                <a16:creationId xmlns:a16="http://schemas.microsoft.com/office/drawing/2014/main" id="{EB78E4FB-27F8-46F0-A680-EAEAA32D3188}"/>
+              </a:ext>
+            </a:extLst>
+          </p:cNvPr>
+          <p:cNvSpPr txBox="1"/>
+          <p:nvPr/>
+        </p:nvSpPr>
+        <p:spPr>
+          <a:xfrm>
+            <a:off x="2744593" y="2173183"/>
+            <a:ext cx="2765501" cy="830997"/>
+          </a:xfrm>
+          <a:prstGeom prst="rect">
+            <a:avLst/>
+          </a:prstGeom>
+          <a:noFill/>
+        </p:spPr>
+        <p:txBody>
+          <a:bodyPr wrap="none" rtlCol="0">
+            <a:spAutoFit/>
+          </a:bodyPr>
+          <a:lstStyle/>
+          <a:p>
+            <a:pPr algn="ctr"/>
+            <a:r>
+              <a:rPr lang="en-US" altLang="ko-KR" sz="2400" dirty="0">
+                <a:solidFill>
+                  <a:schemeClr val="bg1"/>
+                </a:solidFill>
+                <a:latin typeface="sn별별정직" panose="02000500000000000000" pitchFamily="2" charset="0"/>
+                <a:ea typeface="sn별별정직" panose="02000500000000000000" pitchFamily="2" charset="0"/>
+              </a:rPr>
+              <a:t>Web Browser</a:t>
+            </a:r>
+          </a:p>
+          <a:p>
+            <a:pPr algn="ctr"/>
+            <a:r>
+              <a:rPr lang="ko-KR" altLang="en-US" sz="2400" dirty="0">
+                <a:solidFill>
+                  <a:schemeClr val="bg1"/>
+                </a:solidFill>
+                <a:latin typeface="sn별별정직" panose="02000500000000000000" pitchFamily="2" charset="0"/>
+                <a:ea typeface="sn별별정직" panose="02000500000000000000" pitchFamily="2" charset="0"/>
+              </a:rPr>
+              <a:t>뛰어난 </a:t>
+            </a:r>
+            <a:r>
+              <a:rPr lang="en-US" altLang="ko-KR" sz="2400" dirty="0">
+                <a:solidFill>
+                  <a:schemeClr val="bg1"/>
+                </a:solidFill>
+                <a:latin typeface="sn별별정직" panose="02000500000000000000" pitchFamily="2" charset="0"/>
+                <a:ea typeface="sn별별정직" panose="02000500000000000000" pitchFamily="2" charset="0"/>
+              </a:rPr>
+              <a:t>UX</a:t>
+            </a:r>
+            <a:r>
+              <a:rPr lang="en-US" altLang="ko-KR" dirty="0">
+                <a:solidFill>
+                  <a:schemeClr val="bg1">
+                    <a:lumMod val="65000"/>
+                  </a:schemeClr>
+                </a:solidFill>
+                <a:latin typeface="sn별별정직" panose="02000500000000000000" pitchFamily="2" charset="0"/>
+                <a:ea typeface="sn별별정직" panose="02000500000000000000" pitchFamily="2" charset="0"/>
+              </a:rPr>
+              <a:t>User eXperience</a:t>
+            </a:r>
+            <a:endParaRPr lang="ko-KR" altLang="en-US" sz="2400" dirty="0">
+              <a:solidFill>
+                <a:schemeClr val="bg1">
+                  <a:lumMod val="65000"/>
+                </a:schemeClr>
+              </a:solidFill>
+              <a:latin typeface="sn별별정직" panose="02000500000000000000" pitchFamily="2" charset="0"/>
+              <a:ea typeface="sn별별정직" panose="02000500000000000000" pitchFamily="2" charset="0"/>
+            </a:endParaRPr>
+          </a:p>
+        </p:txBody>
+      </p:sp>
+      <p:grpSp>
+        <p:nvGrpSpPr>
+          <p:cNvPr id="13" name="그룹 12">
+            <a:extLst>
+              <a:ext uri="{FF2B5EF4-FFF2-40B4-BE49-F238E27FC236}">
+                <a16:creationId xmlns:a16="http://schemas.microsoft.com/office/drawing/2014/main" id="{451A9CE6-BFBC-4195-9850-340BE55C01CA}"/>
+              </a:ext>
+            </a:extLst>
+          </p:cNvPr>
+          <p:cNvGrpSpPr/>
+          <p:nvPr/>
+        </p:nvGrpSpPr>
+        <p:grpSpPr>
+          <a:xfrm>
+            <a:off x="318501" y="2884931"/>
+            <a:ext cx="2115942" cy="1661053"/>
+            <a:chOff x="318501" y="2778053"/>
+            <a:chExt cx="2115942" cy="1661053"/>
+          </a:xfrm>
+        </p:grpSpPr>
+        <p:sp>
+          <p:nvSpPr>
+            <p:cNvPr id="10" name="사각형: 모서리가 접힌 도형 9">
+              <a:extLst>
+                <a:ext uri="{FF2B5EF4-FFF2-40B4-BE49-F238E27FC236}">
+                  <a16:creationId xmlns:a16="http://schemas.microsoft.com/office/drawing/2014/main" id="{605EE63B-F3D6-478F-ADA2-E06D2BBC1FC1}"/>
+                </a:ext>
+              </a:extLst>
+            </p:cNvPr>
+            <p:cNvSpPr/>
+            <p:nvPr/>
+          </p:nvSpPr>
+          <p:spPr>
+            <a:xfrm>
+              <a:off x="628651" y="2778053"/>
+              <a:ext cx="1805792" cy="914264"/>
+            </a:xfrm>
+            <a:prstGeom prst="foldedCorner">
+              <a:avLst/>
+            </a:prstGeom>
+            <a:solidFill>
+              <a:schemeClr val="tx1"/>
+            </a:solidFill>
+            <a:ln>
+              <a:solidFill>
+                <a:schemeClr val="bg1"/>
+              </a:solidFill>
+            </a:ln>
+          </p:spPr>
+          <p:style>
+            <a:lnRef idx="2">
+              <a:schemeClr val="accent1">
+                <a:shade val="50000"/>
+              </a:schemeClr>
+            </a:lnRef>
+            <a:fillRef idx="1">
+              <a:schemeClr val="accent1"/>
+            </a:fillRef>
+            <a:effectRef idx="0">
+              <a:schemeClr val="accent1"/>
+            </a:effectRef>
+            <a:fontRef idx="minor">
+              <a:schemeClr val="lt1"/>
+            </a:fontRef>
+          </p:style>
+          <p:txBody>
+            <a:bodyPr rtlCol="0" anchor="ctr"/>
+            <a:lstStyle/>
+            <a:p>
+              <a:pPr algn="ctr"/>
+              <a:r>
+                <a:rPr lang="ko-KR" altLang="en-US" dirty="0">
+                  <a:latin typeface="sn별별정직" panose="02000500000000000000" pitchFamily="2" charset="0"/>
+                  <a:ea typeface="sn별별정직" panose="02000500000000000000" pitchFamily="2" charset="0"/>
+                </a:rPr>
+                <a:t>서버와 </a:t>
+              </a:r>
+              <a:r>
+                <a:rPr lang="en-US" altLang="ko-KR" dirty="0">
+                  <a:latin typeface="sn별별정직" panose="02000500000000000000" pitchFamily="2" charset="0"/>
+                  <a:ea typeface="sn별별정직" panose="02000500000000000000" pitchFamily="2" charset="0"/>
+                </a:rPr>
+                <a:t>HTTP </a:t>
+              </a:r>
+              <a:r>
+                <a:rPr lang="ko-KR" altLang="en-US" dirty="0">
+                  <a:latin typeface="sn별별정직" panose="02000500000000000000" pitchFamily="2" charset="0"/>
+                  <a:ea typeface="sn별별정직" panose="02000500000000000000" pitchFamily="2" charset="0"/>
+                </a:rPr>
+                <a:t>통신을 대신함</a:t>
+              </a:r>
+            </a:p>
+          </p:txBody>
+        </p:sp>
+        <p:sp>
+          <p:nvSpPr>
+            <p:cNvPr id="11" name="사각형: 모서리가 접힌 도형 10">
+              <a:extLst>
+                <a:ext uri="{FF2B5EF4-FFF2-40B4-BE49-F238E27FC236}">
+                  <a16:creationId xmlns:a16="http://schemas.microsoft.com/office/drawing/2014/main" id="{8CE18C58-E27C-437C-8B7E-9EA3BD929916}"/>
+                </a:ext>
+              </a:extLst>
+            </p:cNvPr>
+            <p:cNvSpPr/>
+            <p:nvPr/>
+          </p:nvSpPr>
+          <p:spPr>
+            <a:xfrm>
+              <a:off x="318501" y="3524842"/>
+              <a:ext cx="1555599" cy="914264"/>
+            </a:xfrm>
+            <a:prstGeom prst="foldedCorner">
+              <a:avLst/>
+            </a:prstGeom>
+            <a:solidFill>
+              <a:schemeClr val="tx1"/>
+            </a:solidFill>
+            <a:ln>
+              <a:solidFill>
+                <a:schemeClr val="bg1"/>
+              </a:solidFill>
+            </a:ln>
+          </p:spPr>
+          <p:style>
+            <a:lnRef idx="2">
+              <a:schemeClr val="accent1">
+                <a:shade val="50000"/>
+              </a:schemeClr>
+            </a:lnRef>
+            <a:fillRef idx="1">
+              <a:schemeClr val="accent1"/>
+            </a:fillRef>
+            <a:effectRef idx="0">
+              <a:schemeClr val="accent1"/>
+            </a:effectRef>
+            <a:fontRef idx="minor">
+              <a:schemeClr val="lt1"/>
+            </a:fontRef>
+          </p:style>
+          <p:txBody>
+            <a:bodyPr rtlCol="0" anchor="ctr"/>
+            <a:lstStyle/>
+            <a:p>
+              <a:pPr algn="ctr"/>
+              <a:r>
+                <a:rPr lang="ko-KR" altLang="en-US" dirty="0">
+                  <a:latin typeface="sn별별정직" panose="02000500000000000000" pitchFamily="2" charset="0"/>
+                  <a:ea typeface="sn별별정직" panose="02000500000000000000" pitchFamily="2" charset="0"/>
+                </a:rPr>
+                <a:t>수신한 리소스를 시각화</a:t>
+              </a:r>
+            </a:p>
+          </p:txBody>
+        </p:sp>
+      </p:grpSp>
+      <p:sp>
+        <p:nvSpPr>
+          <p:cNvPr id="14" name="직사각형 13">
+            <a:extLst>
+              <a:ext uri="{FF2B5EF4-FFF2-40B4-BE49-F238E27FC236}">
+                <a16:creationId xmlns:a16="http://schemas.microsoft.com/office/drawing/2014/main" id="{0FA5D23B-E45C-4465-8E52-E82F01867E39}"/>
+              </a:ext>
+            </a:extLst>
+          </p:cNvPr>
+          <p:cNvSpPr/>
+          <p:nvPr/>
+        </p:nvSpPr>
+        <p:spPr>
+          <a:xfrm>
+            <a:off x="5820244" y="2030057"/>
+            <a:ext cx="45719" cy="4319691"/>
+          </a:xfrm>
+          <a:prstGeom prst="rect">
+            <a:avLst/>
+          </a:prstGeom>
+          <a:solidFill>
+            <a:schemeClr val="tx1"/>
+          </a:solidFill>
+          <a:ln>
+            <a:solidFill>
+              <a:schemeClr val="bg1"/>
+            </a:solidFill>
+          </a:ln>
+        </p:spPr>
+        <p:style>
+          <a:lnRef idx="2">
+            <a:schemeClr val="accent1">
+              <a:shade val="50000"/>
+            </a:schemeClr>
+          </a:lnRef>
+          <a:fillRef idx="1">
+            <a:schemeClr val="accent1"/>
+          </a:fillRef>
+          <a:effectRef idx="0">
+            <a:schemeClr val="accent1"/>
+          </a:effectRef>
+          <a:fontRef idx="minor">
+            <a:schemeClr val="lt1"/>
+          </a:fontRef>
+        </p:style>
+        <p:txBody>
+          <a:bodyPr rtlCol="0" anchor="ctr"/>
+          <a:lstStyle/>
+          <a:p>
+            <a:pPr algn="ctr"/>
+            <a:endParaRPr lang="ko-KR" altLang="en-US" dirty="0"/>
+          </a:p>
+        </p:txBody>
+      </p:sp>
+      <p:sp>
+        <p:nvSpPr>
+          <p:cNvPr id="15" name="TextBox 14">
+            <a:extLst>
+              <a:ext uri="{FF2B5EF4-FFF2-40B4-BE49-F238E27FC236}">
+                <a16:creationId xmlns:a16="http://schemas.microsoft.com/office/drawing/2014/main" id="{52424A43-C4A2-48D0-A403-70343FB879C5}"/>
+              </a:ext>
+            </a:extLst>
+          </p:cNvPr>
+          <p:cNvSpPr txBox="1"/>
+          <p:nvPr/>
+        </p:nvSpPr>
+        <p:spPr>
+          <a:xfrm flipH="1">
+            <a:off x="5911682" y="2030057"/>
+            <a:ext cx="2852308" cy="646331"/>
+          </a:xfrm>
+          <a:prstGeom prst="rect">
+            <a:avLst/>
+          </a:prstGeom>
+          <a:noFill/>
+        </p:spPr>
+        <p:txBody>
+          <a:bodyPr wrap="square" rtlCol="0">
+            <a:spAutoFit/>
+          </a:bodyPr>
+          <a:lstStyle/>
+          <a:p>
+            <a:r>
+              <a:rPr lang="ko-KR" altLang="en-US" dirty="0">
+                <a:solidFill>
+                  <a:schemeClr val="bg1"/>
+                </a:solidFill>
+                <a:latin typeface="sn별별정직" panose="02000500000000000000" pitchFamily="2" charset="0"/>
+                <a:ea typeface="sn별별정직" panose="02000500000000000000" pitchFamily="2" charset="0"/>
+              </a:rPr>
+              <a:t>주소창에 주소를 입력했을 때의 브라우저가 하게 되는 기본적인 동작</a:t>
+            </a:r>
+            <a:endParaRPr lang="en-US" altLang="ko-KR" dirty="0">
+              <a:solidFill>
+                <a:schemeClr val="bg1"/>
+              </a:solidFill>
+              <a:latin typeface="sn별별정직" panose="02000500000000000000" pitchFamily="2" charset="0"/>
+              <a:ea typeface="sn별별정직" panose="02000500000000000000" pitchFamily="2" charset="0"/>
+            </a:endParaRPr>
+          </a:p>
+        </p:txBody>
+      </p:sp>
+      <p:sp>
+        <p:nvSpPr>
+          <p:cNvPr id="16" name="직사각형 15">
+            <a:extLst>
+              <a:ext uri="{FF2B5EF4-FFF2-40B4-BE49-F238E27FC236}">
+                <a16:creationId xmlns:a16="http://schemas.microsoft.com/office/drawing/2014/main" id="{DBA6C378-3195-4ADF-A663-E04CBF4F60D1}"/>
+              </a:ext>
+            </a:extLst>
+          </p:cNvPr>
+          <p:cNvSpPr/>
+          <p:nvPr/>
+        </p:nvSpPr>
+        <p:spPr>
+          <a:xfrm flipV="1">
+            <a:off x="5953299" y="2663887"/>
+            <a:ext cx="1660568" cy="45719"/>
+          </a:xfrm>
+          <a:prstGeom prst="rect">
+            <a:avLst/>
+          </a:prstGeom>
+          <a:solidFill>
+            <a:schemeClr val="tx1"/>
+          </a:solidFill>
+          <a:ln>
+            <a:solidFill>
+              <a:schemeClr val="bg1"/>
+            </a:solidFill>
+          </a:ln>
+        </p:spPr>
+        <p:style>
+          <a:lnRef idx="2">
+            <a:schemeClr val="accent1">
+              <a:shade val="50000"/>
+            </a:schemeClr>
+          </a:lnRef>
+          <a:fillRef idx="1">
+            <a:schemeClr val="accent1"/>
+          </a:fillRef>
+          <a:effectRef idx="0">
+            <a:schemeClr val="accent1"/>
+          </a:effectRef>
+          <a:fontRef idx="minor">
+            <a:schemeClr val="lt1"/>
+          </a:fontRef>
+        </p:style>
+        <p:txBody>
+          <a:bodyPr rtlCol="0" anchor="ctr"/>
+          <a:lstStyle/>
+          <a:p>
+            <a:pPr algn="ctr"/>
+            <a:endParaRPr lang="ko-KR" altLang="en-US" dirty="0"/>
+          </a:p>
+        </p:txBody>
+      </p:sp>
+      <p:sp>
+        <p:nvSpPr>
+          <p:cNvPr id="17" name="TextBox 16">
+            <a:extLst>
+              <a:ext uri="{FF2B5EF4-FFF2-40B4-BE49-F238E27FC236}">
+                <a16:creationId xmlns:a16="http://schemas.microsoft.com/office/drawing/2014/main" id="{E16E1C15-4C4D-4884-B92C-52FA0C5B901E}"/>
+              </a:ext>
+            </a:extLst>
+          </p:cNvPr>
+          <p:cNvSpPr txBox="1"/>
+          <p:nvPr/>
+        </p:nvSpPr>
+        <p:spPr>
+          <a:xfrm flipH="1">
+            <a:off x="5952130" y="2787941"/>
+            <a:ext cx="3191869" cy="3139321"/>
+          </a:xfrm>
+          <a:prstGeom prst="rect">
+            <a:avLst/>
+          </a:prstGeom>
+          <a:noFill/>
+        </p:spPr>
+        <p:txBody>
+          <a:bodyPr wrap="square" rtlCol="0">
+            <a:spAutoFit/>
+          </a:bodyPr>
+          <a:lstStyle/>
+          <a:p>
+            <a:pPr marL="342900" indent="-342900">
+              <a:buAutoNum type="arabicPeriod"/>
+            </a:pPr>
+            <a:r>
+              <a:rPr lang="ko-KR" altLang="en-US" dirty="0">
+                <a:solidFill>
+                  <a:schemeClr val="bg1"/>
+                </a:solidFill>
+                <a:latin typeface="sn별별정직" panose="02000500000000000000" pitchFamily="2" charset="0"/>
+                <a:ea typeface="sn별별정직" panose="02000500000000000000" pitchFamily="2" charset="0"/>
+              </a:rPr>
+              <a:t>  웹 브라우저의 주소창에</a:t>
+            </a:r>
+            <a:endParaRPr lang="en-US" altLang="ko-KR" dirty="0">
+              <a:solidFill>
+                <a:schemeClr val="bg1"/>
+              </a:solidFill>
+              <a:latin typeface="sn별별정직" panose="02000500000000000000" pitchFamily="2" charset="0"/>
+              <a:ea typeface="sn별별정직" panose="02000500000000000000" pitchFamily="2" charset="0"/>
+            </a:endParaRPr>
+          </a:p>
+          <a:p>
+            <a:pPr lvl="1"/>
+            <a:r>
+              <a:rPr lang="ko-KR" altLang="en-US" dirty="0">
+                <a:solidFill>
+                  <a:schemeClr val="bg1"/>
+                </a:solidFill>
+                <a:latin typeface="sn별별정직" panose="02000500000000000000" pitchFamily="2" charset="0"/>
+                <a:ea typeface="sn별별정직" panose="02000500000000000000" pitchFamily="2" charset="0"/>
+              </a:rPr>
+              <a:t>입력된 주소를 해석 </a:t>
+            </a:r>
+            <a:r>
+              <a:rPr lang="en-US" altLang="ko-KR" dirty="0">
+                <a:solidFill>
+                  <a:schemeClr val="bg1"/>
+                </a:solidFill>
+                <a:latin typeface="sn별별정직" panose="02000500000000000000" pitchFamily="2" charset="0"/>
+                <a:ea typeface="sn별별정직" panose="02000500000000000000" pitchFamily="2" charset="0"/>
+              </a:rPr>
+              <a:t>(URL </a:t>
+            </a:r>
+            <a:r>
+              <a:rPr lang="ko-KR" altLang="en-US" dirty="0">
+                <a:solidFill>
+                  <a:schemeClr val="bg1"/>
+                </a:solidFill>
+                <a:latin typeface="sn별별정직" panose="02000500000000000000" pitchFamily="2" charset="0"/>
+                <a:ea typeface="sn별별정직" panose="02000500000000000000" pitchFamily="2" charset="0"/>
+              </a:rPr>
+              <a:t>분석</a:t>
+            </a:r>
+            <a:r>
+              <a:rPr lang="en-US" altLang="ko-KR" dirty="0">
+                <a:solidFill>
+                  <a:schemeClr val="bg1"/>
+                </a:solidFill>
+                <a:latin typeface="sn별별정직" panose="02000500000000000000" pitchFamily="2" charset="0"/>
+                <a:ea typeface="sn별별정직" panose="02000500000000000000" pitchFamily="2" charset="0"/>
+              </a:rPr>
+              <a:t>)</a:t>
+            </a:r>
+          </a:p>
+          <a:p>
+            <a:endParaRPr lang="en-US" altLang="ko-KR" dirty="0">
+              <a:solidFill>
+                <a:schemeClr val="bg1"/>
+              </a:solidFill>
+              <a:latin typeface="sn별별정직" panose="02000500000000000000" pitchFamily="2" charset="0"/>
+              <a:ea typeface="sn별별정직" panose="02000500000000000000" pitchFamily="2" charset="0"/>
+            </a:endParaRPr>
+          </a:p>
+          <a:p>
+            <a:pPr marL="342900" indent="-342900">
+              <a:buAutoNum type="arabicPeriod" startAt="2"/>
+            </a:pPr>
+            <a:r>
+              <a:rPr lang="ko-KR" altLang="en-US" dirty="0">
+                <a:solidFill>
+                  <a:schemeClr val="bg1"/>
+                </a:solidFill>
+                <a:latin typeface="sn별별정직" panose="02000500000000000000" pitchFamily="2" charset="0"/>
+                <a:ea typeface="sn별별정직" panose="02000500000000000000" pitchFamily="2" charset="0"/>
+              </a:rPr>
+              <a:t>  해당하는 주소 탐색 </a:t>
+            </a:r>
+            <a:r>
+              <a:rPr lang="en-US" altLang="ko-KR" dirty="0">
+                <a:solidFill>
+                  <a:schemeClr val="bg1"/>
+                </a:solidFill>
+                <a:latin typeface="sn별별정직" panose="02000500000000000000" pitchFamily="2" charset="0"/>
+                <a:ea typeface="sn별별정직" panose="02000500000000000000" pitchFamily="2" charset="0"/>
+              </a:rPr>
+              <a:t>(DNS </a:t>
+            </a:r>
+            <a:r>
+              <a:rPr lang="ko-KR" altLang="en-US" dirty="0">
+                <a:solidFill>
+                  <a:schemeClr val="bg1"/>
+                </a:solidFill>
+                <a:latin typeface="sn별별정직" panose="02000500000000000000" pitchFamily="2" charset="0"/>
+                <a:ea typeface="sn별별정직" panose="02000500000000000000" pitchFamily="2" charset="0"/>
+              </a:rPr>
+              <a:t>요청</a:t>
+            </a:r>
+            <a:r>
+              <a:rPr lang="en-US" altLang="ko-KR" dirty="0">
+                <a:solidFill>
+                  <a:schemeClr val="bg1"/>
+                </a:solidFill>
+                <a:latin typeface="sn별별정직" panose="02000500000000000000" pitchFamily="2" charset="0"/>
+                <a:ea typeface="sn별별정직" panose="02000500000000000000" pitchFamily="2" charset="0"/>
+              </a:rPr>
+              <a:t>)</a:t>
+            </a:r>
+          </a:p>
+          <a:p>
+            <a:pPr marL="342900" indent="-342900">
+              <a:buAutoNum type="arabicPeriod" startAt="2"/>
+            </a:pPr>
+            <a:endParaRPr lang="en-US" altLang="ko-KR" dirty="0">
+              <a:solidFill>
+                <a:schemeClr val="bg1"/>
+              </a:solidFill>
+              <a:latin typeface="sn별별정직" panose="02000500000000000000" pitchFamily="2" charset="0"/>
+              <a:ea typeface="sn별별정직" panose="02000500000000000000" pitchFamily="2" charset="0"/>
+            </a:endParaRPr>
+          </a:p>
+          <a:p>
+            <a:pPr marL="342900" indent="-342900">
+              <a:buAutoNum type="arabicPeriod" startAt="3"/>
+            </a:pPr>
+            <a:r>
+              <a:rPr lang="en-US" altLang="ko-KR" dirty="0">
+                <a:solidFill>
+                  <a:schemeClr val="bg1"/>
+                </a:solidFill>
+                <a:latin typeface="sn별별정직" panose="02000500000000000000" pitchFamily="2" charset="0"/>
+                <a:ea typeface="sn별별정직" panose="02000500000000000000" pitchFamily="2" charset="0"/>
+              </a:rPr>
+              <a:t>   HTTP</a:t>
+            </a:r>
+            <a:r>
+              <a:rPr lang="ko-KR" altLang="en-US" dirty="0">
+                <a:solidFill>
+                  <a:schemeClr val="bg1"/>
+                </a:solidFill>
+                <a:latin typeface="sn별별정직" panose="02000500000000000000" pitchFamily="2" charset="0"/>
+                <a:ea typeface="sn별별정직" panose="02000500000000000000" pitchFamily="2" charset="0"/>
+              </a:rPr>
+              <a:t>를 통해 </a:t>
+            </a:r>
+            <a:r>
+              <a:rPr lang="en-US" altLang="ko-KR" dirty="0">
+                <a:solidFill>
+                  <a:schemeClr val="bg1"/>
+                </a:solidFill>
+                <a:latin typeface="sn별별정직" panose="02000500000000000000" pitchFamily="2" charset="0"/>
+                <a:ea typeface="sn별별정직" panose="02000500000000000000" pitchFamily="2" charset="0"/>
+              </a:rPr>
+              <a:t>(</a:t>
+            </a:r>
+            <a:r>
+              <a:rPr lang="ko-KR" altLang="en-US" dirty="0">
+                <a:solidFill>
+                  <a:schemeClr val="bg1"/>
+                </a:solidFill>
+                <a:latin typeface="sn별별정직" panose="02000500000000000000" pitchFamily="2" charset="0"/>
+                <a:ea typeface="sn별별정직" panose="02000500000000000000" pitchFamily="2" charset="0"/>
+              </a:rPr>
+              <a:t>주소</a:t>
+            </a:r>
+            <a:r>
+              <a:rPr lang="en-US" altLang="ko-KR" dirty="0">
+                <a:solidFill>
+                  <a:schemeClr val="bg1"/>
+                </a:solidFill>
+                <a:latin typeface="sn별별정직" panose="02000500000000000000" pitchFamily="2" charset="0"/>
+                <a:ea typeface="sn별별정직" panose="02000500000000000000" pitchFamily="2" charset="0"/>
+              </a:rPr>
+              <a:t>)</a:t>
+            </a:r>
+            <a:r>
+              <a:rPr lang="ko-KR" altLang="en-US" dirty="0">
+                <a:solidFill>
+                  <a:schemeClr val="bg1"/>
+                </a:solidFill>
+                <a:latin typeface="sn별별정직" panose="02000500000000000000" pitchFamily="2" charset="0"/>
+                <a:ea typeface="sn별별정직" panose="02000500000000000000" pitchFamily="2" charset="0"/>
+              </a:rPr>
+              <a:t>에 요청</a:t>
+            </a:r>
+            <a:endParaRPr lang="en-US" altLang="ko-KR" dirty="0">
+              <a:solidFill>
+                <a:schemeClr val="bg1"/>
+              </a:solidFill>
+              <a:latin typeface="sn별별정직" panose="02000500000000000000" pitchFamily="2" charset="0"/>
+              <a:ea typeface="sn별별정직" panose="02000500000000000000" pitchFamily="2" charset="0"/>
+            </a:endParaRPr>
+          </a:p>
+          <a:p>
+            <a:pPr marL="342900" indent="-342900">
+              <a:buAutoNum type="arabicPeriod" startAt="3"/>
+            </a:pPr>
+            <a:endParaRPr lang="en-US" altLang="ko-KR" dirty="0">
+              <a:solidFill>
+                <a:schemeClr val="bg1"/>
+              </a:solidFill>
+              <a:latin typeface="sn별별정직" panose="02000500000000000000" pitchFamily="2" charset="0"/>
+              <a:ea typeface="sn별별정직" panose="02000500000000000000" pitchFamily="2" charset="0"/>
+            </a:endParaRPr>
+          </a:p>
+          <a:p>
+            <a:pPr marL="342900" indent="-342900">
+              <a:buAutoNum type="arabicPeriod" startAt="3"/>
+            </a:pPr>
+            <a:r>
+              <a:rPr lang="en-US" altLang="ko-KR" dirty="0">
+                <a:solidFill>
+                  <a:schemeClr val="bg1"/>
+                </a:solidFill>
+                <a:latin typeface="sn별별정직" panose="02000500000000000000" pitchFamily="2" charset="0"/>
+                <a:ea typeface="sn별별정직" panose="02000500000000000000" pitchFamily="2" charset="0"/>
+              </a:rPr>
+              <a:t>   (</a:t>
+            </a:r>
+            <a:r>
+              <a:rPr lang="ko-KR" altLang="en-US" dirty="0">
+                <a:solidFill>
+                  <a:schemeClr val="bg1"/>
+                </a:solidFill>
+                <a:latin typeface="sn별별정직" panose="02000500000000000000" pitchFamily="2" charset="0"/>
+                <a:ea typeface="sn별별정직" panose="02000500000000000000" pitchFamily="2" charset="0"/>
+              </a:rPr>
+              <a:t>주소</a:t>
+            </a:r>
+            <a:r>
+              <a:rPr lang="en-US" altLang="ko-KR" dirty="0">
+                <a:solidFill>
+                  <a:schemeClr val="bg1"/>
+                </a:solidFill>
+                <a:latin typeface="sn별별정직" panose="02000500000000000000" pitchFamily="2" charset="0"/>
+                <a:ea typeface="sn별별정직" panose="02000500000000000000" pitchFamily="2" charset="0"/>
+              </a:rPr>
+              <a:t>)</a:t>
+            </a:r>
+            <a:r>
+              <a:rPr lang="ko-KR" altLang="en-US" dirty="0">
+                <a:solidFill>
+                  <a:schemeClr val="bg1"/>
+                </a:solidFill>
+                <a:latin typeface="sn별별정직" panose="02000500000000000000" pitchFamily="2" charset="0"/>
+                <a:ea typeface="sn별별정직" panose="02000500000000000000" pitchFamily="2" charset="0"/>
+              </a:rPr>
+              <a:t>에서 </a:t>
+            </a:r>
+            <a:r>
+              <a:rPr lang="en-US" altLang="ko-KR" dirty="0">
+                <a:solidFill>
+                  <a:schemeClr val="bg1"/>
+                </a:solidFill>
+                <a:latin typeface="sn별별정직" panose="02000500000000000000" pitchFamily="2" charset="0"/>
+                <a:ea typeface="sn별별정직" panose="02000500000000000000" pitchFamily="2" charset="0"/>
+              </a:rPr>
+              <a:t>HTTP </a:t>
+            </a:r>
+            <a:r>
+              <a:rPr lang="ko-KR" altLang="en-US" dirty="0">
+                <a:solidFill>
+                  <a:schemeClr val="bg1"/>
+                </a:solidFill>
+                <a:latin typeface="sn별별정직" panose="02000500000000000000" pitchFamily="2" charset="0"/>
+                <a:ea typeface="sn별별정직" panose="02000500000000000000" pitchFamily="2" charset="0"/>
+              </a:rPr>
+              <a:t>응답 수신</a:t>
+            </a:r>
+            <a:endParaRPr lang="en-US" altLang="ko-KR" dirty="0">
+              <a:solidFill>
+                <a:schemeClr val="bg1"/>
+              </a:solidFill>
+              <a:latin typeface="sn별별정직" panose="02000500000000000000" pitchFamily="2" charset="0"/>
+              <a:ea typeface="sn별별정직" panose="02000500000000000000" pitchFamily="2" charset="0"/>
+            </a:endParaRPr>
+          </a:p>
+          <a:p>
+            <a:pPr marL="342900" indent="-342900">
+              <a:buAutoNum type="arabicPeriod" startAt="3"/>
+            </a:pPr>
+            <a:endParaRPr lang="en-US" altLang="ko-KR" dirty="0">
+              <a:solidFill>
+                <a:schemeClr val="bg1"/>
+              </a:solidFill>
+              <a:latin typeface="sn별별정직" panose="02000500000000000000" pitchFamily="2" charset="0"/>
+              <a:ea typeface="sn별별정직" panose="02000500000000000000" pitchFamily="2" charset="0"/>
+            </a:endParaRPr>
+          </a:p>
+          <a:p>
+            <a:pPr marL="342900" indent="-342900">
+              <a:buAutoNum type="arabicPeriod" startAt="3"/>
+            </a:pPr>
+            <a:r>
+              <a:rPr lang="en-US" altLang="ko-KR" dirty="0">
+                <a:solidFill>
+                  <a:schemeClr val="bg1"/>
+                </a:solidFill>
+                <a:latin typeface="sn별별정직" panose="02000500000000000000" pitchFamily="2" charset="0"/>
+                <a:ea typeface="sn별별정직" panose="02000500000000000000" pitchFamily="2" charset="0"/>
+              </a:rPr>
+              <a:t>   </a:t>
+            </a:r>
+            <a:r>
+              <a:rPr lang="ko-KR" altLang="en-US" dirty="0">
+                <a:solidFill>
+                  <a:schemeClr val="bg1"/>
+                </a:solidFill>
+                <a:latin typeface="sn별별정직" panose="02000500000000000000" pitchFamily="2" charset="0"/>
+                <a:ea typeface="sn별별정직" panose="02000500000000000000" pitchFamily="2" charset="0"/>
+              </a:rPr>
+              <a:t>리소스 다운로드 및 웹 렌더링</a:t>
+            </a:r>
+            <a:br>
+              <a:rPr lang="en-US" altLang="ko-KR" dirty="0">
+                <a:solidFill>
+                  <a:schemeClr val="bg1"/>
+                </a:solidFill>
+                <a:latin typeface="sn별별정직" panose="02000500000000000000" pitchFamily="2" charset="0"/>
+                <a:ea typeface="sn별별정직" panose="02000500000000000000" pitchFamily="2" charset="0"/>
+              </a:rPr>
+            </a:br>
+            <a:r>
+              <a:rPr lang="en-US" altLang="ko-KR" dirty="0">
+                <a:solidFill>
+                  <a:schemeClr val="bg1"/>
+                </a:solidFill>
+                <a:latin typeface="sn별별정직" panose="02000500000000000000" pitchFamily="2" charset="0"/>
+                <a:ea typeface="sn별별정직" panose="02000500000000000000" pitchFamily="2" charset="0"/>
+              </a:rPr>
+              <a:t>   HTML, CSS, JAVASCRIPT</a:t>
+            </a:r>
+          </a:p>
+        </p:txBody>
+      </p:sp>
+      <p:sp>
+        <p:nvSpPr>
+          <p:cNvPr id="18" name="바닥글 개체 틀 17">
+            <a:extLst>
+              <a:ext uri="{FF2B5EF4-FFF2-40B4-BE49-F238E27FC236}">
+                <a16:creationId xmlns:a16="http://schemas.microsoft.com/office/drawing/2014/main" id="{C2F3A8F9-101D-4789-96F6-6B89A8723FE3}"/>
+              </a:ext>
+            </a:extLst>
+          </p:cNvPr>
+          <p:cNvSpPr>
+            <a:spLocks noGrp="1"/>
+          </p:cNvSpPr>
+          <p:nvPr>
+            <p:ph type="ftr" sz="quarter" idx="11"/>
+          </p:nvPr>
+        </p:nvSpPr>
+        <p:spPr/>
+        <p:txBody>
+          <a:bodyPr/>
+          <a:lstStyle/>
+          <a:p>
+            <a:r>
+              <a:rPr lang="en-US" altLang="ko-KR" dirty="0"/>
+              <a:t>Web Browser</a:t>
+            </a:r>
+            <a:endParaRPr lang="ko-KR" altLang="en-US" dirty="0"/>
+          </a:p>
+        </p:txBody>
+      </p:sp>
+    </p:spTree>
+    <p:extLst>
+      <p:ext uri="{BB962C8B-B14F-4D97-AF65-F5344CB8AC3E}">
+        <p14:creationId xmlns:p14="http://schemas.microsoft.com/office/powerpoint/2010/main" val="1043936771"/>
+      </p:ext>
+    </p:extLst>
+  </p:cSld>
+  <p:clrMapOvr>
+    <a:masterClrMapping/>
+  </p:clrMapOvr>
+</p:sld>
+</file>
+
+<file path=ppt/slides/slide11.xml><?xml version="1.0" encoding="utf-8"?>
+<p:sld xmlns:a="http://schemas.openxmlformats.org/drawingml/2006/main" xmlns:r="http://schemas.openxmlformats.org/officeDocument/2006/relationships" xmlns:p="http://schemas.openxmlformats.org/presentationml/2006/main">
+  <p:cSld>
+    <p:spTree>
+      <p:nvGrpSpPr>
+        <p:cNvPr id="1" name=""/>
+        <p:cNvGrpSpPr/>
+        <p:nvPr/>
+      </p:nvGrpSpPr>
+      <p:grpSpPr>
+        <a:xfrm>
+          <a:off x="0" y="0"/>
+          <a:ext cx="0" cy="0"/>
+          <a:chOff x="0" y="0"/>
+          <a:chExt cx="0" cy="0"/>
+        </a:xfrm>
+      </p:grpSpPr>
+      <p:sp>
+        <p:nvSpPr>
+          <p:cNvPr id="6" name="직사각형 5">
+            <a:extLst>
+              <a:ext uri="{FF2B5EF4-FFF2-40B4-BE49-F238E27FC236}">
+                <a16:creationId xmlns:a16="http://schemas.microsoft.com/office/drawing/2014/main" id="{5C9CDA17-3A70-4C44-96A0-0E5F7896229B}"/>
+              </a:ext>
+            </a:extLst>
+          </p:cNvPr>
+          <p:cNvSpPr/>
+          <p:nvPr/>
+        </p:nvSpPr>
+        <p:spPr>
+          <a:xfrm>
+            <a:off x="318501" y="704494"/>
+            <a:ext cx="8590548" cy="228311"/>
+          </a:xfrm>
+          <a:prstGeom prst="rect">
+            <a:avLst/>
+          </a:prstGeom>
+          <a:solidFill>
+            <a:schemeClr val="accent1">
+              <a:alpha val="50000"/>
+            </a:schemeClr>
+          </a:solidFill>
+          <a:ln>
+            <a:noFill/>
+          </a:ln>
+        </p:spPr>
+        <p:style>
+          <a:lnRef idx="2">
+            <a:schemeClr val="accent1">
+              <a:shade val="50000"/>
+            </a:schemeClr>
+          </a:lnRef>
+          <a:fillRef idx="1">
+            <a:schemeClr val="accent1"/>
+          </a:fillRef>
+          <a:effectRef idx="0">
+            <a:schemeClr val="accent1"/>
+          </a:effectRef>
+          <a:fontRef idx="minor">
+            <a:schemeClr val="lt1"/>
+          </a:fontRef>
+        </p:style>
+        <p:txBody>
+          <a:bodyPr rtlCol="0" anchor="ctr"/>
+          <a:lstStyle/>
+          <a:p>
+            <a:pPr algn="ctr"/>
+            <a:endParaRPr lang="ko-KR" altLang="en-US" sz="8000" dirty="0">
+              <a:latin typeface="sn별별정직" panose="02000500000000000000" pitchFamily="2" charset="0"/>
+              <a:ea typeface="sn별별정직" panose="02000500000000000000" pitchFamily="2" charset="0"/>
+            </a:endParaRPr>
+          </a:p>
+        </p:txBody>
+      </p:sp>
+      <p:sp>
+        <p:nvSpPr>
+          <p:cNvPr id="7" name="제목 1">
+            <a:extLst>
+              <a:ext uri="{FF2B5EF4-FFF2-40B4-BE49-F238E27FC236}">
+                <a16:creationId xmlns:a16="http://schemas.microsoft.com/office/drawing/2014/main" id="{EA534E23-F8F1-47E3-BC7E-0D594784A38F}"/>
+              </a:ext>
+            </a:extLst>
+          </p:cNvPr>
+          <p:cNvSpPr>
+            <a:spLocks noGrp="1"/>
+          </p:cNvSpPr>
+          <p:nvPr>
+            <p:ph type="title"/>
+          </p:nvPr>
+        </p:nvSpPr>
+        <p:spPr>
+          <a:xfrm>
+            <a:off x="628650" y="365126"/>
+            <a:ext cx="7886700" cy="1325563"/>
+          </a:xfrm>
+        </p:spPr>
+        <p:txBody>
+          <a:bodyPr>
+            <a:normAutofit/>
+          </a:bodyPr>
+          <a:lstStyle/>
+          <a:p>
+            <a:pPr algn="ctr"/>
+            <a:r>
+              <a:rPr lang="en-US" altLang="ko-KR" sz="4900" dirty="0"/>
+              <a:t>Web : Web Browser</a:t>
+            </a:r>
+            <a:br>
+              <a:rPr lang="en-US" altLang="ko-KR" dirty="0"/>
+            </a:br>
+            <a:r>
+              <a:rPr lang="en-US" altLang="ko-KR" sz="3100" dirty="0">
+                <a:solidFill>
+                  <a:schemeClr val="bg1">
+                    <a:lumMod val="65000"/>
+                  </a:schemeClr>
+                </a:solidFill>
+              </a:rPr>
+              <a:t>Url : Uniform Resource Locator</a:t>
+            </a:r>
+            <a:endParaRPr lang="ko-KR" altLang="en-US" dirty="0"/>
+          </a:p>
+        </p:txBody>
+      </p:sp>
+      <p:pic>
+        <p:nvPicPr>
+          <p:cNvPr id="9" name="그림 8">
+            <a:extLst>
+              <a:ext uri="{FF2B5EF4-FFF2-40B4-BE49-F238E27FC236}">
+                <a16:creationId xmlns:a16="http://schemas.microsoft.com/office/drawing/2014/main" id="{0BD23490-7251-4680-91E6-08EDD4B856DE}"/>
+              </a:ext>
+            </a:extLst>
+          </p:cNvPr>
+          <p:cNvPicPr>
+            <a:picLocks noChangeAspect="1"/>
+          </p:cNvPicPr>
+          <p:nvPr/>
+        </p:nvPicPr>
+        <p:blipFill>
+          <a:blip r:embed="rId2">
+            <a:duotone>
+              <a:schemeClr val="bg2">
+                <a:shade val="45000"/>
+                <a:satMod val="135000"/>
+              </a:schemeClr>
+              <a:prstClr val="white"/>
+            </a:duotone>
+            <a:extLst>
+              <a:ext uri="{28A0092B-C50C-407E-A947-70E740481C1C}">
+                <a14:useLocalDpi xmlns:a14="http://schemas.microsoft.com/office/drawing/2010/main" val="0"/>
+              </a:ext>
+            </a:extLst>
+          </a:blip>
+          <a:stretch>
+            <a:fillRect/>
+          </a:stretch>
+        </p:blipFill>
+        <p:spPr>
+          <a:xfrm>
+            <a:off x="182983" y="2030057"/>
+            <a:ext cx="891334" cy="891334"/>
+          </a:xfrm>
+          <a:prstGeom prst="rect">
+            <a:avLst/>
+          </a:prstGeom>
+        </p:spPr>
+      </p:pic>
+      <p:sp>
+        <p:nvSpPr>
+          <p:cNvPr id="10" name="TextBox 9">
+            <a:extLst>
+              <a:ext uri="{FF2B5EF4-FFF2-40B4-BE49-F238E27FC236}">
+                <a16:creationId xmlns:a16="http://schemas.microsoft.com/office/drawing/2014/main" id="{0BDEF290-7063-4E73-902F-17251DA6C94F}"/>
+              </a:ext>
+            </a:extLst>
+          </p:cNvPr>
+          <p:cNvSpPr txBox="1"/>
+          <p:nvPr/>
+        </p:nvSpPr>
+        <p:spPr>
+          <a:xfrm>
+            <a:off x="1223158" y="2291938"/>
+            <a:ext cx="5985164" cy="646331"/>
+          </a:xfrm>
+          <a:prstGeom prst="rect">
+            <a:avLst/>
+          </a:prstGeom>
+          <a:noFill/>
+        </p:spPr>
+        <p:txBody>
+          <a:bodyPr wrap="square" rtlCol="0">
+            <a:spAutoFit/>
+          </a:bodyPr>
+          <a:lstStyle/>
+          <a:p>
+            <a:r>
+              <a:rPr lang="en-US" altLang="ko-KR" dirty="0">
+                <a:solidFill>
+                  <a:schemeClr val="bg1"/>
+                </a:solidFill>
+                <a:latin typeface="sn별별정직" panose="02000500000000000000" pitchFamily="2" charset="0"/>
+                <a:ea typeface="sn별별정직" panose="02000500000000000000" pitchFamily="2" charset="0"/>
+              </a:rPr>
+              <a:t>URL</a:t>
+            </a:r>
+            <a:r>
+              <a:rPr lang="en-US" altLang="ko-KR" sz="1400" dirty="0">
+                <a:solidFill>
+                  <a:schemeClr val="bg1">
+                    <a:lumMod val="65000"/>
+                  </a:schemeClr>
+                </a:solidFill>
+                <a:latin typeface="sn별별정직" panose="02000500000000000000" pitchFamily="2" charset="0"/>
+                <a:ea typeface="sn별별정직" panose="02000500000000000000" pitchFamily="2" charset="0"/>
+              </a:rPr>
+              <a:t>Uniform Resource Locator </a:t>
+            </a:r>
+            <a:r>
+              <a:rPr lang="ko-KR" altLang="en-US" dirty="0">
+                <a:solidFill>
+                  <a:schemeClr val="bg1"/>
+                </a:solidFill>
+                <a:latin typeface="sn별별정직" panose="02000500000000000000" pitchFamily="2" charset="0"/>
+                <a:ea typeface="sn별별정직" panose="02000500000000000000" pitchFamily="2" charset="0"/>
+              </a:rPr>
+              <a:t>웹에 있는 리소스의 위치를 표현하는 문자열</a:t>
+            </a:r>
+            <a:endParaRPr lang="en-US" altLang="ko-KR" dirty="0">
+              <a:solidFill>
+                <a:schemeClr val="bg1"/>
+              </a:solidFill>
+              <a:latin typeface="sn별별정직" panose="02000500000000000000" pitchFamily="2" charset="0"/>
+              <a:ea typeface="sn별별정직" panose="02000500000000000000" pitchFamily="2" charset="0"/>
+            </a:endParaRPr>
+          </a:p>
+          <a:p>
+            <a:r>
+              <a:rPr lang="en-US" altLang="ko-KR" dirty="0">
+                <a:solidFill>
+                  <a:schemeClr val="bg1"/>
+                </a:solidFill>
+                <a:latin typeface="sn별별정직" panose="02000500000000000000" pitchFamily="2" charset="0"/>
+                <a:ea typeface="sn별별정직" panose="02000500000000000000" pitchFamily="2" charset="0"/>
+              </a:rPr>
+              <a:t>	</a:t>
+            </a:r>
+            <a:r>
+              <a:rPr lang="ko-KR" altLang="en-US" dirty="0">
+                <a:solidFill>
+                  <a:schemeClr val="bg1"/>
+                </a:solidFill>
+                <a:latin typeface="sn별별정직" panose="02000500000000000000" pitchFamily="2" charset="0"/>
+                <a:ea typeface="sn별별정직" panose="02000500000000000000" pitchFamily="2" charset="0"/>
+              </a:rPr>
+              <a:t>브라우저로 특정 웹 리소스에 접근할 때는 </a:t>
+            </a:r>
+            <a:r>
+              <a:rPr lang="en-US" altLang="ko-KR" dirty="0">
+                <a:solidFill>
+                  <a:schemeClr val="bg1"/>
+                </a:solidFill>
+                <a:latin typeface="sn별별정직" panose="02000500000000000000" pitchFamily="2" charset="0"/>
+                <a:ea typeface="sn별별정직" panose="02000500000000000000" pitchFamily="2" charset="0"/>
+              </a:rPr>
+              <a:t>URL</a:t>
+            </a:r>
+            <a:r>
+              <a:rPr lang="ko-KR" altLang="en-US" dirty="0">
+                <a:solidFill>
+                  <a:schemeClr val="bg1"/>
+                </a:solidFill>
+                <a:latin typeface="sn별별정직" panose="02000500000000000000" pitchFamily="2" charset="0"/>
+                <a:ea typeface="sn별별정직" panose="02000500000000000000" pitchFamily="2" charset="0"/>
+              </a:rPr>
+              <a:t>을 사용하여 서버에 요청</a:t>
+            </a:r>
+          </a:p>
+        </p:txBody>
+      </p:sp>
+      <p:cxnSp>
+        <p:nvCxnSpPr>
+          <p:cNvPr id="12" name="연결선: 꺾임 11">
+            <a:extLst>
+              <a:ext uri="{FF2B5EF4-FFF2-40B4-BE49-F238E27FC236}">
+                <a16:creationId xmlns:a16="http://schemas.microsoft.com/office/drawing/2014/main" id="{467FFD01-00DF-45E9-8DF4-5B46ED044E8E}"/>
+              </a:ext>
+            </a:extLst>
+          </p:cNvPr>
+          <p:cNvCxnSpPr>
+            <a:cxnSpLocks/>
+            <a:stCxn id="9" idx="2"/>
+            <a:endCxn id="14" idx="1"/>
+          </p:cNvCxnSpPr>
+          <p:nvPr/>
+        </p:nvCxnSpPr>
+        <p:spPr>
+          <a:xfrm rot="16200000" flipH="1">
+            <a:off x="-592358" y="4142398"/>
+            <a:ext cx="3386817" cy="944801"/>
+          </a:xfrm>
+          <a:prstGeom prst="bentConnector2">
+            <a:avLst/>
+          </a:prstGeom>
+        </p:spPr>
+        <p:style>
+          <a:lnRef idx="1">
+            <a:schemeClr val="accent1"/>
+          </a:lnRef>
+          <a:fillRef idx="0">
+            <a:schemeClr val="accent1"/>
+          </a:fillRef>
+          <a:effectRef idx="0">
+            <a:schemeClr val="accent1"/>
+          </a:effectRef>
+          <a:fontRef idx="minor">
+            <a:schemeClr val="tx1"/>
+          </a:fontRef>
+        </p:style>
+      </p:cxnSp>
+      <p:sp>
+        <p:nvSpPr>
+          <p:cNvPr id="14" name="TextBox 13">
+            <a:extLst>
+              <a:ext uri="{FF2B5EF4-FFF2-40B4-BE49-F238E27FC236}">
+                <a16:creationId xmlns:a16="http://schemas.microsoft.com/office/drawing/2014/main" id="{1DD033C9-5E03-4321-ADCB-62657C71F873}"/>
+              </a:ext>
+            </a:extLst>
+          </p:cNvPr>
+          <p:cNvSpPr txBox="1"/>
+          <p:nvPr/>
+        </p:nvSpPr>
+        <p:spPr>
+          <a:xfrm>
+            <a:off x="1573451" y="6123542"/>
+            <a:ext cx="7335598" cy="369332"/>
+          </a:xfrm>
+          <a:prstGeom prst="rect">
+            <a:avLst/>
+          </a:prstGeom>
+          <a:noFill/>
+        </p:spPr>
+        <p:txBody>
+          <a:bodyPr wrap="square" rtlCol="0">
+            <a:spAutoFit/>
+          </a:bodyPr>
+          <a:lstStyle/>
+          <a:p>
+            <a:r>
+              <a:rPr lang="en-US" altLang="ko-KR" dirty="0">
+                <a:solidFill>
+                  <a:schemeClr val="bg1"/>
+                </a:solidFill>
+                <a:latin typeface="sn별별정직" panose="02000500000000000000" pitchFamily="2" charset="0"/>
+                <a:ea typeface="sn별별정직" panose="02000500000000000000" pitchFamily="2" charset="0"/>
+              </a:rPr>
+              <a:t>Fragment : </a:t>
+            </a:r>
+            <a:r>
+              <a:rPr lang="ko-KR" altLang="en-US" dirty="0">
+                <a:solidFill>
+                  <a:schemeClr val="bg1"/>
+                </a:solidFill>
+                <a:latin typeface="sn별별정직" panose="02000500000000000000" pitchFamily="2" charset="0"/>
+                <a:ea typeface="sn별별정직" panose="02000500000000000000" pitchFamily="2" charset="0"/>
+              </a:rPr>
+              <a:t>메인 리소스에 존재하는 서브 리소스에 접근할 때 식별을 위한 정보</a:t>
+            </a:r>
+            <a:r>
+              <a:rPr lang="en-US" altLang="ko-KR" dirty="0">
+                <a:solidFill>
+                  <a:schemeClr val="bg1"/>
+                </a:solidFill>
+                <a:latin typeface="sn별별정직" panose="02000500000000000000" pitchFamily="2" charset="0"/>
+                <a:ea typeface="sn별별정직" panose="02000500000000000000" pitchFamily="2" charset="0"/>
+              </a:rPr>
+              <a:t>, ‘#’ </a:t>
+            </a:r>
+            <a:r>
+              <a:rPr lang="ko-KR" altLang="en-US" dirty="0">
+                <a:solidFill>
+                  <a:schemeClr val="bg1"/>
+                </a:solidFill>
+                <a:latin typeface="sn별별정직" panose="02000500000000000000" pitchFamily="2" charset="0"/>
+                <a:ea typeface="sn별별정직" panose="02000500000000000000" pitchFamily="2" charset="0"/>
+              </a:rPr>
+              <a:t>뒤에 위치</a:t>
+            </a:r>
+          </a:p>
+        </p:txBody>
+      </p:sp>
+      <p:sp>
+        <p:nvSpPr>
+          <p:cNvPr id="15" name="TextBox 14">
+            <a:extLst>
+              <a:ext uri="{FF2B5EF4-FFF2-40B4-BE49-F238E27FC236}">
+                <a16:creationId xmlns:a16="http://schemas.microsoft.com/office/drawing/2014/main" id="{730047CE-89D4-4616-A148-672CE97F3402}"/>
+              </a:ext>
+            </a:extLst>
+          </p:cNvPr>
+          <p:cNvSpPr txBox="1"/>
+          <p:nvPr/>
+        </p:nvSpPr>
+        <p:spPr>
+          <a:xfrm>
+            <a:off x="1573451" y="5547702"/>
+            <a:ext cx="5985164" cy="369332"/>
+          </a:xfrm>
+          <a:prstGeom prst="rect">
+            <a:avLst/>
+          </a:prstGeom>
+          <a:noFill/>
+        </p:spPr>
+        <p:txBody>
+          <a:bodyPr wrap="square" rtlCol="0">
+            <a:spAutoFit/>
+          </a:bodyPr>
+          <a:lstStyle/>
+          <a:p>
+            <a:r>
+              <a:rPr lang="en-US" altLang="ko-KR" dirty="0">
+                <a:solidFill>
+                  <a:schemeClr val="bg1"/>
+                </a:solidFill>
+                <a:latin typeface="sn별별정직" panose="02000500000000000000" pitchFamily="2" charset="0"/>
+                <a:ea typeface="sn별별정직" panose="02000500000000000000" pitchFamily="2" charset="0"/>
+              </a:rPr>
+              <a:t>Query : </a:t>
+            </a:r>
+            <a:r>
+              <a:rPr lang="ko-KR" altLang="en-US" dirty="0">
+                <a:solidFill>
+                  <a:schemeClr val="bg1"/>
+                </a:solidFill>
+                <a:latin typeface="sn별별정직" panose="02000500000000000000" pitchFamily="2" charset="0"/>
+                <a:ea typeface="sn별별정직" panose="02000500000000000000" pitchFamily="2" charset="0"/>
+              </a:rPr>
+              <a:t>웹 서버에 전달하는 파라미터</a:t>
+            </a:r>
+            <a:r>
+              <a:rPr lang="en-US" altLang="ko-KR" dirty="0">
+                <a:solidFill>
+                  <a:schemeClr val="bg1"/>
+                </a:solidFill>
+                <a:latin typeface="sn별별정직" panose="02000500000000000000" pitchFamily="2" charset="0"/>
+                <a:ea typeface="sn별별정직" panose="02000500000000000000" pitchFamily="2" charset="0"/>
+              </a:rPr>
+              <a:t>, URL</a:t>
+            </a:r>
+            <a:r>
+              <a:rPr lang="ko-KR" altLang="en-US" dirty="0">
+                <a:solidFill>
+                  <a:schemeClr val="bg1"/>
+                </a:solidFill>
+                <a:latin typeface="sn별별정직" panose="02000500000000000000" pitchFamily="2" charset="0"/>
+                <a:ea typeface="sn별별정직" panose="02000500000000000000" pitchFamily="2" charset="0"/>
+              </a:rPr>
+              <a:t>에서 </a:t>
+            </a:r>
+            <a:r>
+              <a:rPr lang="en-US" altLang="ko-KR" dirty="0">
+                <a:solidFill>
+                  <a:schemeClr val="bg1"/>
+                </a:solidFill>
+                <a:latin typeface="sn별별정직" panose="02000500000000000000" pitchFamily="2" charset="0"/>
+                <a:ea typeface="sn별별정직" panose="02000500000000000000" pitchFamily="2" charset="0"/>
+              </a:rPr>
+              <a:t>‘?’ </a:t>
+            </a:r>
+            <a:r>
+              <a:rPr lang="ko-KR" altLang="en-US" dirty="0">
+                <a:solidFill>
+                  <a:schemeClr val="bg1"/>
+                </a:solidFill>
+                <a:latin typeface="sn별별정직" panose="02000500000000000000" pitchFamily="2" charset="0"/>
+                <a:ea typeface="sn별별정직" panose="02000500000000000000" pitchFamily="2" charset="0"/>
+              </a:rPr>
+              <a:t>뒤에 위치</a:t>
+            </a:r>
+          </a:p>
+        </p:txBody>
+      </p:sp>
+      <p:sp>
+        <p:nvSpPr>
+          <p:cNvPr id="16" name="TextBox 15">
+            <a:extLst>
+              <a:ext uri="{FF2B5EF4-FFF2-40B4-BE49-F238E27FC236}">
+                <a16:creationId xmlns:a16="http://schemas.microsoft.com/office/drawing/2014/main" id="{3C73E3F3-654B-47B2-A70B-23731A1B796A}"/>
+              </a:ext>
+            </a:extLst>
+          </p:cNvPr>
+          <p:cNvSpPr txBox="1"/>
+          <p:nvPr/>
+        </p:nvSpPr>
+        <p:spPr>
+          <a:xfrm>
+            <a:off x="1573451" y="4971860"/>
+            <a:ext cx="5985164" cy="369332"/>
+          </a:xfrm>
+          <a:prstGeom prst="rect">
+            <a:avLst/>
+          </a:prstGeom>
+          <a:noFill/>
+        </p:spPr>
+        <p:txBody>
+          <a:bodyPr wrap="square" rtlCol="0">
+            <a:spAutoFit/>
+          </a:bodyPr>
+          <a:lstStyle/>
+          <a:p>
+            <a:r>
+              <a:rPr lang="en-US" altLang="ko-KR" dirty="0">
+                <a:solidFill>
+                  <a:schemeClr val="bg1"/>
+                </a:solidFill>
+                <a:latin typeface="sn별별정직" panose="02000500000000000000" pitchFamily="2" charset="0"/>
+                <a:ea typeface="sn별별정직" panose="02000500000000000000" pitchFamily="2" charset="0"/>
+              </a:rPr>
+              <a:t>Path : </a:t>
+            </a:r>
+            <a:r>
+              <a:rPr lang="ko-KR" altLang="en-US" dirty="0">
+                <a:solidFill>
+                  <a:schemeClr val="bg1"/>
+                </a:solidFill>
+                <a:latin typeface="sn별별정직" panose="02000500000000000000" pitchFamily="2" charset="0"/>
+                <a:ea typeface="sn별별정직" panose="02000500000000000000" pitchFamily="2" charset="0"/>
+              </a:rPr>
+              <a:t>접근할 웹 서버의 리소스 경로</a:t>
+            </a:r>
+            <a:r>
+              <a:rPr lang="en-US" altLang="ko-KR" dirty="0">
+                <a:solidFill>
+                  <a:schemeClr val="bg1"/>
+                </a:solidFill>
+                <a:latin typeface="sn별별정직" panose="02000500000000000000" pitchFamily="2" charset="0"/>
+                <a:ea typeface="sn별별정직" panose="02000500000000000000" pitchFamily="2" charset="0"/>
+              </a:rPr>
+              <a:t>, ‘/’</a:t>
+            </a:r>
+            <a:r>
+              <a:rPr lang="ko-KR" altLang="en-US" dirty="0">
+                <a:solidFill>
+                  <a:schemeClr val="bg1"/>
+                </a:solidFill>
+                <a:latin typeface="sn별별정직" panose="02000500000000000000" pitchFamily="2" charset="0"/>
+                <a:ea typeface="sn별별정직" panose="02000500000000000000" pitchFamily="2" charset="0"/>
+              </a:rPr>
+              <a:t>로 구분</a:t>
+            </a:r>
+          </a:p>
+        </p:txBody>
+      </p:sp>
+      <p:sp>
+        <p:nvSpPr>
+          <p:cNvPr id="17" name="TextBox 16">
+            <a:extLst>
+              <a:ext uri="{FF2B5EF4-FFF2-40B4-BE49-F238E27FC236}">
+                <a16:creationId xmlns:a16="http://schemas.microsoft.com/office/drawing/2014/main" id="{5AB24686-6779-4C68-A62A-9E7CEC254D03}"/>
+              </a:ext>
+            </a:extLst>
+          </p:cNvPr>
+          <p:cNvSpPr txBox="1"/>
+          <p:nvPr/>
+        </p:nvSpPr>
+        <p:spPr>
+          <a:xfrm>
+            <a:off x="1573451" y="4396018"/>
+            <a:ext cx="5985164" cy="369332"/>
+          </a:xfrm>
+          <a:prstGeom prst="rect">
+            <a:avLst/>
+          </a:prstGeom>
+          <a:noFill/>
+        </p:spPr>
+        <p:txBody>
+          <a:bodyPr wrap="square" rtlCol="0">
+            <a:spAutoFit/>
+          </a:bodyPr>
+          <a:lstStyle/>
+          <a:p>
+            <a:r>
+              <a:rPr lang="en-US" altLang="ko-KR" dirty="0">
+                <a:solidFill>
+                  <a:schemeClr val="bg1"/>
+                </a:solidFill>
+                <a:latin typeface="sn별별정직" panose="02000500000000000000" pitchFamily="2" charset="0"/>
+                <a:ea typeface="sn별별정직" panose="02000500000000000000" pitchFamily="2" charset="0"/>
+              </a:rPr>
+              <a:t>Port : Authority</a:t>
+            </a:r>
+            <a:r>
+              <a:rPr lang="ko-KR" altLang="en-US" dirty="0">
+                <a:solidFill>
+                  <a:schemeClr val="bg1"/>
+                </a:solidFill>
+                <a:latin typeface="sn별별정직" panose="02000500000000000000" pitchFamily="2" charset="0"/>
+                <a:ea typeface="sn별별정직" panose="02000500000000000000" pitchFamily="2" charset="0"/>
+              </a:rPr>
+              <a:t>의 일부 </a:t>
+            </a:r>
+            <a:r>
+              <a:rPr lang="en-US" altLang="ko-KR" dirty="0">
+                <a:solidFill>
+                  <a:schemeClr val="bg1"/>
+                </a:solidFill>
+                <a:latin typeface="sn별별정직" panose="02000500000000000000" pitchFamily="2" charset="0"/>
+                <a:ea typeface="sn별별정직" panose="02000500000000000000" pitchFamily="2" charset="0"/>
+              </a:rPr>
+              <a:t>/ </a:t>
+            </a:r>
+            <a:r>
+              <a:rPr lang="ko-KR" altLang="en-US" dirty="0">
+                <a:solidFill>
+                  <a:schemeClr val="bg1"/>
+                </a:solidFill>
+                <a:latin typeface="sn별별정직" panose="02000500000000000000" pitchFamily="2" charset="0"/>
+                <a:ea typeface="sn별별정직" panose="02000500000000000000" pitchFamily="2" charset="0"/>
+              </a:rPr>
+              <a:t>접속할 웹 서버의 포트에 대한 정보</a:t>
+            </a:r>
+          </a:p>
+        </p:txBody>
+      </p:sp>
+      <p:sp>
+        <p:nvSpPr>
+          <p:cNvPr id="18" name="TextBox 17">
+            <a:extLst>
+              <a:ext uri="{FF2B5EF4-FFF2-40B4-BE49-F238E27FC236}">
+                <a16:creationId xmlns:a16="http://schemas.microsoft.com/office/drawing/2014/main" id="{5DE347C4-887F-432B-BC4D-CF70D6EEFE32}"/>
+              </a:ext>
+            </a:extLst>
+          </p:cNvPr>
+          <p:cNvSpPr txBox="1"/>
+          <p:nvPr/>
+        </p:nvSpPr>
+        <p:spPr>
+          <a:xfrm>
+            <a:off x="1573451" y="3820176"/>
+            <a:ext cx="5985164" cy="369332"/>
+          </a:xfrm>
+          <a:prstGeom prst="rect">
+            <a:avLst/>
+          </a:prstGeom>
+          <a:noFill/>
+        </p:spPr>
+        <p:txBody>
+          <a:bodyPr wrap="square" rtlCol="0">
+            <a:spAutoFit/>
+          </a:bodyPr>
+          <a:lstStyle/>
+          <a:p>
+            <a:r>
+              <a:rPr lang="en-US" altLang="ko-KR" dirty="0">
+                <a:solidFill>
+                  <a:schemeClr val="bg1"/>
+                </a:solidFill>
+                <a:latin typeface="sn별별정직" panose="02000500000000000000" pitchFamily="2" charset="0"/>
+                <a:ea typeface="sn별별정직" panose="02000500000000000000" pitchFamily="2" charset="0"/>
+              </a:rPr>
+              <a:t>Host : Authority</a:t>
+            </a:r>
+            <a:r>
+              <a:rPr lang="ko-KR" altLang="en-US" dirty="0">
+                <a:solidFill>
+                  <a:schemeClr val="bg1"/>
+                </a:solidFill>
+                <a:latin typeface="sn별별정직" panose="02000500000000000000" pitchFamily="2" charset="0"/>
+                <a:ea typeface="sn별별정직" panose="02000500000000000000" pitchFamily="2" charset="0"/>
+              </a:rPr>
+              <a:t>의 일부 </a:t>
+            </a:r>
+            <a:r>
+              <a:rPr lang="en-US" altLang="ko-KR" dirty="0">
+                <a:solidFill>
+                  <a:schemeClr val="bg1"/>
+                </a:solidFill>
+                <a:latin typeface="sn별별정직" panose="02000500000000000000" pitchFamily="2" charset="0"/>
+                <a:ea typeface="sn별별정직" panose="02000500000000000000" pitchFamily="2" charset="0"/>
+              </a:rPr>
+              <a:t>/ </a:t>
+            </a:r>
+            <a:r>
+              <a:rPr lang="ko-KR" altLang="en-US" dirty="0">
+                <a:solidFill>
+                  <a:schemeClr val="bg1"/>
+                </a:solidFill>
+                <a:latin typeface="sn별별정직" panose="02000500000000000000" pitchFamily="2" charset="0"/>
+                <a:ea typeface="sn별별정직" panose="02000500000000000000" pitchFamily="2" charset="0"/>
+              </a:rPr>
+              <a:t>접속할 웹 서버의 주소에 대한 정보</a:t>
+            </a:r>
+          </a:p>
+        </p:txBody>
+      </p:sp>
+      <p:sp>
+        <p:nvSpPr>
+          <p:cNvPr id="19" name="TextBox 18">
+            <a:extLst>
+              <a:ext uri="{FF2B5EF4-FFF2-40B4-BE49-F238E27FC236}">
+                <a16:creationId xmlns:a16="http://schemas.microsoft.com/office/drawing/2014/main" id="{D0638C77-424D-4BF3-8280-D2ABF2A94999}"/>
+              </a:ext>
+            </a:extLst>
+          </p:cNvPr>
+          <p:cNvSpPr txBox="1"/>
+          <p:nvPr/>
+        </p:nvSpPr>
+        <p:spPr>
+          <a:xfrm>
+            <a:off x="1573451" y="3244334"/>
+            <a:ext cx="5985164" cy="369332"/>
+          </a:xfrm>
+          <a:prstGeom prst="rect">
+            <a:avLst/>
+          </a:prstGeom>
+          <a:noFill/>
+        </p:spPr>
+        <p:txBody>
+          <a:bodyPr wrap="square" rtlCol="0">
+            <a:spAutoFit/>
+          </a:bodyPr>
+          <a:lstStyle/>
+          <a:p>
+            <a:r>
+              <a:rPr lang="en-US" altLang="ko-KR" dirty="0">
+                <a:solidFill>
+                  <a:schemeClr val="bg1"/>
+                </a:solidFill>
+                <a:latin typeface="sn별별정직" panose="02000500000000000000" pitchFamily="2" charset="0"/>
+                <a:ea typeface="sn별별정직" panose="02000500000000000000" pitchFamily="2" charset="0"/>
+              </a:rPr>
+              <a:t>Scheme : </a:t>
+            </a:r>
+            <a:r>
+              <a:rPr lang="ko-KR" altLang="en-US" dirty="0">
+                <a:solidFill>
+                  <a:schemeClr val="bg1"/>
+                </a:solidFill>
+                <a:latin typeface="sn별별정직" panose="02000500000000000000" pitchFamily="2" charset="0"/>
+                <a:ea typeface="sn별별정직" panose="02000500000000000000" pitchFamily="2" charset="0"/>
+              </a:rPr>
+              <a:t>웹</a:t>
+            </a:r>
+            <a:r>
+              <a:rPr lang="en-US" altLang="ko-KR" dirty="0">
+                <a:solidFill>
+                  <a:schemeClr val="bg1"/>
+                </a:solidFill>
+                <a:latin typeface="sn별별정직" panose="02000500000000000000" pitchFamily="2" charset="0"/>
+                <a:ea typeface="sn별별정직" panose="02000500000000000000" pitchFamily="2" charset="0"/>
+              </a:rPr>
+              <a:t> </a:t>
+            </a:r>
+            <a:r>
+              <a:rPr lang="ko-KR" altLang="en-US" dirty="0">
+                <a:solidFill>
+                  <a:schemeClr val="bg1"/>
+                </a:solidFill>
+                <a:latin typeface="sn별별정직" panose="02000500000000000000" pitchFamily="2" charset="0"/>
+                <a:ea typeface="sn별별정직" panose="02000500000000000000" pitchFamily="2" charset="0"/>
+              </a:rPr>
+              <a:t>서버와 어떤 프로토콜로 통신할지</a:t>
+            </a:r>
+          </a:p>
+        </p:txBody>
+      </p:sp>
+      <p:cxnSp>
+        <p:nvCxnSpPr>
+          <p:cNvPr id="21" name="연결선: 꺾임 20">
+            <a:extLst>
+              <a:ext uri="{FF2B5EF4-FFF2-40B4-BE49-F238E27FC236}">
+                <a16:creationId xmlns:a16="http://schemas.microsoft.com/office/drawing/2014/main" id="{193CDB24-29E1-4E9B-AA27-84C126E31B4D}"/>
+              </a:ext>
+            </a:extLst>
+          </p:cNvPr>
+          <p:cNvCxnSpPr>
+            <a:cxnSpLocks/>
+            <a:stCxn id="9" idx="2"/>
+            <a:endCxn id="15" idx="1"/>
+          </p:cNvCxnSpPr>
+          <p:nvPr/>
+        </p:nvCxnSpPr>
+        <p:spPr>
+          <a:xfrm rot="16200000" flipH="1">
+            <a:off x="-304438" y="3854478"/>
+            <a:ext cx="2810977" cy="944801"/>
+          </a:xfrm>
+          <a:prstGeom prst="bentConnector2">
+            <a:avLst/>
+          </a:prstGeom>
+        </p:spPr>
+        <p:style>
+          <a:lnRef idx="1">
+            <a:schemeClr val="accent1"/>
+          </a:lnRef>
+          <a:fillRef idx="0">
+            <a:schemeClr val="accent1"/>
+          </a:fillRef>
+          <a:effectRef idx="0">
+            <a:schemeClr val="accent1"/>
+          </a:effectRef>
+          <a:fontRef idx="minor">
+            <a:schemeClr val="tx1"/>
+          </a:fontRef>
+        </p:style>
+      </p:cxnSp>
+      <p:cxnSp>
+        <p:nvCxnSpPr>
+          <p:cNvPr id="25" name="연결선: 꺾임 24">
+            <a:extLst>
+              <a:ext uri="{FF2B5EF4-FFF2-40B4-BE49-F238E27FC236}">
+                <a16:creationId xmlns:a16="http://schemas.microsoft.com/office/drawing/2014/main" id="{15609FD2-73AE-4594-B3CB-E16086D453A0}"/>
+              </a:ext>
+            </a:extLst>
+          </p:cNvPr>
+          <p:cNvCxnSpPr>
+            <a:cxnSpLocks/>
+            <a:stCxn id="9" idx="2"/>
+            <a:endCxn id="16" idx="1"/>
+          </p:cNvCxnSpPr>
+          <p:nvPr/>
+        </p:nvCxnSpPr>
+        <p:spPr>
+          <a:xfrm rot="16200000" flipH="1">
+            <a:off x="-16517" y="3566557"/>
+            <a:ext cx="2235135" cy="944801"/>
+          </a:xfrm>
+          <a:prstGeom prst="bentConnector2">
+            <a:avLst/>
+          </a:prstGeom>
+        </p:spPr>
+        <p:style>
+          <a:lnRef idx="1">
+            <a:schemeClr val="accent1"/>
+          </a:lnRef>
+          <a:fillRef idx="0">
+            <a:schemeClr val="accent1"/>
+          </a:fillRef>
+          <a:effectRef idx="0">
+            <a:schemeClr val="accent1"/>
+          </a:effectRef>
+          <a:fontRef idx="minor">
+            <a:schemeClr val="tx1"/>
+          </a:fontRef>
+        </p:style>
+      </p:cxnSp>
+      <p:cxnSp>
+        <p:nvCxnSpPr>
+          <p:cNvPr id="27" name="연결선: 꺾임 26">
+            <a:extLst>
+              <a:ext uri="{FF2B5EF4-FFF2-40B4-BE49-F238E27FC236}">
+                <a16:creationId xmlns:a16="http://schemas.microsoft.com/office/drawing/2014/main" id="{E70C88DB-1CA5-4467-874E-699CEB2EDB11}"/>
+              </a:ext>
+            </a:extLst>
+          </p:cNvPr>
+          <p:cNvCxnSpPr>
+            <a:cxnSpLocks/>
+            <a:stCxn id="9" idx="2"/>
+            <a:endCxn id="17" idx="1"/>
+          </p:cNvCxnSpPr>
+          <p:nvPr/>
+        </p:nvCxnSpPr>
+        <p:spPr>
+          <a:xfrm rot="16200000" flipH="1">
+            <a:off x="271404" y="3278636"/>
+            <a:ext cx="1659293" cy="944801"/>
+          </a:xfrm>
+          <a:prstGeom prst="bentConnector2">
+            <a:avLst/>
+          </a:prstGeom>
+        </p:spPr>
+        <p:style>
+          <a:lnRef idx="1">
+            <a:schemeClr val="accent1"/>
+          </a:lnRef>
+          <a:fillRef idx="0">
+            <a:schemeClr val="accent1"/>
+          </a:fillRef>
+          <a:effectRef idx="0">
+            <a:schemeClr val="accent1"/>
+          </a:effectRef>
+          <a:fontRef idx="minor">
+            <a:schemeClr val="tx1"/>
+          </a:fontRef>
+        </p:style>
+      </p:cxnSp>
+      <p:cxnSp>
+        <p:nvCxnSpPr>
+          <p:cNvPr id="30" name="연결선: 꺾임 29">
+            <a:extLst>
+              <a:ext uri="{FF2B5EF4-FFF2-40B4-BE49-F238E27FC236}">
+                <a16:creationId xmlns:a16="http://schemas.microsoft.com/office/drawing/2014/main" id="{12C7722D-A296-489F-91CB-6A024494E4FA}"/>
+              </a:ext>
+            </a:extLst>
+          </p:cNvPr>
+          <p:cNvCxnSpPr>
+            <a:cxnSpLocks/>
+            <a:stCxn id="9" idx="2"/>
+            <a:endCxn id="18" idx="1"/>
+          </p:cNvCxnSpPr>
+          <p:nvPr/>
+        </p:nvCxnSpPr>
+        <p:spPr>
+          <a:xfrm rot="16200000" flipH="1">
+            <a:off x="559325" y="2990715"/>
+            <a:ext cx="1083451" cy="944801"/>
+          </a:xfrm>
+          <a:prstGeom prst="bentConnector2">
+            <a:avLst/>
+          </a:prstGeom>
+        </p:spPr>
+        <p:style>
+          <a:lnRef idx="1">
+            <a:schemeClr val="accent1"/>
+          </a:lnRef>
+          <a:fillRef idx="0">
+            <a:schemeClr val="accent1"/>
+          </a:fillRef>
+          <a:effectRef idx="0">
+            <a:schemeClr val="accent1"/>
+          </a:effectRef>
+          <a:fontRef idx="minor">
+            <a:schemeClr val="tx1"/>
+          </a:fontRef>
+        </p:style>
+      </p:cxnSp>
+      <p:cxnSp>
+        <p:nvCxnSpPr>
+          <p:cNvPr id="38" name="연결선: 꺾임 37">
+            <a:extLst>
+              <a:ext uri="{FF2B5EF4-FFF2-40B4-BE49-F238E27FC236}">
+                <a16:creationId xmlns:a16="http://schemas.microsoft.com/office/drawing/2014/main" id="{2B81C66D-5B8B-4380-BCF0-C553AAB806CB}"/>
+              </a:ext>
+            </a:extLst>
+          </p:cNvPr>
+          <p:cNvCxnSpPr>
+            <a:cxnSpLocks/>
+            <a:stCxn id="9" idx="2"/>
+            <a:endCxn id="19" idx="1"/>
+          </p:cNvCxnSpPr>
+          <p:nvPr/>
+        </p:nvCxnSpPr>
+        <p:spPr>
+          <a:xfrm rot="16200000" flipH="1">
+            <a:off x="847246" y="2702794"/>
+            <a:ext cx="507609" cy="944801"/>
+          </a:xfrm>
+          <a:prstGeom prst="bentConnector2">
+            <a:avLst/>
+          </a:prstGeom>
+        </p:spPr>
+        <p:style>
+          <a:lnRef idx="1">
+            <a:schemeClr val="accent1"/>
+          </a:lnRef>
+          <a:fillRef idx="0">
+            <a:schemeClr val="accent1"/>
+          </a:fillRef>
+          <a:effectRef idx="0">
+            <a:schemeClr val="accent1"/>
+          </a:effectRef>
+          <a:fontRef idx="minor">
+            <a:schemeClr val="tx1"/>
+          </a:fontRef>
+        </p:style>
+      </p:cxnSp>
+      <p:sp>
+        <p:nvSpPr>
+          <p:cNvPr id="41" name="바닥글 개체 틀 40">
+            <a:extLst>
+              <a:ext uri="{FF2B5EF4-FFF2-40B4-BE49-F238E27FC236}">
+                <a16:creationId xmlns:a16="http://schemas.microsoft.com/office/drawing/2014/main" id="{6A2FBBB4-44D1-4DEF-8590-996B0F005743}"/>
+              </a:ext>
+            </a:extLst>
+          </p:cNvPr>
+          <p:cNvSpPr>
+            <a:spLocks noGrp="1"/>
+          </p:cNvSpPr>
+          <p:nvPr>
+            <p:ph type="ftr" sz="quarter" idx="11"/>
+          </p:nvPr>
+        </p:nvSpPr>
+        <p:spPr/>
+        <p:txBody>
+          <a:bodyPr/>
+          <a:lstStyle/>
+          <a:p>
+            <a:r>
+              <a:rPr lang="en-US" altLang="ko-KR" dirty="0"/>
+              <a:t>Web Browser</a:t>
+            </a:r>
+            <a:endParaRPr lang="ko-KR" altLang="en-US" dirty="0"/>
+          </a:p>
+        </p:txBody>
+      </p:sp>
+    </p:spTree>
+    <p:extLst>
+      <p:ext uri="{BB962C8B-B14F-4D97-AF65-F5344CB8AC3E}">
+        <p14:creationId xmlns:p14="http://schemas.microsoft.com/office/powerpoint/2010/main" val="2026857016"/>
+      </p:ext>
+    </p:extLst>
+  </p:cSld>
+  <p:clrMapOvr>
+    <a:masterClrMapping/>
+  </p:clrMapOvr>
+</p:sld>
+</file>
+
+<file path=ppt/slides/slide12.xml><?xml version="1.0" encoding="utf-8"?>
+<p:sld xmlns:a="http://schemas.openxmlformats.org/drawingml/2006/main" xmlns:r="http://schemas.openxmlformats.org/officeDocument/2006/relationships" xmlns:p="http://schemas.openxmlformats.org/presentationml/2006/main">
+  <p:cSld>
+    <p:spTree>
+      <p:nvGrpSpPr>
+        <p:cNvPr id="1" name=""/>
+        <p:cNvGrpSpPr/>
+        <p:nvPr/>
+      </p:nvGrpSpPr>
+      <p:grpSpPr>
+        <a:xfrm>
+          <a:off x="0" y="0"/>
+          <a:ext cx="0" cy="0"/>
+          <a:chOff x="0" y="0"/>
+          <a:chExt cx="0" cy="0"/>
+        </a:xfrm>
+      </p:grpSpPr>
+      <p:sp>
+        <p:nvSpPr>
+          <p:cNvPr id="59" name="사각형: 잘린 한쪽 모서리 58">
+            <a:extLst>
+              <a:ext uri="{FF2B5EF4-FFF2-40B4-BE49-F238E27FC236}">
+                <a16:creationId xmlns:a16="http://schemas.microsoft.com/office/drawing/2014/main" id="{8C88F04D-E9CD-4CA9-8DBC-9F416630E673}"/>
+              </a:ext>
+            </a:extLst>
+          </p:cNvPr>
+          <p:cNvSpPr/>
+          <p:nvPr/>
+        </p:nvSpPr>
+        <p:spPr>
+          <a:xfrm>
+            <a:off x="5399396" y="4928260"/>
+            <a:ext cx="2628323" cy="1028608"/>
+          </a:xfrm>
+          <a:prstGeom prst="snip1Rect">
+            <a:avLst/>
+          </a:prstGeom>
+          <a:solidFill>
+            <a:schemeClr val="tx1"/>
+          </a:solidFill>
+        </p:spPr>
+        <p:style>
+          <a:lnRef idx="2">
+            <a:schemeClr val="accent1">
+              <a:shade val="50000"/>
+            </a:schemeClr>
+          </a:lnRef>
+          <a:fillRef idx="1">
+            <a:schemeClr val="accent1"/>
+          </a:fillRef>
+          <a:effectRef idx="0">
+            <a:schemeClr val="accent1"/>
+          </a:effectRef>
+          <a:fontRef idx="minor">
+            <a:schemeClr val="lt1"/>
+          </a:fontRef>
+        </p:style>
+        <p:txBody>
+          <a:bodyPr rtlCol="0" anchor="ctr"/>
+          <a:lstStyle/>
+          <a:p>
+            <a:pPr algn="ctr"/>
+            <a:endParaRPr lang="ko-KR" altLang="en-US" dirty="0"/>
+          </a:p>
+        </p:txBody>
+      </p:sp>
+      <p:sp>
+        <p:nvSpPr>
+          <p:cNvPr id="4" name="직사각형 3">
+            <a:extLst>
+              <a:ext uri="{FF2B5EF4-FFF2-40B4-BE49-F238E27FC236}">
+                <a16:creationId xmlns:a16="http://schemas.microsoft.com/office/drawing/2014/main" id="{B7FEE362-786C-4B4A-805C-10D5E3E3BA60}"/>
+              </a:ext>
+            </a:extLst>
+          </p:cNvPr>
+          <p:cNvSpPr/>
+          <p:nvPr/>
+        </p:nvSpPr>
+        <p:spPr>
+          <a:xfrm>
+            <a:off x="318501" y="704494"/>
+            <a:ext cx="8590548" cy="228311"/>
+          </a:xfrm>
+          <a:prstGeom prst="rect">
+            <a:avLst/>
+          </a:prstGeom>
+          <a:solidFill>
+            <a:schemeClr val="accent1">
+              <a:alpha val="50000"/>
+            </a:schemeClr>
+          </a:solidFill>
+          <a:ln>
+            <a:noFill/>
+          </a:ln>
+        </p:spPr>
+        <p:style>
+          <a:lnRef idx="2">
+            <a:schemeClr val="accent1">
+              <a:shade val="50000"/>
+            </a:schemeClr>
+          </a:lnRef>
+          <a:fillRef idx="1">
+            <a:schemeClr val="accent1"/>
+          </a:fillRef>
+          <a:effectRef idx="0">
+            <a:schemeClr val="accent1"/>
+          </a:effectRef>
+          <a:fontRef idx="minor">
+            <a:schemeClr val="lt1"/>
+          </a:fontRef>
+        </p:style>
+        <p:txBody>
+          <a:bodyPr rtlCol="0" anchor="ctr"/>
+          <a:lstStyle/>
+          <a:p>
+            <a:pPr algn="ctr"/>
+            <a:endParaRPr lang="ko-KR" altLang="en-US" sz="8000" dirty="0">
+              <a:latin typeface="sn별별정직" panose="02000500000000000000" pitchFamily="2" charset="0"/>
+              <a:ea typeface="sn별별정직" panose="02000500000000000000" pitchFamily="2" charset="0"/>
+            </a:endParaRPr>
+          </a:p>
+        </p:txBody>
+      </p:sp>
+      <p:sp>
+        <p:nvSpPr>
+          <p:cNvPr id="5" name="제목 1">
+            <a:extLst>
+              <a:ext uri="{FF2B5EF4-FFF2-40B4-BE49-F238E27FC236}">
+                <a16:creationId xmlns:a16="http://schemas.microsoft.com/office/drawing/2014/main" id="{EB505EB2-5916-4CB7-AF5D-43E06BA041C2}"/>
+              </a:ext>
+            </a:extLst>
+          </p:cNvPr>
+          <p:cNvSpPr>
+            <a:spLocks noGrp="1"/>
+          </p:cNvSpPr>
+          <p:nvPr>
+            <p:ph type="title"/>
+          </p:nvPr>
+        </p:nvSpPr>
+        <p:spPr>
+          <a:xfrm>
+            <a:off x="628650" y="365126"/>
+            <a:ext cx="7886700" cy="1325563"/>
+          </a:xfrm>
+        </p:spPr>
+        <p:txBody>
+          <a:bodyPr>
+            <a:normAutofit/>
+          </a:bodyPr>
+          <a:lstStyle/>
+          <a:p>
+            <a:pPr algn="ctr"/>
+            <a:r>
+              <a:rPr lang="en-US" altLang="ko-KR" sz="4900" dirty="0"/>
+              <a:t>Web : Web Browser</a:t>
+            </a:r>
+            <a:br>
+              <a:rPr lang="en-US" altLang="ko-KR" dirty="0"/>
+            </a:br>
+            <a:r>
+              <a:rPr lang="en-US" altLang="ko-KR" sz="3100" dirty="0">
+                <a:solidFill>
+                  <a:schemeClr val="bg1">
+                    <a:lumMod val="65000"/>
+                  </a:schemeClr>
+                </a:solidFill>
+              </a:rPr>
+              <a:t>Host = IP Address + Domain Name</a:t>
+            </a:r>
+            <a:endParaRPr lang="ko-KR" altLang="en-US" dirty="0"/>
+          </a:p>
+        </p:txBody>
+      </p:sp>
+      <p:sp>
+        <p:nvSpPr>
+          <p:cNvPr id="6" name="바닥글 개체 틀 5">
+            <a:extLst>
+              <a:ext uri="{FF2B5EF4-FFF2-40B4-BE49-F238E27FC236}">
+                <a16:creationId xmlns:a16="http://schemas.microsoft.com/office/drawing/2014/main" id="{5DA0CE2B-BCCB-43B8-8F84-99C078367E94}"/>
+              </a:ext>
+            </a:extLst>
+          </p:cNvPr>
+          <p:cNvSpPr>
+            <a:spLocks noGrp="1"/>
+          </p:cNvSpPr>
+          <p:nvPr>
+            <p:ph type="ftr" sz="quarter" idx="11"/>
+          </p:nvPr>
+        </p:nvSpPr>
+        <p:spPr/>
+        <p:txBody>
+          <a:bodyPr/>
+          <a:lstStyle/>
+          <a:p>
+            <a:r>
+              <a:rPr lang="en-US" altLang="ko-KR" dirty="0"/>
+              <a:t>Web Browser</a:t>
+            </a:r>
+            <a:endParaRPr lang="ko-KR" altLang="en-US" dirty="0"/>
+          </a:p>
+        </p:txBody>
+      </p:sp>
+      <p:pic>
+        <p:nvPicPr>
+          <p:cNvPr id="7" name="그림 6">
+            <a:extLst>
+              <a:ext uri="{FF2B5EF4-FFF2-40B4-BE49-F238E27FC236}">
+                <a16:creationId xmlns:a16="http://schemas.microsoft.com/office/drawing/2014/main" id="{4BDBF28E-D4B7-49AD-A28F-0BE6096BBC66}"/>
+              </a:ext>
+            </a:extLst>
+          </p:cNvPr>
+          <p:cNvPicPr>
+            <a:picLocks noChangeAspect="1"/>
+          </p:cNvPicPr>
+          <p:nvPr/>
+        </p:nvPicPr>
+        <p:blipFill>
+          <a:blip r:embed="rId2">
+            <a:duotone>
+              <a:schemeClr val="bg2">
+                <a:shade val="45000"/>
+                <a:satMod val="135000"/>
+              </a:schemeClr>
+              <a:prstClr val="white"/>
+            </a:duotone>
+            <a:extLst>
+              <a:ext uri="{28A0092B-C50C-407E-A947-70E740481C1C}">
+                <a14:useLocalDpi xmlns:a14="http://schemas.microsoft.com/office/drawing/2010/main" val="0"/>
+              </a:ext>
+            </a:extLst>
+          </a:blip>
+          <a:stretch>
+            <a:fillRect/>
+          </a:stretch>
+        </p:blipFill>
+        <p:spPr>
+          <a:xfrm>
+            <a:off x="256992" y="1801352"/>
+            <a:ext cx="445667" cy="445667"/>
+          </a:xfrm>
+          <a:prstGeom prst="rect">
+            <a:avLst/>
+          </a:prstGeom>
+        </p:spPr>
+      </p:pic>
+      <p:cxnSp>
+        <p:nvCxnSpPr>
+          <p:cNvPr id="12" name="연결선: 꺾임 11">
+            <a:extLst>
+              <a:ext uri="{FF2B5EF4-FFF2-40B4-BE49-F238E27FC236}">
+                <a16:creationId xmlns:a16="http://schemas.microsoft.com/office/drawing/2014/main" id="{3DF2388E-48A0-4569-A5BD-5968A2AAE5BB}"/>
+              </a:ext>
+            </a:extLst>
+          </p:cNvPr>
+          <p:cNvCxnSpPr>
+            <a:cxnSpLocks/>
+          </p:cNvCxnSpPr>
+          <p:nvPr/>
+        </p:nvCxnSpPr>
+        <p:spPr>
+          <a:xfrm rot="16200000" flipH="1">
+            <a:off x="248145" y="2536305"/>
+            <a:ext cx="829646" cy="472400"/>
+          </a:xfrm>
+          <a:prstGeom prst="bentConnector3">
+            <a:avLst>
+              <a:gd name="adj1" fmla="val 98667"/>
+            </a:avLst>
+          </a:prstGeom>
+        </p:spPr>
+        <p:style>
+          <a:lnRef idx="1">
+            <a:schemeClr val="accent1"/>
+          </a:lnRef>
+          <a:fillRef idx="0">
+            <a:schemeClr val="accent1"/>
+          </a:fillRef>
+          <a:effectRef idx="0">
+            <a:schemeClr val="accent1"/>
+          </a:effectRef>
+          <a:fontRef idx="minor">
+            <a:schemeClr val="tx1"/>
+          </a:fontRef>
+        </p:style>
+      </p:cxnSp>
+      <p:cxnSp>
+        <p:nvCxnSpPr>
+          <p:cNvPr id="13" name="연결선: 꺾임 12">
+            <a:extLst>
+              <a:ext uri="{FF2B5EF4-FFF2-40B4-BE49-F238E27FC236}">
+                <a16:creationId xmlns:a16="http://schemas.microsoft.com/office/drawing/2014/main" id="{CD28155C-6E3B-4DEF-BC51-74D1C11A7F6A}"/>
+              </a:ext>
+            </a:extLst>
+          </p:cNvPr>
+          <p:cNvCxnSpPr>
+            <a:cxnSpLocks/>
+          </p:cNvCxnSpPr>
+          <p:nvPr/>
+        </p:nvCxnSpPr>
+        <p:spPr>
+          <a:xfrm rot="16200000" flipH="1">
+            <a:off x="645364" y="2028423"/>
+            <a:ext cx="507609" cy="944801"/>
+          </a:xfrm>
+          <a:prstGeom prst="bentConnector2">
+            <a:avLst/>
+          </a:prstGeom>
+        </p:spPr>
+        <p:style>
+          <a:lnRef idx="1">
+            <a:schemeClr val="accent1"/>
+          </a:lnRef>
+          <a:fillRef idx="0">
+            <a:schemeClr val="accent1"/>
+          </a:fillRef>
+          <a:effectRef idx="0">
+            <a:schemeClr val="accent1"/>
+          </a:effectRef>
+          <a:fontRef idx="minor">
+            <a:schemeClr val="tx1"/>
+          </a:fontRef>
+        </p:style>
+      </p:cxnSp>
+      <p:sp>
+        <p:nvSpPr>
+          <p:cNvPr id="21" name="TextBox 20">
+            <a:extLst>
+              <a:ext uri="{FF2B5EF4-FFF2-40B4-BE49-F238E27FC236}">
+                <a16:creationId xmlns:a16="http://schemas.microsoft.com/office/drawing/2014/main" id="{D47983ED-58D0-4840-A83D-A6690C73AEC3}"/>
+              </a:ext>
+            </a:extLst>
+          </p:cNvPr>
+          <p:cNvSpPr txBox="1"/>
+          <p:nvPr/>
+        </p:nvSpPr>
+        <p:spPr>
+          <a:xfrm>
+            <a:off x="1371569" y="2457773"/>
+            <a:ext cx="1083951" cy="584775"/>
+          </a:xfrm>
+          <a:prstGeom prst="rect">
+            <a:avLst/>
+          </a:prstGeom>
+          <a:noFill/>
+        </p:spPr>
+        <p:txBody>
+          <a:bodyPr wrap="none" rtlCol="0">
+            <a:spAutoFit/>
+          </a:bodyPr>
+          <a:lstStyle/>
+          <a:p>
+            <a:r>
+              <a:rPr lang="en-US" altLang="ko-KR" sz="3200" dirty="0">
+                <a:solidFill>
+                  <a:schemeClr val="bg1"/>
+                </a:solidFill>
+                <a:latin typeface="sn별별정직" panose="02000500000000000000" pitchFamily="2" charset="0"/>
+                <a:ea typeface="sn별별정직" panose="02000500000000000000" pitchFamily="2" charset="0"/>
+              </a:rPr>
+              <a:t>HOST</a:t>
+            </a:r>
+            <a:endParaRPr lang="ko-KR" altLang="en-US" sz="3200" dirty="0">
+              <a:solidFill>
+                <a:schemeClr val="bg1"/>
+              </a:solidFill>
+              <a:latin typeface="sn별별정직" panose="02000500000000000000" pitchFamily="2" charset="0"/>
+              <a:ea typeface="sn별별정직" panose="02000500000000000000" pitchFamily="2" charset="0"/>
+            </a:endParaRPr>
+          </a:p>
+        </p:txBody>
+      </p:sp>
+      <p:cxnSp>
+        <p:nvCxnSpPr>
+          <p:cNvPr id="27" name="연결선: 꺾임 26">
+            <a:extLst>
+              <a:ext uri="{FF2B5EF4-FFF2-40B4-BE49-F238E27FC236}">
+                <a16:creationId xmlns:a16="http://schemas.microsoft.com/office/drawing/2014/main" id="{DCFCECE0-3469-4EBD-B124-0BC4DF85BBA6}"/>
+              </a:ext>
+            </a:extLst>
+          </p:cNvPr>
+          <p:cNvCxnSpPr>
+            <a:cxnSpLocks/>
+          </p:cNvCxnSpPr>
+          <p:nvPr/>
+        </p:nvCxnSpPr>
+        <p:spPr>
+          <a:xfrm rot="16200000" flipH="1">
+            <a:off x="248145" y="2871309"/>
+            <a:ext cx="829646" cy="472400"/>
+          </a:xfrm>
+          <a:prstGeom prst="bentConnector3">
+            <a:avLst>
+              <a:gd name="adj1" fmla="val 98667"/>
+            </a:avLst>
+          </a:prstGeom>
+        </p:spPr>
+        <p:style>
+          <a:lnRef idx="1">
+            <a:schemeClr val="accent1"/>
+          </a:lnRef>
+          <a:fillRef idx="0">
+            <a:schemeClr val="accent1"/>
+          </a:fillRef>
+          <a:effectRef idx="0">
+            <a:schemeClr val="accent1"/>
+          </a:effectRef>
+          <a:fontRef idx="minor">
+            <a:schemeClr val="tx1"/>
+          </a:fontRef>
+        </p:style>
+      </p:cxnSp>
+      <p:cxnSp>
+        <p:nvCxnSpPr>
+          <p:cNvPr id="28" name="연결선: 꺾임 27">
+            <a:extLst>
+              <a:ext uri="{FF2B5EF4-FFF2-40B4-BE49-F238E27FC236}">
+                <a16:creationId xmlns:a16="http://schemas.microsoft.com/office/drawing/2014/main" id="{5F3B8775-243D-4E1F-803F-D2B4B8B16A49}"/>
+              </a:ext>
+            </a:extLst>
+          </p:cNvPr>
+          <p:cNvCxnSpPr>
+            <a:cxnSpLocks/>
+          </p:cNvCxnSpPr>
+          <p:nvPr/>
+        </p:nvCxnSpPr>
+        <p:spPr>
+          <a:xfrm rot="16200000" flipH="1">
+            <a:off x="248145" y="3192800"/>
+            <a:ext cx="829646" cy="472400"/>
+          </a:xfrm>
+          <a:prstGeom prst="bentConnector3">
+            <a:avLst>
+              <a:gd name="adj1" fmla="val 98667"/>
+            </a:avLst>
+          </a:prstGeom>
+        </p:spPr>
+        <p:style>
+          <a:lnRef idx="1">
+            <a:schemeClr val="accent1"/>
+          </a:lnRef>
+          <a:fillRef idx="0">
+            <a:schemeClr val="accent1"/>
+          </a:fillRef>
+          <a:effectRef idx="0">
+            <a:schemeClr val="accent1"/>
+          </a:effectRef>
+          <a:fontRef idx="minor">
+            <a:schemeClr val="tx1"/>
+          </a:fontRef>
+        </p:style>
+      </p:cxnSp>
+      <p:cxnSp>
+        <p:nvCxnSpPr>
+          <p:cNvPr id="30" name="연결선: 꺾임 29">
+            <a:extLst>
+              <a:ext uri="{FF2B5EF4-FFF2-40B4-BE49-F238E27FC236}">
+                <a16:creationId xmlns:a16="http://schemas.microsoft.com/office/drawing/2014/main" id="{B3769407-C2A4-4E53-AABC-63A84A981B7C}"/>
+              </a:ext>
+            </a:extLst>
+          </p:cNvPr>
+          <p:cNvCxnSpPr>
+            <a:cxnSpLocks/>
+          </p:cNvCxnSpPr>
+          <p:nvPr/>
+        </p:nvCxnSpPr>
+        <p:spPr>
+          <a:xfrm rot="16200000" flipH="1">
+            <a:off x="248145" y="3545681"/>
+            <a:ext cx="829646" cy="472400"/>
+          </a:xfrm>
+          <a:prstGeom prst="bentConnector3">
+            <a:avLst>
+              <a:gd name="adj1" fmla="val 98667"/>
+            </a:avLst>
+          </a:prstGeom>
+        </p:spPr>
+        <p:style>
+          <a:lnRef idx="1">
+            <a:schemeClr val="accent1"/>
+          </a:lnRef>
+          <a:fillRef idx="0">
+            <a:schemeClr val="accent1"/>
+          </a:fillRef>
+          <a:effectRef idx="0">
+            <a:schemeClr val="accent1"/>
+          </a:effectRef>
+          <a:fontRef idx="minor">
+            <a:schemeClr val="tx1"/>
+          </a:fontRef>
+        </p:style>
+      </p:cxnSp>
+      <p:cxnSp>
+        <p:nvCxnSpPr>
+          <p:cNvPr id="31" name="연결선: 꺾임 30">
+            <a:extLst>
+              <a:ext uri="{FF2B5EF4-FFF2-40B4-BE49-F238E27FC236}">
+                <a16:creationId xmlns:a16="http://schemas.microsoft.com/office/drawing/2014/main" id="{9E738A69-6B6C-4B4A-A7B1-01C7CC560287}"/>
+              </a:ext>
+            </a:extLst>
+          </p:cNvPr>
+          <p:cNvCxnSpPr>
+            <a:cxnSpLocks/>
+          </p:cNvCxnSpPr>
+          <p:nvPr/>
+        </p:nvCxnSpPr>
+        <p:spPr>
+          <a:xfrm rot="16200000" flipH="1">
+            <a:off x="248145" y="3867172"/>
+            <a:ext cx="829646" cy="472400"/>
+          </a:xfrm>
+          <a:prstGeom prst="bentConnector3">
+            <a:avLst>
+              <a:gd name="adj1" fmla="val 98667"/>
+            </a:avLst>
+          </a:prstGeom>
+        </p:spPr>
+        <p:style>
+          <a:lnRef idx="1">
+            <a:schemeClr val="accent1"/>
+          </a:lnRef>
+          <a:fillRef idx="0">
+            <a:schemeClr val="accent1"/>
+          </a:fillRef>
+          <a:effectRef idx="0">
+            <a:schemeClr val="accent1"/>
+          </a:effectRef>
+          <a:fontRef idx="minor">
+            <a:schemeClr val="tx1"/>
+          </a:fontRef>
+        </p:style>
+      </p:cxnSp>
+      <p:sp>
+        <p:nvSpPr>
+          <p:cNvPr id="32" name="TextBox 31">
+            <a:extLst>
+              <a:ext uri="{FF2B5EF4-FFF2-40B4-BE49-F238E27FC236}">
+                <a16:creationId xmlns:a16="http://schemas.microsoft.com/office/drawing/2014/main" id="{F7855441-4812-4917-89AC-DBF7320EF61A}"/>
+              </a:ext>
+            </a:extLst>
+          </p:cNvPr>
+          <p:cNvSpPr txBox="1"/>
+          <p:nvPr/>
+        </p:nvSpPr>
+        <p:spPr>
+          <a:xfrm>
+            <a:off x="3294909" y="3382207"/>
+            <a:ext cx="4732810" cy="892552"/>
+          </a:xfrm>
+          <a:prstGeom prst="rect">
+            <a:avLst/>
+          </a:prstGeom>
+          <a:noFill/>
+        </p:spPr>
+        <p:txBody>
+          <a:bodyPr wrap="square" rtlCol="0">
+            <a:spAutoFit/>
+          </a:bodyPr>
+          <a:lstStyle/>
+          <a:p>
+            <a:r>
+              <a:rPr lang="en-US" altLang="ko-KR" sz="2000" dirty="0">
+                <a:solidFill>
+                  <a:schemeClr val="bg1"/>
+                </a:solidFill>
+                <a:latin typeface="sn별별정직" panose="02000500000000000000" pitchFamily="2" charset="0"/>
+                <a:ea typeface="sn별별정직" panose="02000500000000000000" pitchFamily="2" charset="0"/>
+              </a:rPr>
+              <a:t>Domain Name</a:t>
+            </a:r>
+          </a:p>
+          <a:p>
+            <a:r>
+              <a:rPr lang="en-US" altLang="ko-KR" sz="1600" dirty="0">
+                <a:solidFill>
+                  <a:schemeClr val="bg1"/>
+                </a:solidFill>
+                <a:latin typeface="sn별별정직" panose="02000500000000000000" pitchFamily="2" charset="0"/>
+                <a:ea typeface="sn별별정직" panose="02000500000000000000" pitchFamily="2" charset="0"/>
+              </a:rPr>
+              <a:t>: Hsot </a:t>
+            </a:r>
+            <a:r>
+              <a:rPr lang="ko-KR" altLang="en-US" sz="1600" dirty="0">
+                <a:solidFill>
+                  <a:schemeClr val="bg1"/>
+                </a:solidFill>
+                <a:latin typeface="sn별별정직" panose="02000500000000000000" pitchFamily="2" charset="0"/>
+                <a:ea typeface="sn별별정직" panose="02000500000000000000" pitchFamily="2" charset="0"/>
+              </a:rPr>
+              <a:t>값으로 이용할 때</a:t>
+            </a:r>
+            <a:r>
+              <a:rPr lang="en-US" altLang="ko-KR" sz="1600" dirty="0">
+                <a:solidFill>
+                  <a:schemeClr val="bg1"/>
+                </a:solidFill>
+                <a:latin typeface="sn별별정직" panose="02000500000000000000" pitchFamily="2" charset="0"/>
+                <a:ea typeface="sn별별정직" panose="02000500000000000000" pitchFamily="2" charset="0"/>
+              </a:rPr>
+              <a:t> </a:t>
+            </a:r>
+            <a:r>
+              <a:rPr lang="ko-KR" altLang="en-US" sz="1600" dirty="0">
+                <a:solidFill>
+                  <a:schemeClr val="bg1"/>
+                </a:solidFill>
+                <a:latin typeface="sn별별정직" panose="02000500000000000000" pitchFamily="2" charset="0"/>
+                <a:ea typeface="sn별별정직" panose="02000500000000000000" pitchFamily="2" charset="0"/>
+              </a:rPr>
+              <a:t>브라우저는 </a:t>
+            </a:r>
+            <a:r>
+              <a:rPr lang="en-US" altLang="ko-KR" sz="1600" dirty="0">
+                <a:solidFill>
+                  <a:schemeClr val="bg1"/>
+                </a:solidFill>
+                <a:latin typeface="sn별별정직" panose="02000500000000000000" pitchFamily="2" charset="0"/>
+                <a:ea typeface="sn별별정직" panose="02000500000000000000" pitchFamily="2" charset="0"/>
+              </a:rPr>
+              <a:t>DNS</a:t>
+            </a:r>
+            <a:r>
+              <a:rPr lang="en-US" altLang="ko-KR" sz="1400" dirty="0">
+                <a:solidFill>
+                  <a:schemeClr val="bg1">
+                    <a:lumMod val="65000"/>
+                  </a:schemeClr>
+                </a:solidFill>
+                <a:latin typeface="sn별별정직" panose="02000500000000000000" pitchFamily="2" charset="0"/>
+                <a:ea typeface="sn별별정직" panose="02000500000000000000" pitchFamily="2" charset="0"/>
+              </a:rPr>
+              <a:t>Domain Name Server</a:t>
+            </a:r>
+            <a:r>
+              <a:rPr lang="ko-KR" altLang="en-US" sz="1600" dirty="0">
+                <a:solidFill>
+                  <a:schemeClr val="bg1"/>
+                </a:solidFill>
+                <a:latin typeface="sn별별정직" panose="02000500000000000000" pitchFamily="2" charset="0"/>
+                <a:ea typeface="sn별별정직" panose="02000500000000000000" pitchFamily="2" charset="0"/>
+              </a:rPr>
+              <a:t>에 </a:t>
+            </a:r>
+            <a:r>
+              <a:rPr lang="en-US" altLang="ko-KR" sz="1600" dirty="0">
+                <a:solidFill>
+                  <a:schemeClr val="bg1"/>
+                </a:solidFill>
+                <a:latin typeface="sn별별정직" panose="02000500000000000000" pitchFamily="2" charset="0"/>
+                <a:ea typeface="sn별별정직" panose="02000500000000000000" pitchFamily="2" charset="0"/>
+              </a:rPr>
+              <a:t>Domain Name</a:t>
+            </a:r>
+            <a:r>
+              <a:rPr lang="ko-KR" altLang="en-US" sz="1600" dirty="0">
+                <a:solidFill>
+                  <a:schemeClr val="bg1"/>
+                </a:solidFill>
+                <a:latin typeface="sn별별정직" panose="02000500000000000000" pitchFamily="2" charset="0"/>
+                <a:ea typeface="sn별별정직" panose="02000500000000000000" pitchFamily="2" charset="0"/>
+              </a:rPr>
+              <a:t>을 질의하고 </a:t>
+            </a:r>
+            <a:r>
+              <a:rPr lang="en-US" altLang="ko-KR" sz="1600" dirty="0">
+                <a:solidFill>
+                  <a:schemeClr val="bg1"/>
+                </a:solidFill>
+                <a:latin typeface="sn별별정직" panose="02000500000000000000" pitchFamily="2" charset="0"/>
+                <a:ea typeface="sn별별정직" panose="02000500000000000000" pitchFamily="2" charset="0"/>
+              </a:rPr>
+              <a:t>DNS</a:t>
+            </a:r>
+            <a:r>
+              <a:rPr lang="ko-KR" altLang="en-US" sz="1600" dirty="0">
+                <a:solidFill>
+                  <a:schemeClr val="bg1"/>
+                </a:solidFill>
+                <a:latin typeface="sn별별정직" panose="02000500000000000000" pitchFamily="2" charset="0"/>
+                <a:ea typeface="sn별별정직" panose="02000500000000000000" pitchFamily="2" charset="0"/>
+              </a:rPr>
+              <a:t>가 응답한 </a:t>
+            </a:r>
+            <a:r>
+              <a:rPr lang="en-US" altLang="ko-KR" sz="1600" dirty="0">
+                <a:solidFill>
+                  <a:schemeClr val="bg1"/>
+                </a:solidFill>
+                <a:latin typeface="sn별별정직" panose="02000500000000000000" pitchFamily="2" charset="0"/>
+                <a:ea typeface="sn별별정직" panose="02000500000000000000" pitchFamily="2" charset="0"/>
+              </a:rPr>
+              <a:t>IP Address</a:t>
+            </a:r>
+            <a:r>
+              <a:rPr lang="ko-KR" altLang="en-US" sz="1600" dirty="0">
+                <a:solidFill>
+                  <a:schemeClr val="bg1"/>
+                </a:solidFill>
+                <a:latin typeface="sn별별정직" panose="02000500000000000000" pitchFamily="2" charset="0"/>
+                <a:ea typeface="sn별별정직" panose="02000500000000000000" pitchFamily="2" charset="0"/>
+              </a:rPr>
+              <a:t>를 사용</a:t>
+            </a:r>
+          </a:p>
+        </p:txBody>
+      </p:sp>
+      <p:sp>
+        <p:nvSpPr>
+          <p:cNvPr id="33" name="TextBox 32">
+            <a:extLst>
+              <a:ext uri="{FF2B5EF4-FFF2-40B4-BE49-F238E27FC236}">
+                <a16:creationId xmlns:a16="http://schemas.microsoft.com/office/drawing/2014/main" id="{63FFF1AC-E2B6-4C42-8094-F0215BBECAC9}"/>
+              </a:ext>
+            </a:extLst>
+          </p:cNvPr>
+          <p:cNvSpPr txBox="1"/>
+          <p:nvPr/>
+        </p:nvSpPr>
+        <p:spPr>
+          <a:xfrm>
+            <a:off x="899168" y="3314906"/>
+            <a:ext cx="550151" cy="338554"/>
+          </a:xfrm>
+          <a:prstGeom prst="rect">
+            <a:avLst/>
+          </a:prstGeom>
+          <a:noFill/>
+        </p:spPr>
+        <p:txBody>
+          <a:bodyPr wrap="none" rtlCol="0">
+            <a:spAutoFit/>
+          </a:bodyPr>
+          <a:lstStyle/>
+          <a:p>
+            <a:r>
+              <a:rPr lang="en-US" altLang="ko-KR" sz="1600" dirty="0">
+                <a:solidFill>
+                  <a:schemeClr val="bg1"/>
+                </a:solidFill>
+                <a:latin typeface="sn별별정직" panose="02000500000000000000" pitchFamily="2" charset="0"/>
+                <a:ea typeface="sn별별정직" panose="02000500000000000000" pitchFamily="2" charset="0"/>
+              </a:rPr>
+              <a:t>Port</a:t>
+            </a:r>
+            <a:endParaRPr lang="ko-KR" altLang="en-US" sz="1600" dirty="0">
+              <a:solidFill>
+                <a:schemeClr val="bg1"/>
+              </a:solidFill>
+              <a:latin typeface="sn별별정직" panose="02000500000000000000" pitchFamily="2" charset="0"/>
+              <a:ea typeface="sn별별정직" panose="02000500000000000000" pitchFamily="2" charset="0"/>
+            </a:endParaRPr>
+          </a:p>
+        </p:txBody>
+      </p:sp>
+      <p:sp>
+        <p:nvSpPr>
+          <p:cNvPr id="34" name="TextBox 33">
+            <a:extLst>
+              <a:ext uri="{FF2B5EF4-FFF2-40B4-BE49-F238E27FC236}">
+                <a16:creationId xmlns:a16="http://schemas.microsoft.com/office/drawing/2014/main" id="{E0EF9515-6BC4-4233-A233-4730C486D724}"/>
+              </a:ext>
+            </a:extLst>
+          </p:cNvPr>
+          <p:cNvSpPr txBox="1"/>
+          <p:nvPr/>
+        </p:nvSpPr>
+        <p:spPr>
+          <a:xfrm>
+            <a:off x="899168" y="3649803"/>
+            <a:ext cx="780832" cy="338554"/>
+          </a:xfrm>
+          <a:prstGeom prst="rect">
+            <a:avLst/>
+          </a:prstGeom>
+          <a:noFill/>
+        </p:spPr>
+        <p:txBody>
+          <a:bodyPr wrap="square" rtlCol="0">
+            <a:spAutoFit/>
+          </a:bodyPr>
+          <a:lstStyle/>
+          <a:p>
+            <a:r>
+              <a:rPr lang="en-US" altLang="ko-KR" sz="1600" dirty="0">
+                <a:solidFill>
+                  <a:schemeClr val="bg1"/>
+                </a:solidFill>
+                <a:latin typeface="sn별별정직" panose="02000500000000000000" pitchFamily="2" charset="0"/>
+                <a:ea typeface="sn별별정직" panose="02000500000000000000" pitchFamily="2" charset="0"/>
+              </a:rPr>
+              <a:t>Path</a:t>
+            </a:r>
+            <a:endParaRPr lang="ko-KR" altLang="en-US" sz="1600" dirty="0">
+              <a:solidFill>
+                <a:schemeClr val="bg1"/>
+              </a:solidFill>
+              <a:latin typeface="sn별별정직" panose="02000500000000000000" pitchFamily="2" charset="0"/>
+              <a:ea typeface="sn별별정직" panose="02000500000000000000" pitchFamily="2" charset="0"/>
+            </a:endParaRPr>
+          </a:p>
+        </p:txBody>
+      </p:sp>
+      <p:sp>
+        <p:nvSpPr>
+          <p:cNvPr id="35" name="TextBox 34">
+            <a:extLst>
+              <a:ext uri="{FF2B5EF4-FFF2-40B4-BE49-F238E27FC236}">
+                <a16:creationId xmlns:a16="http://schemas.microsoft.com/office/drawing/2014/main" id="{CCC4FEF6-9ACD-472F-839A-A3526F4916B0}"/>
+              </a:ext>
+            </a:extLst>
+          </p:cNvPr>
+          <p:cNvSpPr txBox="1"/>
+          <p:nvPr/>
+        </p:nvSpPr>
+        <p:spPr>
+          <a:xfrm>
+            <a:off x="899168" y="4031502"/>
+            <a:ext cx="780832" cy="338554"/>
+          </a:xfrm>
+          <a:prstGeom prst="rect">
+            <a:avLst/>
+          </a:prstGeom>
+          <a:noFill/>
+        </p:spPr>
+        <p:txBody>
+          <a:bodyPr wrap="square" rtlCol="0">
+            <a:spAutoFit/>
+          </a:bodyPr>
+          <a:lstStyle/>
+          <a:p>
+            <a:r>
+              <a:rPr lang="en-US" altLang="ko-KR" sz="1600" dirty="0">
+                <a:solidFill>
+                  <a:schemeClr val="bg1"/>
+                </a:solidFill>
+                <a:latin typeface="sn별별정직" panose="02000500000000000000" pitchFamily="2" charset="0"/>
+                <a:ea typeface="sn별별정직" panose="02000500000000000000" pitchFamily="2" charset="0"/>
+              </a:rPr>
+              <a:t>Query</a:t>
+            </a:r>
+            <a:endParaRPr lang="ko-KR" altLang="en-US" sz="1600" dirty="0">
+              <a:solidFill>
+                <a:schemeClr val="bg1"/>
+              </a:solidFill>
+              <a:latin typeface="sn별별정직" panose="02000500000000000000" pitchFamily="2" charset="0"/>
+              <a:ea typeface="sn별별정직" panose="02000500000000000000" pitchFamily="2" charset="0"/>
+            </a:endParaRPr>
+          </a:p>
+        </p:txBody>
+      </p:sp>
+      <p:sp>
+        <p:nvSpPr>
+          <p:cNvPr id="36" name="TextBox 35">
+            <a:extLst>
+              <a:ext uri="{FF2B5EF4-FFF2-40B4-BE49-F238E27FC236}">
+                <a16:creationId xmlns:a16="http://schemas.microsoft.com/office/drawing/2014/main" id="{826F19B3-2122-41C0-93B1-9BA2CB5923D4}"/>
+              </a:ext>
+            </a:extLst>
+          </p:cNvPr>
+          <p:cNvSpPr txBox="1"/>
+          <p:nvPr/>
+        </p:nvSpPr>
+        <p:spPr>
+          <a:xfrm>
+            <a:off x="899167" y="4348918"/>
+            <a:ext cx="1083951" cy="338554"/>
+          </a:xfrm>
+          <a:prstGeom prst="rect">
+            <a:avLst/>
+          </a:prstGeom>
+          <a:noFill/>
+        </p:spPr>
+        <p:txBody>
+          <a:bodyPr wrap="square" rtlCol="0">
+            <a:spAutoFit/>
+          </a:bodyPr>
+          <a:lstStyle/>
+          <a:p>
+            <a:r>
+              <a:rPr lang="en-US" altLang="ko-KR" sz="1600" dirty="0">
+                <a:solidFill>
+                  <a:schemeClr val="bg1"/>
+                </a:solidFill>
+                <a:latin typeface="sn별별정직" panose="02000500000000000000" pitchFamily="2" charset="0"/>
+                <a:ea typeface="sn별별정직" panose="02000500000000000000" pitchFamily="2" charset="0"/>
+              </a:rPr>
+              <a:t>Fragment</a:t>
+            </a:r>
+            <a:endParaRPr lang="ko-KR" altLang="en-US" sz="1600" dirty="0">
+              <a:solidFill>
+                <a:schemeClr val="bg1"/>
+              </a:solidFill>
+              <a:latin typeface="sn별별정직" panose="02000500000000000000" pitchFamily="2" charset="0"/>
+              <a:ea typeface="sn별별정직" panose="02000500000000000000" pitchFamily="2" charset="0"/>
+            </a:endParaRPr>
+          </a:p>
+        </p:txBody>
+      </p:sp>
+      <p:cxnSp>
+        <p:nvCxnSpPr>
+          <p:cNvPr id="37" name="연결선: 꺾임 36">
+            <a:extLst>
+              <a:ext uri="{FF2B5EF4-FFF2-40B4-BE49-F238E27FC236}">
+                <a16:creationId xmlns:a16="http://schemas.microsoft.com/office/drawing/2014/main" id="{647ECD80-C5FE-4B85-A60D-C82D8993E694}"/>
+              </a:ext>
+            </a:extLst>
+          </p:cNvPr>
+          <p:cNvCxnSpPr>
+            <a:cxnSpLocks/>
+            <a:stCxn id="21" idx="3"/>
+            <a:endCxn id="32" idx="1"/>
+          </p:cNvCxnSpPr>
+          <p:nvPr/>
+        </p:nvCxnSpPr>
+        <p:spPr>
+          <a:xfrm>
+            <a:off x="2455520" y="2750161"/>
+            <a:ext cx="839389" cy="1078322"/>
+          </a:xfrm>
+          <a:prstGeom prst="bentConnector3">
+            <a:avLst>
+              <a:gd name="adj1" fmla="val 50000"/>
+            </a:avLst>
+          </a:prstGeom>
+        </p:spPr>
+        <p:style>
+          <a:lnRef idx="1">
+            <a:schemeClr val="accent1"/>
+          </a:lnRef>
+          <a:fillRef idx="0">
+            <a:schemeClr val="accent1"/>
+          </a:fillRef>
+          <a:effectRef idx="0">
+            <a:schemeClr val="accent1"/>
+          </a:effectRef>
+          <a:fontRef idx="minor">
+            <a:schemeClr val="tx1"/>
+          </a:fontRef>
+        </p:style>
+      </p:cxnSp>
+      <p:cxnSp>
+        <p:nvCxnSpPr>
+          <p:cNvPr id="40" name="연결선: 꺾임 39">
+            <a:extLst>
+              <a:ext uri="{FF2B5EF4-FFF2-40B4-BE49-F238E27FC236}">
+                <a16:creationId xmlns:a16="http://schemas.microsoft.com/office/drawing/2014/main" id="{3C7FE86B-B2FF-4040-AC2A-45D22E412DF8}"/>
+              </a:ext>
+            </a:extLst>
+          </p:cNvPr>
+          <p:cNvCxnSpPr>
+            <a:cxnSpLocks/>
+            <a:stCxn id="21" idx="3"/>
+            <a:endCxn id="45" idx="1"/>
+          </p:cNvCxnSpPr>
+          <p:nvPr/>
+        </p:nvCxnSpPr>
+        <p:spPr>
+          <a:xfrm>
+            <a:off x="2455520" y="2750161"/>
+            <a:ext cx="839389" cy="232563"/>
+          </a:xfrm>
+          <a:prstGeom prst="bentConnector3">
+            <a:avLst>
+              <a:gd name="adj1" fmla="val 50000"/>
+            </a:avLst>
+          </a:prstGeom>
+        </p:spPr>
+        <p:style>
+          <a:lnRef idx="1">
+            <a:schemeClr val="accent1"/>
+          </a:lnRef>
+          <a:fillRef idx="0">
+            <a:schemeClr val="accent1"/>
+          </a:fillRef>
+          <a:effectRef idx="0">
+            <a:schemeClr val="accent1"/>
+          </a:effectRef>
+          <a:fontRef idx="minor">
+            <a:schemeClr val="tx1"/>
+          </a:fontRef>
+        </p:style>
+      </p:cxnSp>
+      <p:sp>
+        <p:nvSpPr>
+          <p:cNvPr id="44" name="TextBox 43">
+            <a:extLst>
+              <a:ext uri="{FF2B5EF4-FFF2-40B4-BE49-F238E27FC236}">
+                <a16:creationId xmlns:a16="http://schemas.microsoft.com/office/drawing/2014/main" id="{927DEDA0-71FF-4267-9A12-1E9FBC62AFCA}"/>
+              </a:ext>
+            </a:extLst>
+          </p:cNvPr>
+          <p:cNvSpPr txBox="1"/>
+          <p:nvPr/>
+        </p:nvSpPr>
+        <p:spPr>
+          <a:xfrm>
+            <a:off x="893155" y="3012390"/>
+            <a:ext cx="784189" cy="338554"/>
+          </a:xfrm>
+          <a:prstGeom prst="rect">
+            <a:avLst/>
+          </a:prstGeom>
+          <a:noFill/>
+        </p:spPr>
+        <p:txBody>
+          <a:bodyPr wrap="none" rtlCol="0">
+            <a:spAutoFit/>
+          </a:bodyPr>
+          <a:lstStyle/>
+          <a:p>
+            <a:r>
+              <a:rPr lang="en-US" altLang="ko-KR" sz="1600" dirty="0">
+                <a:solidFill>
+                  <a:schemeClr val="bg1"/>
+                </a:solidFill>
+                <a:latin typeface="sn별별정직" panose="02000500000000000000" pitchFamily="2" charset="0"/>
+                <a:ea typeface="sn별별정직" panose="02000500000000000000" pitchFamily="2" charset="0"/>
+              </a:rPr>
+              <a:t>Scheme</a:t>
+            </a:r>
+            <a:endParaRPr lang="ko-KR" altLang="en-US" sz="1600" dirty="0">
+              <a:solidFill>
+                <a:schemeClr val="bg1"/>
+              </a:solidFill>
+              <a:latin typeface="sn별별정직" panose="02000500000000000000" pitchFamily="2" charset="0"/>
+              <a:ea typeface="sn별별정직" panose="02000500000000000000" pitchFamily="2" charset="0"/>
+            </a:endParaRPr>
+          </a:p>
+        </p:txBody>
+      </p:sp>
+      <p:sp>
+        <p:nvSpPr>
+          <p:cNvPr id="45" name="TextBox 44">
+            <a:extLst>
+              <a:ext uri="{FF2B5EF4-FFF2-40B4-BE49-F238E27FC236}">
+                <a16:creationId xmlns:a16="http://schemas.microsoft.com/office/drawing/2014/main" id="{8086DDDB-7BD9-46EB-8473-1C1FB92A60EF}"/>
+              </a:ext>
+            </a:extLst>
+          </p:cNvPr>
+          <p:cNvSpPr txBox="1"/>
+          <p:nvPr/>
+        </p:nvSpPr>
+        <p:spPr>
+          <a:xfrm>
+            <a:off x="3294909" y="2536448"/>
+            <a:ext cx="5614139" cy="892552"/>
+          </a:xfrm>
+          <a:prstGeom prst="rect">
+            <a:avLst/>
+          </a:prstGeom>
+          <a:noFill/>
+        </p:spPr>
+        <p:txBody>
+          <a:bodyPr wrap="square" rtlCol="0">
+            <a:spAutoFit/>
+          </a:bodyPr>
+          <a:lstStyle/>
+          <a:p>
+            <a:r>
+              <a:rPr lang="en-US" altLang="ko-KR" sz="2000" dirty="0">
+                <a:solidFill>
+                  <a:schemeClr val="bg1"/>
+                </a:solidFill>
+                <a:latin typeface="sn별별정직" panose="02000500000000000000" pitchFamily="2" charset="0"/>
+                <a:ea typeface="sn별별정직" panose="02000500000000000000" pitchFamily="2" charset="0"/>
+              </a:rPr>
+              <a:t>IP Address</a:t>
+            </a:r>
+          </a:p>
+          <a:p>
+            <a:r>
+              <a:rPr lang="en-US" altLang="ko-KR" sz="1600" dirty="0">
+                <a:solidFill>
+                  <a:schemeClr val="bg1"/>
+                </a:solidFill>
+                <a:latin typeface="sn별별정직" panose="02000500000000000000" pitchFamily="2" charset="0"/>
+                <a:ea typeface="sn별별정직" panose="02000500000000000000" pitchFamily="2" charset="0"/>
+              </a:rPr>
+              <a:t>: </a:t>
+            </a:r>
+            <a:r>
+              <a:rPr lang="ko-KR" altLang="en-US" sz="1600" dirty="0">
+                <a:solidFill>
+                  <a:schemeClr val="bg1"/>
+                </a:solidFill>
+                <a:latin typeface="sn별별정직" panose="02000500000000000000" pitchFamily="2" charset="0"/>
+                <a:ea typeface="sn별별정직" panose="02000500000000000000" pitchFamily="2" charset="0"/>
+              </a:rPr>
+              <a:t>네트워크 상에서 통신이 이루어질 때 장치를 식별하기 위해 사용되는 주소</a:t>
+            </a:r>
+            <a:endParaRPr lang="en-US" altLang="ko-KR" sz="1600" dirty="0">
+              <a:solidFill>
+                <a:schemeClr val="bg1"/>
+              </a:solidFill>
+              <a:latin typeface="sn별별정직" panose="02000500000000000000" pitchFamily="2" charset="0"/>
+              <a:ea typeface="sn별별정직" panose="02000500000000000000" pitchFamily="2" charset="0"/>
+            </a:endParaRPr>
+          </a:p>
+          <a:p>
+            <a:r>
+              <a:rPr lang="en-US" altLang="ko-KR" sz="1600" dirty="0">
+                <a:solidFill>
+                  <a:schemeClr val="bg1"/>
+                </a:solidFill>
+                <a:latin typeface="sn별별정직" panose="02000500000000000000" pitchFamily="2" charset="0"/>
+                <a:ea typeface="sn별별정직" panose="02000500000000000000" pitchFamily="2" charset="0"/>
+              </a:rPr>
+              <a:t>  </a:t>
+            </a:r>
+            <a:r>
+              <a:rPr lang="ko-KR" altLang="en-US" sz="1600" dirty="0">
+                <a:solidFill>
+                  <a:schemeClr val="bg1"/>
+                </a:solidFill>
+                <a:latin typeface="sn별별정직" panose="02000500000000000000" pitchFamily="2" charset="0"/>
+                <a:ea typeface="sn별별정직" panose="02000500000000000000" pitchFamily="2" charset="0"/>
+              </a:rPr>
+              <a:t>일반적으로도 도메인의 특성을 담은 이름을 정의하여 </a:t>
+            </a:r>
+            <a:r>
+              <a:rPr lang="en-US" altLang="ko-KR" sz="1600" dirty="0">
+                <a:solidFill>
+                  <a:schemeClr val="bg1"/>
+                </a:solidFill>
+                <a:latin typeface="sn별별정직" panose="02000500000000000000" pitchFamily="2" charset="0"/>
+                <a:ea typeface="sn별별정직" panose="02000500000000000000" pitchFamily="2" charset="0"/>
+              </a:rPr>
+              <a:t>IP </a:t>
+            </a:r>
+            <a:r>
+              <a:rPr lang="ko-KR" altLang="en-US" sz="1600" dirty="0">
+                <a:solidFill>
+                  <a:schemeClr val="bg1"/>
+                </a:solidFill>
+                <a:latin typeface="sn별별정직" panose="02000500000000000000" pitchFamily="2" charset="0"/>
+                <a:ea typeface="sn별별정직" panose="02000500000000000000" pitchFamily="2" charset="0"/>
+              </a:rPr>
+              <a:t>대신 사용</a:t>
+            </a:r>
+            <a:endParaRPr lang="en-US" altLang="ko-KR" sz="1600" dirty="0">
+              <a:solidFill>
+                <a:schemeClr val="bg1"/>
+              </a:solidFill>
+              <a:latin typeface="sn별별정직" panose="02000500000000000000" pitchFamily="2" charset="0"/>
+              <a:ea typeface="sn별별정직" panose="02000500000000000000" pitchFamily="2" charset="0"/>
+            </a:endParaRPr>
+          </a:p>
+        </p:txBody>
+      </p:sp>
+      <p:sp>
+        <p:nvSpPr>
+          <p:cNvPr id="58" name="TextBox 57">
+            <a:extLst>
+              <a:ext uri="{FF2B5EF4-FFF2-40B4-BE49-F238E27FC236}">
+                <a16:creationId xmlns:a16="http://schemas.microsoft.com/office/drawing/2014/main" id="{7CEB04A4-8FBC-4902-909C-84FB0B072351}"/>
+              </a:ext>
+            </a:extLst>
+          </p:cNvPr>
+          <p:cNvSpPr txBox="1"/>
+          <p:nvPr/>
+        </p:nvSpPr>
+        <p:spPr>
+          <a:xfrm>
+            <a:off x="5399395" y="5046771"/>
+            <a:ext cx="2628323" cy="861774"/>
+          </a:xfrm>
+          <a:prstGeom prst="rect">
+            <a:avLst/>
+          </a:prstGeom>
+          <a:noFill/>
+        </p:spPr>
+        <p:txBody>
+          <a:bodyPr wrap="square" rtlCol="0">
+            <a:spAutoFit/>
+          </a:bodyPr>
+          <a:lstStyle/>
+          <a:p>
+            <a:r>
+              <a:rPr lang="en-US" altLang="ko-KR" sz="1600" dirty="0">
+                <a:solidFill>
+                  <a:schemeClr val="bg1">
+                    <a:lumMod val="50000"/>
+                  </a:schemeClr>
+                </a:solidFill>
+                <a:latin typeface="sn별별정직" panose="02000500000000000000" pitchFamily="2" charset="0"/>
+                <a:ea typeface="sn별별정직" panose="02000500000000000000" pitchFamily="2" charset="0"/>
+              </a:rPr>
+              <a:t>Domain Name</a:t>
+            </a:r>
+            <a:r>
+              <a:rPr lang="ko-KR" altLang="en-US" sz="1600" dirty="0">
+                <a:solidFill>
+                  <a:schemeClr val="bg1">
+                    <a:lumMod val="50000"/>
+                  </a:schemeClr>
+                </a:solidFill>
+                <a:latin typeface="sn별별정직" panose="02000500000000000000" pitchFamily="2" charset="0"/>
+                <a:ea typeface="sn별별정직" panose="02000500000000000000" pitchFamily="2" charset="0"/>
+              </a:rPr>
+              <a:t>에 대한 정보는 </a:t>
+            </a:r>
+            <a:endParaRPr lang="en-US" altLang="ko-KR" sz="1600" dirty="0">
+              <a:solidFill>
+                <a:schemeClr val="bg1">
+                  <a:lumMod val="50000"/>
+                </a:schemeClr>
+              </a:solidFill>
+              <a:latin typeface="sn별별정직" panose="02000500000000000000" pitchFamily="2" charset="0"/>
+              <a:ea typeface="sn별별정직" panose="02000500000000000000" pitchFamily="2" charset="0"/>
+            </a:endParaRPr>
+          </a:p>
+          <a:p>
+            <a:r>
+              <a:rPr lang="en-US" altLang="ko-KR" sz="1600" dirty="0">
+                <a:solidFill>
+                  <a:schemeClr val="bg1">
+                    <a:lumMod val="50000"/>
+                  </a:schemeClr>
+                </a:solidFill>
+                <a:latin typeface="sn별별정직" panose="02000500000000000000" pitchFamily="2" charset="0"/>
+                <a:ea typeface="sn별별정직" panose="02000500000000000000" pitchFamily="2" charset="0"/>
+              </a:rPr>
+              <a:t>MacOS/Linux/Windows</a:t>
+            </a:r>
+            <a:r>
+              <a:rPr lang="ko-KR" altLang="en-US" sz="1600" dirty="0">
+                <a:solidFill>
+                  <a:schemeClr val="bg1">
+                    <a:lumMod val="50000"/>
+                  </a:schemeClr>
+                </a:solidFill>
+                <a:latin typeface="sn별별정직" panose="02000500000000000000" pitchFamily="2" charset="0"/>
+                <a:ea typeface="sn별별정직" panose="02000500000000000000" pitchFamily="2" charset="0"/>
+              </a:rPr>
+              <a:t>에서 </a:t>
+            </a:r>
+            <a:endParaRPr lang="en-US" altLang="ko-KR" sz="1600" dirty="0">
+              <a:solidFill>
+                <a:schemeClr val="bg1">
+                  <a:lumMod val="50000"/>
+                </a:schemeClr>
+              </a:solidFill>
+              <a:latin typeface="sn별별정직" panose="02000500000000000000" pitchFamily="2" charset="0"/>
+              <a:ea typeface="sn별별정직" panose="02000500000000000000" pitchFamily="2" charset="0"/>
+            </a:endParaRPr>
+          </a:p>
+          <a:p>
+            <a:r>
+              <a:rPr lang="en-US" altLang="ko-KR" sz="1600" dirty="0">
+                <a:solidFill>
+                  <a:schemeClr val="bg1">
+                    <a:lumMod val="50000"/>
+                  </a:schemeClr>
+                </a:solidFill>
+                <a:latin typeface="sn별별정직" panose="02000500000000000000" pitchFamily="2" charset="0"/>
+                <a:ea typeface="sn별별정직" panose="02000500000000000000" pitchFamily="2" charset="0"/>
+              </a:rPr>
+              <a:t>nslookup</a:t>
+            </a:r>
+            <a:r>
+              <a:rPr lang="ko-KR" altLang="en-US" sz="1600" dirty="0">
+                <a:solidFill>
+                  <a:schemeClr val="bg1">
+                    <a:lumMod val="50000"/>
+                  </a:schemeClr>
+                </a:solidFill>
+                <a:latin typeface="sn별별정직" panose="02000500000000000000" pitchFamily="2" charset="0"/>
+                <a:ea typeface="sn별별정직" panose="02000500000000000000" pitchFamily="2" charset="0"/>
+              </a:rPr>
+              <a:t>명령어를 사용해 확인 가능</a:t>
+            </a:r>
+            <a:endParaRPr lang="ko-KR" altLang="en-US" sz="1200" dirty="0">
+              <a:solidFill>
+                <a:schemeClr val="bg1">
+                  <a:lumMod val="50000"/>
+                </a:schemeClr>
+              </a:solidFill>
+              <a:latin typeface="sn별별정직" panose="02000500000000000000" pitchFamily="2" charset="0"/>
+              <a:ea typeface="sn별별정직" panose="02000500000000000000" pitchFamily="2" charset="0"/>
+            </a:endParaRPr>
+          </a:p>
+        </p:txBody>
+      </p:sp>
+    </p:spTree>
+    <p:extLst>
+      <p:ext uri="{BB962C8B-B14F-4D97-AF65-F5344CB8AC3E}">
+        <p14:creationId xmlns:p14="http://schemas.microsoft.com/office/powerpoint/2010/main" val="420286193"/>
+      </p:ext>
+    </p:extLst>
+  </p:cSld>
+  <p:clrMapOvr>
+    <a:masterClrMapping/>
+  </p:clrMapOvr>
+</p:sld>
+</file>
+
+<file path=ppt/slides/slide13.xml><?xml version="1.0" encoding="utf-8"?>
+<p:sld xmlns:a="http://schemas.openxmlformats.org/drawingml/2006/main" xmlns:r="http://schemas.openxmlformats.org/officeDocument/2006/relationships" xmlns:p="http://schemas.openxmlformats.org/presentationml/2006/main">
+  <p:cSld>
+    <p:spTree>
+      <p:nvGrpSpPr>
+        <p:cNvPr id="1" name=""/>
+        <p:cNvGrpSpPr/>
+        <p:nvPr/>
+      </p:nvGrpSpPr>
+      <p:grpSpPr>
+        <a:xfrm>
+          <a:off x="0" y="0"/>
+          <a:ext cx="0" cy="0"/>
+          <a:chOff x="0" y="0"/>
+          <a:chExt cx="0" cy="0"/>
+        </a:xfrm>
+      </p:grpSpPr>
+      <p:sp>
+        <p:nvSpPr>
+          <p:cNvPr id="4" name="직사각형 3">
+            <a:extLst>
+              <a:ext uri="{FF2B5EF4-FFF2-40B4-BE49-F238E27FC236}">
+                <a16:creationId xmlns:a16="http://schemas.microsoft.com/office/drawing/2014/main" id="{B7FEE362-786C-4B4A-805C-10D5E3E3BA60}"/>
+              </a:ext>
+            </a:extLst>
+          </p:cNvPr>
+          <p:cNvSpPr/>
+          <p:nvPr/>
+        </p:nvSpPr>
+        <p:spPr>
+          <a:xfrm>
+            <a:off x="318501" y="704494"/>
+            <a:ext cx="8590548" cy="228311"/>
+          </a:xfrm>
+          <a:prstGeom prst="rect">
+            <a:avLst/>
+          </a:prstGeom>
+          <a:solidFill>
+            <a:schemeClr val="accent1">
+              <a:alpha val="50000"/>
+            </a:schemeClr>
+          </a:solidFill>
+          <a:ln>
+            <a:noFill/>
+          </a:ln>
+        </p:spPr>
+        <p:style>
+          <a:lnRef idx="2">
+            <a:schemeClr val="accent1">
+              <a:shade val="50000"/>
+            </a:schemeClr>
+          </a:lnRef>
+          <a:fillRef idx="1">
+            <a:schemeClr val="accent1"/>
+          </a:fillRef>
+          <a:effectRef idx="0">
+            <a:schemeClr val="accent1"/>
+          </a:effectRef>
+          <a:fontRef idx="minor">
+            <a:schemeClr val="lt1"/>
+          </a:fontRef>
+        </p:style>
+        <p:txBody>
+          <a:bodyPr rtlCol="0" anchor="ctr"/>
+          <a:lstStyle/>
+          <a:p>
+            <a:pPr algn="ctr"/>
+            <a:endParaRPr lang="ko-KR" altLang="en-US" sz="8000" dirty="0">
+              <a:latin typeface="sn별별정직" panose="02000500000000000000" pitchFamily="2" charset="0"/>
+              <a:ea typeface="sn별별정직" panose="02000500000000000000" pitchFamily="2" charset="0"/>
+            </a:endParaRPr>
+          </a:p>
+        </p:txBody>
+      </p:sp>
+      <p:sp>
+        <p:nvSpPr>
+          <p:cNvPr id="5" name="제목 1">
+            <a:extLst>
+              <a:ext uri="{FF2B5EF4-FFF2-40B4-BE49-F238E27FC236}">
+                <a16:creationId xmlns:a16="http://schemas.microsoft.com/office/drawing/2014/main" id="{EB505EB2-5916-4CB7-AF5D-43E06BA041C2}"/>
+              </a:ext>
+            </a:extLst>
+          </p:cNvPr>
+          <p:cNvSpPr>
+            <a:spLocks noGrp="1"/>
+          </p:cNvSpPr>
+          <p:nvPr>
+            <p:ph type="title"/>
+          </p:nvPr>
+        </p:nvSpPr>
+        <p:spPr>
+          <a:xfrm>
+            <a:off x="628650" y="365126"/>
+            <a:ext cx="7886700" cy="1325563"/>
+          </a:xfrm>
+        </p:spPr>
+        <p:txBody>
+          <a:bodyPr>
+            <a:normAutofit/>
+          </a:bodyPr>
+          <a:lstStyle/>
+          <a:p>
+            <a:pPr algn="ctr"/>
+            <a:r>
+              <a:rPr lang="en-US" altLang="ko-KR" sz="4900" dirty="0"/>
+              <a:t>Web : Web Browser</a:t>
+            </a:r>
+            <a:br>
+              <a:rPr lang="en-US" altLang="ko-KR" dirty="0"/>
+            </a:br>
+            <a:r>
+              <a:rPr lang="en-US" altLang="ko-KR" sz="3100" dirty="0">
+                <a:solidFill>
+                  <a:schemeClr val="bg1">
+                    <a:lumMod val="65000"/>
+                  </a:schemeClr>
+                </a:solidFill>
+              </a:rPr>
+              <a:t>Web Rendering</a:t>
+            </a:r>
+            <a:endParaRPr lang="ko-KR" altLang="en-US" dirty="0"/>
+          </a:p>
+        </p:txBody>
+      </p:sp>
+      <p:sp>
+        <p:nvSpPr>
+          <p:cNvPr id="6" name="바닥글 개체 틀 5">
+            <a:extLst>
+              <a:ext uri="{FF2B5EF4-FFF2-40B4-BE49-F238E27FC236}">
+                <a16:creationId xmlns:a16="http://schemas.microsoft.com/office/drawing/2014/main" id="{5DA0CE2B-BCCB-43B8-8F84-99C078367E94}"/>
+              </a:ext>
+            </a:extLst>
+          </p:cNvPr>
+          <p:cNvSpPr>
+            <a:spLocks noGrp="1"/>
+          </p:cNvSpPr>
+          <p:nvPr>
+            <p:ph type="ftr" sz="quarter" idx="11"/>
+          </p:nvPr>
+        </p:nvSpPr>
+        <p:spPr/>
+        <p:txBody>
+          <a:bodyPr/>
+          <a:lstStyle/>
+          <a:p>
+            <a:r>
+              <a:rPr lang="en-US" altLang="ko-KR" dirty="0"/>
+              <a:t>Web Browser</a:t>
+            </a:r>
+            <a:endParaRPr lang="ko-KR" altLang="en-US" dirty="0"/>
+          </a:p>
+        </p:txBody>
+      </p:sp>
+      <p:sp>
+        <p:nvSpPr>
+          <p:cNvPr id="2" name="화살표: 오른쪽 1">
+            <a:extLst>
+              <a:ext uri="{FF2B5EF4-FFF2-40B4-BE49-F238E27FC236}">
+                <a16:creationId xmlns:a16="http://schemas.microsoft.com/office/drawing/2014/main" id="{5E1164D2-C69F-4F7D-9033-52B62C8F7C3E}"/>
+              </a:ext>
+            </a:extLst>
+          </p:cNvPr>
+          <p:cNvSpPr/>
+          <p:nvPr/>
+        </p:nvSpPr>
+        <p:spPr>
+          <a:xfrm>
+            <a:off x="-106878" y="2771547"/>
+            <a:ext cx="1653720" cy="228311"/>
+          </a:xfrm>
+          <a:prstGeom prst="rightArrow">
+            <a:avLst>
+              <a:gd name="adj1" fmla="val 24603"/>
+              <a:gd name="adj2" fmla="val 70635"/>
+            </a:avLst>
+          </a:prstGeom>
+          <a:solidFill>
+            <a:schemeClr val="tx1"/>
+          </a:solidFill>
+          <a:ln>
+            <a:solidFill>
+              <a:schemeClr val="bg1"/>
+            </a:solidFill>
+          </a:ln>
+        </p:spPr>
+        <p:style>
+          <a:lnRef idx="2">
+            <a:schemeClr val="accent1">
+              <a:shade val="50000"/>
+            </a:schemeClr>
+          </a:lnRef>
+          <a:fillRef idx="1">
+            <a:schemeClr val="accent1"/>
+          </a:fillRef>
+          <a:effectRef idx="0">
+            <a:schemeClr val="accent1"/>
+          </a:effectRef>
+          <a:fontRef idx="minor">
+            <a:schemeClr val="lt1"/>
+          </a:fontRef>
+        </p:style>
+        <p:txBody>
+          <a:bodyPr rtlCol="0" anchor="ctr"/>
+          <a:lstStyle/>
+          <a:p>
+            <a:pPr algn="ctr"/>
+            <a:endParaRPr lang="ko-KR" altLang="en-US"/>
+          </a:p>
+        </p:txBody>
+      </p:sp>
+      <p:sp>
+        <p:nvSpPr>
+          <p:cNvPr id="3" name="TextBox 2">
+            <a:extLst>
+              <a:ext uri="{FF2B5EF4-FFF2-40B4-BE49-F238E27FC236}">
+                <a16:creationId xmlns:a16="http://schemas.microsoft.com/office/drawing/2014/main" id="{6C5785CD-AF11-4CA0-B897-691FE1AD9FCE}"/>
+              </a:ext>
+            </a:extLst>
+          </p:cNvPr>
+          <p:cNvSpPr txBox="1"/>
+          <p:nvPr/>
+        </p:nvSpPr>
+        <p:spPr>
+          <a:xfrm>
+            <a:off x="318501" y="2516371"/>
+            <a:ext cx="1079142" cy="369332"/>
+          </a:xfrm>
+          <a:prstGeom prst="rect">
+            <a:avLst/>
+          </a:prstGeom>
+          <a:noFill/>
+        </p:spPr>
+        <p:txBody>
+          <a:bodyPr wrap="none" rtlCol="0">
+            <a:spAutoFit/>
+          </a:bodyPr>
+          <a:lstStyle/>
+          <a:p>
+            <a:r>
+              <a:rPr lang="ko-KR" altLang="en-US" dirty="0">
+                <a:solidFill>
+                  <a:schemeClr val="bg1"/>
+                </a:solidFill>
+                <a:latin typeface="sn별별정직" panose="02000500000000000000" pitchFamily="2" charset="0"/>
+                <a:ea typeface="sn별별정직" panose="02000500000000000000" pitchFamily="2" charset="0"/>
+              </a:rPr>
+              <a:t>서버의 응답</a:t>
+            </a:r>
+          </a:p>
+        </p:txBody>
+      </p:sp>
+      <p:sp>
+        <p:nvSpPr>
+          <p:cNvPr id="8" name="직사각형 7">
+            <a:extLst>
+              <a:ext uri="{FF2B5EF4-FFF2-40B4-BE49-F238E27FC236}">
+                <a16:creationId xmlns:a16="http://schemas.microsoft.com/office/drawing/2014/main" id="{8C446B46-45CA-4DC1-8D97-A57093986707}"/>
+              </a:ext>
+            </a:extLst>
+          </p:cNvPr>
+          <p:cNvSpPr/>
+          <p:nvPr/>
+        </p:nvSpPr>
+        <p:spPr>
+          <a:xfrm>
+            <a:off x="1738359" y="2218714"/>
+            <a:ext cx="2208811" cy="1325563"/>
+          </a:xfrm>
+          <a:prstGeom prst="rect">
+            <a:avLst/>
+          </a:prstGeom>
+          <a:solidFill>
+            <a:schemeClr val="tx1"/>
+          </a:solidFill>
+          <a:ln>
+            <a:solidFill>
+              <a:schemeClr val="bg1"/>
+            </a:solidFill>
+          </a:ln>
+        </p:spPr>
+        <p:style>
+          <a:lnRef idx="2">
+            <a:schemeClr val="accent1">
+              <a:shade val="50000"/>
+            </a:schemeClr>
+          </a:lnRef>
+          <a:fillRef idx="1">
+            <a:schemeClr val="accent1"/>
+          </a:fillRef>
+          <a:effectRef idx="0">
+            <a:schemeClr val="accent1"/>
+          </a:effectRef>
+          <a:fontRef idx="minor">
+            <a:schemeClr val="lt1"/>
+          </a:fontRef>
+        </p:style>
+        <p:txBody>
+          <a:bodyPr rtlCol="0" anchor="ctr"/>
+          <a:lstStyle/>
+          <a:p>
+            <a:pPr algn="ctr"/>
+            <a:r>
+              <a:rPr lang="ko-KR" altLang="en-US" sz="3200" dirty="0">
+                <a:latin typeface="sn별별정직" panose="02000500000000000000" pitchFamily="2" charset="0"/>
+                <a:ea typeface="sn별별정직" panose="02000500000000000000" pitchFamily="2" charset="0"/>
+              </a:rPr>
+              <a:t>웹 브라우저</a:t>
+            </a:r>
+          </a:p>
+        </p:txBody>
+      </p:sp>
+      <p:sp>
+        <p:nvSpPr>
+          <p:cNvPr id="29" name="직사각형 28">
+            <a:extLst>
+              <a:ext uri="{FF2B5EF4-FFF2-40B4-BE49-F238E27FC236}">
+                <a16:creationId xmlns:a16="http://schemas.microsoft.com/office/drawing/2014/main" id="{534B1C72-1BEE-4C47-95DB-CC3C7EA53642}"/>
+              </a:ext>
+            </a:extLst>
+          </p:cNvPr>
+          <p:cNvSpPr/>
+          <p:nvPr/>
+        </p:nvSpPr>
+        <p:spPr>
+          <a:xfrm>
+            <a:off x="6765081" y="2218714"/>
+            <a:ext cx="2208811" cy="1325563"/>
+          </a:xfrm>
+          <a:prstGeom prst="rect">
+            <a:avLst/>
+          </a:prstGeom>
+          <a:solidFill>
+            <a:schemeClr val="tx1"/>
+          </a:solidFill>
+          <a:ln>
+            <a:solidFill>
+              <a:schemeClr val="bg1"/>
+            </a:solidFill>
+          </a:ln>
+        </p:spPr>
+        <p:style>
+          <a:lnRef idx="2">
+            <a:schemeClr val="accent1">
+              <a:shade val="50000"/>
+            </a:schemeClr>
+          </a:lnRef>
+          <a:fillRef idx="1">
+            <a:schemeClr val="accent1"/>
+          </a:fillRef>
+          <a:effectRef idx="0">
+            <a:schemeClr val="accent1"/>
+          </a:effectRef>
+          <a:fontRef idx="minor">
+            <a:schemeClr val="lt1"/>
+          </a:fontRef>
+        </p:style>
+        <p:txBody>
+          <a:bodyPr rtlCol="0" anchor="ctr"/>
+          <a:lstStyle/>
+          <a:p>
+            <a:pPr algn="ctr"/>
+            <a:r>
+              <a:rPr lang="ko-KR" altLang="en-US" sz="3200" dirty="0">
+                <a:latin typeface="sn별별정직" panose="02000500000000000000" pitchFamily="2" charset="0"/>
+                <a:ea typeface="sn별별정직" panose="02000500000000000000" pitchFamily="2" charset="0"/>
+              </a:rPr>
+              <a:t>이용자</a:t>
+            </a:r>
+          </a:p>
+        </p:txBody>
+      </p:sp>
+      <p:sp>
+        <p:nvSpPr>
+          <p:cNvPr id="38" name="화살표: 오른쪽 37">
+            <a:extLst>
+              <a:ext uri="{FF2B5EF4-FFF2-40B4-BE49-F238E27FC236}">
+                <a16:creationId xmlns:a16="http://schemas.microsoft.com/office/drawing/2014/main" id="{828DEC1E-8D30-40E6-961F-A11AE537F9CB}"/>
+              </a:ext>
+            </a:extLst>
+          </p:cNvPr>
+          <p:cNvSpPr/>
+          <p:nvPr/>
+        </p:nvSpPr>
+        <p:spPr>
+          <a:xfrm>
+            <a:off x="5813110" y="2771547"/>
+            <a:ext cx="852768" cy="232910"/>
+          </a:xfrm>
+          <a:prstGeom prst="rightArrow">
+            <a:avLst>
+              <a:gd name="adj1" fmla="val 24603"/>
+              <a:gd name="adj2" fmla="val 70635"/>
+            </a:avLst>
+          </a:prstGeom>
+          <a:solidFill>
+            <a:schemeClr val="tx1"/>
+          </a:solidFill>
+          <a:ln>
+            <a:solidFill>
+              <a:schemeClr val="bg1"/>
+            </a:solidFill>
+          </a:ln>
+        </p:spPr>
+        <p:style>
+          <a:lnRef idx="2">
+            <a:schemeClr val="accent1">
+              <a:shade val="50000"/>
+            </a:schemeClr>
+          </a:lnRef>
+          <a:fillRef idx="1">
+            <a:schemeClr val="accent1"/>
+          </a:fillRef>
+          <a:effectRef idx="0">
+            <a:schemeClr val="accent1"/>
+          </a:effectRef>
+          <a:fontRef idx="minor">
+            <a:schemeClr val="lt1"/>
+          </a:fontRef>
+        </p:style>
+        <p:txBody>
+          <a:bodyPr rtlCol="0" anchor="ctr"/>
+          <a:lstStyle/>
+          <a:p>
+            <a:pPr algn="ctr"/>
+            <a:endParaRPr lang="ko-KR" altLang="en-US"/>
+          </a:p>
+        </p:txBody>
+      </p:sp>
+      <p:sp>
+        <p:nvSpPr>
+          <p:cNvPr id="39" name="화살표: 오른쪽 38">
+            <a:extLst>
+              <a:ext uri="{FF2B5EF4-FFF2-40B4-BE49-F238E27FC236}">
+                <a16:creationId xmlns:a16="http://schemas.microsoft.com/office/drawing/2014/main" id="{E0E1CF65-6EC4-48F5-B7E9-4D17D757D907}"/>
+              </a:ext>
+            </a:extLst>
+          </p:cNvPr>
+          <p:cNvSpPr/>
+          <p:nvPr/>
+        </p:nvSpPr>
+        <p:spPr>
+          <a:xfrm>
+            <a:off x="3947170" y="2771547"/>
+            <a:ext cx="841635" cy="232910"/>
+          </a:xfrm>
+          <a:prstGeom prst="rightArrow">
+            <a:avLst>
+              <a:gd name="adj1" fmla="val 24603"/>
+              <a:gd name="adj2" fmla="val 70635"/>
+            </a:avLst>
+          </a:prstGeom>
+          <a:solidFill>
+            <a:schemeClr val="tx1"/>
+          </a:solidFill>
+          <a:ln>
+            <a:solidFill>
+              <a:schemeClr val="bg1"/>
+            </a:solidFill>
+          </a:ln>
+        </p:spPr>
+        <p:style>
+          <a:lnRef idx="2">
+            <a:schemeClr val="accent1">
+              <a:shade val="50000"/>
+            </a:schemeClr>
+          </a:lnRef>
+          <a:fillRef idx="1">
+            <a:schemeClr val="accent1"/>
+          </a:fillRef>
+          <a:effectRef idx="0">
+            <a:schemeClr val="accent1"/>
+          </a:effectRef>
+          <a:fontRef idx="minor">
+            <a:schemeClr val="lt1"/>
+          </a:fontRef>
+        </p:style>
+        <p:txBody>
+          <a:bodyPr rtlCol="0" anchor="ctr"/>
+          <a:lstStyle/>
+          <a:p>
+            <a:pPr algn="ctr"/>
+            <a:endParaRPr lang="ko-KR" altLang="en-US"/>
+          </a:p>
+        </p:txBody>
+      </p:sp>
+      <p:sp>
+        <p:nvSpPr>
+          <p:cNvPr id="41" name="TextBox 40">
+            <a:extLst>
+              <a:ext uri="{FF2B5EF4-FFF2-40B4-BE49-F238E27FC236}">
+                <a16:creationId xmlns:a16="http://schemas.microsoft.com/office/drawing/2014/main" id="{EA666E22-23C4-4821-8690-771C5008CC6B}"/>
+              </a:ext>
+            </a:extLst>
+          </p:cNvPr>
+          <p:cNvSpPr txBox="1"/>
+          <p:nvPr/>
+        </p:nvSpPr>
+        <p:spPr>
+          <a:xfrm>
+            <a:off x="5923446" y="2516371"/>
+            <a:ext cx="513282" cy="369332"/>
+          </a:xfrm>
+          <a:prstGeom prst="rect">
+            <a:avLst/>
+          </a:prstGeom>
+          <a:noFill/>
+        </p:spPr>
+        <p:txBody>
+          <a:bodyPr wrap="none" rtlCol="0">
+            <a:spAutoFit/>
+          </a:bodyPr>
+          <a:lstStyle/>
+          <a:p>
+            <a:r>
+              <a:rPr lang="ko-KR" altLang="en-US" dirty="0">
+                <a:solidFill>
+                  <a:schemeClr val="bg1"/>
+                </a:solidFill>
+                <a:latin typeface="sn별별정직" panose="02000500000000000000" pitchFamily="2" charset="0"/>
+                <a:ea typeface="sn별별정직" panose="02000500000000000000" pitchFamily="2" charset="0"/>
+              </a:rPr>
+              <a:t>전달</a:t>
+            </a:r>
+          </a:p>
+        </p:txBody>
+      </p:sp>
+      <p:sp>
+        <p:nvSpPr>
+          <p:cNvPr id="43" name="직사각형 42">
+            <a:extLst>
+              <a:ext uri="{FF2B5EF4-FFF2-40B4-BE49-F238E27FC236}">
+                <a16:creationId xmlns:a16="http://schemas.microsoft.com/office/drawing/2014/main" id="{E49547DF-A83E-4C1F-BBD5-9FB086FD489B}"/>
+              </a:ext>
+            </a:extLst>
+          </p:cNvPr>
+          <p:cNvSpPr/>
+          <p:nvPr/>
+        </p:nvSpPr>
+        <p:spPr>
+          <a:xfrm>
+            <a:off x="4788805" y="2218714"/>
+            <a:ext cx="1034666" cy="1325563"/>
+          </a:xfrm>
+          <a:prstGeom prst="rect">
+            <a:avLst/>
+          </a:prstGeom>
+          <a:solidFill>
+            <a:schemeClr val="tx1"/>
+          </a:solidFill>
+          <a:ln>
+            <a:solidFill>
+              <a:schemeClr val="bg1"/>
+            </a:solidFill>
+          </a:ln>
+        </p:spPr>
+        <p:style>
+          <a:lnRef idx="2">
+            <a:schemeClr val="accent1">
+              <a:shade val="50000"/>
+            </a:schemeClr>
+          </a:lnRef>
+          <a:fillRef idx="1">
+            <a:schemeClr val="accent1"/>
+          </a:fillRef>
+          <a:effectRef idx="0">
+            <a:schemeClr val="accent1"/>
+          </a:effectRef>
+          <a:fontRef idx="minor">
+            <a:schemeClr val="lt1"/>
+          </a:fontRef>
+        </p:style>
+        <p:txBody>
+          <a:bodyPr rtlCol="0" anchor="ctr"/>
+          <a:lstStyle/>
+          <a:p>
+            <a:pPr algn="ctr"/>
+            <a:r>
+              <a:rPr lang="ko-KR" altLang="en-US" sz="2400" dirty="0">
+                <a:latin typeface="sn별별정직" panose="02000500000000000000" pitchFamily="2" charset="0"/>
+                <a:ea typeface="sn별별정직" panose="02000500000000000000" pitchFamily="2" charset="0"/>
+              </a:rPr>
+              <a:t>리소스 타입 확인</a:t>
+            </a:r>
+          </a:p>
+        </p:txBody>
+      </p:sp>
+      <p:sp>
+        <p:nvSpPr>
+          <p:cNvPr id="46" name="TextBox 45">
+            <a:extLst>
+              <a:ext uri="{FF2B5EF4-FFF2-40B4-BE49-F238E27FC236}">
+                <a16:creationId xmlns:a16="http://schemas.microsoft.com/office/drawing/2014/main" id="{1284549B-9D41-4D79-BB6E-C35CE4297482}"/>
+              </a:ext>
+            </a:extLst>
+          </p:cNvPr>
+          <p:cNvSpPr txBox="1"/>
+          <p:nvPr/>
+        </p:nvSpPr>
+        <p:spPr>
+          <a:xfrm>
+            <a:off x="2553443" y="1619586"/>
+            <a:ext cx="4294765" cy="369332"/>
+          </a:xfrm>
+          <a:prstGeom prst="rect">
+            <a:avLst/>
+          </a:prstGeom>
+          <a:noFill/>
+        </p:spPr>
+        <p:txBody>
+          <a:bodyPr wrap="none" rtlCol="0">
+            <a:spAutoFit/>
+          </a:bodyPr>
+          <a:lstStyle/>
+          <a:p>
+            <a:r>
+              <a:rPr lang="en-US" altLang="ko-KR" dirty="0">
+                <a:solidFill>
+                  <a:schemeClr val="bg1"/>
+                </a:solidFill>
+                <a:latin typeface="sn별별정직" panose="02000500000000000000" pitchFamily="2" charset="0"/>
+                <a:ea typeface="sn별별정직" panose="02000500000000000000" pitchFamily="2" charset="0"/>
+              </a:rPr>
+              <a:t>: </a:t>
+            </a:r>
+            <a:r>
+              <a:rPr lang="ko-KR" altLang="en-US" dirty="0">
+                <a:solidFill>
+                  <a:schemeClr val="bg1"/>
+                </a:solidFill>
+                <a:latin typeface="sn별별정직" panose="02000500000000000000" pitchFamily="2" charset="0"/>
+                <a:ea typeface="sn별별정직" panose="02000500000000000000" pitchFamily="2" charset="0"/>
+              </a:rPr>
+              <a:t>서버로부터 받은 리소스를 이용자에게 </a:t>
+            </a:r>
+            <a:r>
+              <a:rPr lang="ko-KR" altLang="en-US" dirty="0" err="1">
+                <a:solidFill>
+                  <a:schemeClr val="bg1"/>
+                </a:solidFill>
+                <a:latin typeface="sn별별정직" panose="02000500000000000000" pitchFamily="2" charset="0"/>
+                <a:ea typeface="sn별별정직" panose="02000500000000000000" pitchFamily="2" charset="0"/>
+              </a:rPr>
+              <a:t>시각화하는</a:t>
+            </a:r>
+            <a:r>
+              <a:rPr lang="ko-KR" altLang="en-US" dirty="0">
+                <a:solidFill>
+                  <a:schemeClr val="bg1"/>
+                </a:solidFill>
+                <a:latin typeface="sn별별정직" panose="02000500000000000000" pitchFamily="2" charset="0"/>
+                <a:ea typeface="sn별별정직" panose="02000500000000000000" pitchFamily="2" charset="0"/>
+              </a:rPr>
+              <a:t> 행위</a:t>
+            </a:r>
+          </a:p>
+        </p:txBody>
+      </p:sp>
+      <p:sp>
+        <p:nvSpPr>
+          <p:cNvPr id="47" name="화살표: 오른쪽 46">
+            <a:extLst>
+              <a:ext uri="{FF2B5EF4-FFF2-40B4-BE49-F238E27FC236}">
+                <a16:creationId xmlns:a16="http://schemas.microsoft.com/office/drawing/2014/main" id="{C58C9877-A735-428E-9B8F-6B6988A258AA}"/>
+              </a:ext>
+            </a:extLst>
+          </p:cNvPr>
+          <p:cNvSpPr/>
+          <p:nvPr/>
+        </p:nvSpPr>
+        <p:spPr>
+          <a:xfrm>
+            <a:off x="-106878" y="4837532"/>
+            <a:ext cx="1653720" cy="228311"/>
+          </a:xfrm>
+          <a:prstGeom prst="rightArrow">
+            <a:avLst>
+              <a:gd name="adj1" fmla="val 24603"/>
+              <a:gd name="adj2" fmla="val 70635"/>
+            </a:avLst>
+          </a:prstGeom>
+          <a:solidFill>
+            <a:schemeClr val="tx1"/>
+          </a:solidFill>
+          <a:ln>
+            <a:solidFill>
+              <a:schemeClr val="bg1"/>
+            </a:solidFill>
+          </a:ln>
+        </p:spPr>
+        <p:style>
+          <a:lnRef idx="2">
+            <a:schemeClr val="accent1">
+              <a:shade val="50000"/>
+            </a:schemeClr>
+          </a:lnRef>
+          <a:fillRef idx="1">
+            <a:schemeClr val="accent1"/>
+          </a:fillRef>
+          <a:effectRef idx="0">
+            <a:schemeClr val="accent1"/>
+          </a:effectRef>
+          <a:fontRef idx="minor">
+            <a:schemeClr val="lt1"/>
+          </a:fontRef>
+        </p:style>
+        <p:txBody>
+          <a:bodyPr rtlCol="0" anchor="ctr"/>
+          <a:lstStyle/>
+          <a:p>
+            <a:pPr algn="ctr"/>
+            <a:endParaRPr lang="ko-KR" altLang="en-US"/>
+          </a:p>
+        </p:txBody>
+      </p:sp>
+      <p:sp>
+        <p:nvSpPr>
+          <p:cNvPr id="48" name="TextBox 47">
+            <a:extLst>
+              <a:ext uri="{FF2B5EF4-FFF2-40B4-BE49-F238E27FC236}">
+                <a16:creationId xmlns:a16="http://schemas.microsoft.com/office/drawing/2014/main" id="{AE3F0892-9FD5-48DF-B035-59362D3F0AB8}"/>
+              </a:ext>
+            </a:extLst>
+          </p:cNvPr>
+          <p:cNvSpPr txBox="1"/>
+          <p:nvPr/>
+        </p:nvSpPr>
+        <p:spPr>
+          <a:xfrm>
+            <a:off x="318501" y="4485815"/>
+            <a:ext cx="686406" cy="923330"/>
+          </a:xfrm>
+          <a:prstGeom prst="rect">
+            <a:avLst/>
+          </a:prstGeom>
+          <a:noFill/>
+        </p:spPr>
+        <p:txBody>
+          <a:bodyPr wrap="none" rtlCol="0">
+            <a:spAutoFit/>
+          </a:bodyPr>
+          <a:lstStyle/>
+          <a:p>
+            <a:pPr algn="ctr"/>
+            <a:r>
+              <a:rPr lang="en-US" altLang="ko-KR" dirty="0">
+                <a:solidFill>
+                  <a:schemeClr val="bg1"/>
+                </a:solidFill>
+                <a:latin typeface="sn별별정직" panose="02000500000000000000" pitchFamily="2" charset="0"/>
+                <a:ea typeface="sn별별정직" panose="02000500000000000000" pitchFamily="2" charset="0"/>
+              </a:rPr>
+              <a:t>HTML</a:t>
+            </a:r>
+          </a:p>
+          <a:p>
+            <a:pPr algn="ctr"/>
+            <a:endParaRPr lang="en-US" altLang="ko-KR" dirty="0">
+              <a:solidFill>
+                <a:schemeClr val="bg1"/>
+              </a:solidFill>
+              <a:latin typeface="sn별별정직" panose="02000500000000000000" pitchFamily="2" charset="0"/>
+              <a:ea typeface="sn별별정직" panose="02000500000000000000" pitchFamily="2" charset="0"/>
+            </a:endParaRPr>
+          </a:p>
+          <a:p>
+            <a:pPr algn="ctr"/>
+            <a:r>
+              <a:rPr lang="en-US" altLang="ko-KR" dirty="0">
+                <a:solidFill>
+                  <a:schemeClr val="bg1"/>
+                </a:solidFill>
+                <a:latin typeface="sn별별정직" panose="02000500000000000000" pitchFamily="2" charset="0"/>
+                <a:ea typeface="sn별별정직" panose="02000500000000000000" pitchFamily="2" charset="0"/>
+              </a:rPr>
+              <a:t>CSS</a:t>
+            </a:r>
+          </a:p>
+        </p:txBody>
+      </p:sp>
+      <p:sp>
+        <p:nvSpPr>
+          <p:cNvPr id="49" name="직사각형 48">
+            <a:extLst>
+              <a:ext uri="{FF2B5EF4-FFF2-40B4-BE49-F238E27FC236}">
+                <a16:creationId xmlns:a16="http://schemas.microsoft.com/office/drawing/2014/main" id="{8B149356-2A87-462A-8D66-DD804931778C}"/>
+              </a:ext>
+            </a:extLst>
+          </p:cNvPr>
+          <p:cNvSpPr/>
+          <p:nvPr/>
+        </p:nvSpPr>
+        <p:spPr>
+          <a:xfrm>
+            <a:off x="1604736" y="4284698"/>
+            <a:ext cx="1880458" cy="1325563"/>
+          </a:xfrm>
+          <a:prstGeom prst="rect">
+            <a:avLst/>
+          </a:prstGeom>
+          <a:solidFill>
+            <a:schemeClr val="tx1"/>
+          </a:solidFill>
+          <a:ln>
+            <a:solidFill>
+              <a:schemeClr val="bg1"/>
+            </a:solidFill>
+          </a:ln>
+        </p:spPr>
+        <p:style>
+          <a:lnRef idx="2">
+            <a:schemeClr val="accent1">
+              <a:shade val="50000"/>
+            </a:schemeClr>
+          </a:lnRef>
+          <a:fillRef idx="1">
+            <a:schemeClr val="accent1"/>
+          </a:fillRef>
+          <a:effectRef idx="0">
+            <a:schemeClr val="accent1"/>
+          </a:effectRef>
+          <a:fontRef idx="minor">
+            <a:schemeClr val="lt1"/>
+          </a:fontRef>
+        </p:style>
+        <p:txBody>
+          <a:bodyPr rtlCol="0" anchor="ctr"/>
+          <a:lstStyle/>
+          <a:p>
+            <a:pPr algn="ctr"/>
+            <a:r>
+              <a:rPr lang="ko-KR" altLang="en-US" sz="3200" dirty="0">
+                <a:latin typeface="sn별별정직" panose="02000500000000000000" pitchFamily="2" charset="0"/>
+                <a:ea typeface="sn별별정직" panose="02000500000000000000" pitchFamily="2" charset="0"/>
+              </a:rPr>
+              <a:t>웹 브라우저</a:t>
+            </a:r>
+          </a:p>
+        </p:txBody>
+      </p:sp>
+      <p:sp>
+        <p:nvSpPr>
+          <p:cNvPr id="50" name="직사각형 49">
+            <a:extLst>
+              <a:ext uri="{FF2B5EF4-FFF2-40B4-BE49-F238E27FC236}">
+                <a16:creationId xmlns:a16="http://schemas.microsoft.com/office/drawing/2014/main" id="{98FB9258-5685-4DE8-8C9F-2016FEAB25C0}"/>
+              </a:ext>
+            </a:extLst>
+          </p:cNvPr>
+          <p:cNvSpPr/>
+          <p:nvPr/>
+        </p:nvSpPr>
+        <p:spPr>
+          <a:xfrm>
+            <a:off x="6765081" y="4284699"/>
+            <a:ext cx="2208811" cy="1325563"/>
+          </a:xfrm>
+          <a:prstGeom prst="rect">
+            <a:avLst/>
+          </a:prstGeom>
+          <a:solidFill>
+            <a:schemeClr val="tx1"/>
+          </a:solidFill>
+          <a:ln>
+            <a:solidFill>
+              <a:schemeClr val="bg1"/>
+            </a:solidFill>
+          </a:ln>
+        </p:spPr>
+        <p:style>
+          <a:lnRef idx="2">
+            <a:schemeClr val="accent1">
+              <a:shade val="50000"/>
+            </a:schemeClr>
+          </a:lnRef>
+          <a:fillRef idx="1">
+            <a:schemeClr val="accent1"/>
+          </a:fillRef>
+          <a:effectRef idx="0">
+            <a:schemeClr val="accent1"/>
+          </a:effectRef>
+          <a:fontRef idx="minor">
+            <a:schemeClr val="lt1"/>
+          </a:fontRef>
+        </p:style>
+        <p:txBody>
+          <a:bodyPr rtlCol="0" anchor="ctr"/>
+          <a:lstStyle/>
+          <a:p>
+            <a:pPr algn="ctr"/>
+            <a:r>
+              <a:rPr lang="ko-KR" altLang="en-US" sz="3200" dirty="0">
+                <a:latin typeface="sn별별정직" panose="02000500000000000000" pitchFamily="2" charset="0"/>
+                <a:ea typeface="sn별별정직" panose="02000500000000000000" pitchFamily="2" charset="0"/>
+              </a:rPr>
+              <a:t>이용자</a:t>
+            </a:r>
+          </a:p>
+        </p:txBody>
+      </p:sp>
+      <p:sp>
+        <p:nvSpPr>
+          <p:cNvPr id="51" name="화살표: 오른쪽 50">
+            <a:extLst>
+              <a:ext uri="{FF2B5EF4-FFF2-40B4-BE49-F238E27FC236}">
+                <a16:creationId xmlns:a16="http://schemas.microsoft.com/office/drawing/2014/main" id="{8E093FA5-E4C9-4FC1-B5BC-02F5109A334E}"/>
+              </a:ext>
+            </a:extLst>
+          </p:cNvPr>
+          <p:cNvSpPr/>
+          <p:nvPr/>
+        </p:nvSpPr>
+        <p:spPr>
+          <a:xfrm>
+            <a:off x="5813110" y="4837532"/>
+            <a:ext cx="852768" cy="232910"/>
+          </a:xfrm>
+          <a:prstGeom prst="rightArrow">
+            <a:avLst>
+              <a:gd name="adj1" fmla="val 24603"/>
+              <a:gd name="adj2" fmla="val 70635"/>
+            </a:avLst>
+          </a:prstGeom>
+          <a:solidFill>
+            <a:schemeClr val="tx1"/>
+          </a:solidFill>
+          <a:ln>
+            <a:solidFill>
+              <a:schemeClr val="bg1"/>
+            </a:solidFill>
+          </a:ln>
+        </p:spPr>
+        <p:style>
+          <a:lnRef idx="2">
+            <a:schemeClr val="accent1">
+              <a:shade val="50000"/>
+            </a:schemeClr>
+          </a:lnRef>
+          <a:fillRef idx="1">
+            <a:schemeClr val="accent1"/>
+          </a:fillRef>
+          <a:effectRef idx="0">
+            <a:schemeClr val="accent1"/>
+          </a:effectRef>
+          <a:fontRef idx="minor">
+            <a:schemeClr val="lt1"/>
+          </a:fontRef>
+        </p:style>
+        <p:txBody>
+          <a:bodyPr rtlCol="0" anchor="ctr"/>
+          <a:lstStyle/>
+          <a:p>
+            <a:pPr algn="ctr"/>
+            <a:endParaRPr lang="ko-KR" altLang="en-US"/>
+          </a:p>
+        </p:txBody>
+      </p:sp>
+      <p:sp>
+        <p:nvSpPr>
+          <p:cNvPr id="52" name="화살표: 오른쪽 51">
+            <a:extLst>
+              <a:ext uri="{FF2B5EF4-FFF2-40B4-BE49-F238E27FC236}">
+                <a16:creationId xmlns:a16="http://schemas.microsoft.com/office/drawing/2014/main" id="{C2739CFA-A7CC-40AA-B92E-1AF27B2983EF}"/>
+              </a:ext>
+            </a:extLst>
+          </p:cNvPr>
+          <p:cNvSpPr/>
+          <p:nvPr/>
+        </p:nvSpPr>
+        <p:spPr>
+          <a:xfrm>
+            <a:off x="3485194" y="4837532"/>
+            <a:ext cx="841635" cy="232910"/>
+          </a:xfrm>
+          <a:prstGeom prst="rightArrow">
+            <a:avLst>
+              <a:gd name="adj1" fmla="val 24603"/>
+              <a:gd name="adj2" fmla="val 70635"/>
+            </a:avLst>
+          </a:prstGeom>
+          <a:solidFill>
+            <a:schemeClr val="tx1"/>
+          </a:solidFill>
+          <a:ln>
+            <a:solidFill>
+              <a:schemeClr val="bg1"/>
+            </a:solidFill>
+          </a:ln>
+        </p:spPr>
+        <p:style>
+          <a:lnRef idx="2">
+            <a:schemeClr val="accent1">
+              <a:shade val="50000"/>
+            </a:schemeClr>
+          </a:lnRef>
+          <a:fillRef idx="1">
+            <a:schemeClr val="accent1"/>
+          </a:fillRef>
+          <a:effectRef idx="0">
+            <a:schemeClr val="accent1"/>
+          </a:effectRef>
+          <a:fontRef idx="minor">
+            <a:schemeClr val="lt1"/>
+          </a:fontRef>
+        </p:style>
+        <p:txBody>
+          <a:bodyPr rtlCol="0" anchor="ctr"/>
+          <a:lstStyle/>
+          <a:p>
+            <a:pPr algn="ctr"/>
+            <a:endParaRPr lang="ko-KR" altLang="en-US"/>
+          </a:p>
+        </p:txBody>
+      </p:sp>
+      <p:sp>
+        <p:nvSpPr>
+          <p:cNvPr id="54" name="직사각형 53">
+            <a:extLst>
+              <a:ext uri="{FF2B5EF4-FFF2-40B4-BE49-F238E27FC236}">
+                <a16:creationId xmlns:a16="http://schemas.microsoft.com/office/drawing/2014/main" id="{C9439B7B-42FC-4620-A12B-38812BD38EA3}"/>
+              </a:ext>
+            </a:extLst>
+          </p:cNvPr>
+          <p:cNvSpPr/>
+          <p:nvPr/>
+        </p:nvSpPr>
+        <p:spPr>
+          <a:xfrm>
+            <a:off x="4326830" y="4284699"/>
+            <a:ext cx="1496642" cy="1325563"/>
+          </a:xfrm>
+          <a:prstGeom prst="rect">
+            <a:avLst/>
+          </a:prstGeom>
+          <a:solidFill>
+            <a:schemeClr val="tx1"/>
+          </a:solidFill>
+          <a:ln>
+            <a:solidFill>
+              <a:schemeClr val="bg1"/>
+            </a:solidFill>
+          </a:ln>
+        </p:spPr>
+        <p:style>
+          <a:lnRef idx="2">
+            <a:schemeClr val="accent1">
+              <a:shade val="50000"/>
+            </a:schemeClr>
+          </a:lnRef>
+          <a:fillRef idx="1">
+            <a:schemeClr val="accent1"/>
+          </a:fillRef>
+          <a:effectRef idx="0">
+            <a:schemeClr val="accent1"/>
+          </a:effectRef>
+          <a:fontRef idx="minor">
+            <a:schemeClr val="lt1"/>
+          </a:fontRef>
+        </p:style>
+        <p:txBody>
+          <a:bodyPr rtlCol="0" anchor="ctr"/>
+          <a:lstStyle/>
+          <a:p>
+            <a:pPr algn="ctr"/>
+            <a:r>
+              <a:rPr lang="en-US" altLang="ko-KR" sz="2400" dirty="0">
+                <a:latin typeface="sn별별정직" panose="02000500000000000000" pitchFamily="2" charset="0"/>
+                <a:ea typeface="sn별별정직" panose="02000500000000000000" pitchFamily="2" charset="0"/>
+              </a:rPr>
+              <a:t>HTML </a:t>
+            </a:r>
+            <a:r>
+              <a:rPr lang="ko-KR" altLang="en-US" sz="2400" dirty="0">
+                <a:latin typeface="sn별별정직" panose="02000500000000000000" pitchFamily="2" charset="0"/>
+                <a:ea typeface="sn별별정직" panose="02000500000000000000" pitchFamily="2" charset="0"/>
+              </a:rPr>
+              <a:t>파싱</a:t>
+            </a:r>
+            <a:endParaRPr lang="en-US" altLang="ko-KR" sz="2400" dirty="0">
+              <a:latin typeface="sn별별정직" panose="02000500000000000000" pitchFamily="2" charset="0"/>
+              <a:ea typeface="sn별별정직" panose="02000500000000000000" pitchFamily="2" charset="0"/>
+            </a:endParaRPr>
+          </a:p>
+          <a:p>
+            <a:pPr algn="ctr"/>
+            <a:r>
+              <a:rPr lang="en-US" altLang="ko-KR" sz="2400" dirty="0">
+                <a:latin typeface="sn별별정직" panose="02000500000000000000" pitchFamily="2" charset="0"/>
+                <a:ea typeface="sn별별정직" panose="02000500000000000000" pitchFamily="2" charset="0"/>
+              </a:rPr>
+              <a:t>&amp;</a:t>
+            </a:r>
+          </a:p>
+          <a:p>
+            <a:pPr algn="ctr"/>
+            <a:r>
+              <a:rPr lang="en-US" altLang="ko-KR" sz="2400" dirty="0">
+                <a:latin typeface="sn별별정직" panose="02000500000000000000" pitchFamily="2" charset="0"/>
+                <a:ea typeface="sn별별정직" panose="02000500000000000000" pitchFamily="2" charset="0"/>
+              </a:rPr>
+              <a:t>CSS</a:t>
+            </a:r>
+            <a:r>
+              <a:rPr lang="ko-KR" altLang="en-US" sz="2400" dirty="0">
+                <a:latin typeface="sn별별정직" panose="02000500000000000000" pitchFamily="2" charset="0"/>
+                <a:ea typeface="sn별별정직" panose="02000500000000000000" pitchFamily="2" charset="0"/>
+              </a:rPr>
+              <a:t> 적용</a:t>
+            </a:r>
+            <a:endParaRPr lang="en-US" altLang="ko-KR" sz="2400" dirty="0">
+              <a:latin typeface="sn별별정직" panose="02000500000000000000" pitchFamily="2" charset="0"/>
+              <a:ea typeface="sn별별정직" panose="02000500000000000000" pitchFamily="2" charset="0"/>
+            </a:endParaRPr>
+          </a:p>
+        </p:txBody>
+      </p:sp>
+    </p:spTree>
+    <p:extLst>
+      <p:ext uri="{BB962C8B-B14F-4D97-AF65-F5344CB8AC3E}">
+        <p14:creationId xmlns:p14="http://schemas.microsoft.com/office/powerpoint/2010/main" val="374881887"/>
+      </p:ext>
+    </p:extLst>
+  </p:cSld>
+  <p:clrMapOvr>
+    <a:masterClrMapping/>
+  </p:clrMapOvr>
+</p:sld>
+</file>
+
+<file path=ppt/slides/slide14.xml><?xml version="1.0" encoding="utf-8"?>
+<p:sld xmlns:a="http://schemas.openxmlformats.org/drawingml/2006/main" xmlns:r="http://schemas.openxmlformats.org/officeDocument/2006/relationships" xmlns:p="http://schemas.openxmlformats.org/presentationml/2006/main">
+  <p:cSld>
+    <p:spTree>
+      <p:nvGrpSpPr>
+        <p:cNvPr id="1" name=""/>
+        <p:cNvGrpSpPr/>
+        <p:nvPr/>
+      </p:nvGrpSpPr>
+      <p:grpSpPr>
+        <a:xfrm>
+          <a:off x="0" y="0"/>
+          <a:ext cx="0" cy="0"/>
+          <a:chOff x="0" y="0"/>
+          <a:chExt cx="0" cy="0"/>
+        </a:xfrm>
+      </p:grpSpPr>
+      <p:pic>
+        <p:nvPicPr>
+          <p:cNvPr id="6" name="그림 5">
+            <a:extLst>
+              <a:ext uri="{FF2B5EF4-FFF2-40B4-BE49-F238E27FC236}">
+                <a16:creationId xmlns:a16="http://schemas.microsoft.com/office/drawing/2014/main" id="{CC7495FB-DD63-42F1-B1EF-486AF817D21E}"/>
+              </a:ext>
+            </a:extLst>
+          </p:cNvPr>
+          <p:cNvPicPr>
+            <a:picLocks noChangeAspect="1"/>
+          </p:cNvPicPr>
+          <p:nvPr/>
+        </p:nvPicPr>
+        <p:blipFill>
+          <a:blip r:embed="rId2">
+            <a:duotone>
+              <a:schemeClr val="accent6">
+                <a:shade val="45000"/>
+                <a:satMod val="135000"/>
+              </a:schemeClr>
+              <a:prstClr val="white"/>
+            </a:duotone>
+            <a:extLst>
+              <a:ext uri="{28A0092B-C50C-407E-A947-70E740481C1C}">
+                <a14:useLocalDpi xmlns:a14="http://schemas.microsoft.com/office/drawing/2010/main" val="0"/>
+              </a:ext>
+            </a:extLst>
+          </a:blip>
+          <a:stretch>
+            <a:fillRect/>
+          </a:stretch>
+        </p:blipFill>
+        <p:spPr>
+          <a:xfrm>
+            <a:off x="2133905" y="990905"/>
+            <a:ext cx="4876190" cy="4876190"/>
+          </a:xfrm>
+          <a:prstGeom prst="rect">
+            <a:avLst/>
+          </a:prstGeom>
+        </p:spPr>
+      </p:pic>
+      <p:sp>
+        <p:nvSpPr>
+          <p:cNvPr id="4" name="직사각형 3">
+            <a:extLst>
+              <a:ext uri="{FF2B5EF4-FFF2-40B4-BE49-F238E27FC236}">
+                <a16:creationId xmlns:a16="http://schemas.microsoft.com/office/drawing/2014/main" id="{04EA9A68-22DE-4E4F-969B-DDB56227BB6B}"/>
+              </a:ext>
+            </a:extLst>
+          </p:cNvPr>
+          <p:cNvSpPr/>
+          <p:nvPr/>
+        </p:nvSpPr>
+        <p:spPr>
+          <a:xfrm>
+            <a:off x="276726" y="2201778"/>
+            <a:ext cx="8590548" cy="2153653"/>
+          </a:xfrm>
+          <a:prstGeom prst="rect">
+            <a:avLst/>
+          </a:prstGeom>
+          <a:solidFill>
+            <a:schemeClr val="accent1">
+              <a:alpha val="50000"/>
+            </a:schemeClr>
+          </a:solidFill>
+          <a:ln>
+            <a:noFill/>
+          </a:ln>
+        </p:spPr>
+        <p:style>
+          <a:lnRef idx="2">
+            <a:schemeClr val="accent1">
+              <a:shade val="50000"/>
+            </a:schemeClr>
+          </a:lnRef>
+          <a:fillRef idx="1">
+            <a:schemeClr val="accent1"/>
+          </a:fillRef>
+          <a:effectRef idx="0">
+            <a:schemeClr val="accent1"/>
+          </a:effectRef>
+          <a:fontRef idx="minor">
+            <a:schemeClr val="lt1"/>
+          </a:fontRef>
+        </p:style>
+        <p:txBody>
+          <a:bodyPr rtlCol="0" anchor="ctr"/>
+          <a:lstStyle/>
+          <a:p>
+            <a:pPr algn="ctr"/>
+            <a:r>
+              <a:rPr lang="en-US" altLang="ko-KR" sz="8000" dirty="0">
+                <a:latin typeface="sn별별정직" panose="02000500000000000000" pitchFamily="2" charset="0"/>
+                <a:ea typeface="sn별별정직" panose="02000500000000000000" pitchFamily="2" charset="0"/>
+              </a:rPr>
+              <a:t>Dev Tools</a:t>
+            </a:r>
+            <a:endParaRPr lang="ko-KR" altLang="en-US" sz="8000" dirty="0">
+              <a:latin typeface="sn별별정직" panose="02000500000000000000" pitchFamily="2" charset="0"/>
+              <a:ea typeface="sn별별정직" panose="02000500000000000000" pitchFamily="2" charset="0"/>
+            </a:endParaRPr>
+          </a:p>
+        </p:txBody>
+      </p:sp>
+      <p:sp>
+        <p:nvSpPr>
+          <p:cNvPr id="7" name="바닥글 개체 틀 6">
+            <a:extLst>
+              <a:ext uri="{FF2B5EF4-FFF2-40B4-BE49-F238E27FC236}">
+                <a16:creationId xmlns:a16="http://schemas.microsoft.com/office/drawing/2014/main" id="{FFB00813-3F56-4598-BA40-2B5F2A7294D3}"/>
+              </a:ext>
+            </a:extLst>
+          </p:cNvPr>
+          <p:cNvSpPr>
+            <a:spLocks noGrp="1"/>
+          </p:cNvSpPr>
+          <p:nvPr>
+            <p:ph type="ftr" sz="quarter" idx="11"/>
+          </p:nvPr>
+        </p:nvSpPr>
+        <p:spPr/>
+        <p:txBody>
+          <a:bodyPr/>
+          <a:lstStyle/>
+          <a:p>
+            <a:r>
+              <a:rPr lang="en-US" altLang="ko-KR"/>
+              <a:t>DevTools</a:t>
+            </a:r>
+            <a:endParaRPr lang="ko-KR" altLang="en-US" dirty="0"/>
+          </a:p>
+        </p:txBody>
+      </p:sp>
+    </p:spTree>
+    <p:extLst>
+      <p:ext uri="{BB962C8B-B14F-4D97-AF65-F5344CB8AC3E}">
+        <p14:creationId xmlns:p14="http://schemas.microsoft.com/office/powerpoint/2010/main" val="1977547742"/>
+      </p:ext>
+    </p:extLst>
+  </p:cSld>
+  <p:clrMapOvr>
+    <a:masterClrMapping/>
+  </p:clrMapOvr>
+</p:sld>
+</file>
+
 <file path=ppt/slides/slide2.xml><?xml version="1.0" encoding="utf-8"?>
 <p:sld xmlns:a="http://schemas.openxmlformats.org/drawingml/2006/main" xmlns:r="http://schemas.openxmlformats.org/officeDocument/2006/relationships" xmlns:p="http://schemas.openxmlformats.org/presentationml/2006/main">
   <p:cSld>
@@ -4436,16 +9015,12 @@
           <a:lstStyle/>
           <a:p>
             <a:r>
-              <a:rPr lang="ko-KR" altLang="en-US">
+              <a:rPr lang="ko-KR" altLang="en-US" dirty="0">
                 <a:latin typeface="sn별별정직" panose="02000500000000000000" pitchFamily="2" charset="0"/>
                 <a:ea typeface="sn별별정직" panose="02000500000000000000" pitchFamily="2" charset="0"/>
               </a:rPr>
               <a:t>목차</a:t>
             </a:r>
-            <a:endParaRPr lang="ko-KR" altLang="en-US" dirty="0">
-              <a:latin typeface="sn별별정직" panose="02000500000000000000" pitchFamily="2" charset="0"/>
-              <a:ea typeface="sn별별정직" panose="02000500000000000000" pitchFamily="2" charset="0"/>
-            </a:endParaRPr>
           </a:p>
         </p:txBody>
       </p:sp>
@@ -4608,7 +9183,7 @@
           <a:lstStyle/>
           <a:p>
             <a:r>
-              <a:rPr lang="en-US" altLang="ko-KR"/>
+              <a:rPr lang="en-US" altLang="ko-KR" dirty="0"/>
               <a:t>HTTP / HTTPS</a:t>
             </a:r>
             <a:endParaRPr lang="ko-KR" altLang="en-US" dirty="0"/>
@@ -5714,7 +10289,7 @@
           <a:lstStyle/>
           <a:p>
             <a:r>
-              <a:rPr lang="en-US" altLang="ko-KR"/>
+              <a:rPr lang="en-US" altLang="ko-KR" dirty="0"/>
               <a:t>HTTP / HTTPS</a:t>
             </a:r>
             <a:endParaRPr lang="ko-KR" altLang="en-US" dirty="0"/>
@@ -6724,7 +11299,7 @@
           <a:lstStyle/>
           <a:p>
             <a:r>
-              <a:rPr lang="en-US" altLang="ko-KR"/>
+              <a:rPr lang="en-US" altLang="ko-KR" dirty="0"/>
               <a:t>HTTP / HTTPS</a:t>
             </a:r>
             <a:endParaRPr lang="ko-KR" altLang="en-US" dirty="0"/>
@@ -8431,8 +13006,8 @@
         </p:nvSpPr>
         <p:spPr>
           <a:xfrm>
-            <a:off x="318501" y="704494"/>
-            <a:ext cx="8590548" cy="228311"/>
+            <a:off x="318501" y="736270"/>
+            <a:ext cx="8590548" cy="196535"/>
           </a:xfrm>
           <a:prstGeom prst="rect">
             <a:avLst/>
@@ -8496,7 +13071,7 @@
           <a:lstStyle/>
           <a:p>
             <a:r>
-              <a:rPr lang="en-US" altLang="ko-KR"/>
+              <a:rPr lang="en-US" altLang="ko-KR" dirty="0"/>
               <a:t>HTTP / HTTPS</a:t>
             </a:r>
             <a:endParaRPr lang="ko-KR" altLang="en-US" dirty="0"/>
@@ -8985,7 +13560,7 @@
           <a:lstStyle/>
           <a:p>
             <a:r>
-              <a:rPr lang="en-US" altLang="ko-KR"/>
+              <a:rPr lang="en-US" altLang="ko-KR" dirty="0"/>
               <a:t>HTTP / HTTPS</a:t>
             </a:r>
             <a:endParaRPr lang="ko-KR" altLang="en-US" dirty="0"/>
@@ -9094,13 +13669,44 @@
           </a:xfrm>
         </p:spPr>
         <p:txBody>
-          <a:bodyPr/>
+          <a:bodyPr>
+            <a:normAutofit fontScale="90000"/>
+          </a:bodyPr>
           <a:lstStyle/>
           <a:p>
             <a:pPr algn="ctr"/>
             <a:r>
+              <a:rPr lang="en-US" altLang="ko-KR" sz="4900" dirty="0"/>
+              <a:t>Background</a:t>
+            </a:r>
+            <a:r>
+              <a:rPr lang="ko-KR" altLang="en-US" sz="4900" dirty="0"/>
+              <a:t> </a:t>
+            </a:r>
+            <a:r>
+              <a:rPr lang="en-US" altLang="ko-KR" sz="4900" dirty="0"/>
+              <a:t>:</a:t>
+            </a:r>
+            <a:r>
+              <a:rPr lang="ko-KR" altLang="en-US" sz="4900" dirty="0"/>
+              <a:t> </a:t>
+            </a:r>
+            <a:r>
+              <a:rPr lang="en-US" altLang="ko-KR" sz="4900" dirty="0"/>
+              <a:t>Web</a:t>
+            </a:r>
+            <a:br>
               <a:rPr lang="en-US" altLang="ko-KR" dirty="0"/>
-              <a:t>Web</a:t>
+            </a:br>
+            <a:r>
+              <a:rPr lang="ko-KR" altLang="en-US" sz="3100" dirty="0">
+                <a:solidFill>
+                  <a:schemeClr val="bg1">
+                    <a:lumMod val="50000"/>
+                  </a:schemeClr>
+                </a:solidFill>
+              </a:rPr>
+              <a:t>웹의 구조</a:t>
             </a:r>
             <a:br>
               <a:rPr lang="en-US" altLang="ko-KR" dirty="0"/>
@@ -10040,7 +14646,7 @@
           <a:lstStyle/>
           <a:p>
             <a:r>
-              <a:rPr lang="en-US" altLang="ko-KR"/>
+              <a:rPr lang="en-US" altLang="ko-KR" dirty="0"/>
               <a:t>HTTP / HTTPS</a:t>
             </a:r>
             <a:endParaRPr lang="ko-KR" altLang="en-US" dirty="0"/>
@@ -10206,7 +14812,7 @@
           <a:lstStyle/>
           <a:p>
             <a:r>
-              <a:rPr lang="en-US" altLang="ko-KR"/>
+              <a:rPr lang="en-US" altLang="ko-KR" dirty="0"/>
               <a:t>Web Browser</a:t>
             </a:r>
             <a:endParaRPr lang="ko-KR" altLang="en-US" dirty="0"/>

--- a/웹해킹 정리.pptx
+++ b/웹해킹 정리.pptx
@@ -5,7 +5,7 @@
     <p:sldMasterId id="2147483660" r:id="rId1"/>
   </p:sldMasterIdLst>
   <p:notesMasterIdLst>
-    <p:notesMasterId r:id="rId28"/>
+    <p:notesMasterId r:id="rId32"/>
   </p:notesMasterIdLst>
   <p:sldIdLst>
     <p:sldId id="256" r:id="rId2"/>
@@ -34,6 +34,10 @@
     <p:sldId id="280" r:id="rId25"/>
     <p:sldId id="281" r:id="rId26"/>
     <p:sldId id="282" r:id="rId27"/>
+    <p:sldId id="283" r:id="rId28"/>
+    <p:sldId id="284" r:id="rId29"/>
+    <p:sldId id="285" r:id="rId30"/>
+    <p:sldId id="286" r:id="rId31"/>
   </p:sldIdLst>
   <p:sldSz cx="9144000" cy="6858000" type="screen4x3"/>
   <p:notesSz cx="6858000" cy="9144000"/>
@@ -140,6 +144,2665 @@
 </p:presentation>
 </file>
 
+<file path=ppt/diagrams/colors1.xml><?xml version="1.0" encoding="utf-8"?>
+<dgm:colorsDef xmlns:dgm="http://schemas.openxmlformats.org/drawingml/2006/diagram" xmlns:a="http://schemas.openxmlformats.org/drawingml/2006/main" uniqueId="urn:microsoft.com/office/officeart/2005/8/colors/accent0_3">
+  <dgm:title val=""/>
+  <dgm:desc val=""/>
+  <dgm:catLst>
+    <dgm:cat type="mainScheme" pri="10300"/>
+  </dgm:catLst>
+  <dgm:styleLbl name="node0">
+    <dgm:fillClrLst meth="repeat">
+      <a:schemeClr val="dk2"/>
+    </dgm:fillClrLst>
+    <dgm:linClrLst meth="repeat">
+      <a:schemeClr val="lt2"/>
+    </dgm:linClrLst>
+    <dgm:effectClrLst/>
+    <dgm:txLinClrLst/>
+    <dgm:txFillClrLst/>
+    <dgm:txEffectClrLst/>
+  </dgm:styleLbl>
+  <dgm:styleLbl name="alignNode1">
+    <dgm:fillClrLst meth="repeat">
+      <a:schemeClr val="dk2"/>
+    </dgm:fillClrLst>
+    <dgm:linClrLst meth="repeat">
+      <a:schemeClr val="dk2"/>
+    </dgm:linClrLst>
+    <dgm:effectClrLst/>
+    <dgm:txLinClrLst/>
+    <dgm:txFillClrLst/>
+    <dgm:txEffectClrLst/>
+  </dgm:styleLbl>
+  <dgm:styleLbl name="node1">
+    <dgm:fillClrLst meth="repeat">
+      <a:schemeClr val="dk2"/>
+    </dgm:fillClrLst>
+    <dgm:linClrLst meth="repeat">
+      <a:schemeClr val="lt2"/>
+    </dgm:linClrLst>
+    <dgm:effectClrLst/>
+    <dgm:txLinClrLst/>
+    <dgm:txFillClrLst/>
+    <dgm:txEffectClrLst/>
+  </dgm:styleLbl>
+  <dgm:styleLbl name="lnNode1">
+    <dgm:fillClrLst meth="repeat">
+      <a:schemeClr val="dk2"/>
+    </dgm:fillClrLst>
+    <dgm:linClrLst meth="repeat">
+      <a:schemeClr val="lt2"/>
+    </dgm:linClrLst>
+    <dgm:effectClrLst/>
+    <dgm:txLinClrLst/>
+    <dgm:txFillClrLst/>
+    <dgm:txEffectClrLst/>
+  </dgm:styleLbl>
+  <dgm:styleLbl name="vennNode1">
+    <dgm:fillClrLst meth="repeat">
+      <a:schemeClr val="dk2">
+        <a:alpha val="50000"/>
+      </a:schemeClr>
+    </dgm:fillClrLst>
+    <dgm:linClrLst meth="repeat">
+      <a:schemeClr val="lt2"/>
+    </dgm:linClrLst>
+    <dgm:effectClrLst/>
+    <dgm:txLinClrLst/>
+    <dgm:txFillClrLst/>
+    <dgm:txEffectClrLst/>
+  </dgm:styleLbl>
+  <dgm:styleLbl name="node2">
+    <dgm:fillClrLst meth="repeat">
+      <a:schemeClr val="dk2"/>
+    </dgm:fillClrLst>
+    <dgm:linClrLst meth="repeat">
+      <a:schemeClr val="lt2"/>
+    </dgm:linClrLst>
+    <dgm:effectClrLst/>
+    <dgm:txLinClrLst/>
+    <dgm:txFillClrLst/>
+    <dgm:txEffectClrLst/>
+  </dgm:styleLbl>
+  <dgm:styleLbl name="node3">
+    <dgm:fillClrLst meth="repeat">
+      <a:schemeClr val="dk2"/>
+    </dgm:fillClrLst>
+    <dgm:linClrLst meth="repeat">
+      <a:schemeClr val="lt2"/>
+    </dgm:linClrLst>
+    <dgm:effectClrLst/>
+    <dgm:txLinClrLst/>
+    <dgm:txFillClrLst/>
+    <dgm:txEffectClrLst/>
+  </dgm:styleLbl>
+  <dgm:styleLbl name="node4">
+    <dgm:fillClrLst meth="repeat">
+      <a:schemeClr val="dk2"/>
+    </dgm:fillClrLst>
+    <dgm:linClrLst meth="repeat">
+      <a:schemeClr val="lt2"/>
+    </dgm:linClrLst>
+    <dgm:effectClrLst/>
+    <dgm:txLinClrLst/>
+    <dgm:txFillClrLst/>
+    <dgm:txEffectClrLst/>
+  </dgm:styleLbl>
+  <dgm:styleLbl name="fgImgPlace1">
+    <dgm:fillClrLst meth="repeat">
+      <a:schemeClr val="dk2">
+        <a:tint val="50000"/>
+      </a:schemeClr>
+    </dgm:fillClrLst>
+    <dgm:linClrLst meth="repeat">
+      <a:schemeClr val="lt2"/>
+    </dgm:linClrLst>
+    <dgm:effectClrLst/>
+    <dgm:txLinClrLst/>
+    <dgm:txFillClrLst meth="repeat">
+      <a:schemeClr val="lt2"/>
+    </dgm:txFillClrLst>
+    <dgm:txEffectClrLst/>
+  </dgm:styleLbl>
+  <dgm:styleLbl name="alignImgPlace1">
+    <dgm:fillClrLst meth="repeat">
+      <a:schemeClr val="dk2">
+        <a:tint val="50000"/>
+      </a:schemeClr>
+    </dgm:fillClrLst>
+    <dgm:linClrLst meth="repeat">
+      <a:schemeClr val="dk2">
+        <a:shade val="80000"/>
+      </a:schemeClr>
+    </dgm:linClrLst>
+    <dgm:effectClrLst/>
+    <dgm:txLinClrLst/>
+    <dgm:txFillClrLst meth="repeat">
+      <a:schemeClr val="lt2"/>
+    </dgm:txFillClrLst>
+    <dgm:txEffectClrLst/>
+  </dgm:styleLbl>
+  <dgm:styleLbl name="bgImgPlace1">
+    <dgm:fillClrLst meth="repeat">
+      <a:schemeClr val="dk2">
+        <a:tint val="50000"/>
+      </a:schemeClr>
+    </dgm:fillClrLst>
+    <dgm:linClrLst meth="repeat">
+      <a:schemeClr val="dk2">
+        <a:shade val="80000"/>
+      </a:schemeClr>
+    </dgm:linClrLst>
+    <dgm:effectClrLst/>
+    <dgm:txLinClrLst/>
+    <dgm:txFillClrLst meth="repeat">
+      <a:schemeClr val="lt2"/>
+    </dgm:txFillClrLst>
+    <dgm:txEffectClrLst/>
+  </dgm:styleLbl>
+  <dgm:styleLbl name="sibTrans2D1">
+    <dgm:fillClrLst meth="repeat">
+      <a:schemeClr val="dk2">
+        <a:tint val="60000"/>
+      </a:schemeClr>
+    </dgm:fillClrLst>
+    <dgm:linClrLst meth="repeat">
+      <a:schemeClr val="dk2">
+        <a:tint val="60000"/>
+      </a:schemeClr>
+    </dgm:linClrLst>
+    <dgm:effectClrLst/>
+    <dgm:txLinClrLst/>
+    <dgm:txFillClrLst/>
+    <dgm:txEffectClrLst/>
+  </dgm:styleLbl>
+  <dgm:styleLbl name="fgSibTrans2D1">
+    <dgm:fillClrLst meth="repeat">
+      <a:schemeClr val="dk2">
+        <a:tint val="60000"/>
+      </a:schemeClr>
+    </dgm:fillClrLst>
+    <dgm:linClrLst meth="repeat">
+      <a:schemeClr val="dk2">
+        <a:tint val="60000"/>
+      </a:schemeClr>
+    </dgm:linClrLst>
+    <dgm:effectClrLst/>
+    <dgm:txLinClrLst/>
+    <dgm:txFillClrLst/>
+    <dgm:txEffectClrLst/>
+  </dgm:styleLbl>
+  <dgm:styleLbl name="bgSibTrans2D1">
+    <dgm:fillClrLst meth="repeat">
+      <a:schemeClr val="dk2">
+        <a:tint val="60000"/>
+      </a:schemeClr>
+    </dgm:fillClrLst>
+    <dgm:linClrLst meth="repeat">
+      <a:schemeClr val="dk2">
+        <a:tint val="60000"/>
+      </a:schemeClr>
+    </dgm:linClrLst>
+    <dgm:effectClrLst/>
+    <dgm:txLinClrLst/>
+    <dgm:txFillClrLst/>
+    <dgm:txEffectClrLst/>
+  </dgm:styleLbl>
+  <dgm:styleLbl name="sibTrans1D1">
+    <dgm:fillClrLst meth="repeat">
+      <a:schemeClr val="dk2"/>
+    </dgm:fillClrLst>
+    <dgm:linClrLst meth="repeat">
+      <a:schemeClr val="dk2"/>
+    </dgm:linClrLst>
+    <dgm:effectClrLst/>
+    <dgm:txLinClrLst/>
+    <dgm:txFillClrLst meth="repeat">
+      <a:schemeClr val="lt2"/>
+    </dgm:txFillClrLst>
+    <dgm:txEffectClrLst/>
+  </dgm:styleLbl>
+  <dgm:styleLbl name="callout">
+    <dgm:fillClrLst meth="repeat">
+      <a:schemeClr val="dk2"/>
+    </dgm:fillClrLst>
+    <dgm:linClrLst meth="repeat">
+      <a:schemeClr val="dk2">
+        <a:tint val="50000"/>
+      </a:schemeClr>
+    </dgm:linClrLst>
+    <dgm:effectClrLst/>
+    <dgm:txLinClrLst/>
+    <dgm:txFillClrLst meth="repeat">
+      <a:schemeClr val="lt2"/>
+    </dgm:txFillClrLst>
+    <dgm:txEffectClrLst/>
+  </dgm:styleLbl>
+  <dgm:styleLbl name="asst0">
+    <dgm:fillClrLst meth="repeat">
+      <a:schemeClr val="dk2"/>
+    </dgm:fillClrLst>
+    <dgm:linClrLst meth="repeat">
+      <a:schemeClr val="lt2"/>
+    </dgm:linClrLst>
+    <dgm:effectClrLst/>
+    <dgm:txLinClrLst/>
+    <dgm:txFillClrLst/>
+    <dgm:txEffectClrLst/>
+  </dgm:styleLbl>
+  <dgm:styleLbl name="asst1">
+    <dgm:fillClrLst meth="repeat">
+      <a:schemeClr val="dk2"/>
+    </dgm:fillClrLst>
+    <dgm:linClrLst meth="repeat">
+      <a:schemeClr val="lt2"/>
+    </dgm:linClrLst>
+    <dgm:effectClrLst/>
+    <dgm:txLinClrLst/>
+    <dgm:txFillClrLst/>
+    <dgm:txEffectClrLst/>
+  </dgm:styleLbl>
+  <dgm:styleLbl name="asst2">
+    <dgm:fillClrLst meth="repeat">
+      <a:schemeClr val="dk2"/>
+    </dgm:fillClrLst>
+    <dgm:linClrLst meth="repeat">
+      <a:schemeClr val="lt2"/>
+    </dgm:linClrLst>
+    <dgm:effectClrLst/>
+    <dgm:txLinClrLst/>
+    <dgm:txFillClrLst/>
+    <dgm:txEffectClrLst/>
+  </dgm:styleLbl>
+  <dgm:styleLbl name="asst3">
+    <dgm:fillClrLst meth="repeat">
+      <a:schemeClr val="dk2"/>
+    </dgm:fillClrLst>
+    <dgm:linClrLst meth="repeat">
+      <a:schemeClr val="lt2"/>
+    </dgm:linClrLst>
+    <dgm:effectClrLst/>
+    <dgm:txLinClrLst/>
+    <dgm:txFillClrLst/>
+    <dgm:txEffectClrLst/>
+  </dgm:styleLbl>
+  <dgm:styleLbl name="asst4">
+    <dgm:fillClrLst meth="repeat">
+      <a:schemeClr val="dk2"/>
+    </dgm:fillClrLst>
+    <dgm:linClrLst meth="repeat">
+      <a:schemeClr val="lt2"/>
+    </dgm:linClrLst>
+    <dgm:effectClrLst/>
+    <dgm:txLinClrLst/>
+    <dgm:txFillClrLst/>
+    <dgm:txEffectClrLst/>
+  </dgm:styleLbl>
+  <dgm:styleLbl name="parChTrans2D1">
+    <dgm:fillClrLst meth="repeat">
+      <a:schemeClr val="dk2">
+        <a:tint val="60000"/>
+      </a:schemeClr>
+    </dgm:fillClrLst>
+    <dgm:linClrLst meth="repeat">
+      <a:schemeClr val="dk2">
+        <a:tint val="60000"/>
+      </a:schemeClr>
+    </dgm:linClrLst>
+    <dgm:effectClrLst/>
+    <dgm:txLinClrLst/>
+    <dgm:txFillClrLst meth="repeat">
+      <a:schemeClr val="lt2"/>
+    </dgm:txFillClrLst>
+    <dgm:txEffectClrLst/>
+  </dgm:styleLbl>
+  <dgm:styleLbl name="parChTrans2D2">
+    <dgm:fillClrLst meth="repeat">
+      <a:schemeClr val="dk2"/>
+    </dgm:fillClrLst>
+    <dgm:linClrLst meth="repeat">
+      <a:schemeClr val="dk2"/>
+    </dgm:linClrLst>
+    <dgm:effectClrLst/>
+    <dgm:txLinClrLst/>
+    <dgm:txFillClrLst meth="repeat">
+      <a:schemeClr val="lt2"/>
+    </dgm:txFillClrLst>
+    <dgm:txEffectClrLst/>
+  </dgm:styleLbl>
+  <dgm:styleLbl name="parChTrans2D3">
+    <dgm:fillClrLst meth="repeat">
+      <a:schemeClr val="dk2"/>
+    </dgm:fillClrLst>
+    <dgm:linClrLst meth="repeat">
+      <a:schemeClr val="dk2"/>
+    </dgm:linClrLst>
+    <dgm:effectClrLst/>
+    <dgm:txLinClrLst/>
+    <dgm:txFillClrLst meth="repeat">
+      <a:schemeClr val="lt2"/>
+    </dgm:txFillClrLst>
+    <dgm:txEffectClrLst/>
+  </dgm:styleLbl>
+  <dgm:styleLbl name="parChTrans2D4">
+    <dgm:fillClrLst meth="repeat">
+      <a:schemeClr val="dk2"/>
+    </dgm:fillClrLst>
+    <dgm:linClrLst meth="repeat">
+      <a:schemeClr val="dk2"/>
+    </dgm:linClrLst>
+    <dgm:effectClrLst/>
+    <dgm:txLinClrLst/>
+    <dgm:txFillClrLst meth="repeat">
+      <a:schemeClr val="lt2"/>
+    </dgm:txFillClrLst>
+    <dgm:txEffectClrLst/>
+  </dgm:styleLbl>
+  <dgm:styleLbl name="parChTrans1D1">
+    <dgm:fillClrLst meth="repeat">
+      <a:schemeClr val="dk2"/>
+    </dgm:fillClrLst>
+    <dgm:linClrLst meth="repeat">
+      <a:schemeClr val="dk2">
+        <a:shade val="60000"/>
+      </a:schemeClr>
+    </dgm:linClrLst>
+    <dgm:effectClrLst/>
+    <dgm:txLinClrLst/>
+    <dgm:txFillClrLst meth="repeat">
+      <a:schemeClr val="tx1"/>
+    </dgm:txFillClrLst>
+    <dgm:txEffectClrLst/>
+  </dgm:styleLbl>
+  <dgm:styleLbl name="parChTrans1D2">
+    <dgm:fillClrLst meth="repeat">
+      <a:schemeClr val="dk2"/>
+    </dgm:fillClrLst>
+    <dgm:linClrLst meth="repeat">
+      <a:schemeClr val="dk2">
+        <a:shade val="60000"/>
+      </a:schemeClr>
+    </dgm:linClrLst>
+    <dgm:effectClrLst/>
+    <dgm:txLinClrLst/>
+    <dgm:txFillClrLst meth="repeat">
+      <a:schemeClr val="tx1"/>
+    </dgm:txFillClrLst>
+    <dgm:txEffectClrLst/>
+  </dgm:styleLbl>
+  <dgm:styleLbl name="parChTrans1D3">
+    <dgm:fillClrLst meth="repeat">
+      <a:schemeClr val="dk2"/>
+    </dgm:fillClrLst>
+    <dgm:linClrLst meth="repeat">
+      <a:schemeClr val="dk2">
+        <a:shade val="80000"/>
+      </a:schemeClr>
+    </dgm:linClrLst>
+    <dgm:effectClrLst/>
+    <dgm:txLinClrLst/>
+    <dgm:txFillClrLst meth="repeat">
+      <a:schemeClr val="tx1"/>
+    </dgm:txFillClrLst>
+    <dgm:txEffectClrLst/>
+  </dgm:styleLbl>
+  <dgm:styleLbl name="parChTrans1D4">
+    <dgm:fillClrLst meth="repeat">
+      <a:schemeClr val="dk2"/>
+    </dgm:fillClrLst>
+    <dgm:linClrLst meth="repeat">
+      <a:schemeClr val="dk2">
+        <a:shade val="80000"/>
+      </a:schemeClr>
+    </dgm:linClrLst>
+    <dgm:effectClrLst/>
+    <dgm:txLinClrLst/>
+    <dgm:txFillClrLst meth="repeat">
+      <a:schemeClr val="tx1"/>
+    </dgm:txFillClrLst>
+    <dgm:txEffectClrLst/>
+  </dgm:styleLbl>
+  <dgm:styleLbl name="fgAcc1">
+    <dgm:fillClrLst meth="repeat">
+      <a:schemeClr val="lt2">
+        <a:alpha val="90000"/>
+      </a:schemeClr>
+    </dgm:fillClrLst>
+    <dgm:linClrLst meth="repeat">
+      <a:schemeClr val="dk2"/>
+    </dgm:linClrLst>
+    <dgm:effectClrLst/>
+    <dgm:txLinClrLst/>
+    <dgm:txFillClrLst meth="repeat">
+      <a:schemeClr val="dk1"/>
+    </dgm:txFillClrLst>
+    <dgm:txEffectClrLst/>
+  </dgm:styleLbl>
+  <dgm:styleLbl name="conFgAcc1">
+    <dgm:fillClrLst meth="repeat">
+      <a:schemeClr val="lt2">
+        <a:alpha val="90000"/>
+      </a:schemeClr>
+    </dgm:fillClrLst>
+    <dgm:linClrLst meth="repeat">
+      <a:schemeClr val="dk2"/>
+    </dgm:linClrLst>
+    <dgm:effectClrLst/>
+    <dgm:txLinClrLst/>
+    <dgm:txFillClrLst meth="repeat">
+      <a:schemeClr val="dk1"/>
+    </dgm:txFillClrLst>
+    <dgm:txEffectClrLst/>
+  </dgm:styleLbl>
+  <dgm:styleLbl name="alignAcc1">
+    <dgm:fillClrLst meth="repeat">
+      <a:schemeClr val="lt2">
+        <a:alpha val="90000"/>
+      </a:schemeClr>
+    </dgm:fillClrLst>
+    <dgm:linClrLst meth="repeat">
+      <a:schemeClr val="dk2"/>
+    </dgm:linClrLst>
+    <dgm:effectClrLst/>
+    <dgm:txLinClrLst/>
+    <dgm:txFillClrLst meth="repeat">
+      <a:schemeClr val="dk1"/>
+    </dgm:txFillClrLst>
+    <dgm:txEffectClrLst/>
+  </dgm:styleLbl>
+  <dgm:styleLbl name="trAlignAcc1">
+    <dgm:fillClrLst meth="repeat">
+      <a:schemeClr val="lt2">
+        <a:alpha val="40000"/>
+      </a:schemeClr>
+    </dgm:fillClrLst>
+    <dgm:linClrLst meth="repeat">
+      <a:schemeClr val="dk2"/>
+    </dgm:linClrLst>
+    <dgm:effectClrLst/>
+    <dgm:txLinClrLst/>
+    <dgm:txFillClrLst meth="repeat">
+      <a:schemeClr val="dk1"/>
+    </dgm:txFillClrLst>
+    <dgm:txEffectClrLst/>
+  </dgm:styleLbl>
+  <dgm:styleLbl name="bgAcc1">
+    <dgm:fillClrLst meth="repeat">
+      <a:schemeClr val="lt2">
+        <a:alpha val="90000"/>
+      </a:schemeClr>
+    </dgm:fillClrLst>
+    <dgm:linClrLst meth="repeat">
+      <a:schemeClr val="dk2"/>
+    </dgm:linClrLst>
+    <dgm:effectClrLst/>
+    <dgm:txLinClrLst/>
+    <dgm:txFillClrLst meth="repeat">
+      <a:schemeClr val="dk1"/>
+    </dgm:txFillClrLst>
+    <dgm:txEffectClrLst/>
+  </dgm:styleLbl>
+  <dgm:styleLbl name="solidFgAcc1">
+    <dgm:fillClrLst meth="repeat">
+      <a:schemeClr val="lt2"/>
+    </dgm:fillClrLst>
+    <dgm:linClrLst meth="repeat">
+      <a:schemeClr val="dk2"/>
+    </dgm:linClrLst>
+    <dgm:effectClrLst/>
+    <dgm:txLinClrLst/>
+    <dgm:txFillClrLst meth="repeat">
+      <a:schemeClr val="dk1"/>
+    </dgm:txFillClrLst>
+    <dgm:txEffectClrLst/>
+  </dgm:styleLbl>
+  <dgm:styleLbl name="solidAlignAcc1">
+    <dgm:fillClrLst meth="repeat">
+      <a:schemeClr val="lt2"/>
+    </dgm:fillClrLst>
+    <dgm:linClrLst meth="repeat">
+      <a:schemeClr val="dk2"/>
+    </dgm:linClrLst>
+    <dgm:effectClrLst/>
+    <dgm:txLinClrLst/>
+    <dgm:txFillClrLst meth="repeat">
+      <a:schemeClr val="dk1"/>
+    </dgm:txFillClrLst>
+    <dgm:txEffectClrLst/>
+  </dgm:styleLbl>
+  <dgm:styleLbl name="solidBgAcc1">
+    <dgm:fillClrLst meth="repeat">
+      <a:schemeClr val="lt2"/>
+    </dgm:fillClrLst>
+    <dgm:linClrLst meth="repeat">
+      <a:schemeClr val="dk2"/>
+    </dgm:linClrLst>
+    <dgm:effectClrLst/>
+    <dgm:txLinClrLst/>
+    <dgm:txFillClrLst meth="repeat">
+      <a:schemeClr val="dk1"/>
+    </dgm:txFillClrLst>
+    <dgm:txEffectClrLst/>
+  </dgm:styleLbl>
+  <dgm:styleLbl name="fgAccFollowNode1">
+    <dgm:fillClrLst meth="repeat">
+      <a:schemeClr val="dk2">
+        <a:alpha val="90000"/>
+        <a:tint val="40000"/>
+      </a:schemeClr>
+    </dgm:fillClrLst>
+    <dgm:linClrLst meth="repeat">
+      <a:schemeClr val="dk2">
+        <a:alpha val="90000"/>
+        <a:tint val="40000"/>
+      </a:schemeClr>
+    </dgm:linClrLst>
+    <dgm:effectClrLst/>
+    <dgm:txLinClrLst/>
+    <dgm:txFillClrLst meth="repeat">
+      <a:schemeClr val="dk1"/>
+    </dgm:txFillClrLst>
+    <dgm:txEffectClrLst/>
+  </dgm:styleLbl>
+  <dgm:styleLbl name="alignAccFollowNode1">
+    <dgm:fillClrLst meth="repeat">
+      <a:schemeClr val="dk2">
+        <a:alpha val="90000"/>
+        <a:tint val="40000"/>
+      </a:schemeClr>
+    </dgm:fillClrLst>
+    <dgm:linClrLst meth="repeat">
+      <a:schemeClr val="dk2">
+        <a:alpha val="90000"/>
+        <a:tint val="40000"/>
+      </a:schemeClr>
+    </dgm:linClrLst>
+    <dgm:effectClrLst/>
+    <dgm:txLinClrLst/>
+    <dgm:txFillClrLst meth="repeat">
+      <a:schemeClr val="dk1"/>
+    </dgm:txFillClrLst>
+    <dgm:txEffectClrLst/>
+  </dgm:styleLbl>
+  <dgm:styleLbl name="bgAccFollowNode1">
+    <dgm:fillClrLst meth="repeat">
+      <a:schemeClr val="dk2">
+        <a:alpha val="90000"/>
+        <a:tint val="40000"/>
+      </a:schemeClr>
+    </dgm:fillClrLst>
+    <dgm:linClrLst meth="repeat">
+      <a:schemeClr val="dk2">
+        <a:alpha val="90000"/>
+        <a:tint val="40000"/>
+      </a:schemeClr>
+    </dgm:linClrLst>
+    <dgm:effectClrLst/>
+    <dgm:txLinClrLst/>
+    <dgm:txFillClrLst meth="repeat">
+      <a:schemeClr val="dk1"/>
+    </dgm:txFillClrLst>
+    <dgm:txEffectClrLst/>
+  </dgm:styleLbl>
+  <dgm:styleLbl name="fgAcc0">
+    <dgm:fillClrLst meth="repeat">
+      <a:schemeClr val="lt2">
+        <a:alpha val="90000"/>
+      </a:schemeClr>
+    </dgm:fillClrLst>
+    <dgm:linClrLst meth="repeat">
+      <a:schemeClr val="dk2"/>
+    </dgm:linClrLst>
+    <dgm:effectClrLst/>
+    <dgm:txLinClrLst/>
+    <dgm:txFillClrLst meth="repeat">
+      <a:schemeClr val="dk1"/>
+    </dgm:txFillClrLst>
+    <dgm:txEffectClrLst/>
+  </dgm:styleLbl>
+  <dgm:styleLbl name="fgAcc2">
+    <dgm:fillClrLst meth="repeat">
+      <a:schemeClr val="lt2">
+        <a:alpha val="90000"/>
+      </a:schemeClr>
+    </dgm:fillClrLst>
+    <dgm:linClrLst meth="repeat">
+      <a:schemeClr val="dk2"/>
+    </dgm:linClrLst>
+    <dgm:effectClrLst/>
+    <dgm:txLinClrLst/>
+    <dgm:txFillClrLst meth="repeat">
+      <a:schemeClr val="dk1"/>
+    </dgm:txFillClrLst>
+    <dgm:txEffectClrLst/>
+  </dgm:styleLbl>
+  <dgm:styleLbl name="fgAcc3">
+    <dgm:fillClrLst meth="repeat">
+      <a:schemeClr val="lt2">
+        <a:alpha val="90000"/>
+      </a:schemeClr>
+    </dgm:fillClrLst>
+    <dgm:linClrLst meth="repeat">
+      <a:schemeClr val="dk2"/>
+    </dgm:linClrLst>
+    <dgm:effectClrLst/>
+    <dgm:txLinClrLst/>
+    <dgm:txFillClrLst meth="repeat">
+      <a:schemeClr val="dk1"/>
+    </dgm:txFillClrLst>
+    <dgm:txEffectClrLst/>
+  </dgm:styleLbl>
+  <dgm:styleLbl name="fgAcc4">
+    <dgm:fillClrLst meth="repeat">
+      <a:schemeClr val="lt2">
+        <a:alpha val="90000"/>
+      </a:schemeClr>
+    </dgm:fillClrLst>
+    <dgm:linClrLst meth="repeat">
+      <a:schemeClr val="dk2"/>
+    </dgm:linClrLst>
+    <dgm:effectClrLst/>
+    <dgm:txLinClrLst/>
+    <dgm:txFillClrLst meth="repeat">
+      <a:schemeClr val="dk1"/>
+    </dgm:txFillClrLst>
+    <dgm:txEffectClrLst/>
+  </dgm:styleLbl>
+  <dgm:styleLbl name="bgShp">
+    <dgm:fillClrLst meth="repeat">
+      <a:schemeClr val="dk2">
+        <a:tint val="40000"/>
+      </a:schemeClr>
+    </dgm:fillClrLst>
+    <dgm:linClrLst meth="repeat">
+      <a:schemeClr val="dk2"/>
+    </dgm:linClrLst>
+    <dgm:effectClrLst/>
+    <dgm:txLinClrLst/>
+    <dgm:txFillClrLst meth="repeat">
+      <a:schemeClr val="dk1"/>
+    </dgm:txFillClrLst>
+    <dgm:txEffectClrLst/>
+  </dgm:styleLbl>
+  <dgm:styleLbl name="dkBgShp">
+    <dgm:fillClrLst meth="repeat">
+      <a:schemeClr val="dk2">
+        <a:shade val="80000"/>
+      </a:schemeClr>
+    </dgm:fillClrLst>
+    <dgm:linClrLst meth="repeat">
+      <a:schemeClr val="dk2"/>
+    </dgm:linClrLst>
+    <dgm:effectClrLst/>
+    <dgm:txLinClrLst/>
+    <dgm:txFillClrLst meth="repeat">
+      <a:schemeClr val="lt1"/>
+    </dgm:txFillClrLst>
+    <dgm:txEffectClrLst/>
+  </dgm:styleLbl>
+  <dgm:styleLbl name="trBgShp">
+    <dgm:fillClrLst meth="repeat">
+      <a:schemeClr val="dk2">
+        <a:tint val="50000"/>
+        <a:alpha val="40000"/>
+      </a:schemeClr>
+    </dgm:fillClrLst>
+    <dgm:linClrLst meth="repeat">
+      <a:schemeClr val="dk2"/>
+    </dgm:linClrLst>
+    <dgm:effectClrLst/>
+    <dgm:txLinClrLst/>
+    <dgm:txFillClrLst meth="repeat">
+      <a:schemeClr val="lt1"/>
+    </dgm:txFillClrLst>
+    <dgm:txEffectClrLst/>
+  </dgm:styleLbl>
+  <dgm:styleLbl name="fgShp">
+    <dgm:fillClrLst meth="repeat">
+      <a:schemeClr val="dk2">
+        <a:tint val="60000"/>
+      </a:schemeClr>
+    </dgm:fillClrLst>
+    <dgm:linClrLst meth="repeat">
+      <a:schemeClr val="lt2"/>
+    </dgm:linClrLst>
+    <dgm:effectClrLst/>
+    <dgm:txLinClrLst/>
+    <dgm:txFillClrLst meth="repeat">
+      <a:schemeClr val="dk1"/>
+    </dgm:txFillClrLst>
+    <dgm:txEffectClrLst/>
+  </dgm:styleLbl>
+  <dgm:styleLbl name="revTx">
+    <dgm:fillClrLst meth="repeat">
+      <a:schemeClr val="lt2">
+        <a:alpha val="0"/>
+      </a:schemeClr>
+    </dgm:fillClrLst>
+    <dgm:linClrLst meth="repeat">
+      <a:schemeClr val="dk1">
+        <a:alpha val="0"/>
+      </a:schemeClr>
+    </dgm:linClrLst>
+    <dgm:effectClrLst/>
+    <dgm:txLinClrLst/>
+    <dgm:txFillClrLst meth="repeat">
+      <a:schemeClr val="tx1"/>
+    </dgm:txFillClrLst>
+    <dgm:txEffectClrLst/>
+  </dgm:styleLbl>
+</dgm:colorsDef>
+</file>
+
+<file path=ppt/diagrams/data1.xml><?xml version="1.0" encoding="utf-8"?>
+<dgm:dataModel xmlns:dgm="http://schemas.openxmlformats.org/drawingml/2006/diagram" xmlns:a="http://schemas.openxmlformats.org/drawingml/2006/main">
+  <dgm:ptLst>
+    <dgm:pt modelId="{2BA2AD04-994E-4345-A0D5-8B1763512A06}" type="doc">
+      <dgm:prSet loTypeId="urn:microsoft.com/office/officeart/2005/8/layout/hList2" loCatId="relationship" qsTypeId="urn:microsoft.com/office/officeart/2005/8/quickstyle/simple1" qsCatId="simple" csTypeId="urn:microsoft.com/office/officeart/2005/8/colors/accent0_3" csCatId="mainScheme" phldr="1"/>
+      <dgm:spPr/>
+      <dgm:t>
+        <a:bodyPr/>
+        <a:lstStyle/>
+        <a:p>
+          <a:pPr latinLnBrk="1"/>
+          <a:endParaRPr lang="ko-KR" altLang="en-US"/>
+        </a:p>
+      </dgm:t>
+    </dgm:pt>
+    <dgm:pt modelId="{7BF83CD3-319A-464A-B8BB-4430C0C02D03}">
+      <dgm:prSet phldrT="[텍스트]" phldr="1" custT="1"/>
+      <dgm:spPr/>
+      <dgm:t>
+        <a:bodyPr/>
+        <a:lstStyle/>
+        <a:p>
+          <a:pPr latinLnBrk="1"/>
+          <a:endParaRPr lang="ko-KR" altLang="en-US" sz="2400" dirty="0">
+            <a:latin typeface="sn별별정직" panose="02000500000000000000" pitchFamily="2" charset="0"/>
+            <a:ea typeface="sn별별정직" panose="02000500000000000000" pitchFamily="2" charset="0"/>
+          </a:endParaRPr>
+        </a:p>
+      </dgm:t>
+    </dgm:pt>
+    <dgm:pt modelId="{8F1C96DC-4F00-4192-9970-2392C3692E84}" type="parTrans" cxnId="{D6D34C9B-FA5A-4F4D-9215-DE75DBAA3217}">
+      <dgm:prSet/>
+      <dgm:spPr/>
+      <dgm:t>
+        <a:bodyPr/>
+        <a:lstStyle/>
+        <a:p>
+          <a:pPr latinLnBrk="1"/>
+          <a:endParaRPr lang="ko-KR" altLang="en-US" sz="1400">
+            <a:latin typeface="sn별별정직" panose="02000500000000000000" pitchFamily="2" charset="0"/>
+            <a:ea typeface="sn별별정직" panose="02000500000000000000" pitchFamily="2" charset="0"/>
+          </a:endParaRPr>
+        </a:p>
+      </dgm:t>
+    </dgm:pt>
+    <dgm:pt modelId="{D6AD5C09-2BA5-481E-A01B-2D21A918A9FA}" type="sibTrans" cxnId="{D6D34C9B-FA5A-4F4D-9215-DE75DBAA3217}">
+      <dgm:prSet/>
+      <dgm:spPr/>
+      <dgm:t>
+        <a:bodyPr/>
+        <a:lstStyle/>
+        <a:p>
+          <a:pPr latinLnBrk="1"/>
+          <a:endParaRPr lang="ko-KR" altLang="en-US" sz="1400">
+            <a:latin typeface="sn별별정직" panose="02000500000000000000" pitchFamily="2" charset="0"/>
+            <a:ea typeface="sn별별정직" panose="02000500000000000000" pitchFamily="2" charset="0"/>
+          </a:endParaRPr>
+        </a:p>
+      </dgm:t>
+    </dgm:pt>
+    <dgm:pt modelId="{BC6FB9BF-7246-458C-B470-CA9AF271224A}">
+      <dgm:prSet phldrT="[텍스트]" custT="1"/>
+      <dgm:spPr/>
+      <dgm:t>
+        <a:bodyPr/>
+        <a:lstStyle/>
+        <a:p>
+          <a:pPr algn="ctr" latinLnBrk="1">
+            <a:buNone/>
+          </a:pPr>
+          <a:r>
+            <a:rPr lang="ko-KR" altLang="en-US" sz="2000" dirty="0">
+              <a:latin typeface="sn별별정직" panose="02000500000000000000" pitchFamily="2" charset="0"/>
+              <a:ea typeface="sn별별정직" panose="02000500000000000000" pitchFamily="2" charset="0"/>
+            </a:rPr>
+            <a:t>프로토콜</a:t>
+          </a:r>
+          <a:r>
+            <a:rPr lang="en-US" altLang="ko-KR" sz="2000" dirty="0">
+              <a:latin typeface="sn별별정직" panose="02000500000000000000" pitchFamily="2" charset="0"/>
+              <a:ea typeface="sn별별정직" panose="02000500000000000000" pitchFamily="2" charset="0"/>
+            </a:rPr>
+            <a:t>(Protocol, Scheme)</a:t>
+          </a:r>
+          <a:endParaRPr lang="ko-KR" altLang="en-US" sz="2000" dirty="0">
+            <a:latin typeface="sn별별정직" panose="02000500000000000000" pitchFamily="2" charset="0"/>
+            <a:ea typeface="sn별별정직" panose="02000500000000000000" pitchFamily="2" charset="0"/>
+          </a:endParaRPr>
+        </a:p>
+      </dgm:t>
+    </dgm:pt>
+    <dgm:pt modelId="{0DA3FA43-1948-48AA-986F-A144BD0C57C4}" type="parTrans" cxnId="{74871475-2580-40E0-9301-638177F48AA9}">
+      <dgm:prSet/>
+      <dgm:spPr/>
+      <dgm:t>
+        <a:bodyPr/>
+        <a:lstStyle/>
+        <a:p>
+          <a:pPr latinLnBrk="1"/>
+          <a:endParaRPr lang="ko-KR" altLang="en-US" sz="1400">
+            <a:latin typeface="sn별별정직" panose="02000500000000000000" pitchFamily="2" charset="0"/>
+            <a:ea typeface="sn별별정직" panose="02000500000000000000" pitchFamily="2" charset="0"/>
+          </a:endParaRPr>
+        </a:p>
+      </dgm:t>
+    </dgm:pt>
+    <dgm:pt modelId="{6F6CB50C-36F8-4BAD-BED4-553887CB426D}" type="sibTrans" cxnId="{74871475-2580-40E0-9301-638177F48AA9}">
+      <dgm:prSet/>
+      <dgm:spPr/>
+      <dgm:t>
+        <a:bodyPr/>
+        <a:lstStyle/>
+        <a:p>
+          <a:pPr latinLnBrk="1"/>
+          <a:endParaRPr lang="ko-KR" altLang="en-US" sz="1400">
+            <a:latin typeface="sn별별정직" panose="02000500000000000000" pitchFamily="2" charset="0"/>
+            <a:ea typeface="sn별별정직" panose="02000500000000000000" pitchFamily="2" charset="0"/>
+          </a:endParaRPr>
+        </a:p>
+      </dgm:t>
+    </dgm:pt>
+    <dgm:pt modelId="{27D2CE0A-3E6E-4672-866B-AAA718CBC66E}">
+      <dgm:prSet phldrT="[텍스트]" custT="1"/>
+      <dgm:spPr/>
+      <dgm:t>
+        <a:bodyPr/>
+        <a:lstStyle/>
+        <a:p>
+          <a:pPr algn="ctr" latinLnBrk="1">
+            <a:buNone/>
+          </a:pPr>
+          <a:r>
+            <a:rPr lang="ko-KR" altLang="en-US" sz="2000" dirty="0">
+              <a:latin typeface="sn별별정직" panose="02000500000000000000" pitchFamily="2" charset="0"/>
+              <a:ea typeface="sn별별정직" panose="02000500000000000000" pitchFamily="2" charset="0"/>
+            </a:rPr>
+            <a:t>포트 </a:t>
+          </a:r>
+          <a:r>
+            <a:rPr lang="en-US" altLang="ko-KR" sz="2000" dirty="0">
+              <a:latin typeface="sn별별정직" panose="02000500000000000000" pitchFamily="2" charset="0"/>
+              <a:ea typeface="sn별별정직" panose="02000500000000000000" pitchFamily="2" charset="0"/>
+            </a:rPr>
+            <a:t>(Port)</a:t>
+          </a:r>
+          <a:endParaRPr lang="ko-KR" altLang="en-US" sz="2000" dirty="0">
+            <a:latin typeface="sn별별정직" panose="02000500000000000000" pitchFamily="2" charset="0"/>
+            <a:ea typeface="sn별별정직" panose="02000500000000000000" pitchFamily="2" charset="0"/>
+          </a:endParaRPr>
+        </a:p>
+      </dgm:t>
+    </dgm:pt>
+    <dgm:pt modelId="{0C04FBA3-E21D-4A61-82FB-1EC5BE26DF1C}" type="parTrans" cxnId="{3F2AF64C-3289-4687-A063-ED95DF7B27D0}">
+      <dgm:prSet/>
+      <dgm:spPr/>
+      <dgm:t>
+        <a:bodyPr/>
+        <a:lstStyle/>
+        <a:p>
+          <a:pPr latinLnBrk="1"/>
+          <a:endParaRPr lang="ko-KR" altLang="en-US" sz="1400"/>
+        </a:p>
+      </dgm:t>
+    </dgm:pt>
+    <dgm:pt modelId="{47CED213-4D10-4472-8EB3-F900F63F2035}" type="sibTrans" cxnId="{3F2AF64C-3289-4687-A063-ED95DF7B27D0}">
+      <dgm:prSet/>
+      <dgm:spPr/>
+      <dgm:t>
+        <a:bodyPr/>
+        <a:lstStyle/>
+        <a:p>
+          <a:pPr latinLnBrk="1"/>
+          <a:endParaRPr lang="ko-KR" altLang="en-US" sz="1400"/>
+        </a:p>
+      </dgm:t>
+    </dgm:pt>
+    <dgm:pt modelId="{DDA017FD-9B53-4ED8-824A-01AA1C346EFA}">
+      <dgm:prSet phldrT="[텍스트]" custT="1"/>
+      <dgm:spPr/>
+      <dgm:t>
+        <a:bodyPr/>
+        <a:lstStyle/>
+        <a:p>
+          <a:pPr algn="ctr" latinLnBrk="1">
+            <a:buNone/>
+          </a:pPr>
+          <a:r>
+            <a:rPr lang="ko-KR" altLang="en-US" sz="2000" dirty="0">
+              <a:latin typeface="sn별별정직" panose="02000500000000000000" pitchFamily="2" charset="0"/>
+              <a:ea typeface="sn별별정직" panose="02000500000000000000" pitchFamily="2" charset="0"/>
+            </a:rPr>
+            <a:t>호스트</a:t>
+          </a:r>
+          <a:r>
+            <a:rPr lang="en-US" altLang="ko-KR" sz="2000" dirty="0">
+              <a:latin typeface="sn별별정직" panose="02000500000000000000" pitchFamily="2" charset="0"/>
+              <a:ea typeface="sn별별정직" panose="02000500000000000000" pitchFamily="2" charset="0"/>
+            </a:rPr>
+            <a:t>(Host)</a:t>
+          </a:r>
+          <a:endParaRPr lang="ko-KR" altLang="en-US" sz="2000" dirty="0">
+            <a:latin typeface="sn별별정직" panose="02000500000000000000" pitchFamily="2" charset="0"/>
+            <a:ea typeface="sn별별정직" panose="02000500000000000000" pitchFamily="2" charset="0"/>
+          </a:endParaRPr>
+        </a:p>
+      </dgm:t>
+    </dgm:pt>
+    <dgm:pt modelId="{960E7B1A-5417-48FD-AEDB-52314CF40DF5}" type="parTrans" cxnId="{07A33A0A-C9B9-4771-93C1-2E4B0F4BCB7A}">
+      <dgm:prSet/>
+      <dgm:spPr/>
+      <dgm:t>
+        <a:bodyPr/>
+        <a:lstStyle/>
+        <a:p>
+          <a:pPr latinLnBrk="1"/>
+          <a:endParaRPr lang="ko-KR" altLang="en-US" sz="1400"/>
+        </a:p>
+      </dgm:t>
+    </dgm:pt>
+    <dgm:pt modelId="{3F1B3600-8CFD-419E-995A-606A4C069D72}" type="sibTrans" cxnId="{07A33A0A-C9B9-4771-93C1-2E4B0F4BCB7A}">
+      <dgm:prSet/>
+      <dgm:spPr/>
+      <dgm:t>
+        <a:bodyPr/>
+        <a:lstStyle/>
+        <a:p>
+          <a:pPr latinLnBrk="1"/>
+          <a:endParaRPr lang="ko-KR" altLang="en-US" sz="1400"/>
+        </a:p>
+      </dgm:t>
+    </dgm:pt>
+    <dgm:pt modelId="{05ADDEDB-9315-45F7-8051-102CF37E211D}" type="pres">
+      <dgm:prSet presAssocID="{2BA2AD04-994E-4345-A0D5-8B1763512A06}" presName="linearFlow" presStyleCnt="0">
+        <dgm:presLayoutVars>
+          <dgm:dir val="rev"/>
+          <dgm:animLvl val="lvl"/>
+          <dgm:resizeHandles/>
+        </dgm:presLayoutVars>
+      </dgm:prSet>
+      <dgm:spPr/>
+    </dgm:pt>
+    <dgm:pt modelId="{21E32C82-A7EC-4D07-B4DE-430C8CC89DAD}" type="pres">
+      <dgm:prSet presAssocID="{7BF83CD3-319A-464A-B8BB-4430C0C02D03}" presName="compositeNode" presStyleCnt="0">
+        <dgm:presLayoutVars>
+          <dgm:bulletEnabled val="1"/>
+        </dgm:presLayoutVars>
+      </dgm:prSet>
+      <dgm:spPr/>
+    </dgm:pt>
+    <dgm:pt modelId="{48837767-2F51-4A88-8B0D-C3A3483F81D5}" type="pres">
+      <dgm:prSet presAssocID="{7BF83CD3-319A-464A-B8BB-4430C0C02D03}" presName="image" presStyleLbl="fgImgPlace1" presStyleIdx="0" presStyleCnt="1"/>
+      <dgm:spPr>
+        <a:blipFill>
+          <a:blip xmlns:r="http://schemas.openxmlformats.org/officeDocument/2006/relationships" r:embed="rId1">
+            <a:lum bright="70000" contrast="-70000"/>
+            <a:extLst>
+              <a:ext uri="{28A0092B-C50C-407E-A947-70E740481C1C}">
+                <a14:useLocalDpi xmlns:a14="http://schemas.microsoft.com/office/drawing/2010/main" val="0"/>
+              </a:ext>
+            </a:extLst>
+          </a:blip>
+          <a:srcRect/>
+          <a:stretch>
+            <a:fillRect/>
+          </a:stretch>
+        </a:blipFill>
+        <a:ln>
+          <a:noFill/>
+        </a:ln>
+      </dgm:spPr>
+    </dgm:pt>
+    <dgm:pt modelId="{BB54CC62-774E-47EC-8152-698AF29A267A}" type="pres">
+      <dgm:prSet presAssocID="{7BF83CD3-319A-464A-B8BB-4430C0C02D03}" presName="childNode" presStyleLbl="node1" presStyleIdx="0" presStyleCnt="1" custScaleY="90824" custLinFactNeighborX="4027" custLinFactNeighborY="18249">
+        <dgm:presLayoutVars>
+          <dgm:bulletEnabled val="1"/>
+        </dgm:presLayoutVars>
+      </dgm:prSet>
+      <dgm:spPr/>
+    </dgm:pt>
+    <dgm:pt modelId="{9835E77A-F475-4724-BAA4-69FD1E6B9E49}" type="pres">
+      <dgm:prSet presAssocID="{7BF83CD3-319A-464A-B8BB-4430C0C02D03}" presName="parentNode" presStyleLbl="revTx" presStyleIdx="0" presStyleCnt="1">
+        <dgm:presLayoutVars>
+          <dgm:chMax val="0"/>
+          <dgm:bulletEnabled val="1"/>
+        </dgm:presLayoutVars>
+      </dgm:prSet>
+      <dgm:spPr/>
+    </dgm:pt>
+  </dgm:ptLst>
+  <dgm:cxnLst>
+    <dgm:cxn modelId="{07A33A0A-C9B9-4771-93C1-2E4B0F4BCB7A}" srcId="{7BF83CD3-319A-464A-B8BB-4430C0C02D03}" destId="{DDA017FD-9B53-4ED8-824A-01AA1C346EFA}" srcOrd="2" destOrd="0" parTransId="{960E7B1A-5417-48FD-AEDB-52314CF40DF5}" sibTransId="{3F1B3600-8CFD-419E-995A-606A4C069D72}"/>
+    <dgm:cxn modelId="{3F2AF64C-3289-4687-A063-ED95DF7B27D0}" srcId="{7BF83CD3-319A-464A-B8BB-4430C0C02D03}" destId="{27D2CE0A-3E6E-4672-866B-AAA718CBC66E}" srcOrd="1" destOrd="0" parTransId="{0C04FBA3-E21D-4A61-82FB-1EC5BE26DF1C}" sibTransId="{47CED213-4D10-4472-8EB3-F900F63F2035}"/>
+    <dgm:cxn modelId="{74871475-2580-40E0-9301-638177F48AA9}" srcId="{7BF83CD3-319A-464A-B8BB-4430C0C02D03}" destId="{BC6FB9BF-7246-458C-B470-CA9AF271224A}" srcOrd="0" destOrd="0" parTransId="{0DA3FA43-1948-48AA-986F-A144BD0C57C4}" sibTransId="{6F6CB50C-36F8-4BAD-BED4-553887CB426D}"/>
+    <dgm:cxn modelId="{DE0E737B-FD85-4754-A76F-BD0390E93CAD}" type="presOf" srcId="{27D2CE0A-3E6E-4672-866B-AAA718CBC66E}" destId="{BB54CC62-774E-47EC-8152-698AF29A267A}" srcOrd="0" destOrd="1" presId="urn:microsoft.com/office/officeart/2005/8/layout/hList2"/>
+    <dgm:cxn modelId="{F6ADD47D-1CF4-4F2E-8E80-E595B4D05BA1}" type="presOf" srcId="{7BF83CD3-319A-464A-B8BB-4430C0C02D03}" destId="{9835E77A-F475-4724-BAA4-69FD1E6B9E49}" srcOrd="0" destOrd="0" presId="urn:microsoft.com/office/officeart/2005/8/layout/hList2"/>
+    <dgm:cxn modelId="{D6D34C9B-FA5A-4F4D-9215-DE75DBAA3217}" srcId="{2BA2AD04-994E-4345-A0D5-8B1763512A06}" destId="{7BF83CD3-319A-464A-B8BB-4430C0C02D03}" srcOrd="0" destOrd="0" parTransId="{8F1C96DC-4F00-4192-9970-2392C3692E84}" sibTransId="{D6AD5C09-2BA5-481E-A01B-2D21A918A9FA}"/>
+    <dgm:cxn modelId="{FE3948B6-7B52-4F8A-A4FE-BC2D12FE9442}" type="presOf" srcId="{2BA2AD04-994E-4345-A0D5-8B1763512A06}" destId="{05ADDEDB-9315-45F7-8051-102CF37E211D}" srcOrd="0" destOrd="0" presId="urn:microsoft.com/office/officeart/2005/8/layout/hList2"/>
+    <dgm:cxn modelId="{8F4DA9BA-D1DC-4622-A78E-2FC998D056F8}" type="presOf" srcId="{BC6FB9BF-7246-458C-B470-CA9AF271224A}" destId="{BB54CC62-774E-47EC-8152-698AF29A267A}" srcOrd="0" destOrd="0" presId="urn:microsoft.com/office/officeart/2005/8/layout/hList2"/>
+    <dgm:cxn modelId="{785B32E8-7B62-4ACC-9A67-40327003A773}" type="presOf" srcId="{DDA017FD-9B53-4ED8-824A-01AA1C346EFA}" destId="{BB54CC62-774E-47EC-8152-698AF29A267A}" srcOrd="0" destOrd="2" presId="urn:microsoft.com/office/officeart/2005/8/layout/hList2"/>
+    <dgm:cxn modelId="{5F16E280-33EF-48CF-9E67-9B7BCAF63F4E}" type="presParOf" srcId="{05ADDEDB-9315-45F7-8051-102CF37E211D}" destId="{21E32C82-A7EC-4D07-B4DE-430C8CC89DAD}" srcOrd="0" destOrd="0" presId="urn:microsoft.com/office/officeart/2005/8/layout/hList2"/>
+    <dgm:cxn modelId="{E32E964A-9091-4B2F-8B42-D26A87B3BD94}" type="presParOf" srcId="{21E32C82-A7EC-4D07-B4DE-430C8CC89DAD}" destId="{48837767-2F51-4A88-8B0D-C3A3483F81D5}" srcOrd="0" destOrd="0" presId="urn:microsoft.com/office/officeart/2005/8/layout/hList2"/>
+    <dgm:cxn modelId="{BEA06E1B-6125-4DBF-881F-557C0675B610}" type="presParOf" srcId="{21E32C82-A7EC-4D07-B4DE-430C8CC89DAD}" destId="{BB54CC62-774E-47EC-8152-698AF29A267A}" srcOrd="1" destOrd="0" presId="urn:microsoft.com/office/officeart/2005/8/layout/hList2"/>
+    <dgm:cxn modelId="{FA7D1551-B66F-4EA3-B861-3B2A87D9DE8A}" type="presParOf" srcId="{21E32C82-A7EC-4D07-B4DE-430C8CC89DAD}" destId="{9835E77A-F475-4724-BAA4-69FD1E6B9E49}" srcOrd="2" destOrd="0" presId="urn:microsoft.com/office/officeart/2005/8/layout/hList2"/>
+  </dgm:cxnLst>
+  <dgm:bg/>
+  <dgm:whole/>
+  <dgm:extLst>
+    <a:ext uri="http://schemas.microsoft.com/office/drawing/2008/diagram">
+      <dsp:dataModelExt xmlns:dsp="http://schemas.microsoft.com/office/drawing/2008/diagram" relId="rId6" minVer="http://schemas.openxmlformats.org/drawingml/2006/diagram"/>
+    </a:ext>
+  </dgm:extLst>
+</dgm:dataModel>
+</file>
+
+<file path=ppt/diagrams/drawing1.xml><?xml version="1.0" encoding="utf-8"?>
+<dsp:drawing xmlns:dgm="http://schemas.openxmlformats.org/drawingml/2006/diagram" xmlns:dsp="http://schemas.microsoft.com/office/drawing/2008/diagram" xmlns:a="http://schemas.openxmlformats.org/drawingml/2006/main">
+  <dsp:spTree>
+    <dsp:nvGrpSpPr>
+      <dsp:cNvPr id="0" name=""/>
+      <dsp:cNvGrpSpPr/>
+    </dsp:nvGrpSpPr>
+    <dsp:grpSpPr/>
+    <dsp:sp modelId="{9835E77A-F475-4724-BAA4-69FD1E6B9E49}">
+      <dsp:nvSpPr>
+        <dsp:cNvPr id="0" name=""/>
+        <dsp:cNvSpPr/>
+      </dsp:nvSpPr>
+      <dsp:spPr>
+        <a:xfrm rot="5400000">
+          <a:off x="2840425" y="1004849"/>
+          <a:ext cx="1488949" cy="314969"/>
+        </a:xfrm>
+        <a:prstGeom prst="rect">
+          <a:avLst/>
+        </a:prstGeom>
+        <a:noFill/>
+        <a:ln>
+          <a:noFill/>
+        </a:ln>
+        <a:effectLst/>
+      </dsp:spPr>
+      <dsp:style>
+        <a:lnRef idx="0">
+          <a:scrgbClr r="0" g="0" b="0"/>
+        </a:lnRef>
+        <a:fillRef idx="0">
+          <a:scrgbClr r="0" g="0" b="0"/>
+        </a:fillRef>
+        <a:effectRef idx="0">
+          <a:scrgbClr r="0" g="0" b="0"/>
+        </a:effectRef>
+        <a:fontRef idx="minor"/>
+      </dsp:style>
+      <dsp:txBody>
+        <a:bodyPr spcFirstLastPara="0" vert="horz" wrap="square" lIns="277786" tIns="0" rIns="0" bIns="0" numCol="1" spcCol="1270" anchor="ctr" anchorCtr="0">
+          <a:noAutofit/>
+        </a:bodyPr>
+        <a:lstStyle/>
+        <a:p>
+          <a:pPr marL="0" lvl="0" indent="0" algn="l" defTabSz="1066800" latinLnBrk="1">
+            <a:lnSpc>
+              <a:spcPct val="90000"/>
+            </a:lnSpc>
+            <a:spcBef>
+              <a:spcPct val="0"/>
+            </a:spcBef>
+            <a:spcAft>
+              <a:spcPct val="35000"/>
+            </a:spcAft>
+            <a:buNone/>
+          </a:pPr>
+          <a:endParaRPr lang="ko-KR" altLang="en-US" sz="2400" kern="1200">
+            <a:latin typeface="sn별별정직" panose="02000500000000000000" pitchFamily="2" charset="0"/>
+            <a:ea typeface="sn별별정직" panose="02000500000000000000" pitchFamily="2" charset="0"/>
+          </a:endParaRPr>
+        </a:p>
+      </dsp:txBody>
+      <dsp:txXfrm>
+        <a:off x="2840425" y="1004849"/>
+        <a:ext cx="1488949" cy="314969"/>
+      </dsp:txXfrm>
+    </dsp:sp>
+    <dsp:sp modelId="{BB54CC62-774E-47EC-8152-698AF29A267A}">
+      <dsp:nvSpPr>
+        <dsp:cNvPr id="0" name=""/>
+        <dsp:cNvSpPr/>
+      </dsp:nvSpPr>
+      <dsp:spPr>
+        <a:xfrm>
+          <a:off x="393712" y="556585"/>
+          <a:ext cx="3160995" cy="1352323"/>
+        </a:xfrm>
+        <a:prstGeom prst="rect">
+          <a:avLst/>
+        </a:prstGeom>
+        <a:solidFill>
+          <a:schemeClr val="dk2">
+            <a:hueOff val="0"/>
+            <a:satOff val="0"/>
+            <a:lumOff val="0"/>
+            <a:alphaOff val="0"/>
+          </a:schemeClr>
+        </a:solidFill>
+        <a:ln w="12700" cap="flat" cmpd="sng" algn="ctr">
+          <a:solidFill>
+            <a:schemeClr val="lt2">
+              <a:hueOff val="0"/>
+              <a:satOff val="0"/>
+              <a:lumOff val="0"/>
+              <a:alphaOff val="0"/>
+            </a:schemeClr>
+          </a:solidFill>
+          <a:prstDash val="solid"/>
+          <a:miter lim="800000"/>
+        </a:ln>
+        <a:effectLst/>
+      </dsp:spPr>
+      <dsp:style>
+        <a:lnRef idx="2">
+          <a:scrgbClr r="0" g="0" b="0"/>
+        </a:lnRef>
+        <a:fillRef idx="1">
+          <a:scrgbClr r="0" g="0" b="0"/>
+        </a:fillRef>
+        <a:effectRef idx="0">
+          <a:scrgbClr r="0" g="0" b="0"/>
+        </a:effectRef>
+        <a:fontRef idx="minor">
+          <a:schemeClr val="lt1"/>
+        </a:fontRef>
+      </dsp:style>
+      <dsp:txBody>
+        <a:bodyPr spcFirstLastPara="0" vert="horz" wrap="square" lIns="142240" tIns="277786" rIns="142240" bIns="142240" numCol="1" spcCol="1270" anchor="t" anchorCtr="0">
+          <a:noAutofit/>
+        </a:bodyPr>
+        <a:lstStyle/>
+        <a:p>
+          <a:pPr marL="228600" lvl="1" indent="-228600" algn="ctr" defTabSz="889000" latinLnBrk="1">
+            <a:lnSpc>
+              <a:spcPct val="90000"/>
+            </a:lnSpc>
+            <a:spcBef>
+              <a:spcPct val="0"/>
+            </a:spcBef>
+            <a:spcAft>
+              <a:spcPct val="15000"/>
+            </a:spcAft>
+            <a:buNone/>
+          </a:pPr>
+          <a:r>
+            <a:rPr lang="ko-KR" altLang="en-US" sz="2000" kern="1200" dirty="0">
+              <a:latin typeface="sn별별정직" panose="02000500000000000000" pitchFamily="2" charset="0"/>
+              <a:ea typeface="sn별별정직" panose="02000500000000000000" pitchFamily="2" charset="0"/>
+            </a:rPr>
+            <a:t>프로토콜</a:t>
+          </a:r>
+          <a:r>
+            <a:rPr lang="en-US" altLang="ko-KR" sz="2000" kern="1200" dirty="0">
+              <a:latin typeface="sn별별정직" panose="02000500000000000000" pitchFamily="2" charset="0"/>
+              <a:ea typeface="sn별별정직" panose="02000500000000000000" pitchFamily="2" charset="0"/>
+            </a:rPr>
+            <a:t>(Protocol, Scheme)</a:t>
+          </a:r>
+          <a:endParaRPr lang="ko-KR" altLang="en-US" sz="2000" kern="1200" dirty="0">
+            <a:latin typeface="sn별별정직" panose="02000500000000000000" pitchFamily="2" charset="0"/>
+            <a:ea typeface="sn별별정직" panose="02000500000000000000" pitchFamily="2" charset="0"/>
+          </a:endParaRPr>
+        </a:p>
+        <a:p>
+          <a:pPr marL="228600" lvl="1" indent="-228600" algn="ctr" defTabSz="889000" latinLnBrk="1">
+            <a:lnSpc>
+              <a:spcPct val="90000"/>
+            </a:lnSpc>
+            <a:spcBef>
+              <a:spcPct val="0"/>
+            </a:spcBef>
+            <a:spcAft>
+              <a:spcPct val="15000"/>
+            </a:spcAft>
+            <a:buNone/>
+          </a:pPr>
+          <a:r>
+            <a:rPr lang="ko-KR" altLang="en-US" sz="2000" kern="1200" dirty="0">
+              <a:latin typeface="sn별별정직" panose="02000500000000000000" pitchFamily="2" charset="0"/>
+              <a:ea typeface="sn별별정직" panose="02000500000000000000" pitchFamily="2" charset="0"/>
+            </a:rPr>
+            <a:t>포트 </a:t>
+          </a:r>
+          <a:r>
+            <a:rPr lang="en-US" altLang="ko-KR" sz="2000" kern="1200" dirty="0">
+              <a:latin typeface="sn별별정직" panose="02000500000000000000" pitchFamily="2" charset="0"/>
+              <a:ea typeface="sn별별정직" panose="02000500000000000000" pitchFamily="2" charset="0"/>
+            </a:rPr>
+            <a:t>(Port)</a:t>
+          </a:r>
+          <a:endParaRPr lang="ko-KR" altLang="en-US" sz="2000" kern="1200" dirty="0">
+            <a:latin typeface="sn별별정직" panose="02000500000000000000" pitchFamily="2" charset="0"/>
+            <a:ea typeface="sn별별정직" panose="02000500000000000000" pitchFamily="2" charset="0"/>
+          </a:endParaRPr>
+        </a:p>
+        <a:p>
+          <a:pPr marL="228600" lvl="1" indent="-228600" algn="ctr" defTabSz="889000" latinLnBrk="1">
+            <a:lnSpc>
+              <a:spcPct val="90000"/>
+            </a:lnSpc>
+            <a:spcBef>
+              <a:spcPct val="0"/>
+            </a:spcBef>
+            <a:spcAft>
+              <a:spcPct val="15000"/>
+            </a:spcAft>
+            <a:buNone/>
+          </a:pPr>
+          <a:r>
+            <a:rPr lang="ko-KR" altLang="en-US" sz="2000" kern="1200" dirty="0">
+              <a:latin typeface="sn별별정직" panose="02000500000000000000" pitchFamily="2" charset="0"/>
+              <a:ea typeface="sn별별정직" panose="02000500000000000000" pitchFamily="2" charset="0"/>
+            </a:rPr>
+            <a:t>호스트</a:t>
+          </a:r>
+          <a:r>
+            <a:rPr lang="en-US" altLang="ko-KR" sz="2000" kern="1200" dirty="0">
+              <a:latin typeface="sn별별정직" panose="02000500000000000000" pitchFamily="2" charset="0"/>
+              <a:ea typeface="sn별별정직" panose="02000500000000000000" pitchFamily="2" charset="0"/>
+            </a:rPr>
+            <a:t>(Host)</a:t>
+          </a:r>
+          <a:endParaRPr lang="ko-KR" altLang="en-US" sz="2000" kern="1200" dirty="0">
+            <a:latin typeface="sn별별정직" panose="02000500000000000000" pitchFamily="2" charset="0"/>
+            <a:ea typeface="sn별별정직" panose="02000500000000000000" pitchFamily="2" charset="0"/>
+          </a:endParaRPr>
+        </a:p>
+      </dsp:txBody>
+      <dsp:txXfrm>
+        <a:off x="393712" y="556585"/>
+        <a:ext cx="3160995" cy="1352323"/>
+      </dsp:txXfrm>
+    </dsp:sp>
+    <dsp:sp modelId="{48837767-2F51-4A88-8B0D-C3A3483F81D5}">
+      <dsp:nvSpPr>
+        <dsp:cNvPr id="0" name=""/>
+        <dsp:cNvSpPr/>
+      </dsp:nvSpPr>
+      <dsp:spPr>
+        <a:xfrm>
+          <a:off x="3112444" y="2099"/>
+          <a:ext cx="629939" cy="629939"/>
+        </a:xfrm>
+        <a:prstGeom prst="rect">
+          <a:avLst/>
+        </a:prstGeom>
+        <a:blipFill>
+          <a:blip xmlns:r="http://schemas.openxmlformats.org/officeDocument/2006/relationships" r:embed="rId1">
+            <a:lum bright="70000" contrast="-70000"/>
+            <a:extLst>
+              <a:ext uri="{28A0092B-C50C-407E-A947-70E740481C1C}">
+                <a14:useLocalDpi xmlns:a14="http://schemas.microsoft.com/office/drawing/2010/main" val="0"/>
+              </a:ext>
+            </a:extLst>
+          </a:blip>
+          <a:srcRect/>
+          <a:stretch>
+            <a:fillRect/>
+          </a:stretch>
+        </a:blipFill>
+        <a:ln w="12700" cap="flat" cmpd="sng" algn="ctr">
+          <a:noFill/>
+          <a:prstDash val="solid"/>
+          <a:miter lim="800000"/>
+        </a:ln>
+        <a:effectLst/>
+      </dsp:spPr>
+      <dsp:style>
+        <a:lnRef idx="2">
+          <a:scrgbClr r="0" g="0" b="0"/>
+        </a:lnRef>
+        <a:fillRef idx="1">
+          <a:scrgbClr r="0" g="0" b="0"/>
+        </a:fillRef>
+        <a:effectRef idx="0">
+          <a:scrgbClr r="0" g="0" b="0"/>
+        </a:effectRef>
+        <a:fontRef idx="minor"/>
+      </dsp:style>
+    </dsp:sp>
+  </dsp:spTree>
+</dsp:drawing>
+</file>
+
+<file path=ppt/diagrams/layout1.xml><?xml version="1.0" encoding="utf-8"?>
+<dgm:layoutDef xmlns:dgm="http://schemas.openxmlformats.org/drawingml/2006/diagram" xmlns:a="http://schemas.openxmlformats.org/drawingml/2006/main" uniqueId="urn:microsoft.com/office/officeart/2005/8/layout/hList2">
+  <dgm:title val=""/>
+  <dgm:desc val=""/>
+  <dgm:catLst>
+    <dgm:cat type="list" pri="6000"/>
+    <dgm:cat type="relationship" pri="16000"/>
+    <dgm:cat type="picture" pri="29000"/>
+    <dgm:cat type="pictureconvert" pri="29000"/>
+  </dgm:catLst>
+  <dgm:sampData>
+    <dgm:dataModel>
+      <dgm:ptLst>
+        <dgm:pt modelId="0" type="doc"/>
+        <dgm:pt modelId="1">
+          <dgm:prSet phldr="1"/>
+        </dgm:pt>
+        <dgm:pt modelId="11">
+          <dgm:prSet phldr="1"/>
+        </dgm:pt>
+        <dgm:pt modelId="12">
+          <dgm:prSet phldr="1"/>
+        </dgm:pt>
+        <dgm:pt modelId="2">
+          <dgm:prSet phldr="1"/>
+        </dgm:pt>
+        <dgm:pt modelId="21">
+          <dgm:prSet phldr="1"/>
+        </dgm:pt>
+        <dgm:pt modelId="22">
+          <dgm:prSet phldr="1"/>
+        </dgm:pt>
+        <dgm:pt modelId="3">
+          <dgm:prSet phldr="1"/>
+        </dgm:pt>
+        <dgm:pt modelId="31">
+          <dgm:prSet phldr="1"/>
+        </dgm:pt>
+        <dgm:pt modelId="32">
+          <dgm:prSet phldr="1"/>
+        </dgm:pt>
+      </dgm:ptLst>
+      <dgm:cxnLst>
+        <dgm:cxn modelId="4" srcId="0" destId="1" srcOrd="0" destOrd="0"/>
+        <dgm:cxn modelId="5" srcId="0" destId="2" srcOrd="1" destOrd="0"/>
+        <dgm:cxn modelId="6" srcId="0" destId="3" srcOrd="2" destOrd="0"/>
+        <dgm:cxn modelId="13" srcId="1" destId="11" srcOrd="0" destOrd="0"/>
+        <dgm:cxn modelId="14" srcId="1" destId="12" srcOrd="1" destOrd="0"/>
+        <dgm:cxn modelId="23" srcId="2" destId="21" srcOrd="0" destOrd="0"/>
+        <dgm:cxn modelId="24" srcId="2" destId="22" srcOrd="1" destOrd="0"/>
+        <dgm:cxn modelId="33" srcId="3" destId="31" srcOrd="0" destOrd="0"/>
+        <dgm:cxn modelId="34" srcId="3" destId="32" srcOrd="1" destOrd="0"/>
+      </dgm:cxnLst>
+      <dgm:bg/>
+      <dgm:whole/>
+    </dgm:dataModel>
+  </dgm:sampData>
+  <dgm:styleData>
+    <dgm:dataModel>
+      <dgm:ptLst>
+        <dgm:pt modelId="0" type="doc"/>
+        <dgm:pt modelId="1"/>
+        <dgm:pt modelId="11"/>
+        <dgm:pt modelId="2"/>
+        <dgm:pt modelId="21"/>
+      </dgm:ptLst>
+      <dgm:cxnLst>
+        <dgm:cxn modelId="4" srcId="0" destId="1" srcOrd="0" destOrd="0"/>
+        <dgm:cxn modelId="5" srcId="0" destId="2" srcOrd="1" destOrd="0"/>
+        <dgm:cxn modelId="13" srcId="1" destId="11" srcOrd="0" destOrd="0"/>
+        <dgm:cxn modelId="23" srcId="2" destId="21" srcOrd="0" destOrd="0"/>
+      </dgm:cxnLst>
+      <dgm:bg/>
+      <dgm:whole/>
+    </dgm:dataModel>
+  </dgm:styleData>
+  <dgm:clrData>
+    <dgm:dataModel>
+      <dgm:ptLst>
+        <dgm:pt modelId="0" type="doc"/>
+        <dgm:pt modelId="1"/>
+        <dgm:pt modelId="11"/>
+        <dgm:pt modelId="2"/>
+        <dgm:pt modelId="21"/>
+        <dgm:pt modelId="3"/>
+        <dgm:pt modelId="31"/>
+        <dgm:pt modelId="4"/>
+        <dgm:pt modelId="41"/>
+      </dgm:ptLst>
+      <dgm:cxnLst>
+        <dgm:cxn modelId="5" srcId="0" destId="1" srcOrd="0" destOrd="0"/>
+        <dgm:cxn modelId="6" srcId="0" destId="2" srcOrd="1" destOrd="0"/>
+        <dgm:cxn modelId="7" srcId="0" destId="3" srcOrd="2" destOrd="0"/>
+        <dgm:cxn modelId="8" srcId="0" destId="4" srcOrd="3" destOrd="0"/>
+        <dgm:cxn modelId="13" srcId="1" destId="11" srcOrd="0" destOrd="0"/>
+        <dgm:cxn modelId="23" srcId="2" destId="21" srcOrd="0" destOrd="0"/>
+        <dgm:cxn modelId="33" srcId="3" destId="31" srcOrd="0" destOrd="0"/>
+        <dgm:cxn modelId="43" srcId="4" destId="41" srcOrd="0" destOrd="0"/>
+      </dgm:cxnLst>
+      <dgm:bg/>
+      <dgm:whole/>
+    </dgm:dataModel>
+  </dgm:clrData>
+  <dgm:layoutNode name="linearFlow">
+    <dgm:varLst>
+      <dgm:dir/>
+      <dgm:animLvl val="lvl"/>
+      <dgm:resizeHandles/>
+    </dgm:varLst>
+    <dgm:choose name="Name0">
+      <dgm:if name="Name1" func="var" arg="dir" op="equ" val="norm">
+        <dgm:alg type="lin">
+          <dgm:param type="linDir" val="fromL"/>
+          <dgm:param type="nodeVertAlign" val="t"/>
+        </dgm:alg>
+      </dgm:if>
+      <dgm:else name="Name2">
+        <dgm:alg type="lin">
+          <dgm:param type="linDir" val="fromR"/>
+          <dgm:param type="nodeVertAlign" val="t"/>
+        </dgm:alg>
+      </dgm:else>
+    </dgm:choose>
+    <dgm:shape xmlns:r="http://schemas.openxmlformats.org/officeDocument/2006/relationships" r:blip="">
+      <dgm:adjLst/>
+    </dgm:shape>
+    <dgm:presOf/>
+    <dgm:constrLst>
+      <dgm:constr type="w" for="ch" forName="compositeNode" refType="w"/>
+      <dgm:constr type="h" for="ch" forName="compositeNode" refType="h"/>
+      <dgm:constr type="w" for="ch" forName="sibTrans" refType="w" refFor="ch" refForName="compositeNode" op="equ" fact="0.2"/>
+      <dgm:constr type="h" for="des" forName="childNode" op="equ"/>
+      <dgm:constr type="w" for="des" forName="childNode" op="equ"/>
+      <dgm:constr type="w" for="des" forName="parentNode" op="equ"/>
+      <dgm:constr type="h" for="des" forName="image" op="equ"/>
+      <dgm:constr type="w" for="des" forName="image" op="equ"/>
+      <dgm:constr type="primFontSz" for="des" forName="parentNode" op="equ" val="65"/>
+      <dgm:constr type="primFontSz" for="des" forName="childNode" op="equ" val="65"/>
+    </dgm:constrLst>
+    <dgm:ruleLst/>
+    <dgm:forEach name="Name3" axis="ch" ptType="node">
+      <dgm:layoutNode name="compositeNode">
+        <dgm:varLst>
+          <dgm:bulletEnabled val="1"/>
+        </dgm:varLst>
+        <dgm:alg type="composite"/>
+        <dgm:presOf/>
+        <dgm:choose name="Name4">
+          <dgm:if name="Name5" func="var" arg="dir" op="equ" val="norm">
+            <dgm:constrLst>
+              <dgm:constr type="w" for="ch" forName="image" refType="w"/>
+              <dgm:constr type="h" for="ch" forName="image" refType="h"/>
+              <dgm:constr type="h" for="ch" forName="image" refType="w" refFor="ch" refForName="image" op="lte"/>
+              <dgm:constr type="w" for="ch" forName="image" refType="h" refFor="ch" refForName="image" op="lte"/>
+              <dgm:constr type="w" for="ch" forName="image" refType="w" op="lte" fact="0.33"/>
+              <dgm:constr type="h" for="ch" forName="image" refType="h" op="lte" fact="0.33"/>
+              <dgm:constr type="t" for="ch" forName="image"/>
+              <dgm:constr type="l" for="ch" forName="image"/>
+              <dgm:constr type="w" for="ch" forName="childNode" refType="w" fact="0.85"/>
+              <dgm:constr type="h" for="ch" forName="childNode" refType="h" fact="0.78"/>
+              <dgm:constr type="t" for="ch" forName="childNode" refType="h" refFor="ch" refForName="image" fact="0.66"/>
+              <dgm:constr type="l" for="ch" forName="childNode" refType="w" refFor="ch" refForName="image" fact="0.5"/>
+              <dgm:constr type="tMarg" for="ch" forName="childNode" refType="w" refFor="ch" refForName="image" fact="1.25"/>
+              <dgm:constr type="t" for="ch" forName="parentNode" refType="h" refFor="ch" refForName="image" fact="0.66"/>
+              <dgm:constr type="b" for="ch" forName="parentNode" refType="b" refFor="ch" refForName="childNode"/>
+              <dgm:constr type="l" for="ch" forName="parentNode"/>
+              <dgm:constr type="r" for="ch" forName="parentNode" refType="l" refFor="ch" refForName="childNode"/>
+              <dgm:constr type="rMarg" for="ch" forName="parentNode" refType="w" refFor="ch" refForName="image" fact="1.25"/>
+            </dgm:constrLst>
+          </dgm:if>
+          <dgm:else name="Name6">
+            <dgm:constrLst>
+              <dgm:constr type="w" for="ch" forName="image" refType="w"/>
+              <dgm:constr type="h" for="ch" forName="image" refType="h"/>
+              <dgm:constr type="h" for="ch" forName="image" refType="w" refFor="ch" refForName="image" op="lte"/>
+              <dgm:constr type="w" for="ch" forName="image" refType="h" refFor="ch" refForName="image" op="lte"/>
+              <dgm:constr type="w" for="ch" forName="image" refType="w" op="lte" fact="0.33"/>
+              <dgm:constr type="h" for="ch" forName="image" refType="h" op="lte" fact="0.33"/>
+              <dgm:constr type="t" for="ch" forName="image"/>
+              <dgm:constr type="r" for="ch" forName="image" refType="w"/>
+              <dgm:constr type="w" for="ch" forName="childNode" refType="w" fact="0.85"/>
+              <dgm:constr type="h" for="ch" forName="childNode" refType="h" fact="0.78"/>
+              <dgm:constr type="t" for="ch" forName="childNode" refType="h" refFor="ch" refForName="image" fact="0.66"/>
+              <dgm:constr type="r" for="ch" forName="childNode" refType="w"/>
+              <dgm:constr type="rOff" for="ch" forName="childNode" refType="w" refFor="ch" refForName="image" fact="-0.5"/>
+              <dgm:constr type="tMarg" for="ch" forName="childNode" refType="w" refFor="ch" refForName="image" fact="1.25"/>
+              <dgm:constr type="t" for="ch" forName="parentNode" refType="h" refFor="ch" refForName="image" fact="0.66"/>
+              <dgm:constr type="b" for="ch" forName="parentNode" refType="b" refFor="ch" refForName="childNode"/>
+              <dgm:constr type="r" for="ch" forName="parentNode" refType="w"/>
+              <dgm:constr type="l" for="ch" forName="parentNode" refType="r" refFor="ch" refForName="childNode"/>
+              <dgm:constr type="lOff" for="ch" forName="parentNode" refType="rOff" refFor="ch" refForName="childNode"/>
+              <dgm:constr type="lMarg" for="ch" forName="parentNode" refType="w" refFor="ch" refForName="image" fact="1.25"/>
+            </dgm:constrLst>
+          </dgm:else>
+        </dgm:choose>
+        <dgm:ruleLst>
+          <dgm:rule type="w" for="ch" forName="childNode" val="NaN" fact="0.4" max="NaN"/>
+          <dgm:rule type="h" for="ch" forName="childNode" val="NaN" fact="0.5" max="NaN"/>
+        </dgm:ruleLst>
+        <dgm:layoutNode name="image" styleLbl="fgImgPlace1">
+          <dgm:alg type="sp"/>
+          <dgm:shape xmlns:r="http://schemas.openxmlformats.org/officeDocument/2006/relationships" type="rect" r:blip="" zOrderOff="4" blipPhldr="1">
+            <dgm:adjLst/>
+          </dgm:shape>
+          <dgm:presOf/>
+          <dgm:constrLst/>
+          <dgm:ruleLst/>
+        </dgm:layoutNode>
+        <dgm:layoutNode name="childNode" styleLbl="node1">
+          <dgm:varLst>
+            <dgm:bulletEnabled val="1"/>
+          </dgm:varLst>
+          <dgm:alg type="tx">
+            <dgm:param type="stBulletLvl" val="1"/>
+          </dgm:alg>
+          <dgm:shape xmlns:r="http://schemas.openxmlformats.org/officeDocument/2006/relationships" type="rect" r:blip="" zOrderOff="2">
+            <dgm:adjLst/>
+          </dgm:shape>
+          <dgm:presOf axis="des" ptType="node"/>
+          <dgm:constrLst/>
+          <dgm:ruleLst>
+            <dgm:rule type="primFontSz" val="5" fact="NaN" max="NaN"/>
+          </dgm:ruleLst>
+        </dgm:layoutNode>
+        <dgm:layoutNode name="parentNode" styleLbl="revTx">
+          <dgm:varLst>
+            <dgm:chMax val="0"/>
+            <dgm:bulletEnabled val="1"/>
+          </dgm:varLst>
+          <dgm:choose name="Name7">
+            <dgm:if name="Name8" func="var" arg="dir" op="equ" val="norm">
+              <dgm:alg type="tx">
+                <dgm:param type="autoTxRot" val="grav"/>
+                <dgm:param type="txAnchorVert" val="t"/>
+                <dgm:param type="parTxLTRAlign" val="r"/>
+                <dgm:param type="parTxRTLAlign" val="r"/>
+              </dgm:alg>
+              <dgm:shape xmlns:r="http://schemas.openxmlformats.org/officeDocument/2006/relationships" rot="270" type="rect" r:blip="">
+                <dgm:adjLst/>
+              </dgm:shape>
+              <dgm:presOf axis="self"/>
+              <dgm:constrLst>
+                <dgm:constr type="lMarg"/>
+                <dgm:constr type="bMarg"/>
+                <dgm:constr type="tMarg"/>
+              </dgm:constrLst>
+            </dgm:if>
+            <dgm:else name="Name9">
+              <dgm:alg type="tx">
+                <dgm:param type="autoTxRot" val="grav"/>
+                <dgm:param type="parTxLTRAlign" val="l"/>
+                <dgm:param type="parTxRTLAlign" val="l"/>
+              </dgm:alg>
+              <dgm:shape xmlns:r="http://schemas.openxmlformats.org/officeDocument/2006/relationships" rot="90" type="rect" r:blip="">
+                <dgm:adjLst/>
+              </dgm:shape>
+              <dgm:presOf axis="self"/>
+              <dgm:constrLst>
+                <dgm:constr type="rMarg"/>
+                <dgm:constr type="bMarg"/>
+                <dgm:constr type="tMarg"/>
+              </dgm:constrLst>
+            </dgm:else>
+          </dgm:choose>
+          <dgm:ruleLst>
+            <dgm:rule type="primFontSz" val="5" fact="NaN" max="NaN"/>
+          </dgm:ruleLst>
+        </dgm:layoutNode>
+      </dgm:layoutNode>
+      <dgm:forEach name="Name10" axis="followSib" ptType="sibTrans" cnt="1">
+        <dgm:layoutNode name="sibTrans">
+          <dgm:alg type="sp"/>
+          <dgm:shape xmlns:r="http://schemas.openxmlformats.org/officeDocument/2006/relationships" r:blip="">
+            <dgm:adjLst/>
+          </dgm:shape>
+          <dgm:presOf axis="self"/>
+          <dgm:constrLst/>
+          <dgm:ruleLst/>
+        </dgm:layoutNode>
+      </dgm:forEach>
+    </dgm:forEach>
+  </dgm:layoutNode>
+</dgm:layoutDef>
+</file>
+
+<file path=ppt/diagrams/quickStyle1.xml><?xml version="1.0" encoding="utf-8"?>
+<dgm:styleDef xmlns:dgm="http://schemas.openxmlformats.org/drawingml/2006/diagram" xmlns:a="http://schemas.openxmlformats.org/drawingml/2006/main" uniqueId="urn:microsoft.com/office/officeart/2005/8/quickstyle/simple1">
+  <dgm:title val=""/>
+  <dgm:desc val=""/>
+  <dgm:catLst>
+    <dgm:cat type="simple" pri="10100"/>
+  </dgm:catLst>
+  <dgm:scene3d>
+    <a:camera prst="orthographicFront"/>
+    <a:lightRig rig="threePt" dir="t"/>
+  </dgm:scene3d>
+  <dgm:styleLbl name="node0">
+    <dgm:scene3d>
+      <a:camera prst="orthographicFront"/>
+      <a:lightRig rig="threePt" dir="t"/>
+    </dgm:scene3d>
+    <dgm:sp3d/>
+    <dgm:txPr/>
+    <dgm:style>
+      <a:lnRef idx="2">
+        <a:scrgbClr r="0" g="0" b="0"/>
+      </a:lnRef>
+      <a:fillRef idx="1">
+        <a:scrgbClr r="0" g="0" b="0"/>
+      </a:fillRef>
+      <a:effectRef idx="0">
+        <a:scrgbClr r="0" g="0" b="0"/>
+      </a:effectRef>
+      <a:fontRef idx="minor">
+        <a:schemeClr val="lt1"/>
+      </a:fontRef>
+    </dgm:style>
+  </dgm:styleLbl>
+  <dgm:styleLbl name="lnNode1">
+    <dgm:scene3d>
+      <a:camera prst="orthographicFront"/>
+      <a:lightRig rig="threePt" dir="t"/>
+    </dgm:scene3d>
+    <dgm:sp3d/>
+    <dgm:txPr/>
+    <dgm:style>
+      <a:lnRef idx="2">
+        <a:scrgbClr r="0" g="0" b="0"/>
+      </a:lnRef>
+      <a:fillRef idx="1">
+        <a:scrgbClr r="0" g="0" b="0"/>
+      </a:fillRef>
+      <a:effectRef idx="0">
+        <a:scrgbClr r="0" g="0" b="0"/>
+      </a:effectRef>
+      <a:fontRef idx="minor">
+        <a:schemeClr val="lt1"/>
+      </a:fontRef>
+    </dgm:style>
+  </dgm:styleLbl>
+  <dgm:styleLbl name="vennNode1">
+    <dgm:scene3d>
+      <a:camera prst="orthographicFront"/>
+      <a:lightRig rig="threePt" dir="t"/>
+    </dgm:scene3d>
+    <dgm:sp3d/>
+    <dgm:txPr/>
+    <dgm:style>
+      <a:lnRef idx="2">
+        <a:scrgbClr r="0" g="0" b="0"/>
+      </a:lnRef>
+      <a:fillRef idx="1">
+        <a:scrgbClr r="0" g="0" b="0"/>
+      </a:fillRef>
+      <a:effectRef idx="0">
+        <a:scrgbClr r="0" g="0" b="0"/>
+      </a:effectRef>
+      <a:fontRef idx="minor">
+        <a:schemeClr val="tx1"/>
+      </a:fontRef>
+    </dgm:style>
+  </dgm:styleLbl>
+  <dgm:styleLbl name="alignNode1">
+    <dgm:scene3d>
+      <a:camera prst="orthographicFront"/>
+      <a:lightRig rig="threePt" dir="t"/>
+    </dgm:scene3d>
+    <dgm:sp3d/>
+    <dgm:txPr/>
+    <dgm:style>
+      <a:lnRef idx="2">
+        <a:scrgbClr r="0" g="0" b="0"/>
+      </a:lnRef>
+      <a:fillRef idx="1">
+        <a:scrgbClr r="0" g="0" b="0"/>
+      </a:fillRef>
+      <a:effectRef idx="0">
+        <a:scrgbClr r="0" g="0" b="0"/>
+      </a:effectRef>
+      <a:fontRef idx="minor">
+        <a:schemeClr val="lt1"/>
+      </a:fontRef>
+    </dgm:style>
+  </dgm:styleLbl>
+  <dgm:styleLbl name="node1">
+    <dgm:scene3d>
+      <a:camera prst="orthographicFront"/>
+      <a:lightRig rig="threePt" dir="t"/>
+    </dgm:scene3d>
+    <dgm:sp3d/>
+    <dgm:txPr/>
+    <dgm:style>
+      <a:lnRef idx="2">
+        <a:scrgbClr r="0" g="0" b="0"/>
+      </a:lnRef>
+      <a:fillRef idx="1">
+        <a:scrgbClr r="0" g="0" b="0"/>
+      </a:fillRef>
+      <a:effectRef idx="0">
+        <a:scrgbClr r="0" g="0" b="0"/>
+      </a:effectRef>
+      <a:fontRef idx="minor">
+        <a:schemeClr val="lt1"/>
+      </a:fontRef>
+    </dgm:style>
+  </dgm:styleLbl>
+  <dgm:styleLbl name="node2">
+    <dgm:scene3d>
+      <a:camera prst="orthographicFront"/>
+      <a:lightRig rig="threePt" dir="t"/>
+    </dgm:scene3d>
+    <dgm:sp3d/>
+    <dgm:txPr/>
+    <dgm:style>
+      <a:lnRef idx="2">
+        <a:scrgbClr r="0" g="0" b="0"/>
+      </a:lnRef>
+      <a:fillRef idx="1">
+        <a:scrgbClr r="0" g="0" b="0"/>
+      </a:fillRef>
+      <a:effectRef idx="0">
+        <a:scrgbClr r="0" g="0" b="0"/>
+      </a:effectRef>
+      <a:fontRef idx="minor">
+        <a:schemeClr val="lt1"/>
+      </a:fontRef>
+    </dgm:style>
+  </dgm:styleLbl>
+  <dgm:styleLbl name="node3">
+    <dgm:scene3d>
+      <a:camera prst="orthographicFront"/>
+      <a:lightRig rig="threePt" dir="t"/>
+    </dgm:scene3d>
+    <dgm:sp3d/>
+    <dgm:txPr/>
+    <dgm:style>
+      <a:lnRef idx="2">
+        <a:scrgbClr r="0" g="0" b="0"/>
+      </a:lnRef>
+      <a:fillRef idx="1">
+        <a:scrgbClr r="0" g="0" b="0"/>
+      </a:fillRef>
+      <a:effectRef idx="0">
+        <a:scrgbClr r="0" g="0" b="0"/>
+      </a:effectRef>
+      <a:fontRef idx="minor">
+        <a:schemeClr val="lt1"/>
+      </a:fontRef>
+    </dgm:style>
+  </dgm:styleLbl>
+  <dgm:styleLbl name="node4">
+    <dgm:scene3d>
+      <a:camera prst="orthographicFront"/>
+      <a:lightRig rig="threePt" dir="t"/>
+    </dgm:scene3d>
+    <dgm:sp3d/>
+    <dgm:txPr/>
+    <dgm:style>
+      <a:lnRef idx="2">
+        <a:scrgbClr r="0" g="0" b="0"/>
+      </a:lnRef>
+      <a:fillRef idx="1">
+        <a:scrgbClr r="0" g="0" b="0"/>
+      </a:fillRef>
+      <a:effectRef idx="0">
+        <a:scrgbClr r="0" g="0" b="0"/>
+      </a:effectRef>
+      <a:fontRef idx="minor">
+        <a:schemeClr val="lt1"/>
+      </a:fontRef>
+    </dgm:style>
+  </dgm:styleLbl>
+  <dgm:styleLbl name="fgImgPlace1">
+    <dgm:scene3d>
+      <a:camera prst="orthographicFront"/>
+      <a:lightRig rig="threePt" dir="t"/>
+    </dgm:scene3d>
+    <dgm:sp3d/>
+    <dgm:txPr/>
+    <dgm:style>
+      <a:lnRef idx="2">
+        <a:scrgbClr r="0" g="0" b="0"/>
+      </a:lnRef>
+      <a:fillRef idx="1">
+        <a:scrgbClr r="0" g="0" b="0"/>
+      </a:fillRef>
+      <a:effectRef idx="0">
+        <a:scrgbClr r="0" g="0" b="0"/>
+      </a:effectRef>
+      <a:fontRef idx="minor"/>
+    </dgm:style>
+  </dgm:styleLbl>
+  <dgm:styleLbl name="alignImgPlace1">
+    <dgm:scene3d>
+      <a:camera prst="orthographicFront"/>
+      <a:lightRig rig="threePt" dir="t"/>
+    </dgm:scene3d>
+    <dgm:sp3d/>
+    <dgm:txPr/>
+    <dgm:style>
+      <a:lnRef idx="2">
+        <a:scrgbClr r="0" g="0" b="0"/>
+      </a:lnRef>
+      <a:fillRef idx="1">
+        <a:scrgbClr r="0" g="0" b="0"/>
+      </a:fillRef>
+      <a:effectRef idx="0">
+        <a:scrgbClr r="0" g="0" b="0"/>
+      </a:effectRef>
+      <a:fontRef idx="minor"/>
+    </dgm:style>
+  </dgm:styleLbl>
+  <dgm:styleLbl name="bgImgPlace1">
+    <dgm:scene3d>
+      <a:camera prst="orthographicFront"/>
+      <a:lightRig rig="threePt" dir="t"/>
+    </dgm:scene3d>
+    <dgm:sp3d/>
+    <dgm:txPr/>
+    <dgm:style>
+      <a:lnRef idx="2">
+        <a:scrgbClr r="0" g="0" b="0"/>
+      </a:lnRef>
+      <a:fillRef idx="1">
+        <a:scrgbClr r="0" g="0" b="0"/>
+      </a:fillRef>
+      <a:effectRef idx="0">
+        <a:scrgbClr r="0" g="0" b="0"/>
+      </a:effectRef>
+      <a:fontRef idx="minor"/>
+    </dgm:style>
+  </dgm:styleLbl>
+  <dgm:styleLbl name="sibTrans2D1">
+    <dgm:scene3d>
+      <a:camera prst="orthographicFront"/>
+      <a:lightRig rig="threePt" dir="t"/>
+    </dgm:scene3d>
+    <dgm:sp3d/>
+    <dgm:txPr/>
+    <dgm:style>
+      <a:lnRef idx="0">
+        <a:scrgbClr r="0" g="0" b="0"/>
+      </a:lnRef>
+      <a:fillRef idx="1">
+        <a:scrgbClr r="0" g="0" b="0"/>
+      </a:fillRef>
+      <a:effectRef idx="0">
+        <a:scrgbClr r="0" g="0" b="0"/>
+      </a:effectRef>
+      <a:fontRef idx="minor">
+        <a:schemeClr val="lt1"/>
+      </a:fontRef>
+    </dgm:style>
+  </dgm:styleLbl>
+  <dgm:styleLbl name="fgSibTrans2D1">
+    <dgm:scene3d>
+      <a:camera prst="orthographicFront"/>
+      <a:lightRig rig="threePt" dir="t"/>
+    </dgm:scene3d>
+    <dgm:sp3d/>
+    <dgm:txPr/>
+    <dgm:style>
+      <a:lnRef idx="0">
+        <a:scrgbClr r="0" g="0" b="0"/>
+      </a:lnRef>
+      <a:fillRef idx="1">
+        <a:scrgbClr r="0" g="0" b="0"/>
+      </a:fillRef>
+      <a:effectRef idx="0">
+        <a:scrgbClr r="0" g="0" b="0"/>
+      </a:effectRef>
+      <a:fontRef idx="minor">
+        <a:schemeClr val="lt1"/>
+      </a:fontRef>
+    </dgm:style>
+  </dgm:styleLbl>
+  <dgm:styleLbl name="bgSibTrans2D1">
+    <dgm:scene3d>
+      <a:camera prst="orthographicFront"/>
+      <a:lightRig rig="threePt" dir="t"/>
+    </dgm:scene3d>
+    <dgm:sp3d/>
+    <dgm:txPr/>
+    <dgm:style>
+      <a:lnRef idx="0">
+        <a:scrgbClr r="0" g="0" b="0"/>
+      </a:lnRef>
+      <a:fillRef idx="1">
+        <a:scrgbClr r="0" g="0" b="0"/>
+      </a:fillRef>
+      <a:effectRef idx="0">
+        <a:scrgbClr r="0" g="0" b="0"/>
+      </a:effectRef>
+      <a:fontRef idx="minor">
+        <a:schemeClr val="lt1"/>
+      </a:fontRef>
+    </dgm:style>
+  </dgm:styleLbl>
+  <dgm:styleLbl name="sibTrans1D1">
+    <dgm:scene3d>
+      <a:camera prst="orthographicFront"/>
+      <a:lightRig rig="threePt" dir="t"/>
+    </dgm:scene3d>
+    <dgm:sp3d/>
+    <dgm:txPr/>
+    <dgm:style>
+      <a:lnRef idx="1">
+        <a:scrgbClr r="0" g="0" b="0"/>
+      </a:lnRef>
+      <a:fillRef idx="0">
+        <a:scrgbClr r="0" g="0" b="0"/>
+      </a:fillRef>
+      <a:effectRef idx="0">
+        <a:scrgbClr r="0" g="0" b="0"/>
+      </a:effectRef>
+      <a:fontRef idx="minor"/>
+    </dgm:style>
+  </dgm:styleLbl>
+  <dgm:styleLbl name="callout">
+    <dgm:scene3d>
+      <a:camera prst="orthographicFront"/>
+      <a:lightRig rig="threePt" dir="t"/>
+    </dgm:scene3d>
+    <dgm:sp3d/>
+    <dgm:txPr/>
+    <dgm:style>
+      <a:lnRef idx="2">
+        <a:scrgbClr r="0" g="0" b="0"/>
+      </a:lnRef>
+      <a:fillRef idx="1">
+        <a:scrgbClr r="0" g="0" b="0"/>
+      </a:fillRef>
+      <a:effectRef idx="0">
+        <a:scrgbClr r="0" g="0" b="0"/>
+      </a:effectRef>
+      <a:fontRef idx="minor"/>
+    </dgm:style>
+  </dgm:styleLbl>
+  <dgm:styleLbl name="asst0">
+    <dgm:scene3d>
+      <a:camera prst="orthographicFront"/>
+      <a:lightRig rig="threePt" dir="t"/>
+    </dgm:scene3d>
+    <dgm:sp3d/>
+    <dgm:txPr/>
+    <dgm:style>
+      <a:lnRef idx="2">
+        <a:scrgbClr r="0" g="0" b="0"/>
+      </a:lnRef>
+      <a:fillRef idx="1">
+        <a:scrgbClr r="0" g="0" b="0"/>
+      </a:fillRef>
+      <a:effectRef idx="0">
+        <a:scrgbClr r="0" g="0" b="0"/>
+      </a:effectRef>
+      <a:fontRef idx="minor">
+        <a:schemeClr val="lt1"/>
+      </a:fontRef>
+    </dgm:style>
+  </dgm:styleLbl>
+  <dgm:styleLbl name="asst1">
+    <dgm:scene3d>
+      <a:camera prst="orthographicFront"/>
+      <a:lightRig rig="threePt" dir="t"/>
+    </dgm:scene3d>
+    <dgm:sp3d/>
+    <dgm:txPr/>
+    <dgm:style>
+      <a:lnRef idx="2">
+        <a:scrgbClr r="0" g="0" b="0"/>
+      </a:lnRef>
+      <a:fillRef idx="1">
+        <a:scrgbClr r="0" g="0" b="0"/>
+      </a:fillRef>
+      <a:effectRef idx="0">
+        <a:scrgbClr r="0" g="0" b="0"/>
+      </a:effectRef>
+      <a:fontRef idx="minor">
+        <a:schemeClr val="lt1"/>
+      </a:fontRef>
+    </dgm:style>
+  </dgm:styleLbl>
+  <dgm:styleLbl name="asst2">
+    <dgm:scene3d>
+      <a:camera prst="orthographicFront"/>
+      <a:lightRig rig="threePt" dir="t"/>
+    </dgm:scene3d>
+    <dgm:sp3d/>
+    <dgm:txPr/>
+    <dgm:style>
+      <a:lnRef idx="2">
+        <a:scrgbClr r="0" g="0" b="0"/>
+      </a:lnRef>
+      <a:fillRef idx="1">
+        <a:scrgbClr r="0" g="0" b="0"/>
+      </a:fillRef>
+      <a:effectRef idx="0">
+        <a:scrgbClr r="0" g="0" b="0"/>
+      </a:effectRef>
+      <a:fontRef idx="minor">
+        <a:schemeClr val="lt1"/>
+      </a:fontRef>
+    </dgm:style>
+  </dgm:styleLbl>
+  <dgm:styleLbl name="asst3">
+    <dgm:scene3d>
+      <a:camera prst="orthographicFront"/>
+      <a:lightRig rig="threePt" dir="t"/>
+    </dgm:scene3d>
+    <dgm:sp3d/>
+    <dgm:txPr/>
+    <dgm:style>
+      <a:lnRef idx="2">
+        <a:scrgbClr r="0" g="0" b="0"/>
+      </a:lnRef>
+      <a:fillRef idx="1">
+        <a:scrgbClr r="0" g="0" b="0"/>
+      </a:fillRef>
+      <a:effectRef idx="0">
+        <a:scrgbClr r="0" g="0" b="0"/>
+      </a:effectRef>
+      <a:fontRef idx="minor">
+        <a:schemeClr val="lt1"/>
+      </a:fontRef>
+    </dgm:style>
+  </dgm:styleLbl>
+  <dgm:styleLbl name="asst4">
+    <dgm:scene3d>
+      <a:camera prst="orthographicFront"/>
+      <a:lightRig rig="threePt" dir="t"/>
+    </dgm:scene3d>
+    <dgm:sp3d/>
+    <dgm:txPr/>
+    <dgm:style>
+      <a:lnRef idx="2">
+        <a:scrgbClr r="0" g="0" b="0"/>
+      </a:lnRef>
+      <a:fillRef idx="1">
+        <a:scrgbClr r="0" g="0" b="0"/>
+      </a:fillRef>
+      <a:effectRef idx="0">
+        <a:scrgbClr r="0" g="0" b="0"/>
+      </a:effectRef>
+      <a:fontRef idx="minor">
+        <a:schemeClr val="lt1"/>
+      </a:fontRef>
+    </dgm:style>
+  </dgm:styleLbl>
+  <dgm:styleLbl name="parChTrans2D1">
+    <dgm:scene3d>
+      <a:camera prst="orthographicFront"/>
+      <a:lightRig rig="threePt" dir="t"/>
+    </dgm:scene3d>
+    <dgm:sp3d/>
+    <dgm:txPr/>
+    <dgm:style>
+      <a:lnRef idx="2">
+        <a:scrgbClr r="0" g="0" b="0"/>
+      </a:lnRef>
+      <a:fillRef idx="1">
+        <a:scrgbClr r="0" g="0" b="0"/>
+      </a:fillRef>
+      <a:effectRef idx="0">
+        <a:scrgbClr r="0" g="0" b="0"/>
+      </a:effectRef>
+      <a:fontRef idx="minor">
+        <a:schemeClr val="lt1"/>
+      </a:fontRef>
+    </dgm:style>
+  </dgm:styleLbl>
+  <dgm:styleLbl name="parChTrans2D2">
+    <dgm:scene3d>
+      <a:camera prst="orthographicFront"/>
+      <a:lightRig rig="threePt" dir="t"/>
+    </dgm:scene3d>
+    <dgm:sp3d/>
+    <dgm:txPr/>
+    <dgm:style>
+      <a:lnRef idx="2">
+        <a:scrgbClr r="0" g="0" b="0"/>
+      </a:lnRef>
+      <a:fillRef idx="1">
+        <a:scrgbClr r="0" g="0" b="0"/>
+      </a:fillRef>
+      <a:effectRef idx="0">
+        <a:scrgbClr r="0" g="0" b="0"/>
+      </a:effectRef>
+      <a:fontRef idx="minor">
+        <a:schemeClr val="lt1"/>
+      </a:fontRef>
+    </dgm:style>
+  </dgm:styleLbl>
+  <dgm:styleLbl name="parChTrans2D3">
+    <dgm:scene3d>
+      <a:camera prst="orthographicFront"/>
+      <a:lightRig rig="threePt" dir="t"/>
+    </dgm:scene3d>
+    <dgm:sp3d/>
+    <dgm:txPr/>
+    <dgm:style>
+      <a:lnRef idx="2">
+        <a:scrgbClr r="0" g="0" b="0"/>
+      </a:lnRef>
+      <a:fillRef idx="1">
+        <a:scrgbClr r="0" g="0" b="0"/>
+      </a:fillRef>
+      <a:effectRef idx="0">
+        <a:scrgbClr r="0" g="0" b="0"/>
+      </a:effectRef>
+      <a:fontRef idx="minor">
+        <a:schemeClr val="lt1"/>
+      </a:fontRef>
+    </dgm:style>
+  </dgm:styleLbl>
+  <dgm:styleLbl name="parChTrans2D4">
+    <dgm:scene3d>
+      <a:camera prst="orthographicFront"/>
+      <a:lightRig rig="threePt" dir="t"/>
+    </dgm:scene3d>
+    <dgm:sp3d/>
+    <dgm:txPr/>
+    <dgm:style>
+      <a:lnRef idx="2">
+        <a:scrgbClr r="0" g="0" b="0"/>
+      </a:lnRef>
+      <a:fillRef idx="1">
+        <a:scrgbClr r="0" g="0" b="0"/>
+      </a:fillRef>
+      <a:effectRef idx="0">
+        <a:scrgbClr r="0" g="0" b="0"/>
+      </a:effectRef>
+      <a:fontRef idx="minor">
+        <a:schemeClr val="lt1"/>
+      </a:fontRef>
+    </dgm:style>
+  </dgm:styleLbl>
+  <dgm:styleLbl name="parChTrans1D1">
+    <dgm:scene3d>
+      <a:camera prst="orthographicFront"/>
+      <a:lightRig rig="threePt" dir="t"/>
+    </dgm:scene3d>
+    <dgm:sp3d/>
+    <dgm:txPr/>
+    <dgm:style>
+      <a:lnRef idx="2">
+        <a:scrgbClr r="0" g="0" b="0"/>
+      </a:lnRef>
+      <a:fillRef idx="0">
+        <a:scrgbClr r="0" g="0" b="0"/>
+      </a:fillRef>
+      <a:effectRef idx="0">
+        <a:scrgbClr r="0" g="0" b="0"/>
+      </a:effectRef>
+      <a:fontRef idx="minor"/>
+    </dgm:style>
+  </dgm:styleLbl>
+  <dgm:styleLbl name="parChTrans1D2">
+    <dgm:scene3d>
+      <a:camera prst="orthographicFront"/>
+      <a:lightRig rig="threePt" dir="t"/>
+    </dgm:scene3d>
+    <dgm:sp3d/>
+    <dgm:txPr/>
+    <dgm:style>
+      <a:lnRef idx="2">
+        <a:scrgbClr r="0" g="0" b="0"/>
+      </a:lnRef>
+      <a:fillRef idx="0">
+        <a:scrgbClr r="0" g="0" b="0"/>
+      </a:fillRef>
+      <a:effectRef idx="0">
+        <a:scrgbClr r="0" g="0" b="0"/>
+      </a:effectRef>
+      <a:fontRef idx="minor"/>
+    </dgm:style>
+  </dgm:styleLbl>
+  <dgm:styleLbl name="parChTrans1D3">
+    <dgm:scene3d>
+      <a:camera prst="orthographicFront"/>
+      <a:lightRig rig="threePt" dir="t"/>
+    </dgm:scene3d>
+    <dgm:sp3d/>
+    <dgm:txPr/>
+    <dgm:style>
+      <a:lnRef idx="2">
+        <a:scrgbClr r="0" g="0" b="0"/>
+      </a:lnRef>
+      <a:fillRef idx="0">
+        <a:scrgbClr r="0" g="0" b="0"/>
+      </a:fillRef>
+      <a:effectRef idx="0">
+        <a:scrgbClr r="0" g="0" b="0"/>
+      </a:effectRef>
+      <a:fontRef idx="minor"/>
+    </dgm:style>
+  </dgm:styleLbl>
+  <dgm:styleLbl name="parChTrans1D4">
+    <dgm:scene3d>
+      <a:camera prst="orthographicFront"/>
+      <a:lightRig rig="threePt" dir="t"/>
+    </dgm:scene3d>
+    <dgm:sp3d/>
+    <dgm:txPr/>
+    <dgm:style>
+      <a:lnRef idx="2">
+        <a:scrgbClr r="0" g="0" b="0"/>
+      </a:lnRef>
+      <a:fillRef idx="0">
+        <a:scrgbClr r="0" g="0" b="0"/>
+      </a:fillRef>
+      <a:effectRef idx="0">
+        <a:scrgbClr r="0" g="0" b="0"/>
+      </a:effectRef>
+      <a:fontRef idx="minor"/>
+    </dgm:style>
+  </dgm:styleLbl>
+  <dgm:styleLbl name="fgAcc1">
+    <dgm:scene3d>
+      <a:camera prst="orthographicFront"/>
+      <a:lightRig rig="threePt" dir="t"/>
+    </dgm:scene3d>
+    <dgm:sp3d/>
+    <dgm:txPr/>
+    <dgm:style>
+      <a:lnRef idx="2">
+        <a:scrgbClr r="0" g="0" b="0"/>
+      </a:lnRef>
+      <a:fillRef idx="1">
+        <a:scrgbClr r="0" g="0" b="0"/>
+      </a:fillRef>
+      <a:effectRef idx="0">
+        <a:scrgbClr r="0" g="0" b="0"/>
+      </a:effectRef>
+      <a:fontRef idx="minor"/>
+    </dgm:style>
+  </dgm:styleLbl>
+  <dgm:styleLbl name="conFgAcc1">
+    <dgm:scene3d>
+      <a:camera prst="orthographicFront"/>
+      <a:lightRig rig="threePt" dir="t"/>
+    </dgm:scene3d>
+    <dgm:sp3d/>
+    <dgm:txPr/>
+    <dgm:style>
+      <a:lnRef idx="2">
+        <a:scrgbClr r="0" g="0" b="0"/>
+      </a:lnRef>
+      <a:fillRef idx="1">
+        <a:scrgbClr r="0" g="0" b="0"/>
+      </a:fillRef>
+      <a:effectRef idx="0">
+        <a:scrgbClr r="0" g="0" b="0"/>
+      </a:effectRef>
+      <a:fontRef idx="minor"/>
+    </dgm:style>
+  </dgm:styleLbl>
+  <dgm:styleLbl name="alignAcc1">
+    <dgm:scene3d>
+      <a:camera prst="orthographicFront"/>
+      <a:lightRig rig="threePt" dir="t"/>
+    </dgm:scene3d>
+    <dgm:sp3d/>
+    <dgm:txPr/>
+    <dgm:style>
+      <a:lnRef idx="2">
+        <a:scrgbClr r="0" g="0" b="0"/>
+      </a:lnRef>
+      <a:fillRef idx="1">
+        <a:scrgbClr r="0" g="0" b="0"/>
+      </a:fillRef>
+      <a:effectRef idx="0">
+        <a:scrgbClr r="0" g="0" b="0"/>
+      </a:effectRef>
+      <a:fontRef idx="minor"/>
+    </dgm:style>
+  </dgm:styleLbl>
+  <dgm:styleLbl name="trAlignAcc1">
+    <dgm:scene3d>
+      <a:camera prst="orthographicFront"/>
+      <a:lightRig rig="threePt" dir="t"/>
+    </dgm:scene3d>
+    <dgm:sp3d/>
+    <dgm:txPr/>
+    <dgm:style>
+      <a:lnRef idx="1">
+        <a:scrgbClr r="0" g="0" b="0"/>
+      </a:lnRef>
+      <a:fillRef idx="1">
+        <a:scrgbClr r="0" g="0" b="0"/>
+      </a:fillRef>
+      <a:effectRef idx="0">
+        <a:scrgbClr r="0" g="0" b="0"/>
+      </a:effectRef>
+      <a:fontRef idx="minor"/>
+    </dgm:style>
+  </dgm:styleLbl>
+  <dgm:styleLbl name="bgAcc1">
+    <dgm:scene3d>
+      <a:camera prst="orthographicFront"/>
+      <a:lightRig rig="threePt" dir="t"/>
+    </dgm:scene3d>
+    <dgm:sp3d/>
+    <dgm:txPr/>
+    <dgm:style>
+      <a:lnRef idx="2">
+        <a:scrgbClr r="0" g="0" b="0"/>
+      </a:lnRef>
+      <a:fillRef idx="1">
+        <a:scrgbClr r="0" g="0" b="0"/>
+      </a:fillRef>
+      <a:effectRef idx="0">
+        <a:scrgbClr r="0" g="0" b="0"/>
+      </a:effectRef>
+      <a:fontRef idx="minor"/>
+    </dgm:style>
+  </dgm:styleLbl>
+  <dgm:styleLbl name="solidFgAcc1">
+    <dgm:scene3d>
+      <a:camera prst="orthographicFront"/>
+      <a:lightRig rig="threePt" dir="t"/>
+    </dgm:scene3d>
+    <dgm:sp3d/>
+    <dgm:txPr/>
+    <dgm:style>
+      <a:lnRef idx="2">
+        <a:scrgbClr r="0" g="0" b="0"/>
+      </a:lnRef>
+      <a:fillRef idx="1">
+        <a:scrgbClr r="0" g="0" b="0"/>
+      </a:fillRef>
+      <a:effectRef idx="0">
+        <a:scrgbClr r="0" g="0" b="0"/>
+      </a:effectRef>
+      <a:fontRef idx="minor"/>
+    </dgm:style>
+  </dgm:styleLbl>
+  <dgm:styleLbl name="solidAlignAcc1">
+    <dgm:scene3d>
+      <a:camera prst="orthographicFront"/>
+      <a:lightRig rig="threePt" dir="t"/>
+    </dgm:scene3d>
+    <dgm:sp3d/>
+    <dgm:txPr/>
+    <dgm:style>
+      <a:lnRef idx="2">
+        <a:scrgbClr r="0" g="0" b="0"/>
+      </a:lnRef>
+      <a:fillRef idx="1">
+        <a:scrgbClr r="0" g="0" b="0"/>
+      </a:fillRef>
+      <a:effectRef idx="0">
+        <a:scrgbClr r="0" g="0" b="0"/>
+      </a:effectRef>
+      <a:fontRef idx="minor"/>
+    </dgm:style>
+  </dgm:styleLbl>
+  <dgm:styleLbl name="solidBgAcc1">
+    <dgm:scene3d>
+      <a:camera prst="orthographicFront"/>
+      <a:lightRig rig="threePt" dir="t"/>
+    </dgm:scene3d>
+    <dgm:sp3d/>
+    <dgm:txPr/>
+    <dgm:style>
+      <a:lnRef idx="2">
+        <a:scrgbClr r="0" g="0" b="0"/>
+      </a:lnRef>
+      <a:fillRef idx="1">
+        <a:scrgbClr r="0" g="0" b="0"/>
+      </a:fillRef>
+      <a:effectRef idx="0">
+        <a:scrgbClr r="0" g="0" b="0"/>
+      </a:effectRef>
+      <a:fontRef idx="minor"/>
+    </dgm:style>
+  </dgm:styleLbl>
+  <dgm:styleLbl name="fgAccFollowNode1">
+    <dgm:scene3d>
+      <a:camera prst="orthographicFront"/>
+      <a:lightRig rig="threePt" dir="t"/>
+    </dgm:scene3d>
+    <dgm:sp3d/>
+    <dgm:txPr/>
+    <dgm:style>
+      <a:lnRef idx="2">
+        <a:scrgbClr r="0" g="0" b="0"/>
+      </a:lnRef>
+      <a:fillRef idx="1">
+        <a:scrgbClr r="0" g="0" b="0"/>
+      </a:fillRef>
+      <a:effectRef idx="0">
+        <a:scrgbClr r="0" g="0" b="0"/>
+      </a:effectRef>
+      <a:fontRef idx="minor"/>
+    </dgm:style>
+  </dgm:styleLbl>
+  <dgm:styleLbl name="alignAccFollowNode1">
+    <dgm:scene3d>
+      <a:camera prst="orthographicFront"/>
+      <a:lightRig rig="threePt" dir="t"/>
+    </dgm:scene3d>
+    <dgm:sp3d/>
+    <dgm:txPr/>
+    <dgm:style>
+      <a:lnRef idx="2">
+        <a:scrgbClr r="0" g="0" b="0"/>
+      </a:lnRef>
+      <a:fillRef idx="1">
+        <a:scrgbClr r="0" g="0" b="0"/>
+      </a:fillRef>
+      <a:effectRef idx="0">
+        <a:scrgbClr r="0" g="0" b="0"/>
+      </a:effectRef>
+      <a:fontRef idx="minor"/>
+    </dgm:style>
+  </dgm:styleLbl>
+  <dgm:styleLbl name="bgAccFollowNode1">
+    <dgm:scene3d>
+      <a:camera prst="orthographicFront"/>
+      <a:lightRig rig="threePt" dir="t"/>
+    </dgm:scene3d>
+    <dgm:sp3d/>
+    <dgm:txPr/>
+    <dgm:style>
+      <a:lnRef idx="2">
+        <a:scrgbClr r="0" g="0" b="0"/>
+      </a:lnRef>
+      <a:fillRef idx="1">
+        <a:scrgbClr r="0" g="0" b="0"/>
+      </a:fillRef>
+      <a:effectRef idx="0">
+        <a:scrgbClr r="0" g="0" b="0"/>
+      </a:effectRef>
+      <a:fontRef idx="minor"/>
+    </dgm:style>
+  </dgm:styleLbl>
+  <dgm:styleLbl name="fgAcc0">
+    <dgm:scene3d>
+      <a:camera prst="orthographicFront"/>
+      <a:lightRig rig="threePt" dir="t"/>
+    </dgm:scene3d>
+    <dgm:sp3d/>
+    <dgm:txPr/>
+    <dgm:style>
+      <a:lnRef idx="2">
+        <a:scrgbClr r="0" g="0" b="0"/>
+      </a:lnRef>
+      <a:fillRef idx="1">
+        <a:scrgbClr r="0" g="0" b="0"/>
+      </a:fillRef>
+      <a:effectRef idx="0">
+        <a:scrgbClr r="0" g="0" b="0"/>
+      </a:effectRef>
+      <a:fontRef idx="minor"/>
+    </dgm:style>
+  </dgm:styleLbl>
+  <dgm:styleLbl name="fgAcc2">
+    <dgm:scene3d>
+      <a:camera prst="orthographicFront"/>
+      <a:lightRig rig="threePt" dir="t"/>
+    </dgm:scene3d>
+    <dgm:sp3d/>
+    <dgm:txPr/>
+    <dgm:style>
+      <a:lnRef idx="2">
+        <a:scrgbClr r="0" g="0" b="0"/>
+      </a:lnRef>
+      <a:fillRef idx="1">
+        <a:scrgbClr r="0" g="0" b="0"/>
+      </a:fillRef>
+      <a:effectRef idx="0">
+        <a:scrgbClr r="0" g="0" b="0"/>
+      </a:effectRef>
+      <a:fontRef idx="minor"/>
+    </dgm:style>
+  </dgm:styleLbl>
+  <dgm:styleLbl name="fgAcc3">
+    <dgm:scene3d>
+      <a:camera prst="orthographicFront"/>
+      <a:lightRig rig="threePt" dir="t"/>
+    </dgm:scene3d>
+    <dgm:sp3d/>
+    <dgm:txPr/>
+    <dgm:style>
+      <a:lnRef idx="2">
+        <a:scrgbClr r="0" g="0" b="0"/>
+      </a:lnRef>
+      <a:fillRef idx="1">
+        <a:scrgbClr r="0" g="0" b="0"/>
+      </a:fillRef>
+      <a:effectRef idx="0">
+        <a:scrgbClr r="0" g="0" b="0"/>
+      </a:effectRef>
+      <a:fontRef idx="minor"/>
+    </dgm:style>
+  </dgm:styleLbl>
+  <dgm:styleLbl name="fgAcc4">
+    <dgm:scene3d>
+      <a:camera prst="orthographicFront"/>
+      <a:lightRig rig="threePt" dir="t"/>
+    </dgm:scene3d>
+    <dgm:sp3d/>
+    <dgm:txPr/>
+    <dgm:style>
+      <a:lnRef idx="2">
+        <a:scrgbClr r="0" g="0" b="0"/>
+      </a:lnRef>
+      <a:fillRef idx="1">
+        <a:scrgbClr r="0" g="0" b="0"/>
+      </a:fillRef>
+      <a:effectRef idx="0">
+        <a:scrgbClr r="0" g="0" b="0"/>
+      </a:effectRef>
+      <a:fontRef idx="minor"/>
+    </dgm:style>
+  </dgm:styleLbl>
+  <dgm:styleLbl name="bgShp">
+    <dgm:scene3d>
+      <a:camera prst="orthographicFront"/>
+      <a:lightRig rig="threePt" dir="t"/>
+    </dgm:scene3d>
+    <dgm:sp3d/>
+    <dgm:txPr/>
+    <dgm:style>
+      <a:lnRef idx="0">
+        <a:scrgbClr r="0" g="0" b="0"/>
+      </a:lnRef>
+      <a:fillRef idx="1">
+        <a:scrgbClr r="0" g="0" b="0"/>
+      </a:fillRef>
+      <a:effectRef idx="0">
+        <a:scrgbClr r="0" g="0" b="0"/>
+      </a:effectRef>
+      <a:fontRef idx="minor"/>
+    </dgm:style>
+  </dgm:styleLbl>
+  <dgm:styleLbl name="dkBgShp">
+    <dgm:scene3d>
+      <a:camera prst="orthographicFront"/>
+      <a:lightRig rig="threePt" dir="t"/>
+    </dgm:scene3d>
+    <dgm:sp3d/>
+    <dgm:txPr/>
+    <dgm:style>
+      <a:lnRef idx="0">
+        <a:scrgbClr r="0" g="0" b="0"/>
+      </a:lnRef>
+      <a:fillRef idx="1">
+        <a:scrgbClr r="0" g="0" b="0"/>
+      </a:fillRef>
+      <a:effectRef idx="0">
+        <a:scrgbClr r="0" g="0" b="0"/>
+      </a:effectRef>
+      <a:fontRef idx="minor"/>
+    </dgm:style>
+  </dgm:styleLbl>
+  <dgm:styleLbl name="trBgShp">
+    <dgm:scene3d>
+      <a:camera prst="orthographicFront"/>
+      <a:lightRig rig="threePt" dir="t"/>
+    </dgm:scene3d>
+    <dgm:sp3d/>
+    <dgm:txPr/>
+    <dgm:style>
+      <a:lnRef idx="0">
+        <a:scrgbClr r="0" g="0" b="0"/>
+      </a:lnRef>
+      <a:fillRef idx="1">
+        <a:scrgbClr r="0" g="0" b="0"/>
+      </a:fillRef>
+      <a:effectRef idx="0">
+        <a:scrgbClr r="0" g="0" b="0"/>
+      </a:effectRef>
+      <a:fontRef idx="minor"/>
+    </dgm:style>
+  </dgm:styleLbl>
+  <dgm:styleLbl name="fgShp">
+    <dgm:scene3d>
+      <a:camera prst="orthographicFront"/>
+      <a:lightRig rig="threePt" dir="t"/>
+    </dgm:scene3d>
+    <dgm:sp3d/>
+    <dgm:txPr/>
+    <dgm:style>
+      <a:lnRef idx="2">
+        <a:scrgbClr r="0" g="0" b="0"/>
+      </a:lnRef>
+      <a:fillRef idx="1">
+        <a:scrgbClr r="0" g="0" b="0"/>
+      </a:fillRef>
+      <a:effectRef idx="0">
+        <a:scrgbClr r="0" g="0" b="0"/>
+      </a:effectRef>
+      <a:fontRef idx="minor"/>
+    </dgm:style>
+  </dgm:styleLbl>
+  <dgm:styleLbl name="revTx">
+    <dgm:scene3d>
+      <a:camera prst="orthographicFront"/>
+      <a:lightRig rig="threePt" dir="t"/>
+    </dgm:scene3d>
+    <dgm:sp3d/>
+    <dgm:txPr/>
+    <dgm:style>
+      <a:lnRef idx="0">
+        <a:scrgbClr r="0" g="0" b="0"/>
+      </a:lnRef>
+      <a:fillRef idx="0">
+        <a:scrgbClr r="0" g="0" b="0"/>
+      </a:fillRef>
+      <a:effectRef idx="0">
+        <a:scrgbClr r="0" g="0" b="0"/>
+      </a:effectRef>
+      <a:fontRef idx="minor"/>
+    </dgm:style>
+  </dgm:styleLbl>
+</dgm:styleDef>
+</file>
+
 <file path=ppt/notesMasters/notesMaster1.xml><?xml version="1.0" encoding="utf-8"?>
 <p:notesMaster xmlns:a="http://schemas.openxmlformats.org/drawingml/2006/main" xmlns:r="http://schemas.openxmlformats.org/officeDocument/2006/relationships" xmlns:p="http://schemas.openxmlformats.org/presentationml/2006/main">
   <p:cSld>
@@ -222,7 +2885,7 @@
           <a:p>
             <a:fld id="{92DBC77A-631B-4825-961B-5487F8D6C50C}" type="datetimeFigureOut">
               <a:rPr lang="ko-KR" altLang="en-US" smtClean="0"/>
-              <a:t>2022-04-19</a:t>
+              <a:t>2022-04-20</a:t>
             </a:fld>
             <a:endParaRPr lang="ko-KR" altLang="en-US" dirty="0"/>
           </a:p>
@@ -1305,7 +3968,7 @@
             <a:fld id="{52EA8240-A5CC-4C55-A761-22CE61EA312A}" type="datetimeFigureOut">
               <a:rPr lang="ko-KR" altLang="en-US" smtClean="0"/>
               <a:pPr/>
-              <a:t>2022-04-19</a:t>
+              <a:t>2022-04-20</a:t>
             </a:fld>
             <a:endParaRPr lang="ko-KR" altLang="en-US" dirty="0"/>
           </a:p>
@@ -1490,7 +4153,7 @@
           <a:p>
             <a:fld id="{52EA8240-A5CC-4C55-A761-22CE61EA312A}" type="datetimeFigureOut">
               <a:rPr lang="ko-KR" altLang="en-US" smtClean="0"/>
-              <a:t>2022-04-19</a:t>
+              <a:t>2022-04-20</a:t>
             </a:fld>
             <a:endParaRPr lang="ko-KR" altLang="en-US" dirty="0"/>
           </a:p>
@@ -1670,7 +4333,7 @@
           <a:p>
             <a:fld id="{52EA8240-A5CC-4C55-A761-22CE61EA312A}" type="datetimeFigureOut">
               <a:rPr lang="ko-KR" altLang="en-US" smtClean="0"/>
-              <a:t>2022-04-19</a:t>
+              <a:t>2022-04-20</a:t>
             </a:fld>
             <a:endParaRPr lang="ko-KR" altLang="en-US" dirty="0"/>
           </a:p>
@@ -1907,7 +4570,7 @@
             <a:fld id="{52EA8240-A5CC-4C55-A761-22CE61EA312A}" type="datetimeFigureOut">
               <a:rPr lang="ko-KR" altLang="en-US" smtClean="0"/>
               <a:pPr/>
-              <a:t>2022-04-19</a:t>
+              <a:t>2022-04-20</a:t>
             </a:fld>
             <a:endParaRPr lang="ko-KR" altLang="en-US" dirty="0"/>
           </a:p>
@@ -2172,7 +4835,7 @@
           <a:p>
             <a:fld id="{52EA8240-A5CC-4C55-A761-22CE61EA312A}" type="datetimeFigureOut">
               <a:rPr lang="ko-KR" altLang="en-US" smtClean="0"/>
-              <a:t>2022-04-19</a:t>
+              <a:t>2022-04-20</a:t>
             </a:fld>
             <a:endParaRPr lang="ko-KR" altLang="en-US" dirty="0"/>
           </a:p>
@@ -2404,7 +5067,7 @@
           <a:p>
             <a:fld id="{52EA8240-A5CC-4C55-A761-22CE61EA312A}" type="datetimeFigureOut">
               <a:rPr lang="ko-KR" altLang="en-US" smtClean="0"/>
-              <a:t>2022-04-19</a:t>
+              <a:t>2022-04-20</a:t>
             </a:fld>
             <a:endParaRPr lang="ko-KR" altLang="en-US" dirty="0"/>
           </a:p>
@@ -2771,7 +5434,7 @@
           <a:p>
             <a:fld id="{52EA8240-A5CC-4C55-A761-22CE61EA312A}" type="datetimeFigureOut">
               <a:rPr lang="ko-KR" altLang="en-US" smtClean="0"/>
-              <a:t>2022-04-19</a:t>
+              <a:t>2022-04-20</a:t>
             </a:fld>
             <a:endParaRPr lang="ko-KR" altLang="en-US" dirty="0"/>
           </a:p>
@@ -2889,7 +5552,7 @@
           <a:p>
             <a:fld id="{52EA8240-A5CC-4C55-A761-22CE61EA312A}" type="datetimeFigureOut">
               <a:rPr lang="ko-KR" altLang="en-US" smtClean="0"/>
-              <a:t>2022-04-19</a:t>
+              <a:t>2022-04-20</a:t>
             </a:fld>
             <a:endParaRPr lang="ko-KR" altLang="en-US" dirty="0"/>
           </a:p>
@@ -2984,7 +5647,7 @@
           <a:p>
             <a:fld id="{52EA8240-A5CC-4C55-A761-22CE61EA312A}" type="datetimeFigureOut">
               <a:rPr lang="ko-KR" altLang="en-US" smtClean="0"/>
-              <a:t>2022-04-19</a:t>
+              <a:t>2022-04-20</a:t>
             </a:fld>
             <a:endParaRPr lang="ko-KR" altLang="en-US" dirty="0"/>
           </a:p>
@@ -3261,7 +5924,7 @@
           <a:p>
             <a:fld id="{52EA8240-A5CC-4C55-A761-22CE61EA312A}" type="datetimeFigureOut">
               <a:rPr lang="ko-KR" altLang="en-US" smtClean="0"/>
-              <a:t>2022-04-19</a:t>
+              <a:t>2022-04-20</a:t>
             </a:fld>
             <a:endParaRPr lang="ko-KR" altLang="en-US" dirty="0"/>
           </a:p>
@@ -3518,7 +6181,7 @@
           <a:p>
             <a:fld id="{52EA8240-A5CC-4C55-A761-22CE61EA312A}" type="datetimeFigureOut">
               <a:rPr lang="ko-KR" altLang="en-US" smtClean="0"/>
-              <a:t>2022-04-19</a:t>
+              <a:t>2022-04-20</a:t>
             </a:fld>
             <a:endParaRPr lang="ko-KR" altLang="en-US" dirty="0"/>
           </a:p>
@@ -3734,7 +6397,7 @@
           <a:p>
             <a:fld id="{52EA8240-A5CC-4C55-A761-22CE61EA312A}" type="datetimeFigureOut">
               <a:rPr lang="ko-KR" altLang="en-US" smtClean="0"/>
-              <a:t>2022-04-19</a:t>
+              <a:t>2022-04-20</a:t>
             </a:fld>
             <a:endParaRPr lang="ko-KR" altLang="en-US" dirty="0"/>
           </a:p>
@@ -15746,13 +18409,13 @@
               </a:ext>
             </a:extLst>
           </a:blip>
-          <a:srcRect l="46262" t="26874" r="8410"/>
+          <a:srcRect l="46262" t="26874" r="12724" b="19459"/>
           <a:stretch/>
         </p:blipFill>
         <p:spPr bwMode="auto">
           <a:xfrm flipH="1">
-            <a:off x="0" y="2190673"/>
-            <a:ext cx="3695700" cy="3915705"/>
+            <a:off x="316522" y="2202397"/>
+            <a:ext cx="3344008" cy="2873696"/>
           </a:xfrm>
           <a:prstGeom prst="rect">
             <a:avLst/>
@@ -15883,7 +18546,7 @@
         </p:nvSpPr>
         <p:spPr>
           <a:xfrm>
-            <a:off x="4030579" y="1605898"/>
+            <a:off x="4030579" y="1304164"/>
             <a:ext cx="4557561" cy="1914627"/>
           </a:xfrm>
           <a:prstGeom prst="rect">
@@ -15927,7 +18590,7 @@
                 <a:latin typeface="sn별별정직" panose="02000500000000000000" pitchFamily="2" charset="0"/>
                 <a:ea typeface="sn별별정직" panose="02000500000000000000" pitchFamily="2" charset="0"/>
               </a:rPr>
-              <a:t>1~5 : HTTP/HTTPS</a:t>
+              <a:t>3~8 : HTTP/HTTPS</a:t>
             </a:r>
           </a:p>
           <a:p>
@@ -15946,7 +18609,7 @@
                 <a:latin typeface="sn별별정직" panose="02000500000000000000" pitchFamily="2" charset="0"/>
                 <a:ea typeface="sn별별정직" panose="02000500000000000000" pitchFamily="2" charset="0"/>
               </a:rPr>
-              <a:t>6~ : Web Browser</a:t>
+              <a:t>9~13 : Web Browser</a:t>
             </a:r>
           </a:p>
           <a:p>
@@ -15965,7 +18628,7 @@
                 <a:latin typeface="sn별별정직" panose="02000500000000000000" pitchFamily="2" charset="0"/>
                 <a:ea typeface="sn별별정직" panose="02000500000000000000" pitchFamily="2" charset="0"/>
               </a:rPr>
-              <a:t>DevTools</a:t>
+              <a:t>14~19 :DevTools</a:t>
             </a:r>
             <a:endParaRPr lang="ko-KR" altLang="en-US" sz="2400" dirty="0">
               <a:solidFill>
@@ -15993,8 +18656,8 @@
         </p:nvSpPr>
         <p:spPr>
           <a:xfrm>
-            <a:off x="4030579" y="3743998"/>
-            <a:ext cx="4557561" cy="1452962"/>
+            <a:off x="4030579" y="3295734"/>
+            <a:ext cx="4557561" cy="1914627"/>
           </a:xfrm>
           <a:prstGeom prst="rect">
             <a:avLst/>
@@ -16035,7 +18698,7 @@
                 <a:latin typeface="sn별별정직" panose="02000500000000000000" pitchFamily="2" charset="0"/>
                 <a:ea typeface="sn별별정직" panose="02000500000000000000" pitchFamily="2" charset="0"/>
               </a:rPr>
-              <a:t>: Cookie</a:t>
+              <a:t>20~22 : Cookie</a:t>
             </a:r>
           </a:p>
           <a:p>
@@ -16054,7 +18717,26 @@
                 <a:latin typeface="sn별별정직" panose="02000500000000000000" pitchFamily="2" charset="0"/>
                 <a:ea typeface="sn별별정직" panose="02000500000000000000" pitchFamily="2" charset="0"/>
               </a:rPr>
-              <a:t>Session</a:t>
+              <a:t>23~24 : Session</a:t>
+            </a:r>
+          </a:p>
+          <a:p>
+            <a:pPr algn="r">
+              <a:lnSpc>
+                <a:spcPct val="150000"/>
+              </a:lnSpc>
+            </a:pPr>
+            <a:r>
+              <a:rPr lang="en-US" altLang="ko-KR" sz="2000" dirty="0">
+                <a:solidFill>
+                  <a:schemeClr val="bg1">
+                    <a:lumMod val="65000"/>
+                  </a:schemeClr>
+                </a:solidFill>
+                <a:latin typeface="sn별별정직" panose="02000500000000000000" pitchFamily="2" charset="0"/>
+                <a:ea typeface="sn별별정직" panose="02000500000000000000" pitchFamily="2" charset="0"/>
+              </a:rPr>
+              <a:t>25~29 : SOP</a:t>
             </a:r>
             <a:endParaRPr lang="ko-KR" altLang="en-US" sz="2000" dirty="0">
               <a:solidFill>
@@ -16096,6 +18778,85 @@
               </a:rPr>
               <a:t>목차</a:t>
             </a:r>
+          </a:p>
+        </p:txBody>
+      </p:sp>
+      <p:sp>
+        <p:nvSpPr>
+          <p:cNvPr id="9" name="TextBox 8">
+            <a:extLst>
+              <a:ext uri="{FF2B5EF4-FFF2-40B4-BE49-F238E27FC236}">
+                <a16:creationId xmlns:a16="http://schemas.microsoft.com/office/drawing/2014/main" id="{8E33FEB7-5A42-44D0-BFC4-6A8A22159E9E}"/>
+              </a:ext>
+            </a:extLst>
+          </p:cNvPr>
+          <p:cNvSpPr txBox="1"/>
+          <p:nvPr/>
+        </p:nvSpPr>
+        <p:spPr>
+          <a:xfrm>
+            <a:off x="4030578" y="5287305"/>
+            <a:ext cx="4557561" cy="991297"/>
+          </a:xfrm>
+          <a:prstGeom prst="rect">
+            <a:avLst/>
+          </a:prstGeom>
+          <a:noFill/>
+        </p:spPr>
+        <p:txBody>
+          <a:bodyPr wrap="square" rtlCol="0">
+            <a:spAutoFit/>
+          </a:bodyPr>
+          <a:lstStyle/>
+          <a:p>
+            <a:pPr algn="r"/>
+            <a:r>
+              <a:rPr lang="en-US" altLang="ko-KR" sz="3200" dirty="0">
+                <a:solidFill>
+                  <a:schemeClr val="bg1"/>
+                </a:solidFill>
+                <a:latin typeface="sn별별정직" panose="02000500000000000000" pitchFamily="2" charset="0"/>
+                <a:ea typeface="sn별별정직" panose="02000500000000000000" pitchFamily="2" charset="0"/>
+              </a:rPr>
+              <a:t>3. Q &amp;A</a:t>
+            </a:r>
+            <a:endParaRPr lang="en-US" altLang="ko-KR" sz="2000" dirty="0">
+              <a:solidFill>
+                <a:schemeClr val="bg1">
+                  <a:lumMod val="65000"/>
+                </a:schemeClr>
+              </a:solidFill>
+              <a:latin typeface="sn별별정직" panose="02000500000000000000" pitchFamily="2" charset="0"/>
+              <a:ea typeface="sn별별정직" panose="02000500000000000000" pitchFamily="2" charset="0"/>
+            </a:endParaRPr>
+          </a:p>
+          <a:p>
+            <a:pPr algn="r">
+              <a:lnSpc>
+                <a:spcPct val="150000"/>
+              </a:lnSpc>
+            </a:pPr>
+            <a:r>
+              <a:rPr lang="en-US" altLang="ko-KR" sz="2000" dirty="0">
+                <a:solidFill>
+                  <a:schemeClr val="bg1">
+                    <a:lumMod val="65000"/>
+                  </a:schemeClr>
+                </a:solidFill>
+                <a:latin typeface="sn별별정직" panose="02000500000000000000" pitchFamily="2" charset="0"/>
+                <a:ea typeface="sn별별정직" panose="02000500000000000000" pitchFamily="2" charset="0"/>
+              </a:rPr>
+              <a:t>30 : Q &amp;A</a:t>
+            </a:r>
+            <a:endParaRPr lang="ko-KR" altLang="en-US" sz="2000" dirty="0">
+              <a:solidFill>
+                <a:schemeClr val="bg1">
+                  <a:lumMod val="65000"/>
+                </a:schemeClr>
+              </a:solidFill>
+              <a:latin typeface="sn별별정직" panose="02000500000000000000" pitchFamily="2" charset="0"/>
+              <a:ea typeface="sn별별정직" panose="02000500000000000000" pitchFamily="2" charset="0"/>
+            </a:endParaRPr>
           </a:p>
         </p:txBody>
       </p:sp>
@@ -16258,7 +19019,7 @@
           <a:lstStyle/>
           <a:p>
             <a:r>
-              <a:rPr lang="en-US" altLang="ko-KR"/>
+              <a:rPr lang="en-US" altLang="ko-KR" dirty="0"/>
               <a:t>Cookies &amp; Session</a:t>
             </a:r>
             <a:endParaRPr lang="ko-KR" altLang="en-US" dirty="0"/>
@@ -18247,7 +21008,7 @@
           <a:lstStyle/>
           <a:p>
             <a:r>
-              <a:rPr lang="en-US" altLang="ko-KR"/>
+              <a:rPr lang="en-US" altLang="ko-KR" dirty="0"/>
               <a:t>Cookies &amp; Session</a:t>
             </a:r>
             <a:endParaRPr lang="ko-KR" altLang="en-US" dirty="0"/>
@@ -19273,7 +22034,7 @@
           <a:lstStyle/>
           <a:p>
             <a:r>
-              <a:rPr lang="en-US" altLang="ko-KR"/>
+              <a:rPr lang="en-US" altLang="ko-KR" dirty="0"/>
               <a:t>Cookies &amp; Session</a:t>
             </a:r>
             <a:endParaRPr lang="ko-KR" altLang="en-US" dirty="0"/>
@@ -20340,7 +23101,7 @@
         </p:nvSpPr>
         <p:spPr>
           <a:xfrm>
-            <a:off x="210874" y="3104238"/>
+            <a:off x="210873" y="3068686"/>
             <a:ext cx="2270743" cy="461665"/>
           </a:xfrm>
           <a:prstGeom prst="rect">
@@ -20727,7 +23488,7 @@
           <a:lstStyle/>
           <a:p>
             <a:r>
-              <a:rPr lang="en-US" altLang="ko-KR"/>
+              <a:rPr lang="en-US" altLang="ko-KR" dirty="0"/>
               <a:t>Cookies &amp; Session</a:t>
             </a:r>
             <a:endParaRPr lang="ko-KR" altLang="en-US" dirty="0"/>
@@ -22296,7 +25057,7 @@
           <a:lstStyle/>
           <a:p>
             <a:r>
-              <a:rPr lang="en-US" altLang="ko-KR"/>
+              <a:rPr lang="en-US" altLang="ko-KR" dirty="0"/>
               <a:t>Cookies &amp; Session</a:t>
             </a:r>
             <a:endParaRPr lang="ko-KR" altLang="en-US" dirty="0"/>
@@ -22335,10 +25096,10 @@
       </p:grpSpPr>
       <p:pic>
         <p:nvPicPr>
-          <p:cNvPr id="7" name="그림 6">
+          <p:cNvPr id="3" name="그림 2">
             <a:extLst>
               <a:ext uri="{FF2B5EF4-FFF2-40B4-BE49-F238E27FC236}">
-                <a16:creationId xmlns:a16="http://schemas.microsoft.com/office/drawing/2014/main" id="{19D111BC-D670-4C86-9810-DD8F861D66FA}"/>
+                <a16:creationId xmlns:a16="http://schemas.microsoft.com/office/drawing/2014/main" id="{A3F18ADE-4624-48D2-AB02-02A5CE796E90}"/>
               </a:ext>
             </a:extLst>
           </p:cNvPr>
@@ -22368,8 +25129,8 @@
         </p:blipFill>
         <p:spPr>
           <a:xfrm>
-            <a:off x="2465876" y="1172480"/>
-            <a:ext cx="4212248" cy="4212248"/>
+            <a:off x="2133905" y="990905"/>
+            <a:ext cx="4876190" cy="4876190"/>
           </a:xfrm>
           <a:prstGeom prst="rect">
             <a:avLst/>
@@ -22508,7 +25269,36 @@
           <a:lstStyle/>
           <a:p>
             <a:pPr algn="ctr"/>
-            <a:endParaRPr lang="ko-KR" altLang="en-US"/>
+            <a:endParaRPr lang="ko-KR" altLang="en-US" dirty="0"/>
+          </a:p>
+        </p:txBody>
+      </p:sp>
+      <p:sp>
+        <p:nvSpPr>
+          <p:cNvPr id="6" name="바닥글 개체 틀 5">
+            <a:extLst>
+              <a:ext uri="{FF2B5EF4-FFF2-40B4-BE49-F238E27FC236}">
+                <a16:creationId xmlns:a16="http://schemas.microsoft.com/office/drawing/2014/main" id="{289F26D2-EE7B-4CF5-A666-393556A2ED40}"/>
+              </a:ext>
+            </a:extLst>
+          </p:cNvPr>
+          <p:cNvSpPr>
+            <a:spLocks noGrp="1"/>
+          </p:cNvSpPr>
+          <p:nvPr>
+            <p:ph type="ftr" sz="quarter" idx="11"/>
+          </p:nvPr>
+        </p:nvSpPr>
+        <p:spPr/>
+        <p:txBody>
+          <a:bodyPr/>
+          <a:lstStyle/>
+          <a:p>
+            <a:r>
+              <a:rPr lang="en-US" altLang="ko-KR"/>
+              <a:t>SOP ; Same Origin Policy</a:t>
+            </a:r>
+            <a:endParaRPr lang="ko-KR" altLang="en-US" dirty="0"/>
           </a:p>
         </p:txBody>
       </p:sp>
@@ -22773,7 +25563,7 @@
                 <a:lstStyle/>
                 <a:p>
                   <a:pPr algn="ctr"/>
-                  <a:endParaRPr lang="ko-KR" altLang="en-US"/>
+                  <a:endParaRPr lang="ko-KR" altLang="en-US" dirty="0"/>
                 </a:p>
               </p:txBody>
             </p:sp>
@@ -22982,6 +25772,7 @@
             </a:extLst>
           </p:cNvPr>
           <p:cNvCxnSpPr>
+            <a:cxnSpLocks/>
             <a:stCxn id="15" idx="0"/>
             <a:endCxn id="6" idx="2"/>
           </p:cNvCxnSpPr>
@@ -23056,10 +25847,4932 @@
           </a:p>
         </p:txBody>
       </p:sp>
+      <p:grpSp>
+        <p:nvGrpSpPr>
+          <p:cNvPr id="17" name="그룹 16">
+            <a:extLst>
+              <a:ext uri="{FF2B5EF4-FFF2-40B4-BE49-F238E27FC236}">
+                <a16:creationId xmlns:a16="http://schemas.microsoft.com/office/drawing/2014/main" id="{6354C993-EC35-46A7-9B88-DC1670054627}"/>
+              </a:ext>
+            </a:extLst>
+          </p:cNvPr>
+          <p:cNvGrpSpPr/>
+          <p:nvPr/>
+        </p:nvGrpSpPr>
+        <p:grpSpPr>
+          <a:xfrm>
+            <a:off x="7244857" y="1690689"/>
+            <a:ext cx="1899143" cy="1874149"/>
+            <a:chOff x="1150834" y="1653395"/>
+            <a:chExt cx="1899143" cy="1874149"/>
+          </a:xfrm>
+        </p:grpSpPr>
+        <p:grpSp>
+          <p:nvGrpSpPr>
+            <p:cNvPr id="18" name="그룹 17">
+              <a:extLst>
+                <a:ext uri="{FF2B5EF4-FFF2-40B4-BE49-F238E27FC236}">
+                  <a16:creationId xmlns:a16="http://schemas.microsoft.com/office/drawing/2014/main" id="{EA756BAC-B19F-4176-A2A9-99CBA08BF7EB}"/>
+                </a:ext>
+              </a:extLst>
+            </p:cNvPr>
+            <p:cNvGrpSpPr/>
+            <p:nvPr/>
+          </p:nvGrpSpPr>
+          <p:grpSpPr>
+            <a:xfrm>
+              <a:off x="1150834" y="1653395"/>
+              <a:ext cx="1899143" cy="1874149"/>
+              <a:chOff x="763975" y="1653395"/>
+              <a:chExt cx="2828764" cy="1874149"/>
+            </a:xfrm>
+          </p:grpSpPr>
+          <p:grpSp>
+            <p:nvGrpSpPr>
+              <p:cNvPr id="20" name="그룹 19">
+                <a:extLst>
+                  <a:ext uri="{FF2B5EF4-FFF2-40B4-BE49-F238E27FC236}">
+                    <a16:creationId xmlns:a16="http://schemas.microsoft.com/office/drawing/2014/main" id="{6E8C2741-055D-442D-86C0-63EAC53F870D}"/>
+                  </a:ext>
+                </a:extLst>
+              </p:cNvPr>
+              <p:cNvGrpSpPr/>
+              <p:nvPr/>
+            </p:nvGrpSpPr>
+            <p:grpSpPr>
+              <a:xfrm>
+                <a:off x="763975" y="1690689"/>
+                <a:ext cx="2354361" cy="1467523"/>
+                <a:chOff x="740531" y="1966911"/>
+                <a:chExt cx="2893623" cy="2136166"/>
+              </a:xfrm>
+            </p:grpSpPr>
+            <p:sp>
+              <p:nvSpPr>
+                <p:cNvPr id="22" name="사각형: 둥근 모서리 21">
+                  <a:extLst>
+                    <a:ext uri="{FF2B5EF4-FFF2-40B4-BE49-F238E27FC236}">
+                      <a16:creationId xmlns:a16="http://schemas.microsoft.com/office/drawing/2014/main" id="{544E58F6-D29A-4752-8990-7588F0F5E72F}"/>
+                    </a:ext>
+                  </a:extLst>
+                </p:cNvPr>
+                <p:cNvSpPr/>
+                <p:nvPr/>
+              </p:nvSpPr>
+              <p:spPr>
+                <a:xfrm>
+                  <a:off x="740531" y="1966911"/>
+                  <a:ext cx="2893623" cy="2136166"/>
+                </a:xfrm>
+                <a:prstGeom prst="roundRect">
+                  <a:avLst>
+                    <a:gd name="adj" fmla="val 6141"/>
+                  </a:avLst>
+                </a:prstGeom>
+                <a:solidFill>
+                  <a:schemeClr val="tx1"/>
+                </a:solidFill>
+                <a:ln>
+                  <a:solidFill>
+                    <a:schemeClr val="bg1">
+                      <a:lumMod val="75000"/>
+                    </a:schemeClr>
+                  </a:solidFill>
+                </a:ln>
+              </p:spPr>
+              <p:style>
+                <a:lnRef idx="2">
+                  <a:schemeClr val="accent1">
+                    <a:shade val="50000"/>
+                  </a:schemeClr>
+                </a:lnRef>
+                <a:fillRef idx="1">
+                  <a:schemeClr val="accent1"/>
+                </a:fillRef>
+                <a:effectRef idx="0">
+                  <a:schemeClr val="accent1"/>
+                </a:effectRef>
+                <a:fontRef idx="minor">
+                  <a:schemeClr val="lt1"/>
+                </a:fontRef>
+              </p:style>
+              <p:txBody>
+                <a:bodyPr rtlCol="0" anchor="ctr"/>
+                <a:lstStyle/>
+                <a:p>
+                  <a:pPr algn="ctr"/>
+                  <a:endParaRPr lang="ko-KR" altLang="en-US" dirty="0"/>
+                </a:p>
+              </p:txBody>
+            </p:sp>
+            <p:cxnSp>
+              <p:nvCxnSpPr>
+                <p:cNvPr id="23" name="직선 연결선 22">
+                  <a:extLst>
+                    <a:ext uri="{FF2B5EF4-FFF2-40B4-BE49-F238E27FC236}">
+                      <a16:creationId xmlns:a16="http://schemas.microsoft.com/office/drawing/2014/main" id="{A0D9A37D-DBA4-445C-958C-83A590A54750}"/>
+                    </a:ext>
+                  </a:extLst>
+                </p:cNvPr>
+                <p:cNvCxnSpPr>
+                  <a:cxnSpLocks/>
+                </p:cNvCxnSpPr>
+                <p:nvPr/>
+              </p:nvCxnSpPr>
+              <p:spPr>
+                <a:xfrm>
+                  <a:off x="740531" y="2853442"/>
+                  <a:ext cx="2893623" cy="0"/>
+                </a:xfrm>
+                <a:prstGeom prst="line">
+                  <a:avLst/>
+                </a:prstGeom>
+                <a:ln>
+                  <a:solidFill>
+                    <a:schemeClr val="bg1">
+                      <a:lumMod val="75000"/>
+                    </a:schemeClr>
+                  </a:solidFill>
+                </a:ln>
+              </p:spPr>
+              <p:style>
+                <a:lnRef idx="1">
+                  <a:schemeClr val="accent1"/>
+                </a:lnRef>
+                <a:fillRef idx="0">
+                  <a:schemeClr val="accent1"/>
+                </a:fillRef>
+                <a:effectRef idx="0">
+                  <a:schemeClr val="accent1"/>
+                </a:effectRef>
+                <a:fontRef idx="minor">
+                  <a:schemeClr val="tx1"/>
+                </a:fontRef>
+              </p:style>
+            </p:cxnSp>
+          </p:grpSp>
+          <p:sp>
+            <p:nvSpPr>
+              <p:cNvPr id="21" name="TextBox 20">
+                <a:extLst>
+                  <a:ext uri="{FF2B5EF4-FFF2-40B4-BE49-F238E27FC236}">
+                    <a16:creationId xmlns:a16="http://schemas.microsoft.com/office/drawing/2014/main" id="{99A7840B-82A9-4C49-A5CF-E6071F1E8DCE}"/>
+                  </a:ext>
+                </a:extLst>
+              </p:cNvPr>
+              <p:cNvSpPr txBox="1"/>
+              <p:nvPr/>
+            </p:nvSpPr>
+            <p:spPr>
+              <a:xfrm>
+                <a:off x="1085371" y="1653395"/>
+                <a:ext cx="1711570" cy="646331"/>
+              </a:xfrm>
+              <a:prstGeom prst="rect">
+                <a:avLst/>
+              </a:prstGeom>
+              <a:noFill/>
+            </p:spPr>
+            <p:txBody>
+              <a:bodyPr wrap="square" rtlCol="0">
+                <a:spAutoFit/>
+              </a:bodyPr>
+              <a:lstStyle/>
+              <a:p>
+                <a:pPr algn="ctr"/>
+                <a:r>
+                  <a:rPr lang="en-US" altLang="ko-KR" dirty="0">
+                    <a:solidFill>
+                      <a:schemeClr val="bg1"/>
+                    </a:solidFill>
+                    <a:latin typeface="sn별별정직" panose="02000500000000000000" pitchFamily="2" charset="0"/>
+                    <a:ea typeface="sn별별정직" panose="02000500000000000000" pitchFamily="2" charset="0"/>
+                  </a:rPr>
+                  <a:t>Another Browser</a:t>
+                </a:r>
+                <a:endParaRPr lang="ko-KR" altLang="en-US" dirty="0">
+                  <a:solidFill>
+                    <a:schemeClr val="bg1"/>
+                  </a:solidFill>
+                  <a:latin typeface="sn별별정직" panose="02000500000000000000" pitchFamily="2" charset="0"/>
+                  <a:ea typeface="sn별별정직" panose="02000500000000000000" pitchFamily="2" charset="0"/>
+                </a:endParaRPr>
+              </a:p>
+            </p:txBody>
+          </p:sp>
+          <p:sp>
+            <p:nvSpPr>
+              <p:cNvPr id="30" name="TextBox 29">
+                <a:extLst>
+                  <a:ext uri="{FF2B5EF4-FFF2-40B4-BE49-F238E27FC236}">
+                    <a16:creationId xmlns:a16="http://schemas.microsoft.com/office/drawing/2014/main" id="{1ECBB43E-24CB-4FC8-AB5B-CF84C6A54990}"/>
+                  </a:ext>
+                </a:extLst>
+              </p:cNvPr>
+              <p:cNvSpPr txBox="1"/>
+              <p:nvPr/>
+            </p:nvSpPr>
+            <p:spPr>
+              <a:xfrm>
+                <a:off x="1044821" y="3158212"/>
+                <a:ext cx="2547918" cy="369332"/>
+              </a:xfrm>
+              <a:prstGeom prst="rect">
+                <a:avLst/>
+              </a:prstGeom>
+              <a:noFill/>
+            </p:spPr>
+            <p:txBody>
+              <a:bodyPr wrap="square" rtlCol="0">
+                <a:spAutoFit/>
+              </a:bodyPr>
+              <a:lstStyle/>
+              <a:p>
+                <a:pPr algn="ctr"/>
+                <a:r>
+                  <a:rPr lang="en-US" altLang="ko-KR" dirty="0">
+                    <a:solidFill>
+                      <a:schemeClr val="bg1"/>
+                    </a:solidFill>
+                    <a:latin typeface="sn별별정직" panose="02000500000000000000" pitchFamily="2" charset="0"/>
+                    <a:ea typeface="sn별별정직" panose="02000500000000000000" pitchFamily="2" charset="0"/>
+                  </a:rPr>
+                  <a:t>Same Cookie</a:t>
+                </a:r>
+                <a:endParaRPr lang="ko-KR" altLang="en-US" dirty="0">
+                  <a:solidFill>
+                    <a:schemeClr val="bg1"/>
+                  </a:solidFill>
+                  <a:latin typeface="sn별별정직" panose="02000500000000000000" pitchFamily="2" charset="0"/>
+                  <a:ea typeface="sn별별정직" panose="02000500000000000000" pitchFamily="2" charset="0"/>
+                </a:endParaRPr>
+              </a:p>
+            </p:txBody>
+          </p:sp>
+        </p:grpSp>
+        <p:pic>
+          <p:nvPicPr>
+            <p:cNvPr id="19" name="그림 18">
+              <a:extLst>
+                <a:ext uri="{FF2B5EF4-FFF2-40B4-BE49-F238E27FC236}">
+                  <a16:creationId xmlns:a16="http://schemas.microsoft.com/office/drawing/2014/main" id="{095DCC35-DACE-4EB5-A0A2-522D98003237}"/>
+                </a:ext>
+              </a:extLst>
+            </p:cNvPr>
+            <p:cNvPicPr>
+              <a:picLocks noChangeAspect="1"/>
+            </p:cNvPicPr>
+            <p:nvPr/>
+          </p:nvPicPr>
+          <p:blipFill>
+            <a:blip r:embed="rId2">
+              <a:duotone>
+                <a:schemeClr val="accent2">
+                  <a:shade val="45000"/>
+                  <a:satMod val="135000"/>
+                </a:schemeClr>
+                <a:prstClr val="white"/>
+              </a:duotone>
+              <a:extLst>
+                <a:ext uri="{28A0092B-C50C-407E-A947-70E740481C1C}">
+                  <a14:useLocalDpi xmlns:a14="http://schemas.microsoft.com/office/drawing/2010/main" val="0"/>
+                </a:ext>
+              </a:extLst>
+            </a:blip>
+            <a:stretch>
+              <a:fillRect/>
+            </a:stretch>
+          </p:blipFill>
+          <p:spPr>
+            <a:xfrm>
+              <a:off x="1618000" y="2424450"/>
+              <a:ext cx="646311" cy="646311"/>
+            </a:xfrm>
+            <a:prstGeom prst="rect">
+              <a:avLst/>
+            </a:prstGeom>
+          </p:spPr>
+        </p:pic>
+      </p:grpSp>
+      <p:sp>
+        <p:nvSpPr>
+          <p:cNvPr id="9" name="TextBox 8">
+            <a:extLst>
+              <a:ext uri="{FF2B5EF4-FFF2-40B4-BE49-F238E27FC236}">
+                <a16:creationId xmlns:a16="http://schemas.microsoft.com/office/drawing/2014/main" id="{C49E40D9-1387-47C2-8EFF-1CB4159F88F6}"/>
+              </a:ext>
+            </a:extLst>
+          </p:cNvPr>
+          <p:cNvSpPr txBox="1"/>
+          <p:nvPr/>
+        </p:nvSpPr>
+        <p:spPr>
+          <a:xfrm>
+            <a:off x="1899145" y="233785"/>
+            <a:ext cx="726481" cy="523220"/>
+          </a:xfrm>
+          <a:prstGeom prst="rect">
+            <a:avLst/>
+          </a:prstGeom>
+          <a:noFill/>
+        </p:spPr>
+        <p:txBody>
+          <a:bodyPr wrap="none" rtlCol="0">
+            <a:spAutoFit/>
+          </a:bodyPr>
+          <a:lstStyle/>
+          <a:p>
+            <a:r>
+              <a:rPr lang="ko-KR" altLang="en-US" sz="2800" dirty="0">
+                <a:solidFill>
+                  <a:schemeClr val="bg1">
+                    <a:lumMod val="65000"/>
+                  </a:schemeClr>
+                </a:solidFill>
+                <a:latin typeface="sn별별정직" panose="02000500000000000000" pitchFamily="2" charset="0"/>
+                <a:ea typeface="sn별별정직" panose="02000500000000000000" pitchFamily="2" charset="0"/>
+              </a:rPr>
+              <a:t>완화</a:t>
+            </a:r>
+          </a:p>
+        </p:txBody>
+      </p:sp>
+      <p:cxnSp>
+        <p:nvCxnSpPr>
+          <p:cNvPr id="26" name="직선 화살표 연결선 25">
+            <a:extLst>
+              <a:ext uri="{FF2B5EF4-FFF2-40B4-BE49-F238E27FC236}">
+                <a16:creationId xmlns:a16="http://schemas.microsoft.com/office/drawing/2014/main" id="{F0E87136-79BD-40E2-88CD-632E2E017307}"/>
+              </a:ext>
+            </a:extLst>
+          </p:cNvPr>
+          <p:cNvCxnSpPr>
+            <a:stCxn id="15" idx="3"/>
+            <a:endCxn id="22" idx="1"/>
+          </p:cNvCxnSpPr>
+          <p:nvPr/>
+        </p:nvCxnSpPr>
+        <p:spPr>
+          <a:xfrm flipV="1">
+            <a:off x="1611925" y="2461745"/>
+            <a:ext cx="5632932" cy="1869933"/>
+          </a:xfrm>
+          <a:prstGeom prst="straightConnector1">
+            <a:avLst/>
+          </a:prstGeom>
+          <a:ln w="19050">
+            <a:prstDash val="dash"/>
+            <a:tailEnd type="triangle"/>
+          </a:ln>
+        </p:spPr>
+        <p:style>
+          <a:lnRef idx="1">
+            <a:schemeClr val="accent1"/>
+          </a:lnRef>
+          <a:fillRef idx="0">
+            <a:schemeClr val="accent1"/>
+          </a:fillRef>
+          <a:effectRef idx="0">
+            <a:schemeClr val="accent1"/>
+          </a:effectRef>
+          <a:fontRef idx="minor">
+            <a:schemeClr val="tx1"/>
+          </a:fontRef>
+        </p:style>
+      </p:cxnSp>
+      <p:grpSp>
+        <p:nvGrpSpPr>
+          <p:cNvPr id="34" name="그룹 33">
+            <a:extLst>
+              <a:ext uri="{FF2B5EF4-FFF2-40B4-BE49-F238E27FC236}">
+                <a16:creationId xmlns:a16="http://schemas.microsoft.com/office/drawing/2014/main" id="{F1BE05EF-A5C7-48CB-9CC6-49A0684C2DA3}"/>
+              </a:ext>
+            </a:extLst>
+          </p:cNvPr>
+          <p:cNvGrpSpPr/>
+          <p:nvPr/>
+        </p:nvGrpSpPr>
+        <p:grpSpPr>
+          <a:xfrm>
+            <a:off x="6721192" y="4733402"/>
+            <a:ext cx="1580645" cy="1504817"/>
+            <a:chOff x="763973" y="1653395"/>
+            <a:chExt cx="2354363" cy="1504817"/>
+          </a:xfrm>
+        </p:grpSpPr>
+        <p:grpSp>
+          <p:nvGrpSpPr>
+            <p:cNvPr id="36" name="그룹 35">
+              <a:extLst>
+                <a:ext uri="{FF2B5EF4-FFF2-40B4-BE49-F238E27FC236}">
+                  <a16:creationId xmlns:a16="http://schemas.microsoft.com/office/drawing/2014/main" id="{0E272112-4373-4ACB-8D2F-A5989F42772A}"/>
+                </a:ext>
+              </a:extLst>
+            </p:cNvPr>
+            <p:cNvGrpSpPr/>
+            <p:nvPr/>
+          </p:nvGrpSpPr>
+          <p:grpSpPr>
+            <a:xfrm>
+              <a:off x="763975" y="1690689"/>
+              <a:ext cx="2354361" cy="1467523"/>
+              <a:chOff x="740531" y="1966911"/>
+              <a:chExt cx="2893623" cy="2136166"/>
+            </a:xfrm>
+          </p:grpSpPr>
+          <p:sp>
+            <p:nvSpPr>
+              <p:cNvPr id="38" name="사각형: 둥근 모서리 37">
+                <a:extLst>
+                  <a:ext uri="{FF2B5EF4-FFF2-40B4-BE49-F238E27FC236}">
+                    <a16:creationId xmlns:a16="http://schemas.microsoft.com/office/drawing/2014/main" id="{7A0FE686-715C-4DF5-87FC-3134D427409C}"/>
+                  </a:ext>
+                </a:extLst>
+              </p:cNvPr>
+              <p:cNvSpPr/>
+              <p:nvPr/>
+            </p:nvSpPr>
+            <p:spPr>
+              <a:xfrm>
+                <a:off x="740531" y="1966911"/>
+                <a:ext cx="2893623" cy="2136166"/>
+              </a:xfrm>
+              <a:prstGeom prst="roundRect">
+                <a:avLst>
+                  <a:gd name="adj" fmla="val 6141"/>
+                </a:avLst>
+              </a:prstGeom>
+              <a:solidFill>
+                <a:schemeClr val="tx1"/>
+              </a:solidFill>
+              <a:ln>
+                <a:solidFill>
+                  <a:schemeClr val="bg1">
+                    <a:lumMod val="75000"/>
+                  </a:schemeClr>
+                </a:solidFill>
+              </a:ln>
+            </p:spPr>
+            <p:style>
+              <a:lnRef idx="2">
+                <a:schemeClr val="accent1">
+                  <a:shade val="50000"/>
+                </a:schemeClr>
+              </a:lnRef>
+              <a:fillRef idx="1">
+                <a:schemeClr val="accent1"/>
+              </a:fillRef>
+              <a:effectRef idx="0">
+                <a:schemeClr val="accent1"/>
+              </a:effectRef>
+              <a:fontRef idx="minor">
+                <a:schemeClr val="lt1"/>
+              </a:fontRef>
+            </p:style>
+            <p:txBody>
+              <a:bodyPr rtlCol="0" anchor="ctr"/>
+              <a:lstStyle/>
+              <a:p>
+                <a:pPr algn="ctr"/>
+                <a:endParaRPr lang="ko-KR" altLang="en-US" dirty="0"/>
+              </a:p>
+            </p:txBody>
+          </p:sp>
+          <p:cxnSp>
+            <p:nvCxnSpPr>
+              <p:cNvPr id="39" name="직선 연결선 38">
+                <a:extLst>
+                  <a:ext uri="{FF2B5EF4-FFF2-40B4-BE49-F238E27FC236}">
+                    <a16:creationId xmlns:a16="http://schemas.microsoft.com/office/drawing/2014/main" id="{F3ED03BE-5A71-49D2-B18B-F1783A84CA61}"/>
+                  </a:ext>
+                </a:extLst>
+              </p:cNvPr>
+              <p:cNvCxnSpPr>
+                <a:cxnSpLocks/>
+              </p:cNvCxnSpPr>
+              <p:nvPr/>
+            </p:nvCxnSpPr>
+            <p:spPr>
+              <a:xfrm>
+                <a:off x="740531" y="2392688"/>
+                <a:ext cx="2893623" cy="0"/>
+              </a:xfrm>
+              <a:prstGeom prst="line">
+                <a:avLst/>
+              </a:prstGeom>
+              <a:ln>
+                <a:solidFill>
+                  <a:schemeClr val="bg1">
+                    <a:lumMod val="75000"/>
+                  </a:schemeClr>
+                </a:solidFill>
+              </a:ln>
+            </p:spPr>
+            <p:style>
+              <a:lnRef idx="1">
+                <a:schemeClr val="accent1"/>
+              </a:lnRef>
+              <a:fillRef idx="0">
+                <a:schemeClr val="accent1"/>
+              </a:fillRef>
+              <a:effectRef idx="0">
+                <a:schemeClr val="accent1"/>
+              </a:effectRef>
+              <a:fontRef idx="minor">
+                <a:schemeClr val="tx1"/>
+              </a:fontRef>
+            </p:style>
+          </p:cxnSp>
+        </p:grpSp>
+        <p:sp>
+          <p:nvSpPr>
+            <p:cNvPr id="37" name="TextBox 36">
+              <a:extLst>
+                <a:ext uri="{FF2B5EF4-FFF2-40B4-BE49-F238E27FC236}">
+                  <a16:creationId xmlns:a16="http://schemas.microsoft.com/office/drawing/2014/main" id="{E793F67A-C8CE-4D67-83C2-08ECBAF267E3}"/>
+                </a:ext>
+              </a:extLst>
+            </p:cNvPr>
+            <p:cNvSpPr txBox="1"/>
+            <p:nvPr/>
+          </p:nvSpPr>
+          <p:spPr>
+            <a:xfrm>
+              <a:off x="763973" y="1653395"/>
+              <a:ext cx="2313813" cy="369332"/>
+            </a:xfrm>
+            <a:prstGeom prst="rect">
+              <a:avLst/>
+            </a:prstGeom>
+            <a:noFill/>
+          </p:spPr>
+          <p:txBody>
+            <a:bodyPr wrap="square" rtlCol="0">
+              <a:spAutoFit/>
+            </a:bodyPr>
+            <a:lstStyle/>
+            <a:p>
+              <a:pPr algn="ctr"/>
+              <a:r>
+                <a:rPr lang="ko-KR" altLang="en-US" dirty="0">
+                  <a:solidFill>
+                    <a:schemeClr val="bg1"/>
+                  </a:solidFill>
+                  <a:latin typeface="sn별별정직" panose="02000500000000000000" pitchFamily="2" charset="0"/>
+                  <a:ea typeface="sn별별정직" panose="02000500000000000000" pitchFamily="2" charset="0"/>
+                </a:rPr>
+                <a:t>악의적 페이지</a:t>
+              </a:r>
+            </a:p>
+          </p:txBody>
+        </p:sp>
+      </p:grpSp>
+      <p:grpSp>
+        <p:nvGrpSpPr>
+          <p:cNvPr id="44" name="그룹 43">
+            <a:extLst>
+              <a:ext uri="{FF2B5EF4-FFF2-40B4-BE49-F238E27FC236}">
+                <a16:creationId xmlns:a16="http://schemas.microsoft.com/office/drawing/2014/main" id="{5126A599-82CC-4BB9-9AA6-434B55ACCD6A}"/>
+              </a:ext>
+            </a:extLst>
+          </p:cNvPr>
+          <p:cNvGrpSpPr/>
+          <p:nvPr/>
+        </p:nvGrpSpPr>
+        <p:grpSpPr>
+          <a:xfrm>
+            <a:off x="2940989" y="4770696"/>
+            <a:ext cx="1580645" cy="1467523"/>
+            <a:chOff x="763973" y="1690689"/>
+            <a:chExt cx="2354363" cy="1467523"/>
+          </a:xfrm>
+        </p:grpSpPr>
+        <p:grpSp>
+          <p:nvGrpSpPr>
+            <p:cNvPr id="46" name="그룹 45">
+              <a:extLst>
+                <a:ext uri="{FF2B5EF4-FFF2-40B4-BE49-F238E27FC236}">
+                  <a16:creationId xmlns:a16="http://schemas.microsoft.com/office/drawing/2014/main" id="{6EC42715-BA5D-4BFC-8BAD-0256D23E863D}"/>
+                </a:ext>
+              </a:extLst>
+            </p:cNvPr>
+            <p:cNvGrpSpPr/>
+            <p:nvPr/>
+          </p:nvGrpSpPr>
+          <p:grpSpPr>
+            <a:xfrm>
+              <a:off x="763973" y="1690689"/>
+              <a:ext cx="2354363" cy="1467523"/>
+              <a:chOff x="740529" y="1966911"/>
+              <a:chExt cx="2893625" cy="2136166"/>
+            </a:xfrm>
+          </p:grpSpPr>
+          <p:sp>
+            <p:nvSpPr>
+              <p:cNvPr id="49" name="사각형: 둥근 모서리 48">
+                <a:extLst>
+                  <a:ext uri="{FF2B5EF4-FFF2-40B4-BE49-F238E27FC236}">
+                    <a16:creationId xmlns:a16="http://schemas.microsoft.com/office/drawing/2014/main" id="{30EB249C-042F-4F50-9EF7-755F63EC88BD}"/>
+                  </a:ext>
+                </a:extLst>
+              </p:cNvPr>
+              <p:cNvSpPr/>
+              <p:nvPr/>
+            </p:nvSpPr>
+            <p:spPr>
+              <a:xfrm>
+                <a:off x="740531" y="1966911"/>
+                <a:ext cx="2893623" cy="2136166"/>
+              </a:xfrm>
+              <a:prstGeom prst="roundRect">
+                <a:avLst>
+                  <a:gd name="adj" fmla="val 6141"/>
+                </a:avLst>
+              </a:prstGeom>
+              <a:solidFill>
+                <a:schemeClr val="tx1"/>
+              </a:solidFill>
+              <a:ln>
+                <a:solidFill>
+                  <a:schemeClr val="bg1">
+                    <a:lumMod val="75000"/>
+                  </a:schemeClr>
+                </a:solidFill>
+              </a:ln>
+            </p:spPr>
+            <p:style>
+              <a:lnRef idx="2">
+                <a:schemeClr val="accent1">
+                  <a:shade val="50000"/>
+                </a:schemeClr>
+              </a:lnRef>
+              <a:fillRef idx="1">
+                <a:schemeClr val="accent1"/>
+              </a:fillRef>
+              <a:effectRef idx="0">
+                <a:schemeClr val="accent1"/>
+              </a:effectRef>
+              <a:fontRef idx="minor">
+                <a:schemeClr val="lt1"/>
+              </a:fontRef>
+            </p:style>
+            <p:txBody>
+              <a:bodyPr rtlCol="0" anchor="ctr"/>
+              <a:lstStyle/>
+              <a:p>
+                <a:pPr algn="ctr"/>
+                <a:endParaRPr lang="ko-KR" altLang="en-US" dirty="0"/>
+              </a:p>
+            </p:txBody>
+          </p:sp>
+          <p:cxnSp>
+            <p:nvCxnSpPr>
+              <p:cNvPr id="50" name="직선 연결선 49">
+                <a:extLst>
+                  <a:ext uri="{FF2B5EF4-FFF2-40B4-BE49-F238E27FC236}">
+                    <a16:creationId xmlns:a16="http://schemas.microsoft.com/office/drawing/2014/main" id="{11AA2311-BF26-459E-A77A-B5881007BF02}"/>
+                  </a:ext>
+                </a:extLst>
+              </p:cNvPr>
+              <p:cNvCxnSpPr>
+                <a:cxnSpLocks/>
+              </p:cNvCxnSpPr>
+              <p:nvPr/>
+            </p:nvCxnSpPr>
+            <p:spPr>
+              <a:xfrm>
+                <a:off x="740529" y="2478025"/>
+                <a:ext cx="2893623" cy="0"/>
+              </a:xfrm>
+              <a:prstGeom prst="line">
+                <a:avLst/>
+              </a:prstGeom>
+              <a:ln>
+                <a:solidFill>
+                  <a:schemeClr val="bg1">
+                    <a:lumMod val="75000"/>
+                  </a:schemeClr>
+                </a:solidFill>
+              </a:ln>
+            </p:spPr>
+            <p:style>
+              <a:lnRef idx="1">
+                <a:schemeClr val="accent1"/>
+              </a:lnRef>
+              <a:fillRef idx="0">
+                <a:schemeClr val="accent1"/>
+              </a:fillRef>
+              <a:effectRef idx="0">
+                <a:schemeClr val="accent1"/>
+              </a:effectRef>
+              <a:fontRef idx="minor">
+                <a:schemeClr val="tx1"/>
+              </a:fontRef>
+            </p:style>
+          </p:cxnSp>
+        </p:grpSp>
+        <p:sp>
+          <p:nvSpPr>
+            <p:cNvPr id="47" name="TextBox 46">
+              <a:extLst>
+                <a:ext uri="{FF2B5EF4-FFF2-40B4-BE49-F238E27FC236}">
+                  <a16:creationId xmlns:a16="http://schemas.microsoft.com/office/drawing/2014/main" id="{19C5F57E-119F-4C76-8E53-8B294473AFC0}"/>
+                </a:ext>
+              </a:extLst>
+            </p:cNvPr>
+            <p:cNvSpPr txBox="1"/>
+            <p:nvPr/>
+          </p:nvSpPr>
+          <p:spPr>
+            <a:xfrm>
+              <a:off x="1085369" y="1731110"/>
+              <a:ext cx="1711570" cy="369332"/>
+            </a:xfrm>
+            <a:prstGeom prst="rect">
+              <a:avLst/>
+            </a:prstGeom>
+            <a:noFill/>
+          </p:spPr>
+          <p:txBody>
+            <a:bodyPr wrap="square" rtlCol="0">
+              <a:spAutoFit/>
+            </a:bodyPr>
+            <a:lstStyle/>
+            <a:p>
+              <a:pPr algn="ctr"/>
+              <a:r>
+                <a:rPr lang="ko-KR" altLang="en-US" dirty="0">
+                  <a:solidFill>
+                    <a:schemeClr val="bg1"/>
+                  </a:solidFill>
+                  <a:latin typeface="sn별별정직" panose="02000500000000000000" pitchFamily="2" charset="0"/>
+                  <a:ea typeface="sn별별정직" panose="02000500000000000000" pitchFamily="2" charset="0"/>
+                </a:rPr>
+                <a:t>대상 사이트</a:t>
+              </a:r>
+            </a:p>
+          </p:txBody>
+        </p:sp>
+      </p:grpSp>
+      <p:cxnSp>
+        <p:nvCxnSpPr>
+          <p:cNvPr id="51" name="연결선: 구부러짐 50">
+            <a:extLst>
+              <a:ext uri="{FF2B5EF4-FFF2-40B4-BE49-F238E27FC236}">
+                <a16:creationId xmlns:a16="http://schemas.microsoft.com/office/drawing/2014/main" id="{BFA25CE2-D015-4A7F-8D4C-F40935DEAD06}"/>
+              </a:ext>
+            </a:extLst>
+          </p:cNvPr>
+          <p:cNvCxnSpPr>
+            <a:cxnSpLocks/>
+            <a:stCxn id="38" idx="1"/>
+            <a:endCxn id="49" idx="3"/>
+          </p:cNvCxnSpPr>
+          <p:nvPr/>
+        </p:nvCxnSpPr>
+        <p:spPr>
+          <a:xfrm rot="10800000">
+            <a:off x="4521635" y="5504458"/>
+            <a:ext cx="2199559" cy="12700"/>
+          </a:xfrm>
+          <a:prstGeom prst="curvedConnector3">
+            <a:avLst/>
+          </a:prstGeom>
+          <a:ln w="19050">
+            <a:prstDash val="dash"/>
+            <a:tailEnd type="triangle"/>
+          </a:ln>
+        </p:spPr>
+        <p:style>
+          <a:lnRef idx="1">
+            <a:schemeClr val="accent1"/>
+          </a:lnRef>
+          <a:fillRef idx="0">
+            <a:schemeClr val="accent1"/>
+          </a:fillRef>
+          <a:effectRef idx="0">
+            <a:schemeClr val="accent1"/>
+          </a:effectRef>
+          <a:fontRef idx="minor">
+            <a:schemeClr val="tx1"/>
+          </a:fontRef>
+        </p:style>
+      </p:cxnSp>
+      <p:sp>
+        <p:nvSpPr>
+          <p:cNvPr id="54" name="TextBox 53">
+            <a:extLst>
+              <a:ext uri="{FF2B5EF4-FFF2-40B4-BE49-F238E27FC236}">
+                <a16:creationId xmlns:a16="http://schemas.microsoft.com/office/drawing/2014/main" id="{9221AFC3-220A-488A-A4F2-B49E14407B5D}"/>
+              </a:ext>
+            </a:extLst>
+          </p:cNvPr>
+          <p:cNvSpPr txBox="1"/>
+          <p:nvPr/>
+        </p:nvSpPr>
+        <p:spPr>
+          <a:xfrm>
+            <a:off x="5081039" y="5063200"/>
+            <a:ext cx="1080745" cy="369332"/>
+          </a:xfrm>
+          <a:prstGeom prst="rect">
+            <a:avLst/>
+          </a:prstGeom>
+          <a:noFill/>
+        </p:spPr>
+        <p:txBody>
+          <a:bodyPr wrap="none" rtlCol="0">
+            <a:spAutoFit/>
+          </a:bodyPr>
+          <a:lstStyle/>
+          <a:p>
+            <a:r>
+              <a:rPr lang="en-US" altLang="ko-KR" dirty="0">
+                <a:solidFill>
+                  <a:schemeClr val="bg1"/>
+                </a:solidFill>
+                <a:latin typeface="sn별별정직" panose="02000500000000000000" pitchFamily="2" charset="0"/>
+                <a:ea typeface="sn별별정직" panose="02000500000000000000" pitchFamily="2" charset="0"/>
+              </a:rPr>
+              <a:t>HTTP </a:t>
+            </a:r>
+            <a:r>
+              <a:rPr lang="ko-KR" altLang="en-US" dirty="0">
+                <a:solidFill>
+                  <a:schemeClr val="bg1"/>
+                </a:solidFill>
+                <a:latin typeface="sn별별정직" panose="02000500000000000000" pitchFamily="2" charset="0"/>
+                <a:ea typeface="sn별별정직" panose="02000500000000000000" pitchFamily="2" charset="0"/>
+              </a:rPr>
+              <a:t>요청</a:t>
+            </a:r>
+          </a:p>
+        </p:txBody>
+      </p:sp>
+      <p:cxnSp>
+        <p:nvCxnSpPr>
+          <p:cNvPr id="55" name="연결선: 구부러짐 54">
+            <a:extLst>
+              <a:ext uri="{FF2B5EF4-FFF2-40B4-BE49-F238E27FC236}">
+                <a16:creationId xmlns:a16="http://schemas.microsoft.com/office/drawing/2014/main" id="{584E74A6-577D-4523-B018-194B02074E75}"/>
+              </a:ext>
+            </a:extLst>
+          </p:cNvPr>
+          <p:cNvCxnSpPr>
+            <a:cxnSpLocks/>
+          </p:cNvCxnSpPr>
+          <p:nvPr/>
+        </p:nvCxnSpPr>
+        <p:spPr>
+          <a:xfrm>
+            <a:off x="4521630" y="5678827"/>
+            <a:ext cx="2199561" cy="12700"/>
+          </a:xfrm>
+          <a:prstGeom prst="curvedConnector3">
+            <a:avLst/>
+          </a:prstGeom>
+          <a:ln w="19050">
+            <a:prstDash val="dash"/>
+            <a:tailEnd type="triangle"/>
+          </a:ln>
+        </p:spPr>
+        <p:style>
+          <a:lnRef idx="1">
+            <a:schemeClr val="accent1"/>
+          </a:lnRef>
+          <a:fillRef idx="0">
+            <a:schemeClr val="accent1"/>
+          </a:fillRef>
+          <a:effectRef idx="0">
+            <a:schemeClr val="accent1"/>
+          </a:effectRef>
+          <a:fontRef idx="minor">
+            <a:schemeClr val="tx1"/>
+          </a:fontRef>
+        </p:style>
+      </p:cxnSp>
+      <p:sp>
+        <p:nvSpPr>
+          <p:cNvPr id="58" name="TextBox 57">
+            <a:extLst>
+              <a:ext uri="{FF2B5EF4-FFF2-40B4-BE49-F238E27FC236}">
+                <a16:creationId xmlns:a16="http://schemas.microsoft.com/office/drawing/2014/main" id="{E2B6ACF4-09C2-4972-B185-1B542BBD788B}"/>
+              </a:ext>
+            </a:extLst>
+          </p:cNvPr>
+          <p:cNvSpPr txBox="1"/>
+          <p:nvPr/>
+        </p:nvSpPr>
+        <p:spPr>
+          <a:xfrm>
+            <a:off x="4896692" y="5694519"/>
+            <a:ext cx="1449436" cy="369332"/>
+          </a:xfrm>
+          <a:prstGeom prst="rect">
+            <a:avLst/>
+          </a:prstGeom>
+          <a:noFill/>
+        </p:spPr>
+        <p:txBody>
+          <a:bodyPr wrap="none" rtlCol="0">
+            <a:spAutoFit/>
+          </a:bodyPr>
+          <a:lstStyle/>
+          <a:p>
+            <a:r>
+              <a:rPr lang="en-US" altLang="ko-KR" dirty="0">
+                <a:solidFill>
+                  <a:schemeClr val="bg1"/>
+                </a:solidFill>
+                <a:latin typeface="sn별별정직" panose="02000500000000000000" pitchFamily="2" charset="0"/>
+                <a:ea typeface="sn별별정직" panose="02000500000000000000" pitchFamily="2" charset="0"/>
+              </a:rPr>
+              <a:t>HTTP </a:t>
+            </a:r>
+            <a:r>
+              <a:rPr lang="ko-KR" altLang="en-US" dirty="0">
+                <a:solidFill>
+                  <a:schemeClr val="bg1"/>
+                </a:solidFill>
+                <a:latin typeface="sn별별정직" panose="02000500000000000000" pitchFamily="2" charset="0"/>
+                <a:ea typeface="sn별별정직" panose="02000500000000000000" pitchFamily="2" charset="0"/>
+              </a:rPr>
+              <a:t>응답 정보</a:t>
+            </a:r>
+          </a:p>
+        </p:txBody>
+      </p:sp>
+      <p:sp>
+        <p:nvSpPr>
+          <p:cNvPr id="59" name="직사각형 58">
+            <a:extLst>
+              <a:ext uri="{FF2B5EF4-FFF2-40B4-BE49-F238E27FC236}">
+                <a16:creationId xmlns:a16="http://schemas.microsoft.com/office/drawing/2014/main" id="{BDEBE757-E1A8-4189-8E97-928D67A1B017}"/>
+              </a:ext>
+            </a:extLst>
+          </p:cNvPr>
+          <p:cNvSpPr/>
+          <p:nvPr/>
+        </p:nvSpPr>
+        <p:spPr>
+          <a:xfrm>
+            <a:off x="2601641" y="4540989"/>
+            <a:ext cx="6037385" cy="1979489"/>
+          </a:xfrm>
+          <a:prstGeom prst="rect">
+            <a:avLst/>
+          </a:prstGeom>
+          <a:noFill/>
+        </p:spPr>
+        <p:style>
+          <a:lnRef idx="2">
+            <a:schemeClr val="accent1">
+              <a:shade val="50000"/>
+            </a:schemeClr>
+          </a:lnRef>
+          <a:fillRef idx="1">
+            <a:schemeClr val="accent1"/>
+          </a:fillRef>
+          <a:effectRef idx="0">
+            <a:schemeClr val="accent1"/>
+          </a:effectRef>
+          <a:fontRef idx="minor">
+            <a:schemeClr val="lt1"/>
+          </a:fontRef>
+        </p:style>
+        <p:txBody>
+          <a:bodyPr rtlCol="0" anchor="ctr"/>
+          <a:lstStyle/>
+          <a:p>
+            <a:pPr algn="ctr"/>
+            <a:endParaRPr lang="ko-KR" altLang="en-US" dirty="0"/>
+          </a:p>
+        </p:txBody>
+      </p:sp>
+      <p:sp>
+        <p:nvSpPr>
+          <p:cNvPr id="62" name="자유형: 도형 61">
+            <a:extLst>
+              <a:ext uri="{FF2B5EF4-FFF2-40B4-BE49-F238E27FC236}">
+                <a16:creationId xmlns:a16="http://schemas.microsoft.com/office/drawing/2014/main" id="{1B7C3873-E404-4B2B-94D2-C0E6402EFA20}"/>
+              </a:ext>
+            </a:extLst>
+          </p:cNvPr>
+          <p:cNvSpPr/>
+          <p:nvPr/>
+        </p:nvSpPr>
+        <p:spPr>
+          <a:xfrm>
+            <a:off x="4597506" y="4287205"/>
+            <a:ext cx="2075196" cy="512667"/>
+          </a:xfrm>
+          <a:custGeom>
+            <a:avLst/>
+            <a:gdLst>
+              <a:gd name="connsiteX0" fmla="*/ 256094 w 2075196"/>
+              <a:gd name="connsiteY0" fmla="*/ 0 h 512667"/>
+              <a:gd name="connsiteX1" fmla="*/ 1814577 w 2075196"/>
+              <a:gd name="connsiteY1" fmla="*/ 0 h 512667"/>
+              <a:gd name="connsiteX2" fmla="*/ 1814577 w 2075196"/>
+              <a:gd name="connsiteY2" fmla="*/ 478 h 512667"/>
+              <a:gd name="connsiteX3" fmla="*/ 1819102 w 2075196"/>
+              <a:gd name="connsiteY3" fmla="*/ 478 h 512667"/>
+              <a:gd name="connsiteX4" fmla="*/ 2075196 w 2075196"/>
+              <a:gd name="connsiteY4" fmla="*/ 256573 h 512667"/>
+              <a:gd name="connsiteX5" fmla="*/ 1819102 w 2075196"/>
+              <a:gd name="connsiteY5" fmla="*/ 512667 h 512667"/>
+              <a:gd name="connsiteX6" fmla="*/ 260619 w 2075196"/>
+              <a:gd name="connsiteY6" fmla="*/ 512667 h 512667"/>
+              <a:gd name="connsiteX7" fmla="*/ 260619 w 2075196"/>
+              <a:gd name="connsiteY7" fmla="*/ 512189 h 512667"/>
+              <a:gd name="connsiteX8" fmla="*/ 256094 w 2075196"/>
+              <a:gd name="connsiteY8" fmla="*/ 512189 h 512667"/>
+              <a:gd name="connsiteX9" fmla="*/ 0 w 2075196"/>
+              <a:gd name="connsiteY9" fmla="*/ 256095 h 512667"/>
+            </a:gdLst>
+            <a:ahLst/>
+            <a:cxnLst>
+              <a:cxn ang="0">
+                <a:pos x="connsiteX0" y="connsiteY0"/>
+              </a:cxn>
+              <a:cxn ang="0">
+                <a:pos x="connsiteX1" y="connsiteY1"/>
+              </a:cxn>
+              <a:cxn ang="0">
+                <a:pos x="connsiteX2" y="connsiteY2"/>
+              </a:cxn>
+              <a:cxn ang="0">
+                <a:pos x="connsiteX3" y="connsiteY3"/>
+              </a:cxn>
+              <a:cxn ang="0">
+                <a:pos x="connsiteX4" y="connsiteY4"/>
+              </a:cxn>
+              <a:cxn ang="0">
+                <a:pos x="connsiteX5" y="connsiteY5"/>
+              </a:cxn>
+              <a:cxn ang="0">
+                <a:pos x="connsiteX6" y="connsiteY6"/>
+              </a:cxn>
+              <a:cxn ang="0">
+                <a:pos x="connsiteX7" y="connsiteY7"/>
+              </a:cxn>
+              <a:cxn ang="0">
+                <a:pos x="connsiteX8" y="connsiteY8"/>
+              </a:cxn>
+              <a:cxn ang="0">
+                <a:pos x="connsiteX9" y="connsiteY9"/>
+              </a:cxn>
+            </a:cxnLst>
+            <a:rect l="l" t="t" r="r" b="b"/>
+            <a:pathLst>
+              <a:path w="2075196" h="512667">
+                <a:moveTo>
+                  <a:pt x="256094" y="0"/>
+                </a:moveTo>
+                <a:lnTo>
+                  <a:pt x="1814577" y="0"/>
+                </a:lnTo>
+                <a:lnTo>
+                  <a:pt x="1814577" y="478"/>
+                </a:lnTo>
+                <a:lnTo>
+                  <a:pt x="1819102" y="478"/>
+                </a:lnTo>
+                <a:lnTo>
+                  <a:pt x="2075196" y="256573"/>
+                </a:lnTo>
+                <a:lnTo>
+                  <a:pt x="1819102" y="512667"/>
+                </a:lnTo>
+                <a:lnTo>
+                  <a:pt x="260619" y="512667"/>
+                </a:lnTo>
+                <a:lnTo>
+                  <a:pt x="260619" y="512189"/>
+                </a:lnTo>
+                <a:lnTo>
+                  <a:pt x="256094" y="512189"/>
+                </a:lnTo>
+                <a:lnTo>
+                  <a:pt x="0" y="256095"/>
+                </a:lnTo>
+                <a:close/>
+              </a:path>
+            </a:pathLst>
+          </a:custGeom>
+          <a:solidFill>
+            <a:schemeClr val="tx1"/>
+          </a:solidFill>
+        </p:spPr>
+        <p:style>
+          <a:lnRef idx="2">
+            <a:schemeClr val="accent1">
+              <a:shade val="50000"/>
+            </a:schemeClr>
+          </a:lnRef>
+          <a:fillRef idx="1">
+            <a:schemeClr val="accent1"/>
+          </a:fillRef>
+          <a:effectRef idx="0">
+            <a:schemeClr val="accent1"/>
+          </a:effectRef>
+          <a:fontRef idx="minor">
+            <a:schemeClr val="lt1"/>
+          </a:fontRef>
+        </p:style>
+        <p:txBody>
+          <a:bodyPr rtlCol="0" anchor="ctr"/>
+          <a:lstStyle/>
+          <a:p>
+            <a:pPr algn="ctr"/>
+            <a:r>
+              <a:rPr lang="ko-KR" altLang="en-US" sz="2000" dirty="0">
+                <a:latin typeface="sn별별정직" panose="02000500000000000000" pitchFamily="2" charset="0"/>
+                <a:ea typeface="sn별별정직" panose="02000500000000000000" pitchFamily="2" charset="0"/>
+              </a:rPr>
+              <a:t>보안 위협 요소</a:t>
+            </a:r>
+          </a:p>
+        </p:txBody>
+      </p:sp>
+      <p:sp>
+        <p:nvSpPr>
+          <p:cNvPr id="63" name="TextBox 62">
+            <a:extLst>
+              <a:ext uri="{FF2B5EF4-FFF2-40B4-BE49-F238E27FC236}">
+                <a16:creationId xmlns:a16="http://schemas.microsoft.com/office/drawing/2014/main" id="{8556F933-AFCB-49E2-90FA-C3E6CA78A712}"/>
+              </a:ext>
+            </a:extLst>
+          </p:cNvPr>
+          <p:cNvSpPr txBox="1"/>
+          <p:nvPr/>
+        </p:nvSpPr>
+        <p:spPr>
+          <a:xfrm>
+            <a:off x="6828475" y="5429869"/>
+            <a:ext cx="1366080" cy="369332"/>
+          </a:xfrm>
+          <a:prstGeom prst="rect">
+            <a:avLst/>
+          </a:prstGeom>
+          <a:noFill/>
+        </p:spPr>
+        <p:txBody>
+          <a:bodyPr wrap="none" rtlCol="0">
+            <a:spAutoFit/>
+          </a:bodyPr>
+          <a:lstStyle/>
+          <a:p>
+            <a:pPr algn="ctr"/>
+            <a:r>
+              <a:rPr lang="ko-KR" altLang="en-US" dirty="0">
+                <a:solidFill>
+                  <a:schemeClr val="bg1"/>
+                </a:solidFill>
+                <a:latin typeface="sn별별정직" panose="02000500000000000000" pitchFamily="2" charset="0"/>
+                <a:ea typeface="sn별별정직" panose="02000500000000000000" pitchFamily="2" charset="0"/>
+              </a:rPr>
+              <a:t>클라이언트 권한</a:t>
+            </a:r>
+          </a:p>
+        </p:txBody>
+      </p:sp>
+      <p:sp>
+        <p:nvSpPr>
+          <p:cNvPr id="64" name="바닥글 개체 틀 63">
+            <a:extLst>
+              <a:ext uri="{FF2B5EF4-FFF2-40B4-BE49-F238E27FC236}">
+                <a16:creationId xmlns:a16="http://schemas.microsoft.com/office/drawing/2014/main" id="{142D914D-22E1-4477-896E-0E042438CB76}"/>
+              </a:ext>
+            </a:extLst>
+          </p:cNvPr>
+          <p:cNvSpPr>
+            <a:spLocks noGrp="1"/>
+          </p:cNvSpPr>
+          <p:nvPr>
+            <p:ph type="ftr" sz="quarter" idx="11"/>
+          </p:nvPr>
+        </p:nvSpPr>
+        <p:spPr/>
+        <p:txBody>
+          <a:bodyPr/>
+          <a:lstStyle/>
+          <a:p>
+            <a:r>
+              <a:rPr lang="en-US" altLang="ko-KR"/>
+              <a:t>SOP ; Same Origin Policy</a:t>
+            </a:r>
+            <a:endParaRPr lang="ko-KR" altLang="en-US" dirty="0"/>
+          </a:p>
+        </p:txBody>
+      </p:sp>
     </p:spTree>
     <p:extLst>
       <p:ext uri="{BB962C8B-B14F-4D97-AF65-F5344CB8AC3E}">
         <p14:creationId xmlns:p14="http://schemas.microsoft.com/office/powerpoint/2010/main" val="1101267907"/>
+      </p:ext>
+    </p:extLst>
+  </p:cSld>
+  <p:clrMapOvr>
+    <a:masterClrMapping/>
+  </p:clrMapOvr>
+</p:sld>
+</file>
+
+<file path=ppt/slides/slide27.xml><?xml version="1.0" encoding="utf-8"?>
+<p:sld xmlns:a="http://schemas.openxmlformats.org/drawingml/2006/main" xmlns:r="http://schemas.openxmlformats.org/officeDocument/2006/relationships" xmlns:p="http://schemas.openxmlformats.org/presentationml/2006/main">
+  <p:cSld>
+    <p:spTree>
+      <p:nvGrpSpPr>
+        <p:cNvPr id="1" name=""/>
+        <p:cNvGrpSpPr/>
+        <p:nvPr/>
+      </p:nvGrpSpPr>
+      <p:grpSpPr>
+        <a:xfrm>
+          <a:off x="0" y="0"/>
+          <a:ext cx="0" cy="0"/>
+          <a:chOff x="0" y="0"/>
+          <a:chExt cx="0" cy="0"/>
+        </a:xfrm>
+      </p:grpSpPr>
+      <p:sp>
+        <p:nvSpPr>
+          <p:cNvPr id="4" name="직사각형 3">
+            <a:extLst>
+              <a:ext uri="{FF2B5EF4-FFF2-40B4-BE49-F238E27FC236}">
+                <a16:creationId xmlns:a16="http://schemas.microsoft.com/office/drawing/2014/main" id="{0A919016-DB66-491D-91C5-1B0AF77E1419}"/>
+              </a:ext>
+            </a:extLst>
+          </p:cNvPr>
+          <p:cNvSpPr/>
+          <p:nvPr/>
+        </p:nvSpPr>
+        <p:spPr>
+          <a:xfrm>
+            <a:off x="318501" y="704494"/>
+            <a:ext cx="8590548" cy="228311"/>
+          </a:xfrm>
+          <a:prstGeom prst="rect">
+            <a:avLst/>
+          </a:prstGeom>
+          <a:solidFill>
+            <a:schemeClr val="accent1">
+              <a:alpha val="50000"/>
+            </a:schemeClr>
+          </a:solidFill>
+          <a:ln>
+            <a:noFill/>
+          </a:ln>
+        </p:spPr>
+        <p:style>
+          <a:lnRef idx="2">
+            <a:schemeClr val="accent1">
+              <a:shade val="50000"/>
+            </a:schemeClr>
+          </a:lnRef>
+          <a:fillRef idx="1">
+            <a:schemeClr val="accent1"/>
+          </a:fillRef>
+          <a:effectRef idx="0">
+            <a:schemeClr val="accent1"/>
+          </a:effectRef>
+          <a:fontRef idx="minor">
+            <a:schemeClr val="lt1"/>
+          </a:fontRef>
+        </p:style>
+        <p:txBody>
+          <a:bodyPr rtlCol="0" anchor="ctr"/>
+          <a:lstStyle/>
+          <a:p>
+            <a:pPr algn="ctr"/>
+            <a:endParaRPr lang="ko-KR" altLang="en-US" sz="8000" dirty="0">
+              <a:latin typeface="sn별별정직" panose="02000500000000000000" pitchFamily="2" charset="0"/>
+              <a:ea typeface="sn별별정직" panose="02000500000000000000" pitchFamily="2" charset="0"/>
+            </a:endParaRPr>
+          </a:p>
+        </p:txBody>
+      </p:sp>
+      <p:sp>
+        <p:nvSpPr>
+          <p:cNvPr id="5" name="제목 1">
+            <a:extLst>
+              <a:ext uri="{FF2B5EF4-FFF2-40B4-BE49-F238E27FC236}">
+                <a16:creationId xmlns:a16="http://schemas.microsoft.com/office/drawing/2014/main" id="{07F146A0-F85E-4606-9A58-AA9F91C137C8}"/>
+              </a:ext>
+            </a:extLst>
+          </p:cNvPr>
+          <p:cNvSpPr>
+            <a:spLocks noGrp="1"/>
+          </p:cNvSpPr>
+          <p:nvPr>
+            <p:ph type="title"/>
+          </p:nvPr>
+        </p:nvSpPr>
+        <p:spPr>
+          <a:xfrm>
+            <a:off x="628650" y="365126"/>
+            <a:ext cx="7886700" cy="1325563"/>
+          </a:xfrm>
+        </p:spPr>
+        <p:txBody>
+          <a:bodyPr>
+            <a:normAutofit/>
+          </a:bodyPr>
+          <a:lstStyle/>
+          <a:p>
+            <a:pPr algn="ctr"/>
+            <a:r>
+              <a:rPr lang="en-US" altLang="ko-KR" dirty="0"/>
+              <a:t>Mitigation : Same Origin Policy</a:t>
+            </a:r>
+            <a:br>
+              <a:rPr lang="en-US" altLang="ko-KR" dirty="0"/>
+            </a:br>
+            <a:r>
+              <a:rPr lang="en-US" altLang="ko-KR" sz="3100" dirty="0">
+                <a:solidFill>
+                  <a:schemeClr val="bg1">
+                    <a:lumMod val="65000"/>
+                  </a:schemeClr>
+                </a:solidFill>
+              </a:rPr>
+              <a:t>Origin </a:t>
+            </a:r>
+            <a:r>
+              <a:rPr lang="ko-KR" altLang="en-US" sz="3100" dirty="0">
+                <a:solidFill>
+                  <a:schemeClr val="bg1">
+                    <a:lumMod val="65000"/>
+                  </a:schemeClr>
+                </a:solidFill>
+              </a:rPr>
+              <a:t>구분 방법 </a:t>
+            </a:r>
+            <a:r>
+              <a:rPr lang="en-US" altLang="ko-KR" sz="3100" dirty="0">
+                <a:solidFill>
+                  <a:schemeClr val="bg1">
+                    <a:lumMod val="65000"/>
+                  </a:schemeClr>
+                </a:solidFill>
+              </a:rPr>
+              <a:t>&amp; Cross Origin</a:t>
+            </a:r>
+            <a:endParaRPr lang="ko-KR" altLang="en-US" dirty="0"/>
+          </a:p>
+        </p:txBody>
+      </p:sp>
+      <p:graphicFrame>
+        <p:nvGraphicFramePr>
+          <p:cNvPr id="7" name="다이어그램 6">
+            <a:extLst>
+              <a:ext uri="{FF2B5EF4-FFF2-40B4-BE49-F238E27FC236}">
+                <a16:creationId xmlns:a16="http://schemas.microsoft.com/office/drawing/2014/main" id="{1DEE0547-DC93-4804-A1BF-583DAB00EAFD}"/>
+              </a:ext>
+            </a:extLst>
+          </p:cNvPr>
+          <p:cNvGraphicFramePr/>
+          <p:nvPr>
+            <p:extLst>
+              <p:ext uri="{D42A27DB-BD31-4B8C-83A1-F6EECF244321}">
+                <p14:modId xmlns:p14="http://schemas.microsoft.com/office/powerpoint/2010/main" val="2161541940"/>
+              </p:ext>
+            </p:extLst>
+          </p:nvPr>
+        </p:nvGraphicFramePr>
+        <p:xfrm>
+          <a:off x="413861" y="2882599"/>
+          <a:ext cx="4008804" cy="1908909"/>
+        </p:xfrm>
+        <a:graphic>
+          <a:graphicData uri="http://schemas.openxmlformats.org/drawingml/2006/diagram">
+            <dgm:relIds xmlns:dgm="http://schemas.openxmlformats.org/drawingml/2006/diagram" xmlns:r="http://schemas.openxmlformats.org/officeDocument/2006/relationships" r:dm="rId2" r:lo="rId3" r:qs="rId4" r:cs="rId5"/>
+          </a:graphicData>
+        </a:graphic>
+      </p:graphicFrame>
+      <p:sp>
+        <p:nvSpPr>
+          <p:cNvPr id="8" name="사각형: 모서리가 접힌 도형 7">
+            <a:extLst>
+              <a:ext uri="{FF2B5EF4-FFF2-40B4-BE49-F238E27FC236}">
+                <a16:creationId xmlns:a16="http://schemas.microsoft.com/office/drawing/2014/main" id="{E64E8AFB-5690-4C73-BF88-AF54AA3D3D74}"/>
+              </a:ext>
+            </a:extLst>
+          </p:cNvPr>
+          <p:cNvSpPr/>
+          <p:nvPr/>
+        </p:nvSpPr>
+        <p:spPr>
+          <a:xfrm>
+            <a:off x="3089067" y="4064572"/>
+            <a:ext cx="2018322" cy="926123"/>
+          </a:xfrm>
+          <a:prstGeom prst="foldedCorner">
+            <a:avLst/>
+          </a:prstGeom>
+          <a:solidFill>
+            <a:schemeClr val="tx1"/>
+          </a:solidFill>
+        </p:spPr>
+        <p:style>
+          <a:lnRef idx="2">
+            <a:schemeClr val="accent1">
+              <a:shade val="50000"/>
+            </a:schemeClr>
+          </a:lnRef>
+          <a:fillRef idx="1">
+            <a:schemeClr val="accent1"/>
+          </a:fillRef>
+          <a:effectRef idx="0">
+            <a:schemeClr val="accent1"/>
+          </a:effectRef>
+          <a:fontRef idx="minor">
+            <a:schemeClr val="lt1"/>
+          </a:fontRef>
+        </p:style>
+        <p:txBody>
+          <a:bodyPr rtlCol="0" anchor="b"/>
+          <a:lstStyle/>
+          <a:p>
+            <a:pPr algn="ctr"/>
+            <a:r>
+              <a:rPr lang="en-US" altLang="ko-KR" dirty="0">
+                <a:solidFill>
+                  <a:schemeClr val="bg1"/>
+                </a:solidFill>
+                <a:latin typeface="sn별별정직" panose="02000500000000000000" pitchFamily="2" charset="0"/>
+                <a:ea typeface="sn별별정직" panose="02000500000000000000" pitchFamily="2" charset="0"/>
+              </a:rPr>
+              <a:t>Path</a:t>
+            </a:r>
+            <a:r>
+              <a:rPr lang="ko-KR" altLang="en-US" dirty="0">
+                <a:solidFill>
+                  <a:schemeClr val="bg1"/>
+                </a:solidFill>
+                <a:latin typeface="sn별별정직" panose="02000500000000000000" pitchFamily="2" charset="0"/>
+                <a:ea typeface="sn별별정직" panose="02000500000000000000" pitchFamily="2" charset="0"/>
+              </a:rPr>
+              <a:t>의 경우 다르더라도</a:t>
+            </a:r>
+            <a:endParaRPr lang="en-US" altLang="ko-KR" dirty="0">
+              <a:solidFill>
+                <a:schemeClr val="bg1"/>
+              </a:solidFill>
+              <a:latin typeface="sn별별정직" panose="02000500000000000000" pitchFamily="2" charset="0"/>
+              <a:ea typeface="sn별별정직" panose="02000500000000000000" pitchFamily="2" charset="0"/>
+            </a:endParaRPr>
+          </a:p>
+          <a:p>
+            <a:pPr algn="ctr"/>
+            <a:r>
+              <a:rPr lang="en-US" altLang="ko-KR" dirty="0">
+                <a:solidFill>
+                  <a:schemeClr val="bg1"/>
+                </a:solidFill>
+                <a:latin typeface="sn별별정직" panose="02000500000000000000" pitchFamily="2" charset="0"/>
+                <a:ea typeface="sn별별정직" panose="02000500000000000000" pitchFamily="2" charset="0"/>
+              </a:rPr>
+              <a:t>Same Origin</a:t>
+            </a:r>
+            <a:r>
+              <a:rPr lang="ko-KR" altLang="en-US" dirty="0">
+                <a:solidFill>
+                  <a:schemeClr val="bg1"/>
+                </a:solidFill>
+                <a:latin typeface="sn별별정직" panose="02000500000000000000" pitchFamily="2" charset="0"/>
+                <a:ea typeface="sn별별정직" panose="02000500000000000000" pitchFamily="2" charset="0"/>
+              </a:rPr>
+              <a:t>으로 인식</a:t>
+            </a:r>
+          </a:p>
+        </p:txBody>
+      </p:sp>
+      <p:sp>
+        <p:nvSpPr>
+          <p:cNvPr id="10" name="사각형: 잘린 대각선 방향 모서리 9">
+            <a:extLst>
+              <a:ext uri="{FF2B5EF4-FFF2-40B4-BE49-F238E27FC236}">
+                <a16:creationId xmlns:a16="http://schemas.microsoft.com/office/drawing/2014/main" id="{6BEC190E-8F8A-4450-B350-C63E8A20E530}"/>
+              </a:ext>
+            </a:extLst>
+          </p:cNvPr>
+          <p:cNvSpPr/>
+          <p:nvPr/>
+        </p:nvSpPr>
+        <p:spPr>
+          <a:xfrm>
+            <a:off x="5603140" y="4215996"/>
+            <a:ext cx="3305909" cy="2409092"/>
+          </a:xfrm>
+          <a:prstGeom prst="snip2DiagRect">
+            <a:avLst>
+              <a:gd name="adj1" fmla="val 0"/>
+              <a:gd name="adj2" fmla="val 5016"/>
+            </a:avLst>
+          </a:prstGeom>
+          <a:solidFill>
+            <a:schemeClr val="tx1"/>
+          </a:solidFill>
+        </p:spPr>
+        <p:style>
+          <a:lnRef idx="2">
+            <a:schemeClr val="accent1">
+              <a:shade val="50000"/>
+            </a:schemeClr>
+          </a:lnRef>
+          <a:fillRef idx="1">
+            <a:schemeClr val="accent1"/>
+          </a:fillRef>
+          <a:effectRef idx="0">
+            <a:schemeClr val="accent1"/>
+          </a:effectRef>
+          <a:fontRef idx="minor">
+            <a:schemeClr val="lt1"/>
+          </a:fontRef>
+        </p:style>
+        <p:txBody>
+          <a:bodyPr rtlCol="0" anchor="ctr"/>
+          <a:lstStyle/>
+          <a:p>
+            <a:pPr algn="ctr"/>
+            <a:r>
+              <a:rPr lang="en-US" altLang="ko-KR" sz="2000" dirty="0">
+                <a:latin typeface="sn별별정직" panose="02000500000000000000" pitchFamily="2" charset="0"/>
+                <a:ea typeface="sn별별정직" panose="02000500000000000000" pitchFamily="2" charset="0"/>
+              </a:rPr>
+              <a:t>Cross Origin </a:t>
+            </a:r>
+            <a:r>
+              <a:rPr lang="ko-KR" altLang="en-US" sz="2000" dirty="0">
+                <a:latin typeface="sn별별정직" panose="02000500000000000000" pitchFamily="2" charset="0"/>
+                <a:ea typeface="sn별별정직" panose="02000500000000000000" pitchFamily="2" charset="0"/>
+              </a:rPr>
+              <a:t>데이터 읽기</a:t>
+            </a:r>
+            <a:r>
+              <a:rPr lang="en-US" altLang="ko-KR" sz="2000" dirty="0">
+                <a:latin typeface="sn별별정직" panose="02000500000000000000" pitchFamily="2" charset="0"/>
+                <a:ea typeface="sn별별정직" panose="02000500000000000000" pitchFamily="2" charset="0"/>
+              </a:rPr>
+              <a:t>/</a:t>
+            </a:r>
+            <a:r>
+              <a:rPr lang="ko-KR" altLang="en-US" sz="2000" dirty="0">
+                <a:latin typeface="sn별별정직" panose="02000500000000000000" pitchFamily="2" charset="0"/>
+                <a:ea typeface="sn별별정직" panose="02000500000000000000" pitchFamily="2" charset="0"/>
+              </a:rPr>
+              <a:t>쓰기</a:t>
+            </a:r>
+            <a:endParaRPr lang="en-US" altLang="ko-KR" sz="2000" dirty="0">
+              <a:latin typeface="sn별별정직" panose="02000500000000000000" pitchFamily="2" charset="0"/>
+              <a:ea typeface="sn별별정직" panose="02000500000000000000" pitchFamily="2" charset="0"/>
+            </a:endParaRPr>
+          </a:p>
+          <a:p>
+            <a:pPr algn="ctr"/>
+            <a:endParaRPr lang="en-US" altLang="ko-KR" sz="2000" dirty="0">
+              <a:latin typeface="sn별별정직" panose="02000500000000000000" pitchFamily="2" charset="0"/>
+              <a:ea typeface="sn별별정직" panose="02000500000000000000" pitchFamily="2" charset="0"/>
+            </a:endParaRPr>
+          </a:p>
+          <a:p>
+            <a:pPr algn="ctr"/>
+            <a:r>
+              <a:rPr lang="ko-KR" altLang="en-US" sz="2000" dirty="0">
+                <a:latin typeface="sn별별정직" panose="02000500000000000000" pitchFamily="2" charset="0"/>
+                <a:ea typeface="sn별별정직" panose="02000500000000000000" pitchFamily="2" charset="0"/>
+              </a:rPr>
+              <a:t>외부 출처에서 불러온 데이터를</a:t>
+            </a:r>
+            <a:endParaRPr lang="en-US" altLang="ko-KR" sz="2000" dirty="0">
+              <a:latin typeface="sn별별정직" panose="02000500000000000000" pitchFamily="2" charset="0"/>
+              <a:ea typeface="sn별별정직" panose="02000500000000000000" pitchFamily="2" charset="0"/>
+            </a:endParaRPr>
+          </a:p>
+          <a:p>
+            <a:pPr marL="457200" indent="-457200" algn="ctr">
+              <a:buAutoNum type="arabicPeriod"/>
+            </a:pPr>
+            <a:r>
+              <a:rPr lang="ko-KR" altLang="en-US" sz="2000" dirty="0">
+                <a:latin typeface="sn별별정직" panose="02000500000000000000" pitchFamily="2" charset="0"/>
+                <a:ea typeface="sn별별정직" panose="02000500000000000000" pitchFamily="2" charset="0"/>
+              </a:rPr>
+              <a:t>읽으려 할 때 </a:t>
+            </a:r>
+            <a:r>
+              <a:rPr lang="en-US" altLang="ko-KR" sz="2000" dirty="0">
+                <a:latin typeface="sn별별정직" panose="02000500000000000000" pitchFamily="2" charset="0"/>
+                <a:ea typeface="sn별별정직" panose="02000500000000000000" pitchFamily="2" charset="0"/>
+              </a:rPr>
+              <a:t>-&gt; </a:t>
+            </a:r>
+            <a:r>
+              <a:rPr lang="ko-KR" altLang="en-US" sz="2000" dirty="0">
+                <a:latin typeface="sn별별정직" panose="02000500000000000000" pitchFamily="2" charset="0"/>
+                <a:ea typeface="sn별별정직" panose="02000500000000000000" pitchFamily="2" charset="0"/>
+              </a:rPr>
+              <a:t>오류 발생</a:t>
+            </a:r>
+            <a:endParaRPr lang="en-US" altLang="ko-KR" sz="2000" dirty="0">
+              <a:latin typeface="sn별별정직" panose="02000500000000000000" pitchFamily="2" charset="0"/>
+              <a:ea typeface="sn별별정직" panose="02000500000000000000" pitchFamily="2" charset="0"/>
+            </a:endParaRPr>
+          </a:p>
+          <a:p>
+            <a:pPr marL="457200" indent="-457200" algn="ctr">
+              <a:buAutoNum type="arabicPeriod"/>
+            </a:pPr>
+            <a:r>
+              <a:rPr lang="ko-KR" altLang="en-US" sz="2000" dirty="0">
+                <a:latin typeface="sn별별정직" panose="02000500000000000000" pitchFamily="2" charset="0"/>
+                <a:ea typeface="sn별별정직" panose="02000500000000000000" pitchFamily="2" charset="0"/>
+              </a:rPr>
+              <a:t>쓰는 것 </a:t>
+            </a:r>
+            <a:r>
+              <a:rPr lang="en-US" altLang="ko-KR" sz="2000" dirty="0">
+                <a:latin typeface="sn별별정직" panose="02000500000000000000" pitchFamily="2" charset="0"/>
+                <a:ea typeface="sn별별정직" panose="02000500000000000000" pitchFamily="2" charset="0"/>
+              </a:rPr>
+              <a:t>-&gt; </a:t>
+            </a:r>
+            <a:r>
+              <a:rPr lang="ko-KR" altLang="en-US" sz="2000" dirty="0">
+                <a:latin typeface="sn별별정직" panose="02000500000000000000" pitchFamily="2" charset="0"/>
+                <a:ea typeface="sn별별정직" panose="02000500000000000000" pitchFamily="2" charset="0"/>
+              </a:rPr>
+              <a:t>문제 없이 동작</a:t>
+            </a:r>
+          </a:p>
+        </p:txBody>
+      </p:sp>
+      <p:sp>
+        <p:nvSpPr>
+          <p:cNvPr id="11" name="사각형: 둥근 대각선 방향 모서리 10">
+            <a:extLst>
+              <a:ext uri="{FF2B5EF4-FFF2-40B4-BE49-F238E27FC236}">
+                <a16:creationId xmlns:a16="http://schemas.microsoft.com/office/drawing/2014/main" id="{5764DBEE-A2B4-4B11-B387-94513EB47BB0}"/>
+              </a:ext>
+            </a:extLst>
+          </p:cNvPr>
+          <p:cNvSpPr/>
+          <p:nvPr/>
+        </p:nvSpPr>
+        <p:spPr>
+          <a:xfrm>
+            <a:off x="5519077" y="1852051"/>
+            <a:ext cx="3176954" cy="1606061"/>
+          </a:xfrm>
+          <a:prstGeom prst="round2DiagRect">
+            <a:avLst>
+              <a:gd name="adj1" fmla="val 5718"/>
+              <a:gd name="adj2" fmla="val 0"/>
+            </a:avLst>
+          </a:prstGeom>
+          <a:solidFill>
+            <a:schemeClr val="tx1"/>
+          </a:solidFill>
+        </p:spPr>
+        <p:style>
+          <a:lnRef idx="2">
+            <a:schemeClr val="accent1">
+              <a:shade val="50000"/>
+            </a:schemeClr>
+          </a:lnRef>
+          <a:fillRef idx="1">
+            <a:schemeClr val="accent1"/>
+          </a:fillRef>
+          <a:effectRef idx="0">
+            <a:schemeClr val="accent1"/>
+          </a:effectRef>
+          <a:fontRef idx="minor">
+            <a:schemeClr val="lt1"/>
+          </a:fontRef>
+        </p:style>
+        <p:txBody>
+          <a:bodyPr rtlCol="0" anchor="ctr"/>
+          <a:lstStyle/>
+          <a:p>
+            <a:pPr algn="ctr"/>
+            <a:r>
+              <a:rPr lang="ko-KR" altLang="en-US" sz="2800" dirty="0">
+                <a:latin typeface="sn별별정직" panose="02000500000000000000" pitchFamily="2" charset="0"/>
+                <a:ea typeface="sn별별정직" panose="02000500000000000000" pitchFamily="2" charset="0"/>
+              </a:rPr>
+              <a:t>예외</a:t>
+            </a:r>
+            <a:endParaRPr lang="en-US" altLang="ko-KR" sz="2800" dirty="0">
+              <a:latin typeface="sn별별정직" panose="02000500000000000000" pitchFamily="2" charset="0"/>
+              <a:ea typeface="sn별별정직" panose="02000500000000000000" pitchFamily="2" charset="0"/>
+            </a:endParaRPr>
+          </a:p>
+          <a:p>
+            <a:pPr algn="ctr"/>
+            <a:r>
+              <a:rPr lang="en-US" altLang="ko-KR" sz="1600" dirty="0">
+                <a:solidFill>
+                  <a:schemeClr val="bg1">
+                    <a:lumMod val="65000"/>
+                  </a:schemeClr>
+                </a:solidFill>
+                <a:latin typeface="sn별별정직" panose="02000500000000000000" pitchFamily="2" charset="0"/>
+                <a:ea typeface="sn별별정직" panose="02000500000000000000" pitchFamily="2" charset="0"/>
+              </a:rPr>
+              <a:t>SOP </a:t>
+            </a:r>
+            <a:r>
+              <a:rPr lang="ko-KR" altLang="en-US" sz="1600" dirty="0">
+                <a:solidFill>
+                  <a:schemeClr val="bg1">
+                    <a:lumMod val="65000"/>
+                  </a:schemeClr>
+                </a:solidFill>
+                <a:latin typeface="sn별별정직" panose="02000500000000000000" pitchFamily="2" charset="0"/>
+                <a:ea typeface="sn별별정직" panose="02000500000000000000" pitchFamily="2" charset="0"/>
+              </a:rPr>
+              <a:t>상관없이 외부 출처에 대한 접근 허용</a:t>
+            </a:r>
+            <a:endParaRPr lang="en-US" altLang="ko-KR" sz="1050" dirty="0">
+              <a:latin typeface="sn별별정직" panose="02000500000000000000" pitchFamily="2" charset="0"/>
+              <a:ea typeface="sn별별정직" panose="02000500000000000000" pitchFamily="2" charset="0"/>
+            </a:endParaRPr>
+          </a:p>
+          <a:p>
+            <a:pPr algn="ctr"/>
+            <a:r>
+              <a:rPr lang="en-US" altLang="ko-KR" dirty="0">
+                <a:latin typeface="sn별별정직" panose="02000500000000000000" pitchFamily="2" charset="0"/>
+                <a:ea typeface="sn별별정직" panose="02000500000000000000" pitchFamily="2" charset="0"/>
+              </a:rPr>
+              <a:t>&lt;img&gt; &lt;style&gt; &lt;script&gt; </a:t>
+            </a:r>
+            <a:r>
+              <a:rPr lang="ko-KR" altLang="en-US" dirty="0">
+                <a:latin typeface="sn별별정직" panose="02000500000000000000" pitchFamily="2" charset="0"/>
+                <a:ea typeface="sn별별정직" panose="02000500000000000000" pitchFamily="2" charset="0"/>
+              </a:rPr>
+              <a:t>등의 태그</a:t>
+            </a:r>
+            <a:endParaRPr lang="en-US" altLang="ko-KR" dirty="0">
+              <a:latin typeface="sn별별정직" panose="02000500000000000000" pitchFamily="2" charset="0"/>
+              <a:ea typeface="sn별별정직" panose="02000500000000000000" pitchFamily="2" charset="0"/>
+            </a:endParaRPr>
+          </a:p>
+          <a:p>
+            <a:pPr algn="ctr"/>
+            <a:r>
+              <a:rPr lang="ko-KR" altLang="en-US" sz="1400" dirty="0">
+                <a:solidFill>
+                  <a:schemeClr val="bg1">
+                    <a:lumMod val="65000"/>
+                  </a:schemeClr>
+                </a:solidFill>
+                <a:latin typeface="sn별별정직" panose="02000500000000000000" pitchFamily="2" charset="0"/>
+                <a:ea typeface="sn별별정직" panose="02000500000000000000" pitchFamily="2" charset="0"/>
+              </a:rPr>
+              <a:t>이미지</a:t>
+            </a:r>
+            <a:r>
+              <a:rPr lang="en-US" altLang="ko-KR" sz="1400" dirty="0">
+                <a:solidFill>
+                  <a:schemeClr val="bg1">
+                    <a:lumMod val="65000"/>
+                  </a:schemeClr>
+                </a:solidFill>
+                <a:latin typeface="sn별별정직" panose="02000500000000000000" pitchFamily="2" charset="0"/>
+                <a:ea typeface="sn별별정직" panose="02000500000000000000" pitchFamily="2" charset="0"/>
+              </a:rPr>
+              <a:t>, </a:t>
+            </a:r>
+            <a:r>
+              <a:rPr lang="ko-KR" altLang="en-US" sz="1400" dirty="0">
+                <a:solidFill>
+                  <a:schemeClr val="bg1">
+                    <a:lumMod val="65000"/>
+                  </a:schemeClr>
+                </a:solidFill>
+                <a:latin typeface="sn별별정직" panose="02000500000000000000" pitchFamily="2" charset="0"/>
+                <a:ea typeface="sn별별정직" panose="02000500000000000000" pitchFamily="2" charset="0"/>
+              </a:rPr>
+              <a:t>자바스크립트</a:t>
+            </a:r>
+            <a:r>
+              <a:rPr lang="en-US" altLang="ko-KR" sz="1400" dirty="0">
+                <a:solidFill>
+                  <a:schemeClr val="bg1">
+                    <a:lumMod val="65000"/>
+                  </a:schemeClr>
+                </a:solidFill>
+                <a:latin typeface="sn별별정직" panose="02000500000000000000" pitchFamily="2" charset="0"/>
+                <a:ea typeface="sn별별정직" panose="02000500000000000000" pitchFamily="2" charset="0"/>
+              </a:rPr>
+              <a:t>, CSS </a:t>
+            </a:r>
+            <a:r>
+              <a:rPr lang="ko-KR" altLang="en-US" sz="1400" dirty="0">
+                <a:solidFill>
+                  <a:schemeClr val="bg1">
+                    <a:lumMod val="65000"/>
+                  </a:schemeClr>
+                </a:solidFill>
+                <a:latin typeface="sn별별정직" panose="02000500000000000000" pitchFamily="2" charset="0"/>
+                <a:ea typeface="sn별별정직" panose="02000500000000000000" pitchFamily="2" charset="0"/>
+              </a:rPr>
+              <a:t>등의 리소스를 불러옴</a:t>
+            </a:r>
+          </a:p>
+        </p:txBody>
+      </p:sp>
+      <p:cxnSp>
+        <p:nvCxnSpPr>
+          <p:cNvPr id="13" name="직선 화살표 연결선 12">
+            <a:extLst>
+              <a:ext uri="{FF2B5EF4-FFF2-40B4-BE49-F238E27FC236}">
+                <a16:creationId xmlns:a16="http://schemas.microsoft.com/office/drawing/2014/main" id="{378DE801-BEF8-48CD-A193-829712B4ECDE}"/>
+              </a:ext>
+            </a:extLst>
+          </p:cNvPr>
+          <p:cNvCxnSpPr>
+            <a:cxnSpLocks/>
+            <a:endCxn id="14" idx="3"/>
+          </p:cNvCxnSpPr>
+          <p:nvPr/>
+        </p:nvCxnSpPr>
+        <p:spPr>
+          <a:xfrm flipH="1">
+            <a:off x="2591861" y="3287143"/>
+            <a:ext cx="894178" cy="0"/>
+          </a:xfrm>
+          <a:prstGeom prst="straightConnector1">
+            <a:avLst/>
+          </a:prstGeom>
+          <a:ln w="19050">
+            <a:prstDash val="dash"/>
+            <a:tailEnd type="triangle"/>
+          </a:ln>
+        </p:spPr>
+        <p:style>
+          <a:lnRef idx="1">
+            <a:schemeClr val="accent1"/>
+          </a:lnRef>
+          <a:fillRef idx="0">
+            <a:schemeClr val="accent1"/>
+          </a:fillRef>
+          <a:effectRef idx="0">
+            <a:schemeClr val="accent1"/>
+          </a:effectRef>
+          <a:fontRef idx="minor">
+            <a:schemeClr val="tx1"/>
+          </a:fontRef>
+        </p:style>
+      </p:cxnSp>
+      <p:sp>
+        <p:nvSpPr>
+          <p:cNvPr id="14" name="직사각형 13">
+            <a:extLst>
+              <a:ext uri="{FF2B5EF4-FFF2-40B4-BE49-F238E27FC236}">
+                <a16:creationId xmlns:a16="http://schemas.microsoft.com/office/drawing/2014/main" id="{E94E067F-933B-4955-BFCF-DD4E29CF7F93}"/>
+              </a:ext>
+            </a:extLst>
+          </p:cNvPr>
+          <p:cNvSpPr/>
+          <p:nvPr/>
+        </p:nvSpPr>
+        <p:spPr>
+          <a:xfrm>
+            <a:off x="1185092" y="3014483"/>
+            <a:ext cx="1406769" cy="545319"/>
+          </a:xfrm>
+          <a:prstGeom prst="rect">
+            <a:avLst/>
+          </a:prstGeom>
+          <a:solidFill>
+            <a:schemeClr val="tx1"/>
+          </a:solidFill>
+        </p:spPr>
+        <p:style>
+          <a:lnRef idx="2">
+            <a:schemeClr val="accent1">
+              <a:shade val="50000"/>
+            </a:schemeClr>
+          </a:lnRef>
+          <a:fillRef idx="1">
+            <a:schemeClr val="accent1"/>
+          </a:fillRef>
+          <a:effectRef idx="0">
+            <a:schemeClr val="accent1"/>
+          </a:effectRef>
+          <a:fontRef idx="minor">
+            <a:schemeClr val="lt1"/>
+          </a:fontRef>
+        </p:style>
+        <p:txBody>
+          <a:bodyPr rtlCol="0" anchor="ctr"/>
+          <a:lstStyle/>
+          <a:p>
+            <a:pPr algn="ctr"/>
+            <a:r>
+              <a:rPr lang="ko-KR" altLang="en-US" dirty="0">
+                <a:latin typeface="sn별별정직" panose="02000500000000000000" pitchFamily="2" charset="0"/>
+                <a:ea typeface="sn별별정직" panose="02000500000000000000" pitchFamily="2" charset="0"/>
+              </a:rPr>
+              <a:t>구성 요소</a:t>
+            </a:r>
+          </a:p>
+        </p:txBody>
+      </p:sp>
+      <p:sp>
+        <p:nvSpPr>
+          <p:cNvPr id="18" name="화살표: 줄무늬가 있는 오른쪽 17">
+            <a:extLst>
+              <a:ext uri="{FF2B5EF4-FFF2-40B4-BE49-F238E27FC236}">
+                <a16:creationId xmlns:a16="http://schemas.microsoft.com/office/drawing/2014/main" id="{8E095B76-7868-4A24-A453-0BA40DC5B89D}"/>
+              </a:ext>
+            </a:extLst>
+          </p:cNvPr>
+          <p:cNvSpPr/>
+          <p:nvPr/>
+        </p:nvSpPr>
+        <p:spPr>
+          <a:xfrm rot="16200000">
+            <a:off x="6728612" y="3756677"/>
+            <a:ext cx="757885" cy="160754"/>
+          </a:xfrm>
+          <a:prstGeom prst="stripedRightArrow">
+            <a:avLst>
+              <a:gd name="adj1" fmla="val 35145"/>
+              <a:gd name="adj2" fmla="val 69447"/>
+            </a:avLst>
+          </a:prstGeom>
+          <a:solidFill>
+            <a:schemeClr val="tx1"/>
+          </a:solidFill>
+        </p:spPr>
+        <p:style>
+          <a:lnRef idx="2">
+            <a:schemeClr val="accent1">
+              <a:shade val="50000"/>
+            </a:schemeClr>
+          </a:lnRef>
+          <a:fillRef idx="1">
+            <a:schemeClr val="accent1"/>
+          </a:fillRef>
+          <a:effectRef idx="0">
+            <a:schemeClr val="accent1"/>
+          </a:effectRef>
+          <a:fontRef idx="minor">
+            <a:schemeClr val="lt1"/>
+          </a:fontRef>
+        </p:style>
+        <p:txBody>
+          <a:bodyPr rtlCol="0" anchor="ctr"/>
+          <a:lstStyle/>
+          <a:p>
+            <a:pPr algn="ctr"/>
+            <a:endParaRPr lang="ko-KR" altLang="en-US" dirty="0"/>
+          </a:p>
+        </p:txBody>
+      </p:sp>
+      <p:sp>
+        <p:nvSpPr>
+          <p:cNvPr id="19" name="바닥글 개체 틀 18">
+            <a:extLst>
+              <a:ext uri="{FF2B5EF4-FFF2-40B4-BE49-F238E27FC236}">
+                <a16:creationId xmlns:a16="http://schemas.microsoft.com/office/drawing/2014/main" id="{69630132-338F-46D0-AD60-99A9D933608E}"/>
+              </a:ext>
+            </a:extLst>
+          </p:cNvPr>
+          <p:cNvSpPr>
+            <a:spLocks noGrp="1"/>
+          </p:cNvSpPr>
+          <p:nvPr>
+            <p:ph type="ftr" sz="quarter" idx="11"/>
+          </p:nvPr>
+        </p:nvSpPr>
+        <p:spPr/>
+        <p:txBody>
+          <a:bodyPr/>
+          <a:lstStyle/>
+          <a:p>
+            <a:r>
+              <a:rPr lang="en-US" altLang="ko-KR"/>
+              <a:t>SOP ; Same Origin Policy</a:t>
+            </a:r>
+            <a:endParaRPr lang="ko-KR" altLang="en-US" dirty="0"/>
+          </a:p>
+        </p:txBody>
+      </p:sp>
+    </p:spTree>
+    <p:extLst>
+      <p:ext uri="{BB962C8B-B14F-4D97-AF65-F5344CB8AC3E}">
+        <p14:creationId xmlns:p14="http://schemas.microsoft.com/office/powerpoint/2010/main" val="4065844111"/>
+      </p:ext>
+    </p:extLst>
+  </p:cSld>
+  <p:clrMapOvr>
+    <a:masterClrMapping/>
+  </p:clrMapOvr>
+</p:sld>
+</file>
+
+<file path=ppt/slides/slide28.xml><?xml version="1.0" encoding="utf-8"?>
+<p:sld xmlns:a="http://schemas.openxmlformats.org/drawingml/2006/main" xmlns:r="http://schemas.openxmlformats.org/officeDocument/2006/relationships" xmlns:p="http://schemas.openxmlformats.org/presentationml/2006/main">
+  <p:cSld>
+    <p:spTree>
+      <p:nvGrpSpPr>
+        <p:cNvPr id="1" name=""/>
+        <p:cNvGrpSpPr/>
+        <p:nvPr/>
+      </p:nvGrpSpPr>
+      <p:grpSpPr>
+        <a:xfrm>
+          <a:off x="0" y="0"/>
+          <a:ext cx="0" cy="0"/>
+          <a:chOff x="0" y="0"/>
+          <a:chExt cx="0" cy="0"/>
+        </a:xfrm>
+      </p:grpSpPr>
+      <p:sp>
+        <p:nvSpPr>
+          <p:cNvPr id="4" name="직사각형 3">
+            <a:extLst>
+              <a:ext uri="{FF2B5EF4-FFF2-40B4-BE49-F238E27FC236}">
+                <a16:creationId xmlns:a16="http://schemas.microsoft.com/office/drawing/2014/main" id="{12D60E16-A6AB-4F1E-8AD2-E174D25ACBA3}"/>
+              </a:ext>
+            </a:extLst>
+          </p:cNvPr>
+          <p:cNvSpPr/>
+          <p:nvPr/>
+        </p:nvSpPr>
+        <p:spPr>
+          <a:xfrm>
+            <a:off x="318501" y="704494"/>
+            <a:ext cx="8590548" cy="228311"/>
+          </a:xfrm>
+          <a:prstGeom prst="rect">
+            <a:avLst/>
+          </a:prstGeom>
+          <a:solidFill>
+            <a:schemeClr val="accent1">
+              <a:alpha val="50000"/>
+            </a:schemeClr>
+          </a:solidFill>
+          <a:ln>
+            <a:noFill/>
+          </a:ln>
+        </p:spPr>
+        <p:style>
+          <a:lnRef idx="2">
+            <a:schemeClr val="accent1">
+              <a:shade val="50000"/>
+            </a:schemeClr>
+          </a:lnRef>
+          <a:fillRef idx="1">
+            <a:schemeClr val="accent1"/>
+          </a:fillRef>
+          <a:effectRef idx="0">
+            <a:schemeClr val="accent1"/>
+          </a:effectRef>
+          <a:fontRef idx="minor">
+            <a:schemeClr val="lt1"/>
+          </a:fontRef>
+        </p:style>
+        <p:txBody>
+          <a:bodyPr rtlCol="0" anchor="ctr"/>
+          <a:lstStyle/>
+          <a:p>
+            <a:pPr algn="ctr"/>
+            <a:endParaRPr lang="ko-KR" altLang="en-US" sz="8000" dirty="0">
+              <a:latin typeface="sn별별정직" panose="02000500000000000000" pitchFamily="2" charset="0"/>
+              <a:ea typeface="sn별별정직" panose="02000500000000000000" pitchFamily="2" charset="0"/>
+            </a:endParaRPr>
+          </a:p>
+        </p:txBody>
+      </p:sp>
+      <p:sp>
+        <p:nvSpPr>
+          <p:cNvPr id="5" name="제목 1">
+            <a:extLst>
+              <a:ext uri="{FF2B5EF4-FFF2-40B4-BE49-F238E27FC236}">
+                <a16:creationId xmlns:a16="http://schemas.microsoft.com/office/drawing/2014/main" id="{7E05B4EF-1B94-44D9-B74C-085F76C7826B}"/>
+              </a:ext>
+            </a:extLst>
+          </p:cNvPr>
+          <p:cNvSpPr>
+            <a:spLocks noGrp="1"/>
+          </p:cNvSpPr>
+          <p:nvPr>
+            <p:ph type="title"/>
+          </p:nvPr>
+        </p:nvSpPr>
+        <p:spPr>
+          <a:xfrm>
+            <a:off x="0" y="365126"/>
+            <a:ext cx="9144000" cy="1325563"/>
+          </a:xfrm>
+        </p:spPr>
+        <p:txBody>
+          <a:bodyPr>
+            <a:normAutofit fontScale="90000"/>
+          </a:bodyPr>
+          <a:lstStyle/>
+          <a:p>
+            <a:pPr algn="ctr"/>
+            <a:r>
+              <a:rPr lang="en-US" altLang="ko-KR" dirty="0"/>
+              <a:t>Mitigation : Cross Origin Resource Sharing</a:t>
+            </a:r>
+            <a:br>
+              <a:rPr lang="en-US" altLang="ko-KR" dirty="0"/>
+            </a:br>
+            <a:r>
+              <a:rPr lang="en-US" altLang="ko-KR" sz="3100" dirty="0">
+                <a:solidFill>
+                  <a:schemeClr val="bg1">
+                    <a:lumMod val="65000"/>
+                  </a:schemeClr>
+                </a:solidFill>
+              </a:rPr>
+              <a:t>CORS; </a:t>
+            </a:r>
+            <a:r>
+              <a:rPr lang="ko-KR" altLang="en-US" sz="3100" dirty="0">
+                <a:solidFill>
+                  <a:schemeClr val="bg1">
+                    <a:lumMod val="65000"/>
+                  </a:schemeClr>
+                </a:solidFill>
+              </a:rPr>
+              <a:t>교차 출처 리소스 공유</a:t>
+            </a:r>
+            <a:endParaRPr lang="ko-KR" altLang="en-US" dirty="0"/>
+          </a:p>
+        </p:txBody>
+      </p:sp>
+      <p:sp>
+        <p:nvSpPr>
+          <p:cNvPr id="6" name="TextBox 5">
+            <a:extLst>
+              <a:ext uri="{FF2B5EF4-FFF2-40B4-BE49-F238E27FC236}">
+                <a16:creationId xmlns:a16="http://schemas.microsoft.com/office/drawing/2014/main" id="{E0FB0301-6EA8-43A1-AAFA-397D6B8BE5FD}"/>
+              </a:ext>
+            </a:extLst>
+          </p:cNvPr>
+          <p:cNvSpPr txBox="1"/>
+          <p:nvPr/>
+        </p:nvSpPr>
+        <p:spPr>
+          <a:xfrm>
+            <a:off x="5556247" y="1690689"/>
+            <a:ext cx="3352802" cy="646331"/>
+          </a:xfrm>
+          <a:prstGeom prst="rect">
+            <a:avLst/>
+          </a:prstGeom>
+          <a:noFill/>
+        </p:spPr>
+        <p:txBody>
+          <a:bodyPr wrap="square" rtlCol="0">
+            <a:spAutoFit/>
+          </a:bodyPr>
+          <a:lstStyle/>
+          <a:p>
+            <a:r>
+              <a:rPr lang="en-US" altLang="ko-KR" dirty="0">
+                <a:solidFill>
+                  <a:schemeClr val="bg1">
+                    <a:lumMod val="65000"/>
+                  </a:schemeClr>
+                </a:solidFill>
+                <a:latin typeface="sn별별정직" panose="02000500000000000000" pitchFamily="2" charset="0"/>
+                <a:ea typeface="sn별별정직" panose="02000500000000000000" pitchFamily="2" charset="0"/>
+              </a:rPr>
+              <a:t>HTTP </a:t>
+            </a:r>
+            <a:r>
+              <a:rPr lang="ko-KR" altLang="en-US" dirty="0">
+                <a:solidFill>
+                  <a:schemeClr val="bg1">
+                    <a:lumMod val="65000"/>
+                  </a:schemeClr>
+                </a:solidFill>
+                <a:latin typeface="sn별별정직" panose="02000500000000000000" pitchFamily="2" charset="0"/>
+                <a:ea typeface="sn별별정직" panose="02000500000000000000" pitchFamily="2" charset="0"/>
+              </a:rPr>
+              <a:t>헤더에 기반한</a:t>
+            </a:r>
+            <a:endParaRPr lang="en-US" altLang="ko-KR" dirty="0">
+              <a:solidFill>
+                <a:schemeClr val="bg1">
+                  <a:lumMod val="65000"/>
+                </a:schemeClr>
+              </a:solidFill>
+              <a:latin typeface="sn별별정직" panose="02000500000000000000" pitchFamily="2" charset="0"/>
+              <a:ea typeface="sn별별정직" panose="02000500000000000000" pitchFamily="2" charset="0"/>
+            </a:endParaRPr>
+          </a:p>
+          <a:p>
+            <a:r>
+              <a:rPr lang="en-US" altLang="ko-KR" dirty="0">
+                <a:solidFill>
+                  <a:schemeClr val="bg1">
+                    <a:lumMod val="65000"/>
+                  </a:schemeClr>
+                </a:solidFill>
+                <a:latin typeface="sn별별정직" panose="02000500000000000000" pitchFamily="2" charset="0"/>
+                <a:ea typeface="sn별별정직" panose="02000500000000000000" pitchFamily="2" charset="0"/>
+              </a:rPr>
+              <a:t>CROSS ORIGIN </a:t>
+            </a:r>
+            <a:r>
+              <a:rPr lang="ko-KR" altLang="en-US" dirty="0">
+                <a:solidFill>
+                  <a:schemeClr val="bg1">
+                    <a:lumMod val="65000"/>
+                  </a:schemeClr>
+                </a:solidFill>
+                <a:latin typeface="sn별별정직" panose="02000500000000000000" pitchFamily="2" charset="0"/>
+                <a:ea typeface="sn별별정직" panose="02000500000000000000" pitchFamily="2" charset="0"/>
+              </a:rPr>
+              <a:t>간의 리소스 공유 방법</a:t>
+            </a:r>
+          </a:p>
+        </p:txBody>
+      </p:sp>
+      <p:cxnSp>
+        <p:nvCxnSpPr>
+          <p:cNvPr id="8" name="연결선: 꺾임 7">
+            <a:extLst>
+              <a:ext uri="{FF2B5EF4-FFF2-40B4-BE49-F238E27FC236}">
+                <a16:creationId xmlns:a16="http://schemas.microsoft.com/office/drawing/2014/main" id="{957A384D-AE52-480F-A415-659697EE7B96}"/>
+              </a:ext>
+            </a:extLst>
+          </p:cNvPr>
+          <p:cNvCxnSpPr>
+            <a:cxnSpLocks/>
+            <a:stCxn id="5" idx="2"/>
+            <a:endCxn id="6" idx="1"/>
+          </p:cNvCxnSpPr>
+          <p:nvPr/>
+        </p:nvCxnSpPr>
+        <p:spPr>
+          <a:xfrm rot="16200000" flipH="1">
+            <a:off x="4902540" y="1360148"/>
+            <a:ext cx="323166" cy="984247"/>
+          </a:xfrm>
+          <a:prstGeom prst="bentConnector2">
+            <a:avLst/>
+          </a:prstGeom>
+          <a:ln w="19050">
+            <a:prstDash val="dash"/>
+            <a:tailEnd type="triangle"/>
+          </a:ln>
+        </p:spPr>
+        <p:style>
+          <a:lnRef idx="1">
+            <a:schemeClr val="accent1"/>
+          </a:lnRef>
+          <a:fillRef idx="0">
+            <a:schemeClr val="accent1"/>
+          </a:fillRef>
+          <a:effectRef idx="0">
+            <a:schemeClr val="accent1"/>
+          </a:effectRef>
+          <a:fontRef idx="minor">
+            <a:schemeClr val="tx1"/>
+          </a:fontRef>
+        </p:style>
+      </p:cxnSp>
+      <p:sp>
+        <p:nvSpPr>
+          <p:cNvPr id="17" name="직사각형 16">
+            <a:extLst>
+              <a:ext uri="{FF2B5EF4-FFF2-40B4-BE49-F238E27FC236}">
+                <a16:creationId xmlns:a16="http://schemas.microsoft.com/office/drawing/2014/main" id="{92FF91A2-46F5-4AE5-ACCC-AD0FD09BF3B9}"/>
+              </a:ext>
+            </a:extLst>
+          </p:cNvPr>
+          <p:cNvSpPr/>
+          <p:nvPr/>
+        </p:nvSpPr>
+        <p:spPr>
+          <a:xfrm>
+            <a:off x="5650523" y="2337020"/>
+            <a:ext cx="3258526" cy="45719"/>
+          </a:xfrm>
+          <a:prstGeom prst="rect">
+            <a:avLst/>
+          </a:prstGeom>
+          <a:solidFill>
+            <a:schemeClr val="tx1"/>
+          </a:solidFill>
+        </p:spPr>
+        <p:style>
+          <a:lnRef idx="2">
+            <a:schemeClr val="accent1">
+              <a:shade val="50000"/>
+            </a:schemeClr>
+          </a:lnRef>
+          <a:fillRef idx="1">
+            <a:schemeClr val="accent1"/>
+          </a:fillRef>
+          <a:effectRef idx="0">
+            <a:schemeClr val="accent1"/>
+          </a:effectRef>
+          <a:fontRef idx="minor">
+            <a:schemeClr val="lt1"/>
+          </a:fontRef>
+        </p:style>
+        <p:txBody>
+          <a:bodyPr rtlCol="0" anchor="ctr"/>
+          <a:lstStyle/>
+          <a:p>
+            <a:pPr algn="ctr"/>
+            <a:endParaRPr lang="ko-KR" altLang="en-US" dirty="0"/>
+          </a:p>
+        </p:txBody>
+      </p:sp>
+      <p:sp>
+        <p:nvSpPr>
+          <p:cNvPr id="19" name="TextBox 18">
+            <a:extLst>
+              <a:ext uri="{FF2B5EF4-FFF2-40B4-BE49-F238E27FC236}">
+                <a16:creationId xmlns:a16="http://schemas.microsoft.com/office/drawing/2014/main" id="{B6737CD4-F466-44E3-8664-0918F57EC65A}"/>
+              </a:ext>
+            </a:extLst>
+          </p:cNvPr>
+          <p:cNvSpPr txBox="1"/>
+          <p:nvPr/>
+        </p:nvSpPr>
+        <p:spPr>
+          <a:xfrm>
+            <a:off x="5632692" y="2578136"/>
+            <a:ext cx="3352802" cy="369332"/>
+          </a:xfrm>
+          <a:prstGeom prst="rect">
+            <a:avLst/>
+          </a:prstGeom>
+          <a:noFill/>
+        </p:spPr>
+        <p:txBody>
+          <a:bodyPr wrap="square" rtlCol="0">
+            <a:spAutoFit/>
+          </a:bodyPr>
+          <a:lstStyle/>
+          <a:p>
+            <a:pPr algn="ctr"/>
+            <a:r>
+              <a:rPr lang="ko-KR" altLang="en-US" dirty="0">
+                <a:solidFill>
+                  <a:schemeClr val="bg1">
+                    <a:lumMod val="65000"/>
+                  </a:schemeClr>
+                </a:solidFill>
+                <a:latin typeface="sn별별정직" panose="02000500000000000000" pitchFamily="2" charset="0"/>
+                <a:ea typeface="sn별별정직" panose="02000500000000000000" pitchFamily="2" charset="0"/>
+              </a:rPr>
+              <a:t>발신측에서 </a:t>
+            </a:r>
+            <a:r>
+              <a:rPr lang="en-US" altLang="ko-KR" dirty="0">
+                <a:solidFill>
+                  <a:schemeClr val="bg1">
+                    <a:lumMod val="85000"/>
+                  </a:schemeClr>
+                </a:solidFill>
+                <a:latin typeface="sn별별정직" panose="02000500000000000000" pitchFamily="2" charset="0"/>
+                <a:ea typeface="sn별별정직" panose="02000500000000000000" pitchFamily="2" charset="0"/>
+              </a:rPr>
+              <a:t>CORS </a:t>
+            </a:r>
+            <a:r>
+              <a:rPr lang="ko-KR" altLang="en-US" dirty="0">
+                <a:solidFill>
+                  <a:schemeClr val="bg1">
+                    <a:lumMod val="85000"/>
+                  </a:schemeClr>
+                </a:solidFill>
+                <a:latin typeface="sn별별정직" panose="02000500000000000000" pitchFamily="2" charset="0"/>
+                <a:ea typeface="sn별별정직" panose="02000500000000000000" pitchFamily="2" charset="0"/>
+              </a:rPr>
+              <a:t>헤더를 설정</a:t>
+            </a:r>
+            <a:r>
+              <a:rPr lang="ko-KR" altLang="en-US" dirty="0">
+                <a:solidFill>
+                  <a:schemeClr val="bg1">
+                    <a:lumMod val="65000"/>
+                  </a:schemeClr>
+                </a:solidFill>
+                <a:latin typeface="sn별별정직" panose="02000500000000000000" pitchFamily="2" charset="0"/>
+                <a:ea typeface="sn별별정직" panose="02000500000000000000" pitchFamily="2" charset="0"/>
+              </a:rPr>
+              <a:t>해 요청</a:t>
+            </a:r>
+          </a:p>
+        </p:txBody>
+      </p:sp>
+      <p:sp>
+        <p:nvSpPr>
+          <p:cNvPr id="20" name="TextBox 19">
+            <a:extLst>
+              <a:ext uri="{FF2B5EF4-FFF2-40B4-BE49-F238E27FC236}">
+                <a16:creationId xmlns:a16="http://schemas.microsoft.com/office/drawing/2014/main" id="{FA30B297-5ED1-418E-A3FC-919C0083F7FC}"/>
+              </a:ext>
+            </a:extLst>
+          </p:cNvPr>
+          <p:cNvSpPr txBox="1"/>
+          <p:nvPr/>
+        </p:nvSpPr>
+        <p:spPr>
+          <a:xfrm>
+            <a:off x="5556247" y="3168645"/>
+            <a:ext cx="3505691" cy="646331"/>
+          </a:xfrm>
+          <a:prstGeom prst="rect">
+            <a:avLst/>
+          </a:prstGeom>
+          <a:noFill/>
+        </p:spPr>
+        <p:txBody>
+          <a:bodyPr wrap="square" rtlCol="0">
+            <a:spAutoFit/>
+          </a:bodyPr>
+          <a:lstStyle/>
+          <a:p>
+            <a:pPr algn="ctr"/>
+            <a:r>
+              <a:rPr lang="ko-KR" altLang="en-US" dirty="0">
+                <a:solidFill>
+                  <a:schemeClr val="bg1">
+                    <a:lumMod val="65000"/>
+                  </a:schemeClr>
+                </a:solidFill>
+                <a:latin typeface="sn별별정직" panose="02000500000000000000" pitchFamily="2" charset="0"/>
+                <a:ea typeface="sn별별정직" panose="02000500000000000000" pitchFamily="2" charset="0"/>
+              </a:rPr>
+              <a:t>수신측에서 </a:t>
+            </a:r>
+            <a:r>
+              <a:rPr lang="ko-KR" altLang="en-US" dirty="0">
+                <a:solidFill>
+                  <a:schemeClr val="bg1">
+                    <a:lumMod val="85000"/>
+                  </a:schemeClr>
+                </a:solidFill>
+                <a:latin typeface="sn별별정직" panose="02000500000000000000" pitchFamily="2" charset="0"/>
+                <a:ea typeface="sn별별정직" panose="02000500000000000000" pitchFamily="2" charset="0"/>
+              </a:rPr>
+              <a:t>헤더를 구분</a:t>
+            </a:r>
+            <a:endParaRPr lang="en-US" altLang="ko-KR" dirty="0">
+              <a:solidFill>
+                <a:schemeClr val="bg1">
+                  <a:lumMod val="85000"/>
+                </a:schemeClr>
+              </a:solidFill>
+              <a:latin typeface="sn별별정직" panose="02000500000000000000" pitchFamily="2" charset="0"/>
+              <a:ea typeface="sn별별정직" panose="02000500000000000000" pitchFamily="2" charset="0"/>
+            </a:endParaRPr>
+          </a:p>
+          <a:p>
+            <a:pPr algn="ctr"/>
+            <a:r>
+              <a:rPr lang="ko-KR" altLang="en-US" dirty="0">
+                <a:solidFill>
+                  <a:schemeClr val="bg1">
+                    <a:lumMod val="85000"/>
+                  </a:schemeClr>
+                </a:solidFill>
+                <a:latin typeface="sn별별정직" panose="02000500000000000000" pitchFamily="2" charset="0"/>
+                <a:ea typeface="sn별별정직" panose="02000500000000000000" pitchFamily="2" charset="0"/>
+              </a:rPr>
+              <a:t>정해진 규칙에 맞게 </a:t>
+            </a:r>
+            <a:r>
+              <a:rPr lang="ko-KR" altLang="en-US" dirty="0">
+                <a:solidFill>
+                  <a:schemeClr val="bg1">
+                    <a:lumMod val="65000"/>
+                  </a:schemeClr>
+                </a:solidFill>
+                <a:latin typeface="sn별별정직" panose="02000500000000000000" pitchFamily="2" charset="0"/>
+                <a:ea typeface="sn별별정직" panose="02000500000000000000" pitchFamily="2" charset="0"/>
+              </a:rPr>
+              <a:t>데이터를 가져가도록 설정</a:t>
+            </a:r>
+            <a:endParaRPr lang="en-US" altLang="ko-KR" dirty="0">
+              <a:solidFill>
+                <a:schemeClr val="bg1">
+                  <a:lumMod val="65000"/>
+                </a:schemeClr>
+              </a:solidFill>
+              <a:latin typeface="sn별별정직" panose="02000500000000000000" pitchFamily="2" charset="0"/>
+              <a:ea typeface="sn별별정직" panose="02000500000000000000" pitchFamily="2" charset="0"/>
+            </a:endParaRPr>
+          </a:p>
+        </p:txBody>
+      </p:sp>
+      <p:cxnSp>
+        <p:nvCxnSpPr>
+          <p:cNvPr id="22" name="직선 화살표 연결선 21">
+            <a:extLst>
+              <a:ext uri="{FF2B5EF4-FFF2-40B4-BE49-F238E27FC236}">
+                <a16:creationId xmlns:a16="http://schemas.microsoft.com/office/drawing/2014/main" id="{C8EC04BE-7AC1-4FC2-AE8A-5D0E9704802A}"/>
+              </a:ext>
+            </a:extLst>
+          </p:cNvPr>
+          <p:cNvCxnSpPr>
+            <a:stCxn id="19" idx="2"/>
+            <a:endCxn id="20" idx="0"/>
+          </p:cNvCxnSpPr>
+          <p:nvPr/>
+        </p:nvCxnSpPr>
+        <p:spPr>
+          <a:xfrm>
+            <a:off x="7309093" y="2947468"/>
+            <a:ext cx="0" cy="221177"/>
+          </a:xfrm>
+          <a:prstGeom prst="straightConnector1">
+            <a:avLst/>
+          </a:prstGeom>
+          <a:ln w="19050">
+            <a:solidFill>
+              <a:schemeClr val="bg1">
+                <a:lumMod val="50000"/>
+              </a:schemeClr>
+            </a:solidFill>
+            <a:prstDash val="dash"/>
+            <a:tailEnd type="triangle"/>
+          </a:ln>
+        </p:spPr>
+        <p:style>
+          <a:lnRef idx="1">
+            <a:schemeClr val="accent1"/>
+          </a:lnRef>
+          <a:fillRef idx="0">
+            <a:schemeClr val="accent1"/>
+          </a:fillRef>
+          <a:effectRef idx="0">
+            <a:schemeClr val="accent1"/>
+          </a:effectRef>
+          <a:fontRef idx="minor">
+            <a:schemeClr val="tx1"/>
+          </a:fontRef>
+        </p:style>
+      </p:cxnSp>
+      <p:graphicFrame>
+        <p:nvGraphicFramePr>
+          <p:cNvPr id="26" name="표 25">
+            <a:extLst>
+              <a:ext uri="{FF2B5EF4-FFF2-40B4-BE49-F238E27FC236}">
+                <a16:creationId xmlns:a16="http://schemas.microsoft.com/office/drawing/2014/main" id="{BF096E6E-E841-4616-89BA-D500041082C6}"/>
+              </a:ext>
+            </a:extLst>
+          </p:cNvPr>
+          <p:cNvGraphicFramePr>
+            <a:graphicFrameLocks noGrp="1"/>
+          </p:cNvGraphicFramePr>
+          <p:nvPr>
+            <p:extLst>
+              <p:ext uri="{D42A27DB-BD31-4B8C-83A1-F6EECF244321}">
+                <p14:modId xmlns:p14="http://schemas.microsoft.com/office/powerpoint/2010/main" val="1488725906"/>
+              </p:ext>
+            </p:extLst>
+          </p:nvPr>
+        </p:nvGraphicFramePr>
+        <p:xfrm>
+          <a:off x="158506" y="2762802"/>
+          <a:ext cx="5034072" cy="3391015"/>
+        </p:xfrm>
+        <a:graphic>
+          <a:graphicData uri="http://schemas.openxmlformats.org/drawingml/2006/table">
+            <a:tbl>
+              <a:tblPr firstRow="1" bandRow="1">
+                <a:tableStyleId>{8EC20E35-A176-4012-BC5E-935CFFF8708E}</a:tableStyleId>
+              </a:tblPr>
+              <a:tblGrid>
+                <a:gridCol w="1705132">
+                  <a:extLst>
+                    <a:ext uri="{9D8B030D-6E8A-4147-A177-3AD203B41FA5}">
+                      <a16:colId xmlns:a16="http://schemas.microsoft.com/office/drawing/2014/main" val="3670925207"/>
+                    </a:ext>
+                  </a:extLst>
+                </a:gridCol>
+                <a:gridCol w="3328940">
+                  <a:extLst>
+                    <a:ext uri="{9D8B030D-6E8A-4147-A177-3AD203B41FA5}">
+                      <a16:colId xmlns:a16="http://schemas.microsoft.com/office/drawing/2014/main" val="32360842"/>
+                    </a:ext>
+                  </a:extLst>
+                </a:gridCol>
+              </a:tblGrid>
+              <a:tr h="678203">
+                <a:tc>
+                  <a:txBody>
+                    <a:bodyPr/>
+                    <a:lstStyle/>
+                    <a:p>
+                      <a:pPr algn="ctr" latinLnBrk="1"/>
+                      <a:r>
+                        <a:rPr lang="en-US" altLang="ko-KR" sz="2000" b="0" dirty="0">
+                          <a:solidFill>
+                            <a:schemeClr val="bg1"/>
+                          </a:solidFill>
+                          <a:latin typeface="sn별별정직" panose="02000500000000000000" pitchFamily="2" charset="0"/>
+                          <a:ea typeface="sn별별정직" panose="02000500000000000000" pitchFamily="2" charset="0"/>
+                        </a:rPr>
+                        <a:t>HEADER</a:t>
+                      </a:r>
+                      <a:endParaRPr lang="ko-KR" altLang="en-US" sz="2000" b="0" dirty="0">
+                        <a:solidFill>
+                          <a:schemeClr val="bg1"/>
+                        </a:solidFill>
+                        <a:latin typeface="sn별별정직" panose="02000500000000000000" pitchFamily="2" charset="0"/>
+                        <a:ea typeface="sn별별정직" panose="02000500000000000000" pitchFamily="2" charset="0"/>
+                      </a:endParaRPr>
+                    </a:p>
+                  </a:txBody>
+                  <a:tcPr anchor="ctr">
+                    <a:lnL>
+                      <a:noFill/>
+                    </a:lnL>
+                    <a:lnR w="12700" cap="flat" cmpd="sng" algn="ctr">
+                      <a:solidFill>
+                        <a:schemeClr val="bg1"/>
+                      </a:solidFill>
+                      <a:prstDash val="solid"/>
+                      <a:round/>
+                      <a:headEnd type="none" w="med" len="med"/>
+                      <a:tailEnd type="none" w="med" len="med"/>
+                    </a:lnR>
+                    <a:lnT w="25400" cmpd="sng">
+                      <a:noFill/>
+                    </a:lnT>
+                    <a:lnB w="12700" cap="flat" cmpd="sng" algn="ctr">
+                      <a:solidFill>
+                        <a:schemeClr val="bg1"/>
+                      </a:solidFill>
+                      <a:prstDash val="solid"/>
+                      <a:round/>
+                      <a:headEnd type="none" w="med" len="med"/>
+                      <a:tailEnd type="none" w="med" len="med"/>
+                    </a:lnB>
+                    <a:lnTlToBr w="12700" cmpd="sng">
+                      <a:noFill/>
+                      <a:prstDash val="solid"/>
+                    </a:lnTlToBr>
+                    <a:lnBlToTr w="12700" cmpd="sng">
+                      <a:noFill/>
+                      <a:prstDash val="solid"/>
+                    </a:lnBlToTr>
+                    <a:solidFill>
+                      <a:schemeClr val="tx1"/>
+                    </a:solidFill>
+                  </a:tcPr>
+                </a:tc>
+                <a:tc>
+                  <a:txBody>
+                    <a:bodyPr/>
+                    <a:lstStyle/>
+                    <a:p>
+                      <a:pPr algn="ctr" latinLnBrk="1"/>
+                      <a:r>
+                        <a:rPr lang="ko-KR" altLang="en-US" sz="2000" b="0" dirty="0">
+                          <a:solidFill>
+                            <a:schemeClr val="bg1"/>
+                          </a:solidFill>
+                          <a:latin typeface="sn별별정직" panose="02000500000000000000" pitchFamily="2" charset="0"/>
+                          <a:ea typeface="sn별별정직" panose="02000500000000000000" pitchFamily="2" charset="0"/>
+                        </a:rPr>
+                        <a:t>설명</a:t>
+                      </a:r>
+                    </a:p>
+                  </a:txBody>
+                  <a:tcPr anchor="ctr">
+                    <a:lnL w="12700" cap="flat" cmpd="sng" algn="ctr">
+                      <a:solidFill>
+                        <a:schemeClr val="bg1"/>
+                      </a:solidFill>
+                      <a:prstDash val="solid"/>
+                      <a:round/>
+                      <a:headEnd type="none" w="med" len="med"/>
+                      <a:tailEnd type="none" w="med" len="med"/>
+                    </a:lnL>
+                    <a:lnR>
+                      <a:noFill/>
+                    </a:lnR>
+                    <a:lnT w="25400" cmpd="sng">
+                      <a:noFill/>
+                    </a:lnT>
+                    <a:lnB w="12700" cap="flat" cmpd="sng" algn="ctr">
+                      <a:solidFill>
+                        <a:schemeClr val="bg1"/>
+                      </a:solidFill>
+                      <a:prstDash val="solid"/>
+                      <a:round/>
+                      <a:headEnd type="none" w="med" len="med"/>
+                      <a:tailEnd type="none" w="med" len="med"/>
+                    </a:lnB>
+                    <a:lnTlToBr w="12700" cmpd="sng">
+                      <a:noFill/>
+                      <a:prstDash val="solid"/>
+                    </a:lnTlToBr>
+                    <a:lnBlToTr w="12700" cmpd="sng">
+                      <a:noFill/>
+                      <a:prstDash val="solid"/>
+                    </a:lnBlToTr>
+                    <a:solidFill>
+                      <a:schemeClr val="tx1"/>
+                    </a:solidFill>
+                  </a:tcPr>
+                </a:tc>
+                <a:extLst>
+                  <a:ext uri="{0D108BD9-81ED-4DB2-BD59-A6C34878D82A}">
+                    <a16:rowId xmlns:a16="http://schemas.microsoft.com/office/drawing/2014/main" val="4142101956"/>
+                  </a:ext>
+                </a:extLst>
+              </a:tr>
+              <a:tr h="678203">
+                <a:tc>
+                  <a:txBody>
+                    <a:bodyPr/>
+                    <a:lstStyle/>
+                    <a:p>
+                      <a:pPr algn="ctr" latinLnBrk="1"/>
+                      <a:r>
+                        <a:rPr lang="en-US" altLang="ko-KR" sz="1600" dirty="0">
+                          <a:solidFill>
+                            <a:schemeClr val="bg1"/>
+                          </a:solidFill>
+                          <a:latin typeface="sn별별정직" panose="02000500000000000000" pitchFamily="2" charset="0"/>
+                          <a:ea typeface="sn별별정직" panose="02000500000000000000" pitchFamily="2" charset="0"/>
+                        </a:rPr>
+                        <a:t>Access-Control-Allow-Origin</a:t>
+                      </a:r>
+                      <a:endParaRPr lang="ko-KR" altLang="en-US" sz="1600" dirty="0">
+                        <a:solidFill>
+                          <a:schemeClr val="bg1"/>
+                        </a:solidFill>
+                        <a:latin typeface="sn별별정직" panose="02000500000000000000" pitchFamily="2" charset="0"/>
+                        <a:ea typeface="sn별별정직" panose="02000500000000000000" pitchFamily="2" charset="0"/>
+                      </a:endParaRPr>
+                    </a:p>
+                  </a:txBody>
+                  <a:tcPr anchor="ctr">
+                    <a:lnL>
+                      <a:noFill/>
+                    </a:lnL>
+                    <a:lnR w="12700" cap="flat" cmpd="sng" algn="ctr">
+                      <a:solidFill>
+                        <a:schemeClr val="bg1"/>
+                      </a:solidFill>
+                      <a:prstDash val="solid"/>
+                      <a:round/>
+                      <a:headEnd type="none" w="med" len="med"/>
+                      <a:tailEnd type="none" w="med" len="med"/>
+                    </a:lnR>
+                    <a:lnT w="12700" cap="flat" cmpd="sng" algn="ctr">
+                      <a:solidFill>
+                        <a:schemeClr val="bg1"/>
+                      </a:solidFill>
+                      <a:prstDash val="solid"/>
+                      <a:round/>
+                      <a:headEnd type="none" w="med" len="med"/>
+                      <a:tailEnd type="none" w="med" len="med"/>
+                    </a:lnT>
+                    <a:lnB w="12700" cap="flat" cmpd="sng" algn="ctr">
+                      <a:solidFill>
+                        <a:schemeClr val="bg1"/>
+                      </a:solidFill>
+                      <a:prstDash val="solid"/>
+                      <a:round/>
+                      <a:headEnd type="none" w="med" len="med"/>
+                      <a:tailEnd type="none" w="med" len="med"/>
+                    </a:lnB>
+                    <a:lnTlToBr w="12700" cmpd="sng">
+                      <a:noFill/>
+                      <a:prstDash val="solid"/>
+                    </a:lnTlToBr>
+                    <a:lnBlToTr w="12700" cmpd="sng">
+                      <a:noFill/>
+                      <a:prstDash val="solid"/>
+                    </a:lnBlToTr>
+                    <a:solidFill>
+                      <a:schemeClr val="tx1"/>
+                    </a:solidFill>
+                  </a:tcPr>
+                </a:tc>
+                <a:tc>
+                  <a:txBody>
+                    <a:bodyPr/>
+                    <a:lstStyle/>
+                    <a:p>
+                      <a:pPr algn="ctr" latinLnBrk="1"/>
+                      <a:r>
+                        <a:rPr lang="ko-KR" altLang="en-US" sz="1600" dirty="0">
+                          <a:solidFill>
+                            <a:schemeClr val="bg1"/>
+                          </a:solidFill>
+                          <a:latin typeface="sn별별정직" panose="02000500000000000000" pitchFamily="2" charset="0"/>
+                          <a:ea typeface="sn별별정직" panose="02000500000000000000" pitchFamily="2" charset="0"/>
+                        </a:rPr>
+                        <a:t>헤더 값에 해당하는 </a:t>
+                      </a:r>
+                      <a:r>
+                        <a:rPr lang="en-US" altLang="ko-KR" sz="1600" dirty="0">
+                          <a:solidFill>
+                            <a:schemeClr val="bg1"/>
+                          </a:solidFill>
+                          <a:latin typeface="sn별별정직" panose="02000500000000000000" pitchFamily="2" charset="0"/>
+                          <a:ea typeface="sn별별정직" panose="02000500000000000000" pitchFamily="2" charset="0"/>
+                        </a:rPr>
+                        <a:t>Origin </a:t>
+                      </a:r>
+                      <a:r>
+                        <a:rPr lang="ko-KR" altLang="en-US" sz="1600" dirty="0">
+                          <a:solidFill>
+                            <a:schemeClr val="bg1"/>
+                          </a:solidFill>
+                          <a:latin typeface="sn별별정직" panose="02000500000000000000" pitchFamily="2" charset="0"/>
+                          <a:ea typeface="sn별별정직" panose="02000500000000000000" pitchFamily="2" charset="0"/>
+                        </a:rPr>
+                        <a:t>출처 요청만 처리</a:t>
+                      </a:r>
+                    </a:p>
+                  </a:txBody>
+                  <a:tcPr anchor="ctr">
+                    <a:lnL w="12700" cap="flat" cmpd="sng" algn="ctr">
+                      <a:solidFill>
+                        <a:schemeClr val="bg1"/>
+                      </a:solidFill>
+                      <a:prstDash val="solid"/>
+                      <a:round/>
+                      <a:headEnd type="none" w="med" len="med"/>
+                      <a:tailEnd type="none" w="med" len="med"/>
+                    </a:lnL>
+                    <a:lnR>
+                      <a:noFill/>
+                    </a:lnR>
+                    <a:lnT w="12700" cap="flat" cmpd="sng" algn="ctr">
+                      <a:solidFill>
+                        <a:schemeClr val="bg1"/>
+                      </a:solidFill>
+                      <a:prstDash val="solid"/>
+                      <a:round/>
+                      <a:headEnd type="none" w="med" len="med"/>
+                      <a:tailEnd type="none" w="med" len="med"/>
+                    </a:lnT>
+                    <a:lnB w="12700" cap="flat" cmpd="sng" algn="ctr">
+                      <a:solidFill>
+                        <a:schemeClr val="bg1"/>
+                      </a:solidFill>
+                      <a:prstDash val="solid"/>
+                      <a:round/>
+                      <a:headEnd type="none" w="med" len="med"/>
+                      <a:tailEnd type="none" w="med" len="med"/>
+                    </a:lnB>
+                    <a:lnTlToBr w="12700" cmpd="sng">
+                      <a:noFill/>
+                      <a:prstDash val="solid"/>
+                    </a:lnTlToBr>
+                    <a:lnBlToTr w="12700" cmpd="sng">
+                      <a:noFill/>
+                      <a:prstDash val="solid"/>
+                    </a:lnBlToTr>
+                    <a:solidFill>
+                      <a:schemeClr val="tx1"/>
+                    </a:solidFill>
+                  </a:tcPr>
+                </a:tc>
+                <a:extLst>
+                  <a:ext uri="{0D108BD9-81ED-4DB2-BD59-A6C34878D82A}">
+                    <a16:rowId xmlns:a16="http://schemas.microsoft.com/office/drawing/2014/main" val="1972570490"/>
+                  </a:ext>
+                </a:extLst>
+              </a:tr>
+              <a:tr h="678203">
+                <a:tc>
+                  <a:txBody>
+                    <a:bodyPr/>
+                    <a:lstStyle/>
+                    <a:p>
+                      <a:pPr algn="ctr" latinLnBrk="1"/>
+                      <a:r>
+                        <a:rPr lang="en-US" altLang="ko-KR" sz="1600" dirty="0">
+                          <a:solidFill>
+                            <a:schemeClr val="bg1"/>
+                          </a:solidFill>
+                          <a:latin typeface="sn별별정직" panose="02000500000000000000" pitchFamily="2" charset="0"/>
+                          <a:ea typeface="sn별별정직" panose="02000500000000000000" pitchFamily="2" charset="0"/>
+                        </a:rPr>
+                        <a:t>Access-Control-Allow-Methods</a:t>
+                      </a:r>
+                      <a:endParaRPr lang="ko-KR" altLang="en-US" sz="1600" dirty="0">
+                        <a:solidFill>
+                          <a:schemeClr val="bg1"/>
+                        </a:solidFill>
+                        <a:latin typeface="sn별별정직" panose="02000500000000000000" pitchFamily="2" charset="0"/>
+                        <a:ea typeface="sn별별정직" panose="02000500000000000000" pitchFamily="2" charset="0"/>
+                      </a:endParaRPr>
+                    </a:p>
+                  </a:txBody>
+                  <a:tcPr anchor="ctr">
+                    <a:lnL>
+                      <a:noFill/>
+                    </a:lnL>
+                    <a:lnR w="12700" cap="flat" cmpd="sng" algn="ctr">
+                      <a:solidFill>
+                        <a:schemeClr val="bg1"/>
+                      </a:solidFill>
+                      <a:prstDash val="solid"/>
+                      <a:round/>
+                      <a:headEnd type="none" w="med" len="med"/>
+                      <a:tailEnd type="none" w="med" len="med"/>
+                    </a:lnR>
+                    <a:lnT w="12700" cap="flat" cmpd="sng" algn="ctr">
+                      <a:solidFill>
+                        <a:schemeClr val="bg1"/>
+                      </a:solidFill>
+                      <a:prstDash val="solid"/>
+                      <a:round/>
+                      <a:headEnd type="none" w="med" len="med"/>
+                      <a:tailEnd type="none" w="med" len="med"/>
+                    </a:lnT>
+                    <a:lnB w="12700" cap="flat" cmpd="sng" algn="ctr">
+                      <a:solidFill>
+                        <a:schemeClr val="bg1"/>
+                      </a:solidFill>
+                      <a:prstDash val="solid"/>
+                      <a:round/>
+                      <a:headEnd type="none" w="med" len="med"/>
+                      <a:tailEnd type="none" w="med" len="med"/>
+                    </a:lnB>
+                    <a:lnTlToBr w="12700" cmpd="sng">
+                      <a:noFill/>
+                      <a:prstDash val="solid"/>
+                    </a:lnTlToBr>
+                    <a:lnBlToTr w="12700" cmpd="sng">
+                      <a:noFill/>
+                      <a:prstDash val="solid"/>
+                    </a:lnBlToTr>
+                    <a:solidFill>
+                      <a:schemeClr val="tx1"/>
+                    </a:solidFill>
+                  </a:tcPr>
+                </a:tc>
+                <a:tc>
+                  <a:txBody>
+                    <a:bodyPr/>
+                    <a:lstStyle/>
+                    <a:p>
+                      <a:pPr algn="ctr" latinLnBrk="1"/>
+                      <a:r>
+                        <a:rPr lang="ko-KR" altLang="en-US" sz="1600" dirty="0">
+                          <a:solidFill>
+                            <a:schemeClr val="bg1"/>
+                          </a:solidFill>
+                          <a:latin typeface="sn별별정직" panose="02000500000000000000" pitchFamily="2" charset="0"/>
+                          <a:ea typeface="sn별별정직" panose="02000500000000000000" pitchFamily="2" charset="0"/>
+                        </a:rPr>
+                        <a:t>헤더 값에 해당하는 메소드 요청만 처리</a:t>
+                      </a:r>
+                    </a:p>
+                  </a:txBody>
+                  <a:tcPr anchor="ctr">
+                    <a:lnL w="12700" cap="flat" cmpd="sng" algn="ctr">
+                      <a:solidFill>
+                        <a:schemeClr val="bg1"/>
+                      </a:solidFill>
+                      <a:prstDash val="solid"/>
+                      <a:round/>
+                      <a:headEnd type="none" w="med" len="med"/>
+                      <a:tailEnd type="none" w="med" len="med"/>
+                    </a:lnL>
+                    <a:lnR>
+                      <a:noFill/>
+                    </a:lnR>
+                    <a:lnT w="12700" cap="flat" cmpd="sng" algn="ctr">
+                      <a:solidFill>
+                        <a:schemeClr val="bg1"/>
+                      </a:solidFill>
+                      <a:prstDash val="solid"/>
+                      <a:round/>
+                      <a:headEnd type="none" w="med" len="med"/>
+                      <a:tailEnd type="none" w="med" len="med"/>
+                    </a:lnT>
+                    <a:lnB w="12700" cap="flat" cmpd="sng" algn="ctr">
+                      <a:solidFill>
+                        <a:schemeClr val="bg1"/>
+                      </a:solidFill>
+                      <a:prstDash val="solid"/>
+                      <a:round/>
+                      <a:headEnd type="none" w="med" len="med"/>
+                      <a:tailEnd type="none" w="med" len="med"/>
+                    </a:lnB>
+                    <a:lnTlToBr w="12700" cmpd="sng">
+                      <a:noFill/>
+                      <a:prstDash val="solid"/>
+                    </a:lnTlToBr>
+                    <a:lnBlToTr w="12700" cmpd="sng">
+                      <a:noFill/>
+                      <a:prstDash val="solid"/>
+                    </a:lnBlToTr>
+                    <a:solidFill>
+                      <a:schemeClr val="tx1"/>
+                    </a:solidFill>
+                  </a:tcPr>
+                </a:tc>
+                <a:extLst>
+                  <a:ext uri="{0D108BD9-81ED-4DB2-BD59-A6C34878D82A}">
+                    <a16:rowId xmlns:a16="http://schemas.microsoft.com/office/drawing/2014/main" val="2509426887"/>
+                  </a:ext>
+                </a:extLst>
+              </a:tr>
+              <a:tr h="678203">
+                <a:tc>
+                  <a:txBody>
+                    <a:bodyPr/>
+                    <a:lstStyle/>
+                    <a:p>
+                      <a:pPr algn="ctr" latinLnBrk="1"/>
+                      <a:r>
+                        <a:rPr lang="en-US" altLang="ko-KR" sz="1600" dirty="0">
+                          <a:solidFill>
+                            <a:schemeClr val="bg1"/>
+                          </a:solidFill>
+                          <a:latin typeface="sn별별정직" panose="02000500000000000000" pitchFamily="2" charset="0"/>
+                          <a:ea typeface="sn별별정직" panose="02000500000000000000" pitchFamily="2" charset="0"/>
+                        </a:rPr>
+                        <a:t>Access-Control-Allow-Credentials</a:t>
+                      </a:r>
+                      <a:endParaRPr lang="ko-KR" altLang="en-US" sz="1600" dirty="0">
+                        <a:solidFill>
+                          <a:schemeClr val="bg1"/>
+                        </a:solidFill>
+                        <a:latin typeface="sn별별정직" panose="02000500000000000000" pitchFamily="2" charset="0"/>
+                        <a:ea typeface="sn별별정직" panose="02000500000000000000" pitchFamily="2" charset="0"/>
+                      </a:endParaRPr>
+                    </a:p>
+                  </a:txBody>
+                  <a:tcPr anchor="ctr">
+                    <a:lnL>
+                      <a:noFill/>
+                    </a:lnL>
+                    <a:lnR w="12700" cap="flat" cmpd="sng" algn="ctr">
+                      <a:solidFill>
+                        <a:schemeClr val="bg1"/>
+                      </a:solidFill>
+                      <a:prstDash val="solid"/>
+                      <a:round/>
+                      <a:headEnd type="none" w="med" len="med"/>
+                      <a:tailEnd type="none" w="med" len="med"/>
+                    </a:lnR>
+                    <a:lnT w="12700" cap="flat" cmpd="sng" algn="ctr">
+                      <a:solidFill>
+                        <a:schemeClr val="bg1"/>
+                      </a:solidFill>
+                      <a:prstDash val="solid"/>
+                      <a:round/>
+                      <a:headEnd type="none" w="med" len="med"/>
+                      <a:tailEnd type="none" w="med" len="med"/>
+                    </a:lnT>
+                    <a:lnB w="12700" cap="flat" cmpd="sng" algn="ctr">
+                      <a:solidFill>
+                        <a:schemeClr val="bg1"/>
+                      </a:solidFill>
+                      <a:prstDash val="solid"/>
+                      <a:round/>
+                      <a:headEnd type="none" w="med" len="med"/>
+                      <a:tailEnd type="none" w="med" len="med"/>
+                    </a:lnB>
+                    <a:lnTlToBr w="12700" cmpd="sng">
+                      <a:noFill/>
+                      <a:prstDash val="solid"/>
+                    </a:lnTlToBr>
+                    <a:lnBlToTr w="12700" cmpd="sng">
+                      <a:noFill/>
+                      <a:prstDash val="solid"/>
+                    </a:lnBlToTr>
+                    <a:solidFill>
+                      <a:schemeClr val="tx1"/>
+                    </a:solidFill>
+                  </a:tcPr>
+                </a:tc>
+                <a:tc>
+                  <a:txBody>
+                    <a:bodyPr/>
+                    <a:lstStyle/>
+                    <a:p>
+                      <a:pPr algn="ctr" latinLnBrk="1"/>
+                      <a:r>
+                        <a:rPr lang="ko-KR" altLang="en-US" sz="1600" dirty="0">
+                          <a:solidFill>
+                            <a:schemeClr val="bg1"/>
+                          </a:solidFill>
+                          <a:latin typeface="sn별별정직" panose="02000500000000000000" pitchFamily="2" charset="0"/>
+                          <a:ea typeface="sn별별정직" panose="02000500000000000000" pitchFamily="2" charset="0"/>
+                        </a:rPr>
+                        <a:t>쿠키 사용 여부 판단</a:t>
+                      </a:r>
+                    </a:p>
+                  </a:txBody>
+                  <a:tcPr anchor="ctr">
+                    <a:lnL w="12700" cap="flat" cmpd="sng" algn="ctr">
+                      <a:solidFill>
+                        <a:schemeClr val="bg1"/>
+                      </a:solidFill>
+                      <a:prstDash val="solid"/>
+                      <a:round/>
+                      <a:headEnd type="none" w="med" len="med"/>
+                      <a:tailEnd type="none" w="med" len="med"/>
+                    </a:lnL>
+                    <a:lnR>
+                      <a:noFill/>
+                    </a:lnR>
+                    <a:lnT w="12700" cap="flat" cmpd="sng" algn="ctr">
+                      <a:solidFill>
+                        <a:schemeClr val="bg1"/>
+                      </a:solidFill>
+                      <a:prstDash val="solid"/>
+                      <a:round/>
+                      <a:headEnd type="none" w="med" len="med"/>
+                      <a:tailEnd type="none" w="med" len="med"/>
+                    </a:lnT>
+                    <a:lnB w="12700" cap="flat" cmpd="sng" algn="ctr">
+                      <a:solidFill>
+                        <a:schemeClr val="bg1"/>
+                      </a:solidFill>
+                      <a:prstDash val="solid"/>
+                      <a:round/>
+                      <a:headEnd type="none" w="med" len="med"/>
+                      <a:tailEnd type="none" w="med" len="med"/>
+                    </a:lnB>
+                    <a:lnTlToBr w="12700" cmpd="sng">
+                      <a:noFill/>
+                      <a:prstDash val="solid"/>
+                    </a:lnTlToBr>
+                    <a:lnBlToTr w="12700" cmpd="sng">
+                      <a:noFill/>
+                      <a:prstDash val="solid"/>
+                    </a:lnBlToTr>
+                    <a:solidFill>
+                      <a:schemeClr val="tx1"/>
+                    </a:solidFill>
+                  </a:tcPr>
+                </a:tc>
+                <a:extLst>
+                  <a:ext uri="{0D108BD9-81ED-4DB2-BD59-A6C34878D82A}">
+                    <a16:rowId xmlns:a16="http://schemas.microsoft.com/office/drawing/2014/main" val="379223332"/>
+                  </a:ext>
+                </a:extLst>
+              </a:tr>
+              <a:tr h="678203">
+                <a:tc>
+                  <a:txBody>
+                    <a:bodyPr/>
+                    <a:lstStyle/>
+                    <a:p>
+                      <a:pPr algn="ctr" latinLnBrk="1"/>
+                      <a:r>
+                        <a:rPr lang="en-US" altLang="ko-KR" sz="1600" dirty="0">
+                          <a:solidFill>
+                            <a:schemeClr val="bg1"/>
+                          </a:solidFill>
+                          <a:latin typeface="sn별별정직" panose="02000500000000000000" pitchFamily="2" charset="0"/>
+                          <a:ea typeface="sn별별정직" panose="02000500000000000000" pitchFamily="2" charset="0"/>
+                        </a:rPr>
+                        <a:t>Access-Control-Allow-Headers</a:t>
+                      </a:r>
+                      <a:endParaRPr lang="ko-KR" altLang="en-US" sz="1600" dirty="0">
+                        <a:solidFill>
+                          <a:schemeClr val="bg1"/>
+                        </a:solidFill>
+                        <a:latin typeface="sn별별정직" panose="02000500000000000000" pitchFamily="2" charset="0"/>
+                        <a:ea typeface="sn별별정직" panose="02000500000000000000" pitchFamily="2" charset="0"/>
+                      </a:endParaRPr>
+                    </a:p>
+                  </a:txBody>
+                  <a:tcPr anchor="ctr">
+                    <a:lnL>
+                      <a:noFill/>
+                    </a:lnL>
+                    <a:lnR w="12700" cap="flat" cmpd="sng" algn="ctr">
+                      <a:solidFill>
+                        <a:schemeClr val="bg1"/>
+                      </a:solidFill>
+                      <a:prstDash val="solid"/>
+                      <a:round/>
+                      <a:headEnd type="none" w="med" len="med"/>
+                      <a:tailEnd type="none" w="med" len="med"/>
+                    </a:lnR>
+                    <a:lnT w="12700" cap="flat" cmpd="sng" algn="ctr">
+                      <a:solidFill>
+                        <a:schemeClr val="bg1"/>
+                      </a:solidFill>
+                      <a:prstDash val="solid"/>
+                      <a:round/>
+                      <a:headEnd type="none" w="med" len="med"/>
+                      <a:tailEnd type="none" w="med" len="med"/>
+                    </a:lnT>
+                    <a:lnB w="25400" cmpd="sng">
+                      <a:noFill/>
+                    </a:lnB>
+                    <a:lnTlToBr w="12700" cmpd="sng">
+                      <a:noFill/>
+                      <a:prstDash val="solid"/>
+                    </a:lnTlToBr>
+                    <a:lnBlToTr w="12700" cmpd="sng">
+                      <a:noFill/>
+                      <a:prstDash val="solid"/>
+                    </a:lnBlToTr>
+                    <a:solidFill>
+                      <a:schemeClr val="tx1"/>
+                    </a:solidFill>
+                  </a:tcPr>
+                </a:tc>
+                <a:tc>
+                  <a:txBody>
+                    <a:bodyPr/>
+                    <a:lstStyle/>
+                    <a:p>
+                      <a:pPr algn="ctr" latinLnBrk="1"/>
+                      <a:r>
+                        <a:rPr lang="ko-KR" altLang="en-US" sz="1600" dirty="0">
+                          <a:solidFill>
+                            <a:schemeClr val="bg1"/>
+                          </a:solidFill>
+                          <a:latin typeface="sn별별정직" panose="02000500000000000000" pitchFamily="2" charset="0"/>
+                          <a:ea typeface="sn별별정직" panose="02000500000000000000" pitchFamily="2" charset="0"/>
+                        </a:rPr>
+                        <a:t>헤더 값에 해당하는 헤더의 사용 가능 여부</a:t>
+                      </a:r>
+                    </a:p>
+                  </a:txBody>
+                  <a:tcPr anchor="ctr">
+                    <a:lnL w="12700" cap="flat" cmpd="sng" algn="ctr">
+                      <a:solidFill>
+                        <a:schemeClr val="bg1"/>
+                      </a:solidFill>
+                      <a:prstDash val="solid"/>
+                      <a:round/>
+                      <a:headEnd type="none" w="med" len="med"/>
+                      <a:tailEnd type="none" w="med" len="med"/>
+                    </a:lnL>
+                    <a:lnR>
+                      <a:noFill/>
+                    </a:lnR>
+                    <a:lnT w="12700" cap="flat" cmpd="sng" algn="ctr">
+                      <a:solidFill>
+                        <a:schemeClr val="bg1"/>
+                      </a:solidFill>
+                      <a:prstDash val="solid"/>
+                      <a:round/>
+                      <a:headEnd type="none" w="med" len="med"/>
+                      <a:tailEnd type="none" w="med" len="med"/>
+                    </a:lnT>
+                    <a:lnB w="25400" cmpd="sng">
+                      <a:noFill/>
+                    </a:lnB>
+                    <a:lnTlToBr w="12700" cmpd="sng">
+                      <a:noFill/>
+                      <a:prstDash val="solid"/>
+                    </a:lnTlToBr>
+                    <a:lnBlToTr w="12700" cmpd="sng">
+                      <a:noFill/>
+                      <a:prstDash val="solid"/>
+                    </a:lnBlToTr>
+                    <a:solidFill>
+                      <a:schemeClr val="tx1"/>
+                    </a:solidFill>
+                  </a:tcPr>
+                </a:tc>
+                <a:extLst>
+                  <a:ext uri="{0D108BD9-81ED-4DB2-BD59-A6C34878D82A}">
+                    <a16:rowId xmlns:a16="http://schemas.microsoft.com/office/drawing/2014/main" val="3817979498"/>
+                  </a:ext>
+                </a:extLst>
+              </a:tr>
+            </a:tbl>
+          </a:graphicData>
+        </a:graphic>
+      </p:graphicFrame>
+      <p:cxnSp>
+        <p:nvCxnSpPr>
+          <p:cNvPr id="28" name="연결선: 꺾임 27">
+            <a:extLst>
+              <a:ext uri="{FF2B5EF4-FFF2-40B4-BE49-F238E27FC236}">
+                <a16:creationId xmlns:a16="http://schemas.microsoft.com/office/drawing/2014/main" id="{24C197F6-66DA-425E-8EBE-B8B08E4BDD07}"/>
+              </a:ext>
+            </a:extLst>
+          </p:cNvPr>
+          <p:cNvCxnSpPr>
+            <a:cxnSpLocks/>
+            <a:stCxn id="20" idx="2"/>
+          </p:cNvCxnSpPr>
+          <p:nvPr/>
+        </p:nvCxnSpPr>
+        <p:spPr>
+          <a:xfrm rot="5400000">
+            <a:off x="6079348" y="3011013"/>
+            <a:ext cx="425782" cy="2033708"/>
+          </a:xfrm>
+          <a:prstGeom prst="bentConnector2">
+            <a:avLst/>
+          </a:prstGeom>
+          <a:ln w="19050">
+            <a:solidFill>
+              <a:schemeClr val="bg1">
+                <a:lumMod val="50000"/>
+              </a:schemeClr>
+            </a:solidFill>
+            <a:prstDash val="dash"/>
+            <a:tailEnd type="triangle"/>
+          </a:ln>
+        </p:spPr>
+        <p:style>
+          <a:lnRef idx="1">
+            <a:schemeClr val="accent1"/>
+          </a:lnRef>
+          <a:fillRef idx="0">
+            <a:schemeClr val="accent1"/>
+          </a:fillRef>
+          <a:effectRef idx="0">
+            <a:schemeClr val="accent1"/>
+          </a:effectRef>
+          <a:fontRef idx="minor">
+            <a:schemeClr val="tx1"/>
+          </a:fontRef>
+        </p:style>
+      </p:cxnSp>
+      <p:cxnSp>
+        <p:nvCxnSpPr>
+          <p:cNvPr id="30" name="연결선: 꺾임 29">
+            <a:extLst>
+              <a:ext uri="{FF2B5EF4-FFF2-40B4-BE49-F238E27FC236}">
+                <a16:creationId xmlns:a16="http://schemas.microsoft.com/office/drawing/2014/main" id="{F213EC8F-A6F9-45DB-8036-C7D556DD2F36}"/>
+              </a:ext>
+            </a:extLst>
+          </p:cNvPr>
+          <p:cNvCxnSpPr>
+            <a:cxnSpLocks/>
+            <a:endCxn id="34" idx="0"/>
+          </p:cNvCxnSpPr>
+          <p:nvPr/>
+        </p:nvCxnSpPr>
+        <p:spPr>
+          <a:xfrm>
+            <a:off x="5275385" y="4458309"/>
+            <a:ext cx="2033708" cy="280222"/>
+          </a:xfrm>
+          <a:prstGeom prst="bentConnector2">
+            <a:avLst/>
+          </a:prstGeom>
+          <a:ln w="19050">
+            <a:solidFill>
+              <a:schemeClr val="bg1">
+                <a:lumMod val="50000"/>
+              </a:schemeClr>
+            </a:solidFill>
+            <a:prstDash val="dash"/>
+            <a:tailEnd type="triangle"/>
+          </a:ln>
+        </p:spPr>
+        <p:style>
+          <a:lnRef idx="1">
+            <a:schemeClr val="accent1"/>
+          </a:lnRef>
+          <a:fillRef idx="0">
+            <a:schemeClr val="accent1"/>
+          </a:fillRef>
+          <a:effectRef idx="0">
+            <a:schemeClr val="accent1"/>
+          </a:effectRef>
+          <a:fontRef idx="minor">
+            <a:schemeClr val="tx1"/>
+          </a:fontRef>
+        </p:style>
+      </p:cxnSp>
+      <p:sp>
+        <p:nvSpPr>
+          <p:cNvPr id="34" name="TextBox 33">
+            <a:extLst>
+              <a:ext uri="{FF2B5EF4-FFF2-40B4-BE49-F238E27FC236}">
+                <a16:creationId xmlns:a16="http://schemas.microsoft.com/office/drawing/2014/main" id="{CF148FD2-2CC6-4375-94F9-E221847E3C75}"/>
+              </a:ext>
+            </a:extLst>
+          </p:cNvPr>
+          <p:cNvSpPr txBox="1"/>
+          <p:nvPr/>
+        </p:nvSpPr>
+        <p:spPr>
+          <a:xfrm>
+            <a:off x="5556247" y="4738531"/>
+            <a:ext cx="3505691" cy="646331"/>
+          </a:xfrm>
+          <a:prstGeom prst="rect">
+            <a:avLst/>
+          </a:prstGeom>
+          <a:noFill/>
+        </p:spPr>
+        <p:txBody>
+          <a:bodyPr wrap="square" rtlCol="0">
+            <a:spAutoFit/>
+          </a:bodyPr>
+          <a:lstStyle/>
+          <a:p>
+            <a:pPr algn="ctr"/>
+            <a:r>
+              <a:rPr lang="ko-KR" altLang="en-US" dirty="0">
+                <a:solidFill>
+                  <a:schemeClr val="bg1">
+                    <a:lumMod val="65000"/>
+                  </a:schemeClr>
+                </a:solidFill>
+                <a:latin typeface="sn별별정직" panose="02000500000000000000" pitchFamily="2" charset="0"/>
+                <a:ea typeface="sn별별정직" panose="02000500000000000000" pitchFamily="2" charset="0"/>
+              </a:rPr>
+              <a:t>수신측의 응답이 발신측의 요청과 </a:t>
+            </a:r>
+            <a:r>
+              <a:rPr lang="ko-KR" altLang="en-US" dirty="0">
+                <a:solidFill>
+                  <a:schemeClr val="bg1">
+                    <a:lumMod val="95000"/>
+                  </a:schemeClr>
+                </a:solidFill>
+                <a:latin typeface="sn별별정직" panose="02000500000000000000" pitchFamily="2" charset="0"/>
+                <a:ea typeface="sn별별정직" panose="02000500000000000000" pitchFamily="2" charset="0"/>
+              </a:rPr>
+              <a:t>상응하는지</a:t>
+            </a:r>
+            <a:r>
+              <a:rPr lang="ko-KR" altLang="en-US" dirty="0">
+                <a:solidFill>
+                  <a:schemeClr val="bg1">
+                    <a:lumMod val="65000"/>
+                  </a:schemeClr>
+                </a:solidFill>
+                <a:latin typeface="sn별별정직" panose="02000500000000000000" pitchFamily="2" charset="0"/>
+                <a:ea typeface="sn별별정직" panose="02000500000000000000" pitchFamily="2" charset="0"/>
+              </a:rPr>
+              <a:t> 확인</a:t>
+            </a:r>
+            <a:endParaRPr lang="en-US" altLang="ko-KR" dirty="0">
+              <a:solidFill>
+                <a:schemeClr val="bg1">
+                  <a:lumMod val="65000"/>
+                </a:schemeClr>
+              </a:solidFill>
+              <a:latin typeface="sn별별정직" panose="02000500000000000000" pitchFamily="2" charset="0"/>
+              <a:ea typeface="sn별별정직" panose="02000500000000000000" pitchFamily="2" charset="0"/>
+            </a:endParaRPr>
+          </a:p>
+        </p:txBody>
+      </p:sp>
+      <p:sp>
+        <p:nvSpPr>
+          <p:cNvPr id="37" name="TextBox 36">
+            <a:extLst>
+              <a:ext uri="{FF2B5EF4-FFF2-40B4-BE49-F238E27FC236}">
+                <a16:creationId xmlns:a16="http://schemas.microsoft.com/office/drawing/2014/main" id="{B3D1BD74-55EF-459F-9080-CF1C70414333}"/>
+              </a:ext>
+            </a:extLst>
+          </p:cNvPr>
+          <p:cNvSpPr txBox="1"/>
+          <p:nvPr/>
+        </p:nvSpPr>
+        <p:spPr>
+          <a:xfrm>
+            <a:off x="5556247" y="5669054"/>
+            <a:ext cx="3505691" cy="646331"/>
+          </a:xfrm>
+          <a:prstGeom prst="rect">
+            <a:avLst/>
+          </a:prstGeom>
+          <a:noFill/>
+        </p:spPr>
+        <p:txBody>
+          <a:bodyPr wrap="square" rtlCol="0">
+            <a:spAutoFit/>
+          </a:bodyPr>
+          <a:lstStyle/>
+          <a:p>
+            <a:pPr algn="ctr"/>
+            <a:r>
+              <a:rPr lang="en-US" altLang="ko-KR" dirty="0">
+                <a:solidFill>
+                  <a:schemeClr val="bg1">
+                    <a:lumMod val="95000"/>
+                  </a:schemeClr>
+                </a:solidFill>
+                <a:latin typeface="sn별별정직" panose="02000500000000000000" pitchFamily="2" charset="0"/>
+                <a:ea typeface="sn별별정직" panose="02000500000000000000" pitchFamily="2" charset="0"/>
+              </a:rPr>
+              <a:t>POST </a:t>
+            </a:r>
+            <a:r>
+              <a:rPr lang="ko-KR" altLang="en-US" dirty="0">
+                <a:solidFill>
+                  <a:schemeClr val="bg1">
+                    <a:lumMod val="95000"/>
+                  </a:schemeClr>
+                </a:solidFill>
+                <a:latin typeface="sn별별정직" panose="02000500000000000000" pitchFamily="2" charset="0"/>
+                <a:ea typeface="sn별별정직" panose="02000500000000000000" pitchFamily="2" charset="0"/>
+              </a:rPr>
+              <a:t>요청 </a:t>
+            </a:r>
+            <a:r>
+              <a:rPr lang="en-US" altLang="ko-KR" dirty="0">
+                <a:solidFill>
+                  <a:schemeClr val="bg1">
+                    <a:lumMod val="65000"/>
+                  </a:schemeClr>
+                </a:solidFill>
+                <a:latin typeface="sn별별정직" panose="02000500000000000000" pitchFamily="2" charset="0"/>
+                <a:ea typeface="sn별별정직" panose="02000500000000000000" pitchFamily="2" charset="0"/>
+                <a:sym typeface="Wingdings" panose="05000000000000000000" pitchFamily="2" charset="2"/>
+              </a:rPr>
+              <a:t> </a:t>
+            </a:r>
+            <a:r>
+              <a:rPr lang="ko-KR" altLang="en-US" dirty="0">
+                <a:solidFill>
+                  <a:schemeClr val="bg1">
+                    <a:lumMod val="65000"/>
+                  </a:schemeClr>
+                </a:solidFill>
+                <a:latin typeface="sn별별정직" panose="02000500000000000000" pitchFamily="2" charset="0"/>
+                <a:ea typeface="sn별별정직" panose="02000500000000000000" pitchFamily="2" charset="0"/>
+              </a:rPr>
+              <a:t>수신측의 웹 리소스를 요청하는 </a:t>
+            </a:r>
+            <a:r>
+              <a:rPr lang="en-US" altLang="ko-KR" dirty="0">
+                <a:solidFill>
+                  <a:schemeClr val="bg1">
+                    <a:lumMod val="65000"/>
+                  </a:schemeClr>
+                </a:solidFill>
+                <a:latin typeface="sn별별정직" panose="02000500000000000000" pitchFamily="2" charset="0"/>
+                <a:ea typeface="sn별별정직" panose="02000500000000000000" pitchFamily="2" charset="0"/>
+              </a:rPr>
+              <a:t>HTTP </a:t>
+            </a:r>
+            <a:r>
+              <a:rPr lang="ko-KR" altLang="en-US" dirty="0">
+                <a:solidFill>
+                  <a:schemeClr val="bg1">
+                    <a:lumMod val="65000"/>
+                  </a:schemeClr>
+                </a:solidFill>
+                <a:latin typeface="sn별별정직" panose="02000500000000000000" pitchFamily="2" charset="0"/>
+                <a:ea typeface="sn별별정직" panose="02000500000000000000" pitchFamily="2" charset="0"/>
+              </a:rPr>
+              <a:t>요청</a:t>
+            </a:r>
+            <a:endParaRPr lang="en-US" altLang="ko-KR" dirty="0">
+              <a:solidFill>
+                <a:schemeClr val="bg1">
+                  <a:lumMod val="65000"/>
+                </a:schemeClr>
+              </a:solidFill>
+              <a:latin typeface="sn별별정직" panose="02000500000000000000" pitchFamily="2" charset="0"/>
+              <a:ea typeface="sn별별정직" panose="02000500000000000000" pitchFamily="2" charset="0"/>
+            </a:endParaRPr>
+          </a:p>
+        </p:txBody>
+      </p:sp>
+      <p:cxnSp>
+        <p:nvCxnSpPr>
+          <p:cNvPr id="38" name="직선 화살표 연결선 37">
+            <a:extLst>
+              <a:ext uri="{FF2B5EF4-FFF2-40B4-BE49-F238E27FC236}">
+                <a16:creationId xmlns:a16="http://schemas.microsoft.com/office/drawing/2014/main" id="{B5F82553-E44C-4C29-8911-C243D77B3DF9}"/>
+              </a:ext>
+            </a:extLst>
+          </p:cNvPr>
+          <p:cNvCxnSpPr>
+            <a:cxnSpLocks/>
+            <a:stCxn id="34" idx="2"/>
+            <a:endCxn id="37" idx="0"/>
+          </p:cNvCxnSpPr>
+          <p:nvPr/>
+        </p:nvCxnSpPr>
+        <p:spPr>
+          <a:xfrm>
+            <a:off x="7309093" y="5384862"/>
+            <a:ext cx="0" cy="284192"/>
+          </a:xfrm>
+          <a:prstGeom prst="straightConnector1">
+            <a:avLst/>
+          </a:prstGeom>
+          <a:ln w="19050">
+            <a:solidFill>
+              <a:schemeClr val="bg1">
+                <a:lumMod val="50000"/>
+              </a:schemeClr>
+            </a:solidFill>
+            <a:prstDash val="dash"/>
+            <a:tailEnd type="triangle"/>
+          </a:ln>
+        </p:spPr>
+        <p:style>
+          <a:lnRef idx="1">
+            <a:schemeClr val="accent1"/>
+          </a:lnRef>
+          <a:fillRef idx="0">
+            <a:schemeClr val="accent1"/>
+          </a:fillRef>
+          <a:effectRef idx="0">
+            <a:schemeClr val="accent1"/>
+          </a:effectRef>
+          <a:fontRef idx="minor">
+            <a:schemeClr val="tx1"/>
+          </a:fontRef>
+        </p:style>
+      </p:cxnSp>
+      <p:sp>
+        <p:nvSpPr>
+          <p:cNvPr id="41" name="직사각형 40">
+            <a:extLst>
+              <a:ext uri="{FF2B5EF4-FFF2-40B4-BE49-F238E27FC236}">
+                <a16:creationId xmlns:a16="http://schemas.microsoft.com/office/drawing/2014/main" id="{690E42BE-A2E2-4ACA-AC8D-06F321D95CA8}"/>
+              </a:ext>
+            </a:extLst>
+          </p:cNvPr>
+          <p:cNvSpPr/>
+          <p:nvPr/>
+        </p:nvSpPr>
+        <p:spPr>
+          <a:xfrm>
+            <a:off x="972526" y="2142893"/>
+            <a:ext cx="1852739" cy="490872"/>
+          </a:xfrm>
+          <a:prstGeom prst="rect">
+            <a:avLst/>
+          </a:prstGeom>
+          <a:solidFill>
+            <a:schemeClr val="tx1"/>
+          </a:solidFill>
+        </p:spPr>
+        <p:style>
+          <a:lnRef idx="2">
+            <a:schemeClr val="accent1">
+              <a:shade val="50000"/>
+            </a:schemeClr>
+          </a:lnRef>
+          <a:fillRef idx="1">
+            <a:schemeClr val="accent1"/>
+          </a:fillRef>
+          <a:effectRef idx="0">
+            <a:schemeClr val="accent1"/>
+          </a:effectRef>
+          <a:fontRef idx="minor">
+            <a:schemeClr val="lt1"/>
+          </a:fontRef>
+        </p:style>
+        <p:txBody>
+          <a:bodyPr rtlCol="0" anchor="ctr"/>
+          <a:lstStyle/>
+          <a:p>
+            <a:pPr algn="ctr"/>
+            <a:r>
+              <a:rPr lang="ko-KR" altLang="en-US" dirty="0">
+                <a:latin typeface="sn별별정직" panose="02000500000000000000" pitchFamily="2" charset="0"/>
+                <a:ea typeface="sn별별정직" panose="02000500000000000000" pitchFamily="2" charset="0"/>
+              </a:rPr>
+              <a:t>응답 결과</a:t>
+            </a:r>
+          </a:p>
+        </p:txBody>
+      </p:sp>
+      <p:sp>
+        <p:nvSpPr>
+          <p:cNvPr id="42" name="바닥글 개체 틀 41">
+            <a:extLst>
+              <a:ext uri="{FF2B5EF4-FFF2-40B4-BE49-F238E27FC236}">
+                <a16:creationId xmlns:a16="http://schemas.microsoft.com/office/drawing/2014/main" id="{1A3CA5E2-4F5B-45CB-BA85-7DF34154DD9D}"/>
+              </a:ext>
+            </a:extLst>
+          </p:cNvPr>
+          <p:cNvSpPr>
+            <a:spLocks noGrp="1"/>
+          </p:cNvSpPr>
+          <p:nvPr>
+            <p:ph type="ftr" sz="quarter" idx="11"/>
+          </p:nvPr>
+        </p:nvSpPr>
+        <p:spPr/>
+        <p:txBody>
+          <a:bodyPr/>
+          <a:lstStyle/>
+          <a:p>
+            <a:r>
+              <a:rPr lang="en-US" altLang="ko-KR"/>
+              <a:t>SOP ; Same Origin Policy</a:t>
+            </a:r>
+            <a:endParaRPr lang="ko-KR" altLang="en-US" dirty="0"/>
+          </a:p>
+        </p:txBody>
+      </p:sp>
+    </p:spTree>
+    <p:extLst>
+      <p:ext uri="{BB962C8B-B14F-4D97-AF65-F5344CB8AC3E}">
+        <p14:creationId xmlns:p14="http://schemas.microsoft.com/office/powerpoint/2010/main" val="381925508"/>
+      </p:ext>
+    </p:extLst>
+  </p:cSld>
+  <p:clrMapOvr>
+    <a:masterClrMapping/>
+  </p:clrMapOvr>
+</p:sld>
+</file>
+
+<file path=ppt/slides/slide29.xml><?xml version="1.0" encoding="utf-8"?>
+<p:sld xmlns:a="http://schemas.openxmlformats.org/drawingml/2006/main" xmlns:r="http://schemas.openxmlformats.org/officeDocument/2006/relationships" xmlns:p="http://schemas.openxmlformats.org/presentationml/2006/main">
+  <p:cSld>
+    <p:spTree>
+      <p:nvGrpSpPr>
+        <p:cNvPr id="1" name=""/>
+        <p:cNvGrpSpPr/>
+        <p:nvPr/>
+      </p:nvGrpSpPr>
+      <p:grpSpPr>
+        <a:xfrm>
+          <a:off x="0" y="0"/>
+          <a:ext cx="0" cy="0"/>
+          <a:chOff x="0" y="0"/>
+          <a:chExt cx="0" cy="0"/>
+        </a:xfrm>
+      </p:grpSpPr>
+      <p:pic>
+        <p:nvPicPr>
+          <p:cNvPr id="24" name="그림 23">
+            <a:extLst>
+              <a:ext uri="{FF2B5EF4-FFF2-40B4-BE49-F238E27FC236}">
+                <a16:creationId xmlns:a16="http://schemas.microsoft.com/office/drawing/2014/main" id="{65ED2BEF-F6D7-4166-BCA6-FB8BF3E5A447}"/>
+              </a:ext>
+            </a:extLst>
+          </p:cNvPr>
+          <p:cNvPicPr>
+            <a:picLocks noChangeAspect="1"/>
+          </p:cNvPicPr>
+          <p:nvPr/>
+        </p:nvPicPr>
+        <p:blipFill>
+          <a:blip r:embed="rId2">
+            <a:duotone>
+              <a:schemeClr val="accent6">
+                <a:shade val="45000"/>
+                <a:satMod val="135000"/>
+              </a:schemeClr>
+              <a:prstClr val="white"/>
+            </a:duotone>
+            <a:extLst>
+              <a:ext uri="{28A0092B-C50C-407E-A947-70E740481C1C}">
+                <a14:useLocalDpi xmlns:a14="http://schemas.microsoft.com/office/drawing/2010/main" val="0"/>
+              </a:ext>
+            </a:extLst>
+          </a:blip>
+          <a:stretch>
+            <a:fillRect/>
+          </a:stretch>
+        </p:blipFill>
+        <p:spPr>
+          <a:xfrm>
+            <a:off x="2579220" y="2060717"/>
+            <a:ext cx="4225836" cy="4225836"/>
+          </a:xfrm>
+          <a:prstGeom prst="rect">
+            <a:avLst/>
+          </a:prstGeom>
+        </p:spPr>
+      </p:pic>
+      <p:sp>
+        <p:nvSpPr>
+          <p:cNvPr id="8" name="직사각형 7">
+            <a:extLst>
+              <a:ext uri="{FF2B5EF4-FFF2-40B4-BE49-F238E27FC236}">
+                <a16:creationId xmlns:a16="http://schemas.microsoft.com/office/drawing/2014/main" id="{95E35934-8295-4ABD-8DA1-223C5D9567A3}"/>
+              </a:ext>
+            </a:extLst>
+          </p:cNvPr>
+          <p:cNvSpPr/>
+          <p:nvPr/>
+        </p:nvSpPr>
+        <p:spPr>
+          <a:xfrm>
+            <a:off x="1626437" y="2854923"/>
+            <a:ext cx="2868851" cy="794408"/>
+          </a:xfrm>
+          <a:prstGeom prst="rect">
+            <a:avLst/>
+          </a:prstGeom>
+          <a:solidFill>
+            <a:schemeClr val="tx1"/>
+          </a:solidFill>
+        </p:spPr>
+        <p:style>
+          <a:lnRef idx="2">
+            <a:schemeClr val="accent1">
+              <a:shade val="50000"/>
+            </a:schemeClr>
+          </a:lnRef>
+          <a:fillRef idx="1">
+            <a:schemeClr val="accent1"/>
+          </a:fillRef>
+          <a:effectRef idx="0">
+            <a:schemeClr val="accent1"/>
+          </a:effectRef>
+          <a:fontRef idx="minor">
+            <a:schemeClr val="lt1"/>
+          </a:fontRef>
+        </p:style>
+        <p:txBody>
+          <a:bodyPr rtlCol="0" anchor="ctr"/>
+          <a:lstStyle/>
+          <a:p>
+            <a:pPr algn="r"/>
+            <a:r>
+              <a:rPr lang="en-US" altLang="ko-KR" dirty="0">
+                <a:latin typeface="sn별별정직" panose="02000500000000000000" pitchFamily="2" charset="0"/>
+                <a:ea typeface="sn별별정직" panose="02000500000000000000" pitchFamily="2" charset="0"/>
+              </a:rPr>
+              <a:t>…</a:t>
+            </a:r>
+            <a:r>
+              <a:rPr lang="ko-KR" altLang="en-US" dirty="0">
+                <a:latin typeface="sn별별정직" panose="02000500000000000000" pitchFamily="2" charset="0"/>
+                <a:ea typeface="sn별별정직" panose="02000500000000000000" pitchFamily="2" charset="0"/>
+              </a:rPr>
+              <a:t>라는 특징을 이용</a:t>
+            </a:r>
+          </a:p>
+        </p:txBody>
+      </p:sp>
+      <p:sp>
+        <p:nvSpPr>
+          <p:cNvPr id="4" name="직사각형 3">
+            <a:extLst>
+              <a:ext uri="{FF2B5EF4-FFF2-40B4-BE49-F238E27FC236}">
+                <a16:creationId xmlns:a16="http://schemas.microsoft.com/office/drawing/2014/main" id="{DC4C7D4A-6E17-4913-852C-03DAB4A18856}"/>
+              </a:ext>
+            </a:extLst>
+          </p:cNvPr>
+          <p:cNvSpPr/>
+          <p:nvPr/>
+        </p:nvSpPr>
+        <p:spPr>
+          <a:xfrm>
+            <a:off x="318501" y="704494"/>
+            <a:ext cx="8590548" cy="228311"/>
+          </a:xfrm>
+          <a:prstGeom prst="rect">
+            <a:avLst/>
+          </a:prstGeom>
+          <a:solidFill>
+            <a:schemeClr val="accent1">
+              <a:alpha val="50000"/>
+            </a:schemeClr>
+          </a:solidFill>
+          <a:ln>
+            <a:noFill/>
+          </a:ln>
+        </p:spPr>
+        <p:style>
+          <a:lnRef idx="2">
+            <a:schemeClr val="accent1">
+              <a:shade val="50000"/>
+            </a:schemeClr>
+          </a:lnRef>
+          <a:fillRef idx="1">
+            <a:schemeClr val="accent1"/>
+          </a:fillRef>
+          <a:effectRef idx="0">
+            <a:schemeClr val="accent1"/>
+          </a:effectRef>
+          <a:fontRef idx="minor">
+            <a:schemeClr val="lt1"/>
+          </a:fontRef>
+        </p:style>
+        <p:txBody>
+          <a:bodyPr rtlCol="0" anchor="ctr"/>
+          <a:lstStyle/>
+          <a:p>
+            <a:pPr algn="ctr"/>
+            <a:endParaRPr lang="ko-KR" altLang="en-US" sz="8000" dirty="0">
+              <a:latin typeface="sn별별정직" panose="02000500000000000000" pitchFamily="2" charset="0"/>
+              <a:ea typeface="sn별별정직" panose="02000500000000000000" pitchFamily="2" charset="0"/>
+            </a:endParaRPr>
+          </a:p>
+        </p:txBody>
+      </p:sp>
+      <p:sp>
+        <p:nvSpPr>
+          <p:cNvPr id="5" name="제목 1">
+            <a:extLst>
+              <a:ext uri="{FF2B5EF4-FFF2-40B4-BE49-F238E27FC236}">
+                <a16:creationId xmlns:a16="http://schemas.microsoft.com/office/drawing/2014/main" id="{1C5F24A6-BA1B-47E8-ABA8-29A866E205A7}"/>
+              </a:ext>
+            </a:extLst>
+          </p:cNvPr>
+          <p:cNvSpPr>
+            <a:spLocks noGrp="1"/>
+          </p:cNvSpPr>
+          <p:nvPr>
+            <p:ph type="title"/>
+          </p:nvPr>
+        </p:nvSpPr>
+        <p:spPr>
+          <a:xfrm>
+            <a:off x="628650" y="365126"/>
+            <a:ext cx="7886700" cy="1325563"/>
+          </a:xfrm>
+        </p:spPr>
+        <p:txBody>
+          <a:bodyPr>
+            <a:normAutofit/>
+          </a:bodyPr>
+          <a:lstStyle/>
+          <a:p>
+            <a:pPr algn="ctr"/>
+            <a:r>
+              <a:rPr lang="en-US" altLang="ko-KR" dirty="0"/>
+              <a:t>Mitigation : JSONP</a:t>
+            </a:r>
+            <a:br>
+              <a:rPr lang="en-US" altLang="ko-KR" dirty="0"/>
+            </a:br>
+            <a:r>
+              <a:rPr lang="en-US" altLang="ko-KR" sz="3100" dirty="0">
+                <a:solidFill>
+                  <a:schemeClr val="bg1">
+                    <a:lumMod val="65000"/>
+                  </a:schemeClr>
+                </a:solidFill>
+              </a:rPr>
+              <a:t>JSONP : JSON with Padding</a:t>
+            </a:r>
+            <a:endParaRPr lang="ko-KR" altLang="en-US" dirty="0"/>
+          </a:p>
+        </p:txBody>
+      </p:sp>
+      <p:sp>
+        <p:nvSpPr>
+          <p:cNvPr id="6" name="사각형: 모서리가 접힌 도형 5">
+            <a:extLst>
+              <a:ext uri="{FF2B5EF4-FFF2-40B4-BE49-F238E27FC236}">
+                <a16:creationId xmlns:a16="http://schemas.microsoft.com/office/drawing/2014/main" id="{A20AF456-5355-45E0-AA4F-2DEE9A3840FF}"/>
+              </a:ext>
+            </a:extLst>
+          </p:cNvPr>
+          <p:cNvSpPr/>
+          <p:nvPr/>
+        </p:nvSpPr>
+        <p:spPr>
+          <a:xfrm>
+            <a:off x="5370658" y="2526323"/>
+            <a:ext cx="3538391" cy="1805354"/>
+          </a:xfrm>
+          <a:prstGeom prst="foldedCorner">
+            <a:avLst/>
+          </a:prstGeom>
+          <a:solidFill>
+            <a:schemeClr val="tx1"/>
+          </a:solidFill>
+        </p:spPr>
+        <p:style>
+          <a:lnRef idx="2">
+            <a:schemeClr val="accent1">
+              <a:shade val="50000"/>
+            </a:schemeClr>
+          </a:lnRef>
+          <a:fillRef idx="1">
+            <a:schemeClr val="accent1"/>
+          </a:fillRef>
+          <a:effectRef idx="0">
+            <a:schemeClr val="accent1"/>
+          </a:effectRef>
+          <a:fontRef idx="minor">
+            <a:schemeClr val="lt1"/>
+          </a:fontRef>
+        </p:style>
+        <p:txBody>
+          <a:bodyPr rtlCol="0" anchor="t"/>
+          <a:lstStyle/>
+          <a:p>
+            <a:pPr algn="ctr"/>
+            <a:r>
+              <a:rPr lang="ko-KR" altLang="en-US" sz="2400" dirty="0">
+                <a:solidFill>
+                  <a:schemeClr val="bg1">
+                    <a:lumMod val="95000"/>
+                  </a:schemeClr>
+                </a:solidFill>
+                <a:latin typeface="sn별별정직" panose="02000500000000000000" pitchFamily="2" charset="0"/>
+                <a:ea typeface="sn별별정직" panose="02000500000000000000" pitchFamily="2" charset="0"/>
+              </a:rPr>
+              <a:t>참고</a:t>
+            </a:r>
+            <a:r>
+              <a:rPr lang="en-US" altLang="ko-KR" sz="2400" dirty="0">
+                <a:solidFill>
+                  <a:schemeClr val="bg1">
+                    <a:lumMod val="95000"/>
+                  </a:schemeClr>
+                </a:solidFill>
+                <a:latin typeface="sn별별정직" panose="02000500000000000000" pitchFamily="2" charset="0"/>
+                <a:ea typeface="sn별별정직" panose="02000500000000000000" pitchFamily="2" charset="0"/>
+              </a:rPr>
+              <a:t>!</a:t>
+            </a:r>
+          </a:p>
+          <a:p>
+            <a:pPr algn="ctr"/>
+            <a:r>
+              <a:rPr lang="en-US" altLang="ko-KR" sz="1100" dirty="0">
+                <a:solidFill>
+                  <a:schemeClr val="bg1">
+                    <a:lumMod val="95000"/>
+                  </a:schemeClr>
+                </a:solidFill>
+                <a:latin typeface="sn별별정직" panose="02000500000000000000" pitchFamily="2" charset="0"/>
+                <a:ea typeface="sn별별정직" panose="02000500000000000000" pitchFamily="2" charset="0"/>
+              </a:rPr>
+              <a:t>---------------</a:t>
+            </a:r>
+          </a:p>
+          <a:p>
+            <a:pPr algn="ctr"/>
+            <a:r>
+              <a:rPr lang="en-US" altLang="ko-KR" sz="1600" dirty="0">
+                <a:solidFill>
+                  <a:schemeClr val="bg1">
+                    <a:lumMod val="95000"/>
+                  </a:schemeClr>
+                </a:solidFill>
+                <a:latin typeface="sn별별정직" panose="02000500000000000000" pitchFamily="2" charset="0"/>
+                <a:ea typeface="sn별별정직" panose="02000500000000000000" pitchFamily="2" charset="0"/>
+              </a:rPr>
+              <a:t>JSONP</a:t>
+            </a:r>
+            <a:r>
+              <a:rPr lang="ko-KR" altLang="en-US" sz="1600" dirty="0">
+                <a:solidFill>
+                  <a:schemeClr val="bg1">
+                    <a:lumMod val="95000"/>
+                  </a:schemeClr>
+                </a:solidFill>
+                <a:latin typeface="sn별별정직" panose="02000500000000000000" pitchFamily="2" charset="0"/>
+                <a:ea typeface="sn별별정직" panose="02000500000000000000" pitchFamily="2" charset="0"/>
+              </a:rPr>
+              <a:t>는 </a:t>
+            </a:r>
+            <a:r>
+              <a:rPr lang="en-US" altLang="ko-KR" sz="1600" dirty="0">
+                <a:solidFill>
+                  <a:schemeClr val="bg1">
+                    <a:lumMod val="95000"/>
+                  </a:schemeClr>
+                </a:solidFill>
+                <a:latin typeface="sn별별정직" panose="02000500000000000000" pitchFamily="2" charset="0"/>
+                <a:ea typeface="sn별별정직" panose="02000500000000000000" pitchFamily="2" charset="0"/>
+              </a:rPr>
+              <a:t>CORS</a:t>
+            </a:r>
+            <a:r>
+              <a:rPr lang="ko-KR" altLang="en-US" sz="1600" dirty="0">
+                <a:solidFill>
+                  <a:schemeClr val="bg1">
+                    <a:lumMod val="95000"/>
+                  </a:schemeClr>
+                </a:solidFill>
+                <a:latin typeface="sn별별정직" panose="02000500000000000000" pitchFamily="2" charset="0"/>
+                <a:ea typeface="sn별별정직" panose="02000500000000000000" pitchFamily="2" charset="0"/>
+              </a:rPr>
+              <a:t>가 생기기 전에 사용하던 방법</a:t>
+            </a:r>
+            <a:endParaRPr lang="en-US" altLang="ko-KR" sz="1600" dirty="0">
+              <a:solidFill>
+                <a:schemeClr val="bg1">
+                  <a:lumMod val="95000"/>
+                </a:schemeClr>
+              </a:solidFill>
+              <a:latin typeface="sn별별정직" panose="02000500000000000000" pitchFamily="2" charset="0"/>
+              <a:ea typeface="sn별별정직" panose="02000500000000000000" pitchFamily="2" charset="0"/>
+            </a:endParaRPr>
+          </a:p>
+          <a:p>
+            <a:pPr algn="ctr"/>
+            <a:r>
+              <a:rPr lang="ko-KR" altLang="en-US" sz="1600" dirty="0">
+                <a:solidFill>
+                  <a:schemeClr val="bg1">
+                    <a:lumMod val="95000"/>
+                  </a:schemeClr>
+                </a:solidFill>
+                <a:latin typeface="sn별별정직" panose="02000500000000000000" pitchFamily="2" charset="0"/>
+                <a:ea typeface="sn별별정직" panose="02000500000000000000" pitchFamily="2" charset="0"/>
+              </a:rPr>
+              <a:t>현재는 거의 사용하지 않는 추세</a:t>
+            </a:r>
+            <a:endParaRPr lang="en-US" altLang="ko-KR" sz="1600" dirty="0">
+              <a:solidFill>
+                <a:schemeClr val="bg1">
+                  <a:lumMod val="95000"/>
+                </a:schemeClr>
+              </a:solidFill>
+              <a:latin typeface="sn별별정직" panose="02000500000000000000" pitchFamily="2" charset="0"/>
+              <a:ea typeface="sn별별정직" panose="02000500000000000000" pitchFamily="2" charset="0"/>
+            </a:endParaRPr>
+          </a:p>
+          <a:p>
+            <a:pPr algn="ctr"/>
+            <a:r>
+              <a:rPr lang="ko-KR" altLang="en-US" sz="1600" dirty="0">
+                <a:solidFill>
+                  <a:schemeClr val="bg1">
+                    <a:lumMod val="95000"/>
+                  </a:schemeClr>
+                </a:solidFill>
+                <a:latin typeface="sn별별정직" panose="02000500000000000000" pitchFamily="2" charset="0"/>
+                <a:ea typeface="sn별별정직" panose="02000500000000000000" pitchFamily="2" charset="0"/>
+              </a:rPr>
+              <a:t>↓</a:t>
+            </a:r>
+            <a:endParaRPr lang="en-US" altLang="ko-KR" sz="1600" dirty="0">
+              <a:solidFill>
+                <a:schemeClr val="bg1">
+                  <a:lumMod val="95000"/>
+                </a:schemeClr>
+              </a:solidFill>
+              <a:latin typeface="sn별별정직" panose="02000500000000000000" pitchFamily="2" charset="0"/>
+              <a:ea typeface="sn별별정직" panose="02000500000000000000" pitchFamily="2" charset="0"/>
+            </a:endParaRPr>
+          </a:p>
+          <a:p>
+            <a:pPr algn="ctr"/>
+            <a:r>
+              <a:rPr lang="ko-KR" altLang="en-US" sz="1600" dirty="0">
+                <a:solidFill>
+                  <a:schemeClr val="bg1">
+                    <a:lumMod val="95000"/>
+                  </a:schemeClr>
+                </a:solidFill>
+                <a:latin typeface="sn별별정직" panose="02000500000000000000" pitchFamily="2" charset="0"/>
+                <a:ea typeface="sn별별정직" panose="02000500000000000000" pitchFamily="2" charset="0"/>
+              </a:rPr>
+              <a:t>새 코드 작성 시 </a:t>
+            </a:r>
+            <a:r>
+              <a:rPr lang="en-US" altLang="ko-KR" sz="1600" dirty="0">
+                <a:solidFill>
+                  <a:schemeClr val="bg1">
+                    <a:lumMod val="95000"/>
+                  </a:schemeClr>
+                </a:solidFill>
+                <a:latin typeface="sn별별정직" panose="02000500000000000000" pitchFamily="2" charset="0"/>
+                <a:ea typeface="sn별별정직" panose="02000500000000000000" pitchFamily="2" charset="0"/>
+              </a:rPr>
+              <a:t>CORS</a:t>
+            </a:r>
+            <a:r>
+              <a:rPr lang="ko-KR" altLang="en-US" sz="1600" dirty="0">
+                <a:solidFill>
+                  <a:schemeClr val="bg1">
+                    <a:lumMod val="95000"/>
+                  </a:schemeClr>
+                </a:solidFill>
+                <a:latin typeface="sn별별정직" panose="02000500000000000000" pitchFamily="2" charset="0"/>
+                <a:ea typeface="sn별별정직" panose="02000500000000000000" pitchFamily="2" charset="0"/>
+              </a:rPr>
+              <a:t>를 사용할 것</a:t>
+            </a:r>
+          </a:p>
+        </p:txBody>
+      </p:sp>
+      <p:sp>
+        <p:nvSpPr>
+          <p:cNvPr id="7" name="사각형: 둥근 대각선 방향 모서리 6">
+            <a:extLst>
+              <a:ext uri="{FF2B5EF4-FFF2-40B4-BE49-F238E27FC236}">
+                <a16:creationId xmlns:a16="http://schemas.microsoft.com/office/drawing/2014/main" id="{6841904F-4F88-4FDF-AF42-BD799379250F}"/>
+              </a:ext>
+            </a:extLst>
+          </p:cNvPr>
+          <p:cNvSpPr/>
+          <p:nvPr/>
+        </p:nvSpPr>
+        <p:spPr>
+          <a:xfrm>
+            <a:off x="628650" y="2424003"/>
+            <a:ext cx="2267671" cy="943903"/>
+          </a:xfrm>
+          <a:prstGeom prst="round2DiagRect">
+            <a:avLst>
+              <a:gd name="adj1" fmla="val 5718"/>
+              <a:gd name="adj2" fmla="val 0"/>
+            </a:avLst>
+          </a:prstGeom>
+          <a:solidFill>
+            <a:schemeClr val="tx1"/>
+          </a:solidFill>
+        </p:spPr>
+        <p:style>
+          <a:lnRef idx="2">
+            <a:schemeClr val="accent1">
+              <a:shade val="50000"/>
+            </a:schemeClr>
+          </a:lnRef>
+          <a:fillRef idx="1">
+            <a:schemeClr val="accent1"/>
+          </a:fillRef>
+          <a:effectRef idx="0">
+            <a:schemeClr val="accent1"/>
+          </a:effectRef>
+          <a:fontRef idx="minor">
+            <a:schemeClr val="lt1"/>
+          </a:fontRef>
+        </p:style>
+        <p:txBody>
+          <a:bodyPr rtlCol="0" anchor="ctr"/>
+          <a:lstStyle/>
+          <a:p>
+            <a:pPr algn="ctr"/>
+            <a:r>
+              <a:rPr lang="ko-KR" altLang="en-US" sz="1600" dirty="0">
+                <a:latin typeface="sn별별정직" panose="02000500000000000000" pitchFamily="2" charset="0"/>
+                <a:ea typeface="sn별별정직" panose="02000500000000000000" pitchFamily="2" charset="0"/>
+              </a:rPr>
+              <a:t>예외</a:t>
+            </a:r>
+            <a:endParaRPr lang="en-US" altLang="ko-KR" sz="1600" dirty="0">
+              <a:latin typeface="sn별별정직" panose="02000500000000000000" pitchFamily="2" charset="0"/>
+              <a:ea typeface="sn별별정직" panose="02000500000000000000" pitchFamily="2" charset="0"/>
+            </a:endParaRPr>
+          </a:p>
+          <a:p>
+            <a:pPr algn="ctr"/>
+            <a:r>
+              <a:rPr lang="en-US" altLang="ko-KR" sz="1050" dirty="0">
+                <a:solidFill>
+                  <a:schemeClr val="bg1">
+                    <a:lumMod val="65000"/>
+                  </a:schemeClr>
+                </a:solidFill>
+                <a:latin typeface="sn별별정직" panose="02000500000000000000" pitchFamily="2" charset="0"/>
+                <a:ea typeface="sn별별정직" panose="02000500000000000000" pitchFamily="2" charset="0"/>
+              </a:rPr>
+              <a:t>SOP </a:t>
+            </a:r>
+            <a:r>
+              <a:rPr lang="ko-KR" altLang="en-US" sz="1050" dirty="0">
+                <a:solidFill>
+                  <a:schemeClr val="bg1">
+                    <a:lumMod val="65000"/>
+                  </a:schemeClr>
+                </a:solidFill>
+                <a:latin typeface="sn별별정직" panose="02000500000000000000" pitchFamily="2" charset="0"/>
+                <a:ea typeface="sn별별정직" panose="02000500000000000000" pitchFamily="2" charset="0"/>
+              </a:rPr>
+              <a:t>상관없이 외부 출처에 대한 접근 허용</a:t>
+            </a:r>
+            <a:endParaRPr lang="en-US" altLang="ko-KR" sz="700" dirty="0">
+              <a:latin typeface="sn별별정직" panose="02000500000000000000" pitchFamily="2" charset="0"/>
+              <a:ea typeface="sn별별정직" panose="02000500000000000000" pitchFamily="2" charset="0"/>
+            </a:endParaRPr>
+          </a:p>
+          <a:p>
+            <a:pPr algn="ctr"/>
+            <a:r>
+              <a:rPr lang="en-US" altLang="ko-KR" sz="1100" dirty="0">
+                <a:latin typeface="sn별별정직" panose="02000500000000000000" pitchFamily="2" charset="0"/>
+                <a:ea typeface="sn별별정직" panose="02000500000000000000" pitchFamily="2" charset="0"/>
+              </a:rPr>
+              <a:t>&lt;img&gt; &lt;style&gt; &lt;script&gt; </a:t>
+            </a:r>
+            <a:r>
+              <a:rPr lang="ko-KR" altLang="en-US" sz="1100" dirty="0">
+                <a:latin typeface="sn별별정직" panose="02000500000000000000" pitchFamily="2" charset="0"/>
+                <a:ea typeface="sn별별정직" panose="02000500000000000000" pitchFamily="2" charset="0"/>
+              </a:rPr>
+              <a:t>등의 태그</a:t>
+            </a:r>
+            <a:endParaRPr lang="en-US" altLang="ko-KR" sz="1100" dirty="0">
+              <a:latin typeface="sn별별정직" panose="02000500000000000000" pitchFamily="2" charset="0"/>
+              <a:ea typeface="sn별별정직" panose="02000500000000000000" pitchFamily="2" charset="0"/>
+            </a:endParaRPr>
+          </a:p>
+          <a:p>
+            <a:pPr algn="ctr"/>
+            <a:r>
+              <a:rPr lang="ko-KR" altLang="en-US" sz="1000" dirty="0">
+                <a:solidFill>
+                  <a:schemeClr val="bg1">
+                    <a:lumMod val="65000"/>
+                  </a:schemeClr>
+                </a:solidFill>
+                <a:latin typeface="sn별별정직" panose="02000500000000000000" pitchFamily="2" charset="0"/>
+                <a:ea typeface="sn별별정직" panose="02000500000000000000" pitchFamily="2" charset="0"/>
+              </a:rPr>
+              <a:t>이미지</a:t>
+            </a:r>
+            <a:r>
+              <a:rPr lang="en-US" altLang="ko-KR" sz="1000" dirty="0">
+                <a:solidFill>
+                  <a:schemeClr val="bg1">
+                    <a:lumMod val="65000"/>
+                  </a:schemeClr>
+                </a:solidFill>
+                <a:latin typeface="sn별별정직" panose="02000500000000000000" pitchFamily="2" charset="0"/>
+                <a:ea typeface="sn별별정직" panose="02000500000000000000" pitchFamily="2" charset="0"/>
+              </a:rPr>
+              <a:t>, </a:t>
+            </a:r>
+            <a:r>
+              <a:rPr lang="ko-KR" altLang="en-US" sz="1000" dirty="0">
+                <a:solidFill>
+                  <a:schemeClr val="bg1">
+                    <a:lumMod val="65000"/>
+                  </a:schemeClr>
+                </a:solidFill>
+                <a:latin typeface="sn별별정직" panose="02000500000000000000" pitchFamily="2" charset="0"/>
+                <a:ea typeface="sn별별정직" panose="02000500000000000000" pitchFamily="2" charset="0"/>
+              </a:rPr>
+              <a:t>자바스크립트</a:t>
+            </a:r>
+            <a:r>
+              <a:rPr lang="en-US" altLang="ko-KR" sz="1000" dirty="0">
+                <a:solidFill>
+                  <a:schemeClr val="bg1">
+                    <a:lumMod val="65000"/>
+                  </a:schemeClr>
+                </a:solidFill>
+                <a:latin typeface="sn별별정직" panose="02000500000000000000" pitchFamily="2" charset="0"/>
+                <a:ea typeface="sn별별정직" panose="02000500000000000000" pitchFamily="2" charset="0"/>
+              </a:rPr>
+              <a:t>, CSS </a:t>
+            </a:r>
+            <a:r>
+              <a:rPr lang="ko-KR" altLang="en-US" sz="1000" dirty="0">
+                <a:solidFill>
+                  <a:schemeClr val="bg1">
+                    <a:lumMod val="65000"/>
+                  </a:schemeClr>
+                </a:solidFill>
+                <a:latin typeface="sn별별정직" panose="02000500000000000000" pitchFamily="2" charset="0"/>
+                <a:ea typeface="sn별별정직" panose="02000500000000000000" pitchFamily="2" charset="0"/>
+              </a:rPr>
+              <a:t>등의 리소스를 불러옴</a:t>
+            </a:r>
+          </a:p>
+        </p:txBody>
+      </p:sp>
+      <p:sp>
+        <p:nvSpPr>
+          <p:cNvPr id="9" name="화살표: 아래쪽 8">
+            <a:extLst>
+              <a:ext uri="{FF2B5EF4-FFF2-40B4-BE49-F238E27FC236}">
+                <a16:creationId xmlns:a16="http://schemas.microsoft.com/office/drawing/2014/main" id="{A99A389A-1DC4-409D-85C3-317FFB9BFD30}"/>
+              </a:ext>
+            </a:extLst>
+          </p:cNvPr>
+          <p:cNvSpPr/>
+          <p:nvPr/>
+        </p:nvSpPr>
+        <p:spPr>
+          <a:xfrm>
+            <a:off x="2896321" y="3798826"/>
+            <a:ext cx="222738" cy="933998"/>
+          </a:xfrm>
+          <a:prstGeom prst="downArrow">
+            <a:avLst>
+              <a:gd name="adj1" fmla="val 25610"/>
+              <a:gd name="adj2" fmla="val 71951"/>
+            </a:avLst>
+          </a:prstGeom>
+          <a:solidFill>
+            <a:schemeClr val="tx1"/>
+          </a:solidFill>
+        </p:spPr>
+        <p:style>
+          <a:lnRef idx="2">
+            <a:schemeClr val="accent1">
+              <a:shade val="50000"/>
+            </a:schemeClr>
+          </a:lnRef>
+          <a:fillRef idx="1">
+            <a:schemeClr val="accent1"/>
+          </a:fillRef>
+          <a:effectRef idx="0">
+            <a:schemeClr val="accent1"/>
+          </a:effectRef>
+          <a:fontRef idx="minor">
+            <a:schemeClr val="lt1"/>
+          </a:fontRef>
+        </p:style>
+        <p:txBody>
+          <a:bodyPr rtlCol="0" anchor="ctr"/>
+          <a:lstStyle/>
+          <a:p>
+            <a:pPr algn="ctr"/>
+            <a:endParaRPr lang="ko-KR" altLang="en-US" dirty="0"/>
+          </a:p>
+        </p:txBody>
+      </p:sp>
+      <p:sp>
+        <p:nvSpPr>
+          <p:cNvPr id="10" name="직사각형 9">
+            <a:extLst>
+              <a:ext uri="{FF2B5EF4-FFF2-40B4-BE49-F238E27FC236}">
+                <a16:creationId xmlns:a16="http://schemas.microsoft.com/office/drawing/2014/main" id="{90DE10EF-E299-403A-BF3D-EC74CE17C46D}"/>
+              </a:ext>
+            </a:extLst>
+          </p:cNvPr>
+          <p:cNvSpPr/>
+          <p:nvPr/>
+        </p:nvSpPr>
+        <p:spPr>
+          <a:xfrm>
+            <a:off x="1626437" y="4882319"/>
+            <a:ext cx="2868851" cy="794408"/>
+          </a:xfrm>
+          <a:prstGeom prst="rect">
+            <a:avLst/>
+          </a:prstGeom>
+          <a:solidFill>
+            <a:schemeClr val="tx1"/>
+          </a:solidFill>
+        </p:spPr>
+        <p:style>
+          <a:lnRef idx="2">
+            <a:schemeClr val="accent1">
+              <a:shade val="50000"/>
+            </a:schemeClr>
+          </a:lnRef>
+          <a:fillRef idx="1">
+            <a:schemeClr val="accent1"/>
+          </a:fillRef>
+          <a:effectRef idx="0">
+            <a:schemeClr val="accent1"/>
+          </a:effectRef>
+          <a:fontRef idx="minor">
+            <a:schemeClr val="lt1"/>
+          </a:fontRef>
+        </p:style>
+        <p:txBody>
+          <a:bodyPr rtlCol="0" anchor="ctr"/>
+          <a:lstStyle/>
+          <a:p>
+            <a:pPr algn="ctr"/>
+            <a:r>
+              <a:rPr lang="en-US" altLang="ko-KR" dirty="0">
+                <a:latin typeface="sn별별정직" panose="02000500000000000000" pitchFamily="2" charset="0"/>
+                <a:ea typeface="sn별별정직" panose="02000500000000000000" pitchFamily="2" charset="0"/>
+              </a:rPr>
+              <a:t>&lt;script&gt; </a:t>
+            </a:r>
+            <a:r>
+              <a:rPr lang="ko-KR" altLang="en-US" dirty="0">
+                <a:latin typeface="sn별별정직" panose="02000500000000000000" pitchFamily="2" charset="0"/>
+                <a:ea typeface="sn별별정직" panose="02000500000000000000" pitchFamily="2" charset="0"/>
+              </a:rPr>
+              <a:t>태그로</a:t>
+            </a:r>
+            <a:endParaRPr lang="en-US" altLang="ko-KR" dirty="0">
+              <a:latin typeface="sn별별정직" panose="02000500000000000000" pitchFamily="2" charset="0"/>
+              <a:ea typeface="sn별별정직" panose="02000500000000000000" pitchFamily="2" charset="0"/>
+            </a:endParaRPr>
+          </a:p>
+          <a:p>
+            <a:pPr algn="ctr"/>
+            <a:r>
+              <a:rPr lang="en-US" altLang="ko-KR" dirty="0">
+                <a:latin typeface="sn별별정직" panose="02000500000000000000" pitchFamily="2" charset="0"/>
+                <a:ea typeface="sn별별정직" panose="02000500000000000000" pitchFamily="2" charset="0"/>
+              </a:rPr>
+              <a:t>Cross Origin</a:t>
+            </a:r>
+            <a:r>
+              <a:rPr lang="ko-KR" altLang="en-US" dirty="0">
+                <a:latin typeface="sn별별정직" panose="02000500000000000000" pitchFamily="2" charset="0"/>
+                <a:ea typeface="sn별별정직" panose="02000500000000000000" pitchFamily="2" charset="0"/>
+              </a:rPr>
+              <a:t>의 데이터를 불러옴</a:t>
+            </a:r>
+          </a:p>
+        </p:txBody>
+      </p:sp>
+      <p:sp>
+        <p:nvSpPr>
+          <p:cNvPr id="11" name="화살표: 줄무늬가 있는 오른쪽 10">
+            <a:extLst>
+              <a:ext uri="{FF2B5EF4-FFF2-40B4-BE49-F238E27FC236}">
+                <a16:creationId xmlns:a16="http://schemas.microsoft.com/office/drawing/2014/main" id="{B820CDC0-EC1B-4423-AB27-B35C4993727D}"/>
+              </a:ext>
+            </a:extLst>
+          </p:cNvPr>
+          <p:cNvSpPr/>
+          <p:nvPr/>
+        </p:nvSpPr>
+        <p:spPr>
+          <a:xfrm>
+            <a:off x="174753" y="2060717"/>
+            <a:ext cx="880324" cy="228311"/>
+          </a:xfrm>
+          <a:prstGeom prst="stripedRightArrow">
+            <a:avLst>
+              <a:gd name="adj1" fmla="val 22094"/>
+              <a:gd name="adj2" fmla="val 91943"/>
+            </a:avLst>
+          </a:prstGeom>
+          <a:solidFill>
+            <a:schemeClr val="tx1"/>
+          </a:solidFill>
+        </p:spPr>
+        <p:style>
+          <a:lnRef idx="2">
+            <a:schemeClr val="accent1">
+              <a:shade val="50000"/>
+            </a:schemeClr>
+          </a:lnRef>
+          <a:fillRef idx="1">
+            <a:schemeClr val="accent1"/>
+          </a:fillRef>
+          <a:effectRef idx="0">
+            <a:schemeClr val="accent1"/>
+          </a:effectRef>
+          <a:fontRef idx="minor">
+            <a:schemeClr val="lt1"/>
+          </a:fontRef>
+        </p:style>
+        <p:txBody>
+          <a:bodyPr rtlCol="0" anchor="ctr"/>
+          <a:lstStyle/>
+          <a:p>
+            <a:pPr algn="ctr"/>
+            <a:endParaRPr lang="ko-KR" altLang="en-US" dirty="0"/>
+          </a:p>
+        </p:txBody>
+      </p:sp>
+      <p:sp>
+        <p:nvSpPr>
+          <p:cNvPr id="12" name="TextBox 11">
+            <a:extLst>
+              <a:ext uri="{FF2B5EF4-FFF2-40B4-BE49-F238E27FC236}">
+                <a16:creationId xmlns:a16="http://schemas.microsoft.com/office/drawing/2014/main" id="{50C98FF6-FB62-4D26-B810-5D543CD8B988}"/>
+              </a:ext>
+            </a:extLst>
+          </p:cNvPr>
+          <p:cNvSpPr txBox="1"/>
+          <p:nvPr/>
+        </p:nvSpPr>
+        <p:spPr>
+          <a:xfrm>
+            <a:off x="318501" y="1779292"/>
+            <a:ext cx="540533" cy="369332"/>
+          </a:xfrm>
+          <a:prstGeom prst="rect">
+            <a:avLst/>
+          </a:prstGeom>
+          <a:noFill/>
+        </p:spPr>
+        <p:txBody>
+          <a:bodyPr wrap="none" rtlCol="0">
+            <a:spAutoFit/>
+          </a:bodyPr>
+          <a:lstStyle/>
+          <a:p>
+            <a:r>
+              <a:rPr lang="en-US" altLang="ko-KR" dirty="0">
+                <a:solidFill>
+                  <a:schemeClr val="bg1">
+                    <a:lumMod val="65000"/>
+                  </a:schemeClr>
+                </a:solidFill>
+                <a:latin typeface="sn별별정직" panose="02000500000000000000" pitchFamily="2" charset="0"/>
+                <a:ea typeface="sn별별정직" panose="02000500000000000000" pitchFamily="2" charset="0"/>
+              </a:rPr>
+              <a:t>27p</a:t>
+            </a:r>
+            <a:endParaRPr lang="ko-KR" altLang="en-US" dirty="0">
+              <a:solidFill>
+                <a:schemeClr val="bg1">
+                  <a:lumMod val="65000"/>
+                </a:schemeClr>
+              </a:solidFill>
+              <a:latin typeface="sn별별정직" panose="02000500000000000000" pitchFamily="2" charset="0"/>
+              <a:ea typeface="sn별별정직" panose="02000500000000000000" pitchFamily="2" charset="0"/>
+            </a:endParaRPr>
+          </a:p>
+        </p:txBody>
+      </p:sp>
+      <p:sp>
+        <p:nvSpPr>
+          <p:cNvPr id="16" name="자유형: 도형 15">
+            <a:extLst>
+              <a:ext uri="{FF2B5EF4-FFF2-40B4-BE49-F238E27FC236}">
+                <a16:creationId xmlns:a16="http://schemas.microsoft.com/office/drawing/2014/main" id="{FEA8EDFC-793B-412A-9D5B-4C455B066A77}"/>
+              </a:ext>
+            </a:extLst>
+          </p:cNvPr>
+          <p:cNvSpPr/>
+          <p:nvPr/>
+        </p:nvSpPr>
+        <p:spPr>
+          <a:xfrm>
+            <a:off x="4823159" y="2160475"/>
+            <a:ext cx="3692191" cy="643710"/>
+          </a:xfrm>
+          <a:custGeom>
+            <a:avLst/>
+            <a:gdLst>
+              <a:gd name="connsiteX0" fmla="*/ 12091 w 1208795"/>
+              <a:gd name="connsiteY0" fmla="*/ 198654 h 643710"/>
+              <a:gd name="connsiteX1" fmla="*/ 1050219 w 1208795"/>
+              <a:gd name="connsiteY1" fmla="*/ 0 h 643710"/>
+              <a:gd name="connsiteX2" fmla="*/ 1139964 w 1208795"/>
+              <a:gd name="connsiteY2" fmla="*/ 133920 h 643710"/>
+              <a:gd name="connsiteX3" fmla="*/ 1058030 w 1208795"/>
+              <a:gd name="connsiteY3" fmla="*/ 174446 h 643710"/>
+              <a:gd name="connsiteX4" fmla="*/ 1208795 w 1208795"/>
+              <a:gd name="connsiteY4" fmla="*/ 400997 h 643710"/>
+              <a:gd name="connsiteX5" fmla="*/ 1140616 w 1208795"/>
+              <a:gd name="connsiteY5" fmla="*/ 426967 h 643710"/>
+              <a:gd name="connsiteX6" fmla="*/ 1155276 w 1208795"/>
+              <a:gd name="connsiteY6" fmla="*/ 448288 h 643710"/>
+              <a:gd name="connsiteX7" fmla="*/ 134037 w 1208795"/>
+              <a:gd name="connsiteY7" fmla="*/ 643710 h 643710"/>
+              <a:gd name="connsiteX8" fmla="*/ 102005 w 1208795"/>
+              <a:gd name="connsiteY8" fmla="*/ 578594 h 643710"/>
+              <a:gd name="connsiteX9" fmla="*/ 151677 w 1208795"/>
+              <a:gd name="connsiteY9" fmla="*/ 540576 h 643710"/>
+              <a:gd name="connsiteX10" fmla="*/ 0 w 1208795"/>
+              <a:gd name="connsiteY10" fmla="*/ 312903 h 643710"/>
+              <a:gd name="connsiteX11" fmla="*/ 49671 w 1208795"/>
+              <a:gd name="connsiteY11" fmla="*/ 281571 h 643710"/>
+              <a:gd name="connsiteX12" fmla="*/ 12091 w 1208795"/>
+              <a:gd name="connsiteY12" fmla="*/ 198654 h 643710"/>
+            </a:gdLst>
+            <a:ahLst/>
+            <a:cxnLst>
+              <a:cxn ang="0">
+                <a:pos x="connsiteX0" y="connsiteY0"/>
+              </a:cxn>
+              <a:cxn ang="0">
+                <a:pos x="connsiteX1" y="connsiteY1"/>
+              </a:cxn>
+              <a:cxn ang="0">
+                <a:pos x="connsiteX2" y="connsiteY2"/>
+              </a:cxn>
+              <a:cxn ang="0">
+                <a:pos x="connsiteX3" y="connsiteY3"/>
+              </a:cxn>
+              <a:cxn ang="0">
+                <a:pos x="connsiteX4" y="connsiteY4"/>
+              </a:cxn>
+              <a:cxn ang="0">
+                <a:pos x="connsiteX5" y="connsiteY5"/>
+              </a:cxn>
+              <a:cxn ang="0">
+                <a:pos x="connsiteX6" y="connsiteY6"/>
+              </a:cxn>
+              <a:cxn ang="0">
+                <a:pos x="connsiteX7" y="connsiteY7"/>
+              </a:cxn>
+              <a:cxn ang="0">
+                <a:pos x="connsiteX8" y="connsiteY8"/>
+              </a:cxn>
+              <a:cxn ang="0">
+                <a:pos x="connsiteX9" y="connsiteY9"/>
+              </a:cxn>
+              <a:cxn ang="0">
+                <a:pos x="connsiteX10" y="connsiteY10"/>
+              </a:cxn>
+              <a:cxn ang="0">
+                <a:pos x="connsiteX11" y="connsiteY11"/>
+              </a:cxn>
+              <a:cxn ang="0">
+                <a:pos x="connsiteX12" y="connsiteY12"/>
+              </a:cxn>
+            </a:cxnLst>
+            <a:rect l="l" t="t" r="r" b="b"/>
+            <a:pathLst>
+              <a:path w="1208795" h="643710">
+                <a:moveTo>
+                  <a:pt x="12091" y="198654"/>
+                </a:moveTo>
+                <a:lnTo>
+                  <a:pt x="1050219" y="0"/>
+                </a:lnTo>
+                <a:lnTo>
+                  <a:pt x="1139964" y="133920"/>
+                </a:lnTo>
+                <a:lnTo>
+                  <a:pt x="1058030" y="174446"/>
+                </a:lnTo>
+                <a:lnTo>
+                  <a:pt x="1208795" y="400997"/>
+                </a:lnTo>
+                <a:lnTo>
+                  <a:pt x="1140616" y="426967"/>
+                </a:lnTo>
+                <a:lnTo>
+                  <a:pt x="1155276" y="448288"/>
+                </a:lnTo>
+                <a:lnTo>
+                  <a:pt x="134037" y="643710"/>
+                </a:lnTo>
+                <a:lnTo>
+                  <a:pt x="102005" y="578594"/>
+                </a:lnTo>
+                <a:lnTo>
+                  <a:pt x="151677" y="540576"/>
+                </a:lnTo>
+                <a:lnTo>
+                  <a:pt x="0" y="312903"/>
+                </a:lnTo>
+                <a:lnTo>
+                  <a:pt x="49671" y="281571"/>
+                </a:lnTo>
+                <a:lnTo>
+                  <a:pt x="12091" y="198654"/>
+                </a:lnTo>
+                <a:close/>
+              </a:path>
+            </a:pathLst>
+          </a:custGeom>
+          <a:solidFill>
+            <a:schemeClr val="accent1">
+              <a:alpha val="25000"/>
+            </a:schemeClr>
+          </a:solidFill>
+        </p:spPr>
+        <p:style>
+          <a:lnRef idx="2">
+            <a:schemeClr val="accent1">
+              <a:shade val="50000"/>
+            </a:schemeClr>
+          </a:lnRef>
+          <a:fillRef idx="1">
+            <a:schemeClr val="accent1"/>
+          </a:fillRef>
+          <a:effectRef idx="0">
+            <a:schemeClr val="accent1"/>
+          </a:effectRef>
+          <a:fontRef idx="minor">
+            <a:schemeClr val="lt1"/>
+          </a:fontRef>
+        </p:style>
+        <p:txBody>
+          <a:bodyPr rtlCol="0" anchor="ctr"/>
+          <a:lstStyle/>
+          <a:p>
+            <a:pPr algn="ctr"/>
+            <a:endParaRPr lang="ko-KR" altLang="en-US" dirty="0"/>
+          </a:p>
+        </p:txBody>
+      </p:sp>
+      <p:sp>
+        <p:nvSpPr>
+          <p:cNvPr id="22" name="TextBox 21">
+            <a:extLst>
+              <a:ext uri="{FF2B5EF4-FFF2-40B4-BE49-F238E27FC236}">
+                <a16:creationId xmlns:a16="http://schemas.microsoft.com/office/drawing/2014/main" id="{C05F380F-A5DE-4707-BE67-28D5CD7862F7}"/>
+              </a:ext>
+            </a:extLst>
+          </p:cNvPr>
+          <p:cNvSpPr txBox="1"/>
+          <p:nvPr/>
+        </p:nvSpPr>
+        <p:spPr>
+          <a:xfrm>
+            <a:off x="1006140" y="5871404"/>
+            <a:ext cx="4225837" cy="584775"/>
+          </a:xfrm>
+          <a:prstGeom prst="rect">
+            <a:avLst/>
+          </a:prstGeom>
+          <a:noFill/>
+        </p:spPr>
+        <p:txBody>
+          <a:bodyPr wrap="none" rtlCol="0">
+            <a:spAutoFit/>
+          </a:bodyPr>
+          <a:lstStyle/>
+          <a:p>
+            <a:r>
+              <a:rPr lang="ko-KR" altLang="en-US" sz="1600" dirty="0">
+                <a:solidFill>
+                  <a:schemeClr val="bg1">
+                    <a:lumMod val="65000"/>
+                  </a:schemeClr>
+                </a:solidFill>
+                <a:latin typeface="sn별별정직" panose="02000500000000000000" pitchFamily="2" charset="0"/>
+                <a:ea typeface="sn별별정직" panose="02000500000000000000" pitchFamily="2" charset="0"/>
+              </a:rPr>
+              <a:t>* </a:t>
+            </a:r>
+            <a:r>
+              <a:rPr lang="en-US" altLang="ko-KR" sz="1600" dirty="0">
+                <a:solidFill>
+                  <a:schemeClr val="bg1">
+                    <a:lumMod val="65000"/>
+                  </a:schemeClr>
+                </a:solidFill>
+                <a:latin typeface="sn별별정직" panose="02000500000000000000" pitchFamily="2" charset="0"/>
+                <a:ea typeface="sn별별정직" panose="02000500000000000000" pitchFamily="2" charset="0"/>
+              </a:rPr>
+              <a:t>&lt;script&gt; </a:t>
+            </a:r>
+            <a:r>
+              <a:rPr lang="ko-KR" altLang="en-US" sz="1600" dirty="0">
+                <a:solidFill>
+                  <a:schemeClr val="bg1">
+                    <a:lumMod val="65000"/>
+                  </a:schemeClr>
+                </a:solidFill>
+                <a:latin typeface="sn별별정직" panose="02000500000000000000" pitchFamily="2" charset="0"/>
+                <a:ea typeface="sn별별정직" panose="02000500000000000000" pitchFamily="2" charset="0"/>
+              </a:rPr>
+              <a:t>태그 내의 데이터는 자바스크립트의 코드로 인식</a:t>
+            </a:r>
+            <a:endParaRPr lang="en-US" altLang="ko-KR" sz="1600" dirty="0">
+              <a:solidFill>
+                <a:schemeClr val="bg1">
+                  <a:lumMod val="65000"/>
+                </a:schemeClr>
+              </a:solidFill>
+              <a:latin typeface="sn별별정직" panose="02000500000000000000" pitchFamily="2" charset="0"/>
+              <a:ea typeface="sn별별정직" panose="02000500000000000000" pitchFamily="2" charset="0"/>
+            </a:endParaRPr>
+          </a:p>
+          <a:p>
+            <a:r>
+              <a:rPr lang="en-US" altLang="ko-KR" sz="1600" dirty="0">
+                <a:solidFill>
+                  <a:schemeClr val="bg1">
+                    <a:lumMod val="65000"/>
+                  </a:schemeClr>
+                </a:solidFill>
+                <a:latin typeface="sn별별정직" panose="02000500000000000000" pitchFamily="2" charset="0"/>
+                <a:ea typeface="sn별별정직" panose="02000500000000000000" pitchFamily="2" charset="0"/>
+              </a:rPr>
+              <a:t>	-&gt; Callback </a:t>
+            </a:r>
+            <a:r>
+              <a:rPr lang="ko-KR" altLang="en-US" sz="1600" dirty="0">
+                <a:solidFill>
+                  <a:schemeClr val="bg1">
+                    <a:lumMod val="65000"/>
+                  </a:schemeClr>
+                </a:solidFill>
+                <a:latin typeface="sn별별정직" panose="02000500000000000000" pitchFamily="2" charset="0"/>
+                <a:ea typeface="sn별별정직" panose="02000500000000000000" pitchFamily="2" charset="0"/>
+              </a:rPr>
+              <a:t>함수를 활용해야 함</a:t>
+            </a:r>
+          </a:p>
+        </p:txBody>
+      </p:sp>
+      <p:sp>
+        <p:nvSpPr>
+          <p:cNvPr id="25" name="바닥글 개체 틀 24">
+            <a:extLst>
+              <a:ext uri="{FF2B5EF4-FFF2-40B4-BE49-F238E27FC236}">
+                <a16:creationId xmlns:a16="http://schemas.microsoft.com/office/drawing/2014/main" id="{C00783F2-9D18-463D-AC9A-3BD80BD63F65}"/>
+              </a:ext>
+            </a:extLst>
+          </p:cNvPr>
+          <p:cNvSpPr>
+            <a:spLocks noGrp="1"/>
+          </p:cNvSpPr>
+          <p:nvPr>
+            <p:ph type="ftr" sz="quarter" idx="11"/>
+          </p:nvPr>
+        </p:nvSpPr>
+        <p:spPr/>
+        <p:txBody>
+          <a:bodyPr/>
+          <a:lstStyle/>
+          <a:p>
+            <a:r>
+              <a:rPr lang="en-US" altLang="ko-KR"/>
+              <a:t>SOP ; Same Origin Policy</a:t>
+            </a:r>
+            <a:endParaRPr lang="ko-KR" altLang="en-US" dirty="0"/>
+          </a:p>
+        </p:txBody>
+      </p:sp>
+    </p:spTree>
+    <p:extLst>
+      <p:ext uri="{BB962C8B-B14F-4D97-AF65-F5344CB8AC3E}">
+        <p14:creationId xmlns:p14="http://schemas.microsoft.com/office/powerpoint/2010/main" val="2367463206"/>
       </p:ext>
     </p:extLst>
   </p:cSld>
@@ -23226,6 +30939,168 @@
     <p:extLst>
       <p:ext uri="{BB962C8B-B14F-4D97-AF65-F5344CB8AC3E}">
         <p14:creationId xmlns:p14="http://schemas.microsoft.com/office/powerpoint/2010/main" val="1210419434"/>
+      </p:ext>
+    </p:extLst>
+  </p:cSld>
+  <p:clrMapOvr>
+    <a:masterClrMapping/>
+  </p:clrMapOvr>
+</p:sld>
+</file>
+
+<file path=ppt/slides/slide30.xml><?xml version="1.0" encoding="utf-8"?>
+<p:sld xmlns:a="http://schemas.openxmlformats.org/drawingml/2006/main" xmlns:r="http://schemas.openxmlformats.org/officeDocument/2006/relationships" xmlns:p="http://schemas.openxmlformats.org/presentationml/2006/main">
+  <p:cSld>
+    <p:spTree>
+      <p:nvGrpSpPr>
+        <p:cNvPr id="1" name=""/>
+        <p:cNvGrpSpPr/>
+        <p:nvPr/>
+      </p:nvGrpSpPr>
+      <p:grpSpPr>
+        <a:xfrm>
+          <a:off x="0" y="0"/>
+          <a:ext cx="0" cy="0"/>
+          <a:chOff x="0" y="0"/>
+          <a:chExt cx="0" cy="0"/>
+        </a:xfrm>
+      </p:grpSpPr>
+      <p:pic>
+        <p:nvPicPr>
+          <p:cNvPr id="5" name="그림 4">
+            <a:extLst>
+              <a:ext uri="{FF2B5EF4-FFF2-40B4-BE49-F238E27FC236}">
+                <a16:creationId xmlns:a16="http://schemas.microsoft.com/office/drawing/2014/main" id="{55396125-51B2-4AF6-AC58-AF02F29ADF21}"/>
+              </a:ext>
+            </a:extLst>
+          </p:cNvPr>
+          <p:cNvPicPr>
+            <a:picLocks noChangeAspect="1"/>
+          </p:cNvPicPr>
+          <p:nvPr/>
+        </p:nvPicPr>
+        <p:blipFill>
+          <a:blip r:embed="rId2">
+            <a:duotone>
+              <a:schemeClr val="accent6">
+                <a:shade val="45000"/>
+                <a:satMod val="135000"/>
+              </a:schemeClr>
+              <a:prstClr val="white"/>
+            </a:duotone>
+            <a:extLst>
+              <a:ext uri="{28A0092B-C50C-407E-A947-70E740481C1C}">
+                <a14:useLocalDpi xmlns:a14="http://schemas.microsoft.com/office/drawing/2010/main" val="0"/>
+              </a:ext>
+            </a:extLst>
+          </a:blip>
+          <a:stretch>
+            <a:fillRect/>
+          </a:stretch>
+        </p:blipFill>
+        <p:spPr>
+          <a:xfrm>
+            <a:off x="1321206" y="178206"/>
+            <a:ext cx="6501587" cy="6501587"/>
+          </a:xfrm>
+          <a:prstGeom prst="rect">
+            <a:avLst/>
+          </a:prstGeom>
+        </p:spPr>
+      </p:pic>
+      <p:sp>
+        <p:nvSpPr>
+          <p:cNvPr id="6" name="직사각형 5">
+            <a:extLst>
+              <a:ext uri="{FF2B5EF4-FFF2-40B4-BE49-F238E27FC236}">
+                <a16:creationId xmlns:a16="http://schemas.microsoft.com/office/drawing/2014/main" id="{6B6B2CD9-4B08-4C11-A356-62E6095B03C7}"/>
+              </a:ext>
+            </a:extLst>
+          </p:cNvPr>
+          <p:cNvSpPr/>
+          <p:nvPr/>
+        </p:nvSpPr>
+        <p:spPr>
+          <a:xfrm>
+            <a:off x="276726" y="2201778"/>
+            <a:ext cx="8590548" cy="2153653"/>
+          </a:xfrm>
+          <a:prstGeom prst="rect">
+            <a:avLst/>
+          </a:prstGeom>
+          <a:solidFill>
+            <a:schemeClr val="accent1">
+              <a:alpha val="50000"/>
+            </a:schemeClr>
+          </a:solidFill>
+          <a:ln>
+            <a:noFill/>
+          </a:ln>
+        </p:spPr>
+        <p:style>
+          <a:lnRef idx="2">
+            <a:schemeClr val="accent1">
+              <a:shade val="50000"/>
+            </a:schemeClr>
+          </a:lnRef>
+          <a:fillRef idx="1">
+            <a:schemeClr val="accent1"/>
+          </a:fillRef>
+          <a:effectRef idx="0">
+            <a:schemeClr val="accent1"/>
+          </a:effectRef>
+          <a:fontRef idx="minor">
+            <a:schemeClr val="lt1"/>
+          </a:fontRef>
+        </p:style>
+        <p:txBody>
+          <a:bodyPr rtlCol="0" anchor="ctr"/>
+          <a:lstStyle/>
+          <a:p>
+            <a:pPr algn="ctr"/>
+            <a:r>
+              <a:rPr lang="en-US" altLang="ko-KR" sz="8000" dirty="0">
+                <a:latin typeface="sn별별정직" panose="02000500000000000000" pitchFamily="2" charset="0"/>
+                <a:ea typeface="sn별별정직" panose="02000500000000000000" pitchFamily="2" charset="0"/>
+              </a:rPr>
+              <a:t>Q &amp;A</a:t>
+            </a:r>
+          </a:p>
+        </p:txBody>
+      </p:sp>
+      <p:sp>
+        <p:nvSpPr>
+          <p:cNvPr id="7" name="바닥글 개체 틀 6">
+            <a:extLst>
+              <a:ext uri="{FF2B5EF4-FFF2-40B4-BE49-F238E27FC236}">
+                <a16:creationId xmlns:a16="http://schemas.microsoft.com/office/drawing/2014/main" id="{B18B88D0-5149-4FD7-B4AD-2C1FA2FA2DFF}"/>
+              </a:ext>
+            </a:extLst>
+          </p:cNvPr>
+          <p:cNvSpPr>
+            <a:spLocks noGrp="1"/>
+          </p:cNvSpPr>
+          <p:nvPr>
+            <p:ph type="ftr" sz="quarter" idx="11"/>
+          </p:nvPr>
+        </p:nvSpPr>
+        <p:spPr/>
+        <p:txBody>
+          <a:bodyPr/>
+          <a:lstStyle/>
+          <a:p>
+            <a:r>
+              <a:rPr lang="en-US" altLang="ko-KR"/>
+              <a:t>Q &amp; A</a:t>
+            </a:r>
+            <a:endParaRPr lang="ko-KR" altLang="en-US" dirty="0"/>
+          </a:p>
+        </p:txBody>
+      </p:sp>
+    </p:spTree>
+    <p:extLst>
+      <p:ext uri="{BB962C8B-B14F-4D97-AF65-F5344CB8AC3E}">
+        <p14:creationId xmlns:p14="http://schemas.microsoft.com/office/powerpoint/2010/main" val="3935026599"/>
       </p:ext>
     </p:extLst>
   </p:cSld>
@@ -29115,7 +36990,32 @@
       </a:bgFillStyleLst>
     </a:fmtScheme>
   </a:themeElements>
-  <a:objectDefaults/>
+  <a:objectDefaults>
+    <a:lnDef>
+      <a:spPr>
+        <a:ln w="19050">
+          <a:prstDash val="dash"/>
+          <a:tailEnd type="triangle"/>
+        </a:ln>
+      </a:spPr>
+      <a:bodyPr/>
+      <a:lstStyle/>
+      <a:style>
+        <a:lnRef idx="1">
+          <a:schemeClr val="accent1"/>
+        </a:lnRef>
+        <a:fillRef idx="0">
+          <a:schemeClr val="accent1"/>
+        </a:fillRef>
+        <a:effectRef idx="0">
+          <a:schemeClr val="accent1"/>
+        </a:effectRef>
+        <a:fontRef idx="minor">
+          <a:schemeClr val="tx1"/>
+        </a:fontRef>
+      </a:style>
+    </a:lnDef>
+  </a:objectDefaults>
   <a:extraClrSchemeLst/>
   <a:extLst>
     <a:ext uri="{05A4C25C-085E-4340-85A3-A5531E510DB2}">

--- a/웹해킹 정리.pptx
+++ b/웹해킹 정리.pptx
@@ -1266,7 +1266,7 @@
             </a:spcAft>
             <a:buNone/>
           </a:pPr>
-          <a:endParaRPr lang="ko-KR" altLang="en-US" sz="2400" kern="1200">
+          <a:endParaRPr lang="ko-KR" altLang="en-US" sz="2400" kern="1200" dirty="0">
             <a:latin typeface="sn별별정직" panose="02000500000000000000" pitchFamily="2" charset="0"/>
             <a:ea typeface="sn별별정직" panose="02000500000000000000" pitchFamily="2" charset="0"/>
           </a:endParaRPr>
@@ -2885,7 +2885,7 @@
           <a:p>
             <a:fld id="{92DBC77A-631B-4825-961B-5487F8D6C50C}" type="datetimeFigureOut">
               <a:rPr lang="ko-KR" altLang="en-US" smtClean="0"/>
-              <a:t>2022-04-20</a:t>
+              <a:t>2022-05-10</a:t>
             </a:fld>
             <a:endParaRPr lang="ko-KR" altLang="en-US" dirty="0"/>
           </a:p>
@@ -3196,191 +3196,48 @@
           <a:bodyPr/>
           <a:lstStyle/>
           <a:p>
-            <a:pPr lvl="0" algn="ctr" latinLnBrk="1"/>
-            <a:r>
-              <a:rPr lang="ko-KR" altLang="en-US" dirty="0">
-                <a:solidFill>
-                  <a:schemeClr val="bg1"/>
-                </a:solidFill>
-                <a:latin typeface="sn별별정직" panose="02000500000000000000" pitchFamily="2" charset="0"/>
-                <a:ea typeface="sn별별정직" panose="02000500000000000000" pitchFamily="2" charset="0"/>
-              </a:rPr>
-              <a:t>요청 </a:t>
-            </a:r>
-            <a:r>
-              <a:rPr lang="en-US" altLang="ko-KR" dirty="0">
-                <a:solidFill>
-                  <a:schemeClr val="bg1"/>
-                </a:solidFill>
-                <a:latin typeface="sn별별정직" panose="02000500000000000000" pitchFamily="2" charset="0"/>
-                <a:ea typeface="sn별별정직" panose="02000500000000000000" pitchFamily="2" charset="0"/>
-              </a:rPr>
-              <a:t>URI : </a:t>
-            </a:r>
-            <a:r>
-              <a:rPr lang="ko-KR" altLang="en-US" dirty="0">
-                <a:solidFill>
-                  <a:schemeClr val="bg1"/>
-                </a:solidFill>
-                <a:latin typeface="sn별별정직" panose="02000500000000000000" pitchFamily="2" charset="0"/>
-                <a:ea typeface="sn별별정직" panose="02000500000000000000" pitchFamily="2" charset="0"/>
-              </a:rPr>
-              <a:t>메소드의 대상</a:t>
-            </a:r>
-            <a:endParaRPr lang="en-US" altLang="ko-KR" dirty="0">
-              <a:solidFill>
-                <a:schemeClr val="bg1"/>
-              </a:solidFill>
-              <a:latin typeface="sn별별정직" panose="02000500000000000000" pitchFamily="2" charset="0"/>
-              <a:ea typeface="sn별별정직" panose="02000500000000000000" pitchFamily="2" charset="0"/>
-            </a:endParaRPr>
-          </a:p>
-          <a:p>
-            <a:pPr lvl="0" algn="ctr" latinLnBrk="1"/>
-            <a:r>
-              <a:rPr lang="en-US" altLang="ko-KR" dirty="0">
-                <a:solidFill>
-                  <a:schemeClr val="bg1"/>
-                </a:solidFill>
-                <a:latin typeface="sn별별정직" panose="02000500000000000000" pitchFamily="2" charset="0"/>
-                <a:ea typeface="sn별별정직" panose="02000500000000000000" pitchFamily="2" charset="0"/>
-              </a:rPr>
-              <a:t>HTTP </a:t>
-            </a:r>
-            <a:r>
-              <a:rPr lang="ko-KR" altLang="en-US" dirty="0">
-                <a:solidFill>
-                  <a:schemeClr val="bg1"/>
-                </a:solidFill>
-                <a:latin typeface="sn별별정직" panose="02000500000000000000" pitchFamily="2" charset="0"/>
-                <a:ea typeface="sn별별정직" panose="02000500000000000000" pitchFamily="2" charset="0"/>
-              </a:rPr>
-              <a:t>버전 </a:t>
-            </a:r>
-            <a:r>
-              <a:rPr lang="en-US" altLang="ko-KR" dirty="0">
-                <a:solidFill>
-                  <a:schemeClr val="bg1"/>
-                </a:solidFill>
-                <a:latin typeface="sn별별정직" panose="02000500000000000000" pitchFamily="2" charset="0"/>
-                <a:ea typeface="sn별별정직" panose="02000500000000000000" pitchFamily="2" charset="0"/>
-              </a:rPr>
-              <a:t>: </a:t>
-            </a:r>
-            <a:r>
-              <a:rPr lang="ko-KR" altLang="en-US" dirty="0">
-                <a:solidFill>
-                  <a:schemeClr val="bg1"/>
-                </a:solidFill>
-                <a:latin typeface="sn별별정직" panose="02000500000000000000" pitchFamily="2" charset="0"/>
-                <a:ea typeface="sn별별정직" panose="02000500000000000000" pitchFamily="2" charset="0"/>
-              </a:rPr>
-              <a:t>클라이언트가 사용하는 </a:t>
-            </a:r>
-            <a:r>
-              <a:rPr lang="en-US" altLang="ko-KR" dirty="0">
-                <a:solidFill>
-                  <a:schemeClr val="bg1"/>
-                </a:solidFill>
-                <a:latin typeface="sn별별정직" panose="02000500000000000000" pitchFamily="2" charset="0"/>
-                <a:ea typeface="sn별별정직" panose="02000500000000000000" pitchFamily="2" charset="0"/>
-              </a:rPr>
-              <a:t>HTTP </a:t>
-            </a:r>
-            <a:r>
-              <a:rPr lang="ko-KR" altLang="en-US" dirty="0">
-                <a:solidFill>
-                  <a:schemeClr val="bg1"/>
-                </a:solidFill>
-                <a:latin typeface="sn별별정직" panose="02000500000000000000" pitchFamily="2" charset="0"/>
-                <a:ea typeface="sn별별정직" panose="02000500000000000000" pitchFamily="2" charset="0"/>
-              </a:rPr>
-              <a:t>프로토콜의 버전</a:t>
-            </a:r>
-            <a:endParaRPr lang="en-US" altLang="ko-KR" dirty="0">
-              <a:solidFill>
-                <a:schemeClr val="bg1"/>
-              </a:solidFill>
-              <a:latin typeface="sn별별정직" panose="02000500000000000000" pitchFamily="2" charset="0"/>
-              <a:ea typeface="sn별별정직" panose="02000500000000000000" pitchFamily="2" charset="0"/>
-            </a:endParaRPr>
-          </a:p>
-          <a:p>
-            <a:pPr lvl="0" algn="ctr" latinLnBrk="1"/>
-            <a:endParaRPr lang="en-US" altLang="ko-KR" dirty="0">
-              <a:solidFill>
-                <a:schemeClr val="bg1"/>
-              </a:solidFill>
-              <a:latin typeface="sn별별정직" panose="02000500000000000000" pitchFamily="2" charset="0"/>
-              <a:ea typeface="sn별별정직" panose="02000500000000000000" pitchFamily="2" charset="0"/>
-            </a:endParaRPr>
-          </a:p>
-          <a:p>
-            <a:pPr lvl="0" algn="ctr" latinLnBrk="1"/>
             <a:r>
               <a:rPr lang="ko-KR" altLang="en-US" dirty="0"/>
-              <a:t>상태코드 </a:t>
+              <a:t>프로토콜 </a:t>
             </a:r>
             <a:r>
               <a:rPr lang="en-US" altLang="ko-KR" dirty="0"/>
-              <a:t>1xx : </a:t>
+              <a:t>; </a:t>
             </a:r>
             <a:r>
               <a:rPr lang="ko-KR" altLang="en-US" dirty="0"/>
-              <a:t>요청 받고 처리중 </a:t>
+              <a:t>규격화된 상호작용에 통용되는 약속</a:t>
             </a:r>
             <a:r>
               <a:rPr lang="en-US" altLang="ko-KR" dirty="0"/>
-              <a:t>/ 2xx : </a:t>
+              <a:t>, </a:t>
             </a:r>
             <a:r>
               <a:rPr lang="ko-KR" altLang="en-US" dirty="0"/>
-              <a:t>요청 처리 성공 </a:t>
+              <a:t>컴퓨터 프로토콜은 문법을 포함</a:t>
+            </a:r>
+            <a:endParaRPr lang="en-US" altLang="ko-KR" dirty="0"/>
+          </a:p>
+          <a:p>
+            <a:r>
+              <a:rPr lang="ko-KR" altLang="en-US" dirty="0"/>
+              <a:t>클라이언트에서 서버에 요청을 넣을 때 프로토콜에 따라 요청을 넣어야 서버에서 상호작용으로 응답</a:t>
             </a:r>
             <a:r>
               <a:rPr lang="en-US" altLang="ko-KR" dirty="0"/>
-              <a:t>/ 3xx : </a:t>
-            </a:r>
+              <a:t>.</a:t>
+            </a:r>
+          </a:p>
+          <a:p>
             <a:r>
               <a:rPr lang="ko-KR" altLang="en-US" dirty="0"/>
-              <a:t>요청 처리를 위해 클라이언트의 추가 동작이 필요</a:t>
-            </a:r>
-            <a:endParaRPr lang="en-US" altLang="ko-KR" dirty="0"/>
-          </a:p>
-          <a:p>
-            <a:pPr lvl="0" algn="ctr" latinLnBrk="1"/>
+              <a:t>표준 통신 프로토콜의 종류 </a:t>
+            </a:r>
             <a:r>
               <a:rPr lang="en-US" altLang="ko-KR" dirty="0"/>
-              <a:t>4xx : </a:t>
-            </a:r>
-            <a:r>
-              <a:rPr lang="ko-KR" altLang="en-US" dirty="0"/>
-              <a:t>처리 실패 </a:t>
-            </a:r>
-            <a:r>
-              <a:rPr lang="en-US" altLang="ko-KR" dirty="0"/>
-              <a:t>(</a:t>
-            </a:r>
-            <a:r>
-              <a:rPr lang="ko-KR" altLang="en-US" dirty="0"/>
-              <a:t>잘못된 요청</a:t>
-            </a:r>
-            <a:r>
-              <a:rPr lang="en-US" altLang="ko-KR" dirty="0"/>
-              <a:t>) / 5xx : </a:t>
-            </a:r>
-            <a:r>
-              <a:rPr lang="ko-KR" altLang="en-US" dirty="0"/>
-              <a:t>요청 유효 </a:t>
-            </a:r>
-            <a:r>
-              <a:rPr lang="en-US" altLang="ko-KR" dirty="0"/>
-              <a:t>but </a:t>
-            </a:r>
-            <a:r>
-              <a:rPr lang="ko-KR" altLang="en-US" dirty="0"/>
-              <a:t>서버 에러발생으로 처리 실패</a:t>
-            </a:r>
+              <a:t>: TCP/IP, HTTP, FTP</a:t>
+            </a:r>
+            <a:endParaRPr lang="ko-KR" altLang="en-US" dirty="0"/>
           </a:p>
         </p:txBody>
       </p:sp>
@@ -3401,7 +3258,7 @@
           <a:p>
             <a:fld id="{C0BBB671-4B3E-4FB5-B7FC-9D241F428B7C}" type="slidenum">
               <a:rPr lang="ko-KR" altLang="en-US" smtClean="0"/>
-              <a:t>6</a:t>
+              <a:t>4</a:t>
             </a:fld>
             <a:endParaRPr lang="ko-KR" altLang="en-US" dirty="0"/>
           </a:p>
@@ -3410,7 +3267,7 @@
     </p:spTree>
     <p:extLst>
       <p:ext uri="{BB962C8B-B14F-4D97-AF65-F5344CB8AC3E}">
-        <p14:creationId xmlns:p14="http://schemas.microsoft.com/office/powerpoint/2010/main" val="2797136896"/>
+        <p14:creationId xmlns:p14="http://schemas.microsoft.com/office/powerpoint/2010/main" val="3321489093"/>
       </p:ext>
     </p:extLst>
   </p:cSld>
@@ -3464,8 +3321,118 @@
           <a:bodyPr/>
           <a:lstStyle/>
           <a:p>
-            <a:pPr lvl="0" algn="ctr" latinLnBrk="1"/>
-            <a:endParaRPr lang="ko-KR" altLang="en-US" dirty="0"/>
+            <a:r>
+              <a:rPr lang="en-US" altLang="ko-KR" dirty="0"/>
+              <a:t>HTTP : </a:t>
+            </a:r>
+            <a:r>
+              <a:rPr lang="ko-KR" altLang="en-US" dirty="0"/>
+              <a:t>서버</a:t>
+            </a:r>
+            <a:r>
+              <a:rPr lang="en-US" altLang="ko-KR" dirty="0"/>
+              <a:t>&lt;-&gt;</a:t>
+            </a:r>
+            <a:r>
+              <a:rPr lang="ko-KR" altLang="en-US" dirty="0"/>
+              <a:t>클라이언트의 데이터 교환을 요청 및 응답 형식으로 정의한 프로토콜</a:t>
+            </a:r>
+            <a:endParaRPr lang="en-US" altLang="ko-KR" dirty="0"/>
+          </a:p>
+          <a:p>
+            <a:r>
+              <a:rPr lang="ko-KR" altLang="en-US" dirty="0"/>
+              <a:t>기본 </a:t>
+            </a:r>
+            <a:r>
+              <a:rPr lang="ko-KR" altLang="en-US" dirty="0" err="1"/>
+              <a:t>매커니즘</a:t>
+            </a:r>
+            <a:r>
+              <a:rPr lang="ko-KR" altLang="en-US" dirty="0"/>
+              <a:t> </a:t>
+            </a:r>
+            <a:r>
+              <a:rPr lang="en-US" altLang="ko-KR" dirty="0"/>
+              <a:t>: </a:t>
+            </a:r>
+            <a:r>
+              <a:rPr lang="ko-KR" altLang="en-US" dirty="0"/>
+              <a:t>클라이언트의 요청 </a:t>
+            </a:r>
+            <a:r>
+              <a:rPr lang="en-US" altLang="ko-KR" dirty="0"/>
+              <a:t>to </a:t>
+            </a:r>
+            <a:r>
+              <a:rPr lang="ko-KR" altLang="en-US" dirty="0"/>
+              <a:t>서버 </a:t>
+            </a:r>
+            <a:r>
+              <a:rPr lang="en-US" altLang="ko-KR" dirty="0"/>
+              <a:t>=&gt; </a:t>
+            </a:r>
+            <a:r>
+              <a:rPr lang="ko-KR" altLang="en-US" dirty="0"/>
+              <a:t>서버의 응답</a:t>
+            </a:r>
+            <a:endParaRPr lang="en-US" altLang="ko-KR" dirty="0"/>
+          </a:p>
+          <a:p>
+            <a:r>
+              <a:rPr lang="ko-KR" altLang="en-US" dirty="0"/>
+              <a:t>웹서버는 </a:t>
+            </a:r>
+            <a:r>
+              <a:rPr lang="en-US" altLang="ko-KR" dirty="0"/>
+              <a:t>HTTP </a:t>
+            </a:r>
+            <a:r>
+              <a:rPr lang="ko-KR" altLang="en-US" dirty="0"/>
+              <a:t>서버를 </a:t>
+            </a:r>
+            <a:r>
+              <a:rPr lang="en-US" altLang="ko-KR" dirty="0"/>
+              <a:t>HTTP </a:t>
+            </a:r>
+            <a:r>
+              <a:rPr lang="ko-KR" altLang="en-US" dirty="0"/>
+              <a:t>서비스 포트에 대기 일반적 </a:t>
+            </a:r>
+            <a:r>
+              <a:rPr lang="en-US" altLang="ko-KR" dirty="0"/>
+              <a:t>TCP/80 or</a:t>
+            </a:r>
+            <a:r>
+              <a:rPr lang="ko-KR" altLang="en-US" dirty="0"/>
+              <a:t> </a:t>
+            </a:r>
+            <a:r>
+              <a:rPr lang="en-US" altLang="ko-KR" dirty="0"/>
+              <a:t>TCP/8080</a:t>
+            </a:r>
+          </a:p>
+          <a:p>
+            <a:r>
+              <a:rPr lang="ko-KR" altLang="en-US" dirty="0"/>
+              <a:t>클라이언트에 서비스 포트에 </a:t>
+            </a:r>
+            <a:r>
+              <a:rPr lang="en-US" altLang="ko-KR" dirty="0"/>
+              <a:t>HTTP </a:t>
+            </a:r>
+            <a:r>
+              <a:rPr lang="ko-KR" altLang="en-US" dirty="0"/>
+              <a:t>요청 전송 </a:t>
+            </a:r>
+            <a:r>
+              <a:rPr lang="en-US" altLang="ko-KR" dirty="0"/>
+              <a:t>-&gt; </a:t>
+            </a:r>
+            <a:r>
+              <a:rPr lang="ko-KR" altLang="en-US" dirty="0"/>
+              <a:t>해석하여 적절한 응답의 반환</a:t>
+            </a:r>
           </a:p>
         </p:txBody>
       </p:sp>
@@ -3486,7 +3453,7 @@
           <a:p>
             <a:fld id="{C0BBB671-4B3E-4FB5-B7FC-9D241F428B7C}" type="slidenum">
               <a:rPr lang="ko-KR" altLang="en-US" smtClean="0"/>
-              <a:t>7</a:t>
+              <a:t>5</a:t>
             </a:fld>
             <a:endParaRPr lang="ko-KR" altLang="en-US" dirty="0"/>
           </a:p>
@@ -3495,7 +3462,7 @@
     </p:spTree>
     <p:extLst>
       <p:ext uri="{BB962C8B-B14F-4D97-AF65-F5344CB8AC3E}">
-        <p14:creationId xmlns:p14="http://schemas.microsoft.com/office/powerpoint/2010/main" val="1680466137"/>
+        <p14:creationId xmlns:p14="http://schemas.microsoft.com/office/powerpoint/2010/main" val="980503275"/>
       </p:ext>
     </p:extLst>
   </p:cSld>
@@ -3550,7 +3517,253 @@
           <a:lstStyle/>
           <a:p>
             <a:pPr lvl="0" algn="ctr" latinLnBrk="1"/>
-            <a:endParaRPr lang="ko-KR" altLang="en-US" dirty="0"/>
+            <a:r>
+              <a:rPr lang="ko-KR" altLang="en-US" dirty="0">
+                <a:solidFill>
+                  <a:schemeClr val="bg1"/>
+                </a:solidFill>
+                <a:latin typeface="sn별별정직" panose="02000500000000000000" pitchFamily="2" charset="0"/>
+                <a:ea typeface="sn별별정직" panose="02000500000000000000" pitchFamily="2" charset="0"/>
+              </a:rPr>
+              <a:t>요청 </a:t>
+            </a:r>
+            <a:r>
+              <a:rPr lang="en-US" altLang="ko-KR" dirty="0">
+                <a:solidFill>
+                  <a:schemeClr val="bg1"/>
+                </a:solidFill>
+                <a:latin typeface="sn별별정직" panose="02000500000000000000" pitchFamily="2" charset="0"/>
+                <a:ea typeface="sn별별정직" panose="02000500000000000000" pitchFamily="2" charset="0"/>
+              </a:rPr>
+              <a:t>URI : </a:t>
+            </a:r>
+            <a:r>
+              <a:rPr lang="ko-KR" altLang="en-US" dirty="0">
+                <a:solidFill>
+                  <a:schemeClr val="bg1"/>
+                </a:solidFill>
+                <a:latin typeface="sn별별정직" panose="02000500000000000000" pitchFamily="2" charset="0"/>
+                <a:ea typeface="sn별별정직" panose="02000500000000000000" pitchFamily="2" charset="0"/>
+              </a:rPr>
+              <a:t>메소드의 대상</a:t>
+            </a:r>
+            <a:endParaRPr lang="en-US" altLang="ko-KR" dirty="0">
+              <a:solidFill>
+                <a:schemeClr val="bg1"/>
+              </a:solidFill>
+              <a:latin typeface="sn별별정직" panose="02000500000000000000" pitchFamily="2" charset="0"/>
+              <a:ea typeface="sn별별정직" panose="02000500000000000000" pitchFamily="2" charset="0"/>
+            </a:endParaRPr>
+          </a:p>
+          <a:p>
+            <a:pPr lvl="0" algn="ctr" latinLnBrk="1"/>
+            <a:r>
+              <a:rPr lang="en-US" altLang="ko-KR" dirty="0">
+                <a:solidFill>
+                  <a:schemeClr val="bg1"/>
+                </a:solidFill>
+                <a:latin typeface="sn별별정직" panose="02000500000000000000" pitchFamily="2" charset="0"/>
+                <a:ea typeface="sn별별정직" panose="02000500000000000000" pitchFamily="2" charset="0"/>
+              </a:rPr>
+              <a:t>HTTP </a:t>
+            </a:r>
+            <a:r>
+              <a:rPr lang="ko-KR" altLang="en-US" dirty="0">
+                <a:solidFill>
+                  <a:schemeClr val="bg1"/>
+                </a:solidFill>
+                <a:latin typeface="sn별별정직" panose="02000500000000000000" pitchFamily="2" charset="0"/>
+                <a:ea typeface="sn별별정직" panose="02000500000000000000" pitchFamily="2" charset="0"/>
+              </a:rPr>
+              <a:t>버전 </a:t>
+            </a:r>
+            <a:r>
+              <a:rPr lang="en-US" altLang="ko-KR" dirty="0">
+                <a:solidFill>
+                  <a:schemeClr val="bg1"/>
+                </a:solidFill>
+                <a:latin typeface="sn별별정직" panose="02000500000000000000" pitchFamily="2" charset="0"/>
+                <a:ea typeface="sn별별정직" panose="02000500000000000000" pitchFamily="2" charset="0"/>
+              </a:rPr>
+              <a:t>: </a:t>
+            </a:r>
+            <a:r>
+              <a:rPr lang="ko-KR" altLang="en-US" dirty="0">
+                <a:solidFill>
+                  <a:schemeClr val="bg1"/>
+                </a:solidFill>
+                <a:latin typeface="sn별별정직" panose="02000500000000000000" pitchFamily="2" charset="0"/>
+                <a:ea typeface="sn별별정직" panose="02000500000000000000" pitchFamily="2" charset="0"/>
+              </a:rPr>
+              <a:t>클라이언트가 사용하는 </a:t>
+            </a:r>
+            <a:r>
+              <a:rPr lang="en-US" altLang="ko-KR" dirty="0">
+                <a:solidFill>
+                  <a:schemeClr val="bg1"/>
+                </a:solidFill>
+                <a:latin typeface="sn별별정직" panose="02000500000000000000" pitchFamily="2" charset="0"/>
+                <a:ea typeface="sn별별정직" panose="02000500000000000000" pitchFamily="2" charset="0"/>
+              </a:rPr>
+              <a:t>HTTP </a:t>
+            </a:r>
+            <a:r>
+              <a:rPr lang="ko-KR" altLang="en-US" dirty="0">
+                <a:solidFill>
+                  <a:schemeClr val="bg1"/>
+                </a:solidFill>
+                <a:latin typeface="sn별별정직" panose="02000500000000000000" pitchFamily="2" charset="0"/>
+                <a:ea typeface="sn별별정직" panose="02000500000000000000" pitchFamily="2" charset="0"/>
+              </a:rPr>
+              <a:t>프로토콜의 버전</a:t>
+            </a:r>
+            <a:endParaRPr lang="en-US" altLang="ko-KR" dirty="0">
+              <a:solidFill>
+                <a:schemeClr val="bg1"/>
+              </a:solidFill>
+              <a:latin typeface="sn별별정직" panose="02000500000000000000" pitchFamily="2" charset="0"/>
+              <a:ea typeface="sn별별정직" panose="02000500000000000000" pitchFamily="2" charset="0"/>
+            </a:endParaRPr>
+          </a:p>
+          <a:p>
+            <a:pPr lvl="0" algn="ctr" latinLnBrk="1"/>
+            <a:r>
+              <a:rPr lang="en-US" altLang="ko-KR" dirty="0">
+                <a:solidFill>
+                  <a:schemeClr val="bg1"/>
+                </a:solidFill>
+                <a:latin typeface="sn별별정직" panose="02000500000000000000" pitchFamily="2" charset="0"/>
+                <a:ea typeface="sn별별정직" panose="02000500000000000000" pitchFamily="2" charset="0"/>
+              </a:rPr>
+              <a:t>CRLF : CR(Carriage Return ; </a:t>
+            </a:r>
+            <a:r>
+              <a:rPr lang="ko-KR" altLang="en-US" dirty="0">
+                <a:solidFill>
+                  <a:schemeClr val="bg1"/>
+                </a:solidFill>
+                <a:latin typeface="sn별별정직" panose="02000500000000000000" pitchFamily="2" charset="0"/>
+                <a:ea typeface="sn별별정직" panose="02000500000000000000" pitchFamily="2" charset="0"/>
+              </a:rPr>
+              <a:t>라인에서 커서의 위치를 가장 앞으로</a:t>
+            </a:r>
+            <a:r>
+              <a:rPr lang="en-US" altLang="ko-KR" dirty="0">
+                <a:solidFill>
+                  <a:schemeClr val="bg1"/>
+                </a:solidFill>
+                <a:latin typeface="sn별별정직" panose="02000500000000000000" pitchFamily="2" charset="0"/>
+                <a:ea typeface="sn별별정직" panose="02000500000000000000" pitchFamily="2" charset="0"/>
+              </a:rPr>
+              <a:t>) + LF(Line Feed ; </a:t>
+            </a:r>
+            <a:r>
+              <a:rPr lang="ko-KR" altLang="en-US" dirty="0">
+                <a:solidFill>
+                  <a:schemeClr val="bg1"/>
+                </a:solidFill>
+                <a:latin typeface="sn별별정직" panose="02000500000000000000" pitchFamily="2" charset="0"/>
+                <a:ea typeface="sn별별정직" panose="02000500000000000000" pitchFamily="2" charset="0"/>
+              </a:rPr>
+              <a:t>커서 그대로 </a:t>
+            </a:r>
+            <a:r>
+              <a:rPr lang="ko-KR" altLang="en-US" dirty="0" err="1">
+                <a:solidFill>
+                  <a:schemeClr val="bg1"/>
+                </a:solidFill>
+                <a:latin typeface="sn별별정직" panose="02000500000000000000" pitchFamily="2" charset="0"/>
+                <a:ea typeface="sn별별정직" panose="02000500000000000000" pitchFamily="2" charset="0"/>
+              </a:rPr>
+              <a:t>줄바꿈</a:t>
+            </a:r>
+            <a:r>
+              <a:rPr lang="en-US" altLang="ko-KR" dirty="0">
+                <a:solidFill>
+                  <a:schemeClr val="bg1"/>
+                </a:solidFill>
+                <a:latin typeface="sn별별정직" panose="02000500000000000000" pitchFamily="2" charset="0"/>
+                <a:ea typeface="sn별별정직" panose="02000500000000000000" pitchFamily="2" charset="0"/>
+              </a:rPr>
+              <a:t>)</a:t>
+            </a:r>
+          </a:p>
+          <a:p>
+            <a:pPr lvl="0" algn="ctr" latinLnBrk="1"/>
+            <a:endParaRPr lang="en-US" altLang="ko-KR" dirty="0">
+              <a:solidFill>
+                <a:schemeClr val="bg1"/>
+              </a:solidFill>
+              <a:latin typeface="sn별별정직" panose="02000500000000000000" pitchFamily="2" charset="0"/>
+              <a:ea typeface="sn별별정직" panose="02000500000000000000" pitchFamily="2" charset="0"/>
+            </a:endParaRPr>
+          </a:p>
+          <a:p>
+            <a:pPr lvl="0" algn="ctr" latinLnBrk="1"/>
+            <a:r>
+              <a:rPr lang="ko-KR" altLang="en-US" dirty="0"/>
+              <a:t>상태코드 </a:t>
+            </a:r>
+            <a:r>
+              <a:rPr lang="en-US" altLang="ko-KR" dirty="0"/>
+              <a:t>1xx : </a:t>
+            </a:r>
+            <a:r>
+              <a:rPr lang="ko-KR" altLang="en-US" dirty="0"/>
+              <a:t>요청 받고 처리중 </a:t>
+            </a:r>
+            <a:r>
+              <a:rPr lang="en-US" altLang="ko-KR" dirty="0"/>
+              <a:t>/ 2xx : </a:t>
+            </a:r>
+            <a:r>
+              <a:rPr lang="ko-KR" altLang="en-US" dirty="0"/>
+              <a:t>요청 처리 성공 </a:t>
+            </a:r>
+            <a:r>
+              <a:rPr lang="en-US" altLang="ko-KR" dirty="0"/>
+              <a:t>/ 3xx : </a:t>
+            </a:r>
+            <a:r>
+              <a:rPr lang="ko-KR" altLang="en-US" dirty="0"/>
+              <a:t>요청 처리를 위해 클라이언트의 추가 동작이 필요</a:t>
+            </a:r>
+            <a:endParaRPr lang="en-US" altLang="ko-KR" dirty="0"/>
+          </a:p>
+          <a:p>
+            <a:pPr lvl="0" algn="ctr" latinLnBrk="1"/>
+            <a:r>
+              <a:rPr lang="en-US" altLang="ko-KR" dirty="0"/>
+              <a:t>4xx : </a:t>
+            </a:r>
+            <a:r>
+              <a:rPr lang="ko-KR" altLang="en-US" dirty="0"/>
+              <a:t>처리 실패 </a:t>
+            </a:r>
+            <a:r>
+              <a:rPr lang="en-US" altLang="ko-KR" dirty="0"/>
+              <a:t>(</a:t>
+            </a:r>
+            <a:r>
+              <a:rPr lang="ko-KR" altLang="en-US" dirty="0"/>
+              <a:t>잘못된 요청</a:t>
+            </a:r>
+            <a:r>
+              <a:rPr lang="en-US" altLang="ko-KR" dirty="0"/>
+              <a:t>) / 5xx : </a:t>
+            </a:r>
+            <a:r>
+              <a:rPr lang="ko-KR" altLang="en-US" dirty="0"/>
+              <a:t>요청 유효 </a:t>
+            </a:r>
+            <a:r>
+              <a:rPr lang="en-US" altLang="ko-KR" dirty="0"/>
+              <a:t>but </a:t>
+            </a:r>
+            <a:r>
+              <a:rPr lang="ko-KR" altLang="en-US" dirty="0"/>
+              <a:t>서버 에러발생으로 처리 실패</a:t>
+            </a:r>
           </a:p>
         </p:txBody>
       </p:sp>
@@ -3571,7 +3784,7 @@
           <a:p>
             <a:fld id="{C0BBB671-4B3E-4FB5-B7FC-9D241F428B7C}" type="slidenum">
               <a:rPr lang="ko-KR" altLang="en-US" smtClean="0"/>
-              <a:t>8</a:t>
+              <a:t>6</a:t>
             </a:fld>
             <a:endParaRPr lang="ko-KR" altLang="en-US" dirty="0"/>
           </a:p>
@@ -3580,7 +3793,7 @@
     </p:spTree>
     <p:extLst>
       <p:ext uri="{BB962C8B-B14F-4D97-AF65-F5344CB8AC3E}">
-        <p14:creationId xmlns:p14="http://schemas.microsoft.com/office/powerpoint/2010/main" val="835321121"/>
+        <p14:creationId xmlns:p14="http://schemas.microsoft.com/office/powerpoint/2010/main" val="2797136896"/>
       </p:ext>
     </p:extLst>
   </p:cSld>
@@ -3634,6 +3847,176 @@
           <a:bodyPr/>
           <a:lstStyle/>
           <a:p>
+            <a:pPr lvl="0" algn="ctr" latinLnBrk="1"/>
+            <a:endParaRPr lang="ko-KR" altLang="en-US" dirty="0"/>
+          </a:p>
+        </p:txBody>
+      </p:sp>
+      <p:sp>
+        <p:nvSpPr>
+          <p:cNvPr id="4" name="슬라이드 번호 개체 틀 3"/>
+          <p:cNvSpPr>
+            <a:spLocks noGrp="1"/>
+          </p:cNvSpPr>
+          <p:nvPr>
+            <p:ph type="sldNum" sz="quarter" idx="5"/>
+          </p:nvPr>
+        </p:nvSpPr>
+        <p:spPr/>
+        <p:txBody>
+          <a:bodyPr/>
+          <a:lstStyle/>
+          <a:p>
+            <a:fld id="{C0BBB671-4B3E-4FB5-B7FC-9D241F428B7C}" type="slidenum">
+              <a:rPr lang="ko-KR" altLang="en-US" smtClean="0"/>
+              <a:t>7</a:t>
+            </a:fld>
+            <a:endParaRPr lang="ko-KR" altLang="en-US" dirty="0"/>
+          </a:p>
+        </p:txBody>
+      </p:sp>
+    </p:spTree>
+    <p:extLst>
+      <p:ext uri="{BB962C8B-B14F-4D97-AF65-F5344CB8AC3E}">
+        <p14:creationId xmlns:p14="http://schemas.microsoft.com/office/powerpoint/2010/main" val="1680466137"/>
+      </p:ext>
+    </p:extLst>
+  </p:cSld>
+  <p:clrMapOvr>
+    <a:masterClrMapping/>
+  </p:clrMapOvr>
+</p:notes>
+</file>
+
+<file path=ppt/notesSlides/notesSlide5.xml><?xml version="1.0" encoding="utf-8"?>
+<p:notes xmlns:a="http://schemas.openxmlformats.org/drawingml/2006/main" xmlns:r="http://schemas.openxmlformats.org/officeDocument/2006/relationships" xmlns:p="http://schemas.openxmlformats.org/presentationml/2006/main">
+  <p:cSld>
+    <p:spTree>
+      <p:nvGrpSpPr>
+        <p:cNvPr id="1" name=""/>
+        <p:cNvGrpSpPr/>
+        <p:nvPr/>
+      </p:nvGrpSpPr>
+      <p:grpSpPr>
+        <a:xfrm>
+          <a:off x="0" y="0"/>
+          <a:ext cx="0" cy="0"/>
+          <a:chOff x="0" y="0"/>
+          <a:chExt cx="0" cy="0"/>
+        </a:xfrm>
+      </p:grpSpPr>
+      <p:sp>
+        <p:nvSpPr>
+          <p:cNvPr id="2" name="슬라이드 이미지 개체 틀 1"/>
+          <p:cNvSpPr>
+            <a:spLocks noGrp="1" noRot="1" noChangeAspect="1"/>
+          </p:cNvSpPr>
+          <p:nvPr>
+            <p:ph type="sldImg"/>
+          </p:nvPr>
+        </p:nvSpPr>
+        <p:spPr/>
+      </p:sp>
+      <p:sp>
+        <p:nvSpPr>
+          <p:cNvPr id="3" name="슬라이드 노트 개체 틀 2"/>
+          <p:cNvSpPr>
+            <a:spLocks noGrp="1"/>
+          </p:cNvSpPr>
+          <p:nvPr>
+            <p:ph type="body" idx="1"/>
+          </p:nvPr>
+        </p:nvSpPr>
+        <p:spPr/>
+        <p:txBody>
+          <a:bodyPr/>
+          <a:lstStyle/>
+          <a:p>
+            <a:pPr lvl="0" algn="ctr" latinLnBrk="1"/>
+            <a:endParaRPr lang="ko-KR" altLang="en-US" dirty="0"/>
+          </a:p>
+        </p:txBody>
+      </p:sp>
+      <p:sp>
+        <p:nvSpPr>
+          <p:cNvPr id="4" name="슬라이드 번호 개체 틀 3"/>
+          <p:cNvSpPr>
+            <a:spLocks noGrp="1"/>
+          </p:cNvSpPr>
+          <p:nvPr>
+            <p:ph type="sldNum" sz="quarter" idx="5"/>
+          </p:nvPr>
+        </p:nvSpPr>
+        <p:spPr/>
+        <p:txBody>
+          <a:bodyPr/>
+          <a:lstStyle/>
+          <a:p>
+            <a:fld id="{C0BBB671-4B3E-4FB5-B7FC-9D241F428B7C}" type="slidenum">
+              <a:rPr lang="ko-KR" altLang="en-US" smtClean="0"/>
+              <a:t>8</a:t>
+            </a:fld>
+            <a:endParaRPr lang="ko-KR" altLang="en-US" dirty="0"/>
+          </a:p>
+        </p:txBody>
+      </p:sp>
+    </p:spTree>
+    <p:extLst>
+      <p:ext uri="{BB962C8B-B14F-4D97-AF65-F5344CB8AC3E}">
+        <p14:creationId xmlns:p14="http://schemas.microsoft.com/office/powerpoint/2010/main" val="835321121"/>
+      </p:ext>
+    </p:extLst>
+  </p:cSld>
+  <p:clrMapOvr>
+    <a:masterClrMapping/>
+  </p:clrMapOvr>
+</p:notes>
+</file>
+
+<file path=ppt/notesSlides/notesSlide6.xml><?xml version="1.0" encoding="utf-8"?>
+<p:notes xmlns:a="http://schemas.openxmlformats.org/drawingml/2006/main" xmlns:r="http://schemas.openxmlformats.org/officeDocument/2006/relationships" xmlns:p="http://schemas.openxmlformats.org/presentationml/2006/main">
+  <p:cSld>
+    <p:spTree>
+      <p:nvGrpSpPr>
+        <p:cNvPr id="1" name=""/>
+        <p:cNvGrpSpPr/>
+        <p:nvPr/>
+      </p:nvGrpSpPr>
+      <p:grpSpPr>
+        <a:xfrm>
+          <a:off x="0" y="0"/>
+          <a:ext cx="0" cy="0"/>
+          <a:chOff x="0" y="0"/>
+          <a:chExt cx="0" cy="0"/>
+        </a:xfrm>
+      </p:grpSpPr>
+      <p:sp>
+        <p:nvSpPr>
+          <p:cNvPr id="2" name="슬라이드 이미지 개체 틀 1"/>
+          <p:cNvSpPr>
+            <a:spLocks noGrp="1" noRot="1" noChangeAspect="1"/>
+          </p:cNvSpPr>
+          <p:nvPr>
+            <p:ph type="sldImg"/>
+          </p:nvPr>
+        </p:nvSpPr>
+        <p:spPr/>
+      </p:sp>
+      <p:sp>
+        <p:nvSpPr>
+          <p:cNvPr id="3" name="슬라이드 노트 개체 틀 2"/>
+          <p:cNvSpPr>
+            <a:spLocks noGrp="1"/>
+          </p:cNvSpPr>
+          <p:nvPr>
+            <p:ph type="body" idx="1"/>
+          </p:nvPr>
+        </p:nvSpPr>
+        <p:spPr/>
+        <p:txBody>
+          <a:bodyPr/>
+          <a:lstStyle/>
+          <a:p>
             <a:r>
               <a:rPr lang="en-US" altLang="ko-KR" dirty="0"/>
               <a:t>Watch : </a:t>
@@ -3731,7 +4114,7 @@
 </p:notes>
 </file>
 
-<file path=ppt/notesSlides/notesSlide5.xml><?xml version="1.0" encoding="utf-8"?>
+<file path=ppt/notesSlides/notesSlide7.xml><?xml version="1.0" encoding="utf-8"?>
 <p:notes xmlns:a="http://schemas.openxmlformats.org/drawingml/2006/main" xmlns:r="http://schemas.openxmlformats.org/officeDocument/2006/relationships" xmlns:p="http://schemas.openxmlformats.org/presentationml/2006/main">
   <p:cSld>
     <p:spTree>
@@ -3968,7 +4351,7 @@
             <a:fld id="{52EA8240-A5CC-4C55-A761-22CE61EA312A}" type="datetimeFigureOut">
               <a:rPr lang="ko-KR" altLang="en-US" smtClean="0"/>
               <a:pPr/>
-              <a:t>2022-04-20</a:t>
+              <a:t>2022-05-10</a:t>
             </a:fld>
             <a:endParaRPr lang="ko-KR" altLang="en-US" dirty="0"/>
           </a:p>
@@ -4153,7 +4536,7 @@
           <a:p>
             <a:fld id="{52EA8240-A5CC-4C55-A761-22CE61EA312A}" type="datetimeFigureOut">
               <a:rPr lang="ko-KR" altLang="en-US" smtClean="0"/>
-              <a:t>2022-04-20</a:t>
+              <a:t>2022-05-10</a:t>
             </a:fld>
             <a:endParaRPr lang="ko-KR" altLang="en-US" dirty="0"/>
           </a:p>
@@ -4333,7 +4716,7 @@
           <a:p>
             <a:fld id="{52EA8240-A5CC-4C55-A761-22CE61EA312A}" type="datetimeFigureOut">
               <a:rPr lang="ko-KR" altLang="en-US" smtClean="0"/>
-              <a:t>2022-04-20</a:t>
+              <a:t>2022-05-10</a:t>
             </a:fld>
             <a:endParaRPr lang="ko-KR" altLang="en-US" dirty="0"/>
           </a:p>
@@ -4570,7 +4953,7 @@
             <a:fld id="{52EA8240-A5CC-4C55-A761-22CE61EA312A}" type="datetimeFigureOut">
               <a:rPr lang="ko-KR" altLang="en-US" smtClean="0"/>
               <a:pPr/>
-              <a:t>2022-04-20</a:t>
+              <a:t>2022-05-10</a:t>
             </a:fld>
             <a:endParaRPr lang="ko-KR" altLang="en-US" dirty="0"/>
           </a:p>
@@ -4835,7 +5218,7 @@
           <a:p>
             <a:fld id="{52EA8240-A5CC-4C55-A761-22CE61EA312A}" type="datetimeFigureOut">
               <a:rPr lang="ko-KR" altLang="en-US" smtClean="0"/>
-              <a:t>2022-04-20</a:t>
+              <a:t>2022-05-10</a:t>
             </a:fld>
             <a:endParaRPr lang="ko-KR" altLang="en-US" dirty="0"/>
           </a:p>
@@ -5067,7 +5450,7 @@
           <a:p>
             <a:fld id="{52EA8240-A5CC-4C55-A761-22CE61EA312A}" type="datetimeFigureOut">
               <a:rPr lang="ko-KR" altLang="en-US" smtClean="0"/>
-              <a:t>2022-04-20</a:t>
+              <a:t>2022-05-10</a:t>
             </a:fld>
             <a:endParaRPr lang="ko-KR" altLang="en-US" dirty="0"/>
           </a:p>
@@ -5434,7 +5817,7 @@
           <a:p>
             <a:fld id="{52EA8240-A5CC-4C55-A761-22CE61EA312A}" type="datetimeFigureOut">
               <a:rPr lang="ko-KR" altLang="en-US" smtClean="0"/>
-              <a:t>2022-04-20</a:t>
+              <a:t>2022-05-10</a:t>
             </a:fld>
             <a:endParaRPr lang="ko-KR" altLang="en-US" dirty="0"/>
           </a:p>
@@ -5552,7 +5935,7 @@
           <a:p>
             <a:fld id="{52EA8240-A5CC-4C55-A761-22CE61EA312A}" type="datetimeFigureOut">
               <a:rPr lang="ko-KR" altLang="en-US" smtClean="0"/>
-              <a:t>2022-04-20</a:t>
+              <a:t>2022-05-10</a:t>
             </a:fld>
             <a:endParaRPr lang="ko-KR" altLang="en-US" dirty="0"/>
           </a:p>
@@ -5647,7 +6030,7 @@
           <a:p>
             <a:fld id="{52EA8240-A5CC-4C55-A761-22CE61EA312A}" type="datetimeFigureOut">
               <a:rPr lang="ko-KR" altLang="en-US" smtClean="0"/>
-              <a:t>2022-04-20</a:t>
+              <a:t>2022-05-10</a:t>
             </a:fld>
             <a:endParaRPr lang="ko-KR" altLang="en-US" dirty="0"/>
           </a:p>
@@ -5924,7 +6307,7 @@
           <a:p>
             <a:fld id="{52EA8240-A5CC-4C55-A761-22CE61EA312A}" type="datetimeFigureOut">
               <a:rPr lang="ko-KR" altLang="en-US" smtClean="0"/>
-              <a:t>2022-04-20</a:t>
+              <a:t>2022-05-10</a:t>
             </a:fld>
             <a:endParaRPr lang="ko-KR" altLang="en-US" dirty="0"/>
           </a:p>
@@ -6181,7 +6564,7 @@
           <a:p>
             <a:fld id="{52EA8240-A5CC-4C55-A761-22CE61EA312A}" type="datetimeFigureOut">
               <a:rPr lang="ko-KR" altLang="en-US" smtClean="0"/>
-              <a:t>2022-04-20</a:t>
+              <a:t>2022-05-10</a:t>
             </a:fld>
             <a:endParaRPr lang="ko-KR" altLang="en-US" dirty="0"/>
           </a:p>
@@ -6397,7 +6780,7 @@
           <a:p>
             <a:fld id="{52EA8240-A5CC-4C55-A761-22CE61EA312A}" type="datetimeFigureOut">
               <a:rPr lang="ko-KR" altLang="en-US" smtClean="0"/>
-              <a:t>2022-04-20</a:t>
+              <a:t>2022-05-10</a:t>
             </a:fld>
             <a:endParaRPr lang="ko-KR" altLang="en-US" dirty="0"/>
           </a:p>
@@ -6837,7 +7220,7 @@
         </p:blipFill>
         <p:spPr>
           <a:xfrm>
-            <a:off x="2133905" y="990905"/>
+            <a:off x="2133904" y="990905"/>
             <a:ext cx="4876190" cy="4876190"/>
           </a:xfrm>
           <a:prstGeom prst="rect">
@@ -6963,7 +7346,7 @@
           <a:noFill/>
         </p:spPr>
         <p:txBody>
-          <a:bodyPr wrap="square" rtlCol="0" anchor="ctr">
+          <a:bodyPr wrap="square" rtlCol="0" anchor="b">
             <a:spAutoFit/>
           </a:bodyPr>
           <a:lstStyle/>
@@ -6976,8 +7359,8 @@
                     <a:sysClr val="windowText" lastClr="000000"/>
                   </a:solidFill>
                 </a:ln>
-                <a:latin typeface="나눔고딕 ExtraBold" panose="020D0904000000000000" pitchFamily="50" charset="-127"/>
-                <a:ea typeface="나눔고딕 ExtraBold" panose="020D0904000000000000" pitchFamily="50" charset="-127"/>
+                <a:latin typeface="한국무역협회-KITA" pitchFamily="2" charset="-127"/>
+                <a:ea typeface="한국무역협회-KITA" pitchFamily="2" charset="-127"/>
               </a:rPr>
               <a:t>웹 해킹</a:t>
             </a:r>
@@ -7087,7 +7470,12 @@
             <p:ph type="title"/>
           </p:nvPr>
         </p:nvSpPr>
-        <p:spPr/>
+        <p:spPr>
+          <a:xfrm>
+            <a:off x="628650" y="365126"/>
+            <a:ext cx="7886700" cy="1325563"/>
+          </a:xfrm>
+        </p:spPr>
         <p:txBody>
           <a:bodyPr>
             <a:normAutofit fontScale="90000"/>
@@ -7406,24 +7794,163 @@
       </p:grpSp>
       <p:sp>
         <p:nvSpPr>
-          <p:cNvPr id="14" name="직사각형 13">
+          <p:cNvPr id="15" name="TextBox 14">
             <a:extLst>
               <a:ext uri="{FF2B5EF4-FFF2-40B4-BE49-F238E27FC236}">
-                <a16:creationId xmlns:a16="http://schemas.microsoft.com/office/drawing/2014/main" id="{0FA5D23B-E45C-4465-8E52-E82F01867E39}"/>
+                <a16:creationId xmlns:a16="http://schemas.microsoft.com/office/drawing/2014/main" id="{52424A43-C4A2-48D0-A403-70343FB879C5}"/>
               </a:ext>
             </a:extLst>
           </p:cNvPr>
-          <p:cNvSpPr/>
+          <p:cNvSpPr txBox="1"/>
           <p:nvPr/>
         </p:nvSpPr>
         <p:spPr>
-          <a:xfrm>
-            <a:off x="5820244" y="2030057"/>
-            <a:ext cx="45719" cy="4319691"/>
+          <a:xfrm flipH="1">
+            <a:off x="5911682" y="2030057"/>
+            <a:ext cx="2852308" cy="646331"/>
           </a:xfrm>
           <a:prstGeom prst="rect">
             <a:avLst/>
           </a:prstGeom>
+          <a:noFill/>
+        </p:spPr>
+        <p:txBody>
+          <a:bodyPr wrap="square" rtlCol="0">
+            <a:spAutoFit/>
+          </a:bodyPr>
+          <a:lstStyle/>
+          <a:p>
+            <a:r>
+              <a:rPr lang="ko-KR" altLang="en-US" dirty="0">
+                <a:solidFill>
+                  <a:schemeClr val="bg1"/>
+                </a:solidFill>
+                <a:latin typeface="sn별별정직" panose="02000500000000000000" pitchFamily="2" charset="0"/>
+                <a:ea typeface="sn별별정직" panose="02000500000000000000" pitchFamily="2" charset="0"/>
+              </a:rPr>
+              <a:t>주소창에 주소를 입력했을 때의 브라우저가 하게 되는 기본적인 동작</a:t>
+            </a:r>
+            <a:endParaRPr lang="en-US" altLang="ko-KR" dirty="0">
+              <a:solidFill>
+                <a:schemeClr val="bg1"/>
+              </a:solidFill>
+              <a:latin typeface="sn별별정직" panose="02000500000000000000" pitchFamily="2" charset="0"/>
+              <a:ea typeface="sn별별정직" panose="02000500000000000000" pitchFamily="2" charset="0"/>
+            </a:endParaRPr>
+          </a:p>
+        </p:txBody>
+      </p:sp>
+      <p:sp>
+        <p:nvSpPr>
+          <p:cNvPr id="23" name="자유형: 도형 22">
+            <a:extLst>
+              <a:ext uri="{FF2B5EF4-FFF2-40B4-BE49-F238E27FC236}">
+                <a16:creationId xmlns:a16="http://schemas.microsoft.com/office/drawing/2014/main" id="{F6A3B21B-86C7-4165-A264-46EA1DFF4F35}"/>
+              </a:ext>
+            </a:extLst>
+          </p:cNvPr>
+          <p:cNvSpPr/>
+          <p:nvPr/>
+        </p:nvSpPr>
+        <p:spPr>
+          <a:xfrm flipV="1">
+            <a:off x="5820244" y="2030057"/>
+            <a:ext cx="3086100" cy="4319691"/>
+          </a:xfrm>
+          <a:custGeom>
+            <a:avLst/>
+            <a:gdLst>
+              <a:gd name="connsiteX0" fmla="*/ 0 w 3086100"/>
+              <a:gd name="connsiteY0" fmla="*/ 4319691 h 4319691"/>
+              <a:gd name="connsiteX1" fmla="*/ 45719 w 3086100"/>
+              <a:gd name="connsiteY1" fmla="*/ 4319691 h 4319691"/>
+              <a:gd name="connsiteX2" fmla="*/ 45719 w 3086100"/>
+              <a:gd name="connsiteY2" fmla="*/ 3718808 h 4319691"/>
+              <a:gd name="connsiteX3" fmla="*/ 3086100 w 3086100"/>
+              <a:gd name="connsiteY3" fmla="*/ 3718808 h 4319691"/>
+              <a:gd name="connsiteX4" fmla="*/ 3086100 w 3086100"/>
+              <a:gd name="connsiteY4" fmla="*/ 3673089 h 4319691"/>
+              <a:gd name="connsiteX5" fmla="*/ 45719 w 3086100"/>
+              <a:gd name="connsiteY5" fmla="*/ 3673089 h 4319691"/>
+              <a:gd name="connsiteX6" fmla="*/ 45719 w 3086100"/>
+              <a:gd name="connsiteY6" fmla="*/ 0 h 4319691"/>
+              <a:gd name="connsiteX7" fmla="*/ 0 w 3086100"/>
+              <a:gd name="connsiteY7" fmla="*/ 0 h 4319691"/>
+              <a:gd name="connsiteX8" fmla="*/ 0 w 3086100"/>
+              <a:gd name="connsiteY8" fmla="*/ 3673089 h 4319691"/>
+              <a:gd name="connsiteX9" fmla="*/ 0 w 3086100"/>
+              <a:gd name="connsiteY9" fmla="*/ 3718808 h 4319691"/>
+            </a:gdLst>
+            <a:ahLst/>
+            <a:cxnLst>
+              <a:cxn ang="0">
+                <a:pos x="connsiteX0" y="connsiteY0"/>
+              </a:cxn>
+              <a:cxn ang="0">
+                <a:pos x="connsiteX1" y="connsiteY1"/>
+              </a:cxn>
+              <a:cxn ang="0">
+                <a:pos x="connsiteX2" y="connsiteY2"/>
+              </a:cxn>
+              <a:cxn ang="0">
+                <a:pos x="connsiteX3" y="connsiteY3"/>
+              </a:cxn>
+              <a:cxn ang="0">
+                <a:pos x="connsiteX4" y="connsiteY4"/>
+              </a:cxn>
+              <a:cxn ang="0">
+                <a:pos x="connsiteX5" y="connsiteY5"/>
+              </a:cxn>
+              <a:cxn ang="0">
+                <a:pos x="connsiteX6" y="connsiteY6"/>
+              </a:cxn>
+              <a:cxn ang="0">
+                <a:pos x="connsiteX7" y="connsiteY7"/>
+              </a:cxn>
+              <a:cxn ang="0">
+                <a:pos x="connsiteX8" y="connsiteY8"/>
+              </a:cxn>
+              <a:cxn ang="0">
+                <a:pos x="connsiteX9" y="connsiteY9"/>
+              </a:cxn>
+            </a:cxnLst>
+            <a:rect l="l" t="t" r="r" b="b"/>
+            <a:pathLst>
+              <a:path w="3086100" h="4319691">
+                <a:moveTo>
+                  <a:pt x="0" y="4319691"/>
+                </a:moveTo>
+                <a:lnTo>
+                  <a:pt x="45719" y="4319691"/>
+                </a:lnTo>
+                <a:lnTo>
+                  <a:pt x="45719" y="3718808"/>
+                </a:lnTo>
+                <a:lnTo>
+                  <a:pt x="3086100" y="3718808"/>
+                </a:lnTo>
+                <a:lnTo>
+                  <a:pt x="3086100" y="3673089"/>
+                </a:lnTo>
+                <a:lnTo>
+                  <a:pt x="45719" y="3673089"/>
+                </a:lnTo>
+                <a:lnTo>
+                  <a:pt x="45719" y="0"/>
+                </a:lnTo>
+                <a:lnTo>
+                  <a:pt x="0" y="0"/>
+                </a:lnTo>
+                <a:lnTo>
+                  <a:pt x="0" y="3673089"/>
+                </a:lnTo>
+                <a:lnTo>
+                  <a:pt x="0" y="3718808"/>
+                </a:lnTo>
+                <a:close/>
+              </a:path>
+            </a:pathLst>
+          </a:custGeom>
           <a:solidFill>
             <a:schemeClr val="tx1"/>
           </a:solidFill>
@@ -7450,109 +7977,9 @@
           </a:fontRef>
         </p:style>
         <p:txBody>
-          <a:bodyPr rtlCol="0" anchor="ctr"/>
-          <a:lstStyle/>
-          <a:p>
-            <a:pPr algn="ctr"/>
-            <a:endParaRPr lang="ko-KR" altLang="en-US" dirty="0"/>
-          </a:p>
-        </p:txBody>
-      </p:sp>
-      <p:sp>
-        <p:nvSpPr>
-          <p:cNvPr id="15" name="TextBox 14">
-            <a:extLst>
-              <a:ext uri="{FF2B5EF4-FFF2-40B4-BE49-F238E27FC236}">
-                <a16:creationId xmlns:a16="http://schemas.microsoft.com/office/drawing/2014/main" id="{52424A43-C4A2-48D0-A403-70343FB879C5}"/>
-              </a:ext>
-            </a:extLst>
-          </p:cNvPr>
-          <p:cNvSpPr txBox="1"/>
-          <p:nvPr/>
-        </p:nvSpPr>
-        <p:spPr>
-          <a:xfrm flipH="1">
-            <a:off x="5911682" y="2030057"/>
-            <a:ext cx="2852308" cy="646331"/>
-          </a:xfrm>
-          <a:prstGeom prst="rect">
-            <a:avLst/>
-          </a:prstGeom>
-          <a:noFill/>
-        </p:spPr>
-        <p:txBody>
-          <a:bodyPr wrap="square" rtlCol="0">
-            <a:spAutoFit/>
+          <a:bodyPr wrap="square" rtlCol="0" anchor="ctr">
+            <a:noAutofit/>
           </a:bodyPr>
-          <a:lstStyle/>
-          <a:p>
-            <a:r>
-              <a:rPr lang="ko-KR" altLang="en-US" dirty="0">
-                <a:solidFill>
-                  <a:schemeClr val="bg1"/>
-                </a:solidFill>
-                <a:latin typeface="sn별별정직" panose="02000500000000000000" pitchFamily="2" charset="0"/>
-                <a:ea typeface="sn별별정직" panose="02000500000000000000" pitchFamily="2" charset="0"/>
-              </a:rPr>
-              <a:t>주소창에 주소를 입력했을 때의 브라우저가 하게 되는 기본적인 동작</a:t>
-            </a:r>
-            <a:endParaRPr lang="en-US" altLang="ko-KR" dirty="0">
-              <a:solidFill>
-                <a:schemeClr val="bg1"/>
-              </a:solidFill>
-              <a:latin typeface="sn별별정직" panose="02000500000000000000" pitchFamily="2" charset="0"/>
-              <a:ea typeface="sn별별정직" panose="02000500000000000000" pitchFamily="2" charset="0"/>
-            </a:endParaRPr>
-          </a:p>
-        </p:txBody>
-      </p:sp>
-      <p:sp>
-        <p:nvSpPr>
-          <p:cNvPr id="16" name="직사각형 15">
-            <a:extLst>
-              <a:ext uri="{FF2B5EF4-FFF2-40B4-BE49-F238E27FC236}">
-                <a16:creationId xmlns:a16="http://schemas.microsoft.com/office/drawing/2014/main" id="{DBA6C378-3195-4ADF-A663-E04CBF4F60D1}"/>
-              </a:ext>
-            </a:extLst>
-          </p:cNvPr>
-          <p:cNvSpPr/>
-          <p:nvPr/>
-        </p:nvSpPr>
-        <p:spPr>
-          <a:xfrm flipV="1">
-            <a:off x="5953299" y="2663887"/>
-            <a:ext cx="1660568" cy="45719"/>
-          </a:xfrm>
-          <a:prstGeom prst="rect">
-            <a:avLst/>
-          </a:prstGeom>
-          <a:solidFill>
-            <a:schemeClr val="tx1"/>
-          </a:solidFill>
-          <a:ln>
-            <a:solidFill>
-              <a:schemeClr val="bg1"/>
-            </a:solidFill>
-          </a:ln>
-        </p:spPr>
-        <p:style>
-          <a:lnRef idx="2">
-            <a:schemeClr val="accent1">
-              <a:shade val="50000"/>
-            </a:schemeClr>
-          </a:lnRef>
-          <a:fillRef idx="1">
-            <a:schemeClr val="accent1"/>
-          </a:fillRef>
-          <a:effectRef idx="0">
-            <a:schemeClr val="accent1"/>
-          </a:effectRef>
-          <a:fontRef idx="minor">
-            <a:schemeClr val="lt1"/>
-          </a:fontRef>
-        </p:style>
-        <p:txBody>
-          <a:bodyPr rtlCol="0" anchor="ctr"/>
           <a:lstStyle/>
           <a:p>
             <a:pPr algn="ctr"/>
@@ -8349,12 +8776,26 @@
                 <a:latin typeface="sn별별정직" panose="02000500000000000000" pitchFamily="2" charset="0"/>
                 <a:ea typeface="sn별별정직" panose="02000500000000000000" pitchFamily="2" charset="0"/>
               </a:rPr>
-              <a:t>, ‘#’ </a:t>
+              <a:t>, </a:t>
+            </a:r>
+            <a:r>
+              <a:rPr lang="en-US" altLang="ko-KR" dirty="0">
+                <a:solidFill>
+                  <a:schemeClr val="bg1">
+                    <a:lumMod val="75000"/>
+                  </a:schemeClr>
+                </a:solidFill>
+                <a:latin typeface="sn별별정직" panose="02000500000000000000" pitchFamily="2" charset="0"/>
+                <a:ea typeface="sn별별정직" panose="02000500000000000000" pitchFamily="2" charset="0"/>
+              </a:rPr>
+              <a:t>‘#’ </a:t>
             </a:r>
             <a:r>
               <a:rPr lang="ko-KR" altLang="en-US" dirty="0">
                 <a:solidFill>
-                  <a:schemeClr val="bg1"/>
+                  <a:schemeClr val="bg1">
+                    <a:lumMod val="75000"/>
+                  </a:schemeClr>
                 </a:solidFill>
                 <a:latin typeface="sn별별정직" panose="02000500000000000000" pitchFamily="2" charset="0"/>
                 <a:ea typeface="sn별별정직" panose="02000500000000000000" pitchFamily="2" charset="0"/>
@@ -9666,12 +10107,26 @@
                 <a:latin typeface="sn별별정직" panose="02000500000000000000" pitchFamily="2" charset="0"/>
                 <a:ea typeface="sn별별정직" panose="02000500000000000000" pitchFamily="2" charset="0"/>
               </a:rPr>
-              <a:t>: Hsot </a:t>
+              <a:t>: </a:t>
+            </a:r>
+            <a:r>
+              <a:rPr lang="en-US" altLang="ko-KR" sz="1600" dirty="0">
+                <a:solidFill>
+                  <a:schemeClr val="bg1">
+                    <a:lumMod val="85000"/>
+                  </a:schemeClr>
+                </a:solidFill>
+                <a:latin typeface="sn별별정직" panose="02000500000000000000" pitchFamily="2" charset="0"/>
+                <a:ea typeface="sn별별정직" panose="02000500000000000000" pitchFamily="2" charset="0"/>
+              </a:rPr>
+              <a:t>Hsot </a:t>
             </a:r>
             <a:r>
               <a:rPr lang="ko-KR" altLang="en-US" sz="1600" dirty="0">
                 <a:solidFill>
-                  <a:schemeClr val="bg1"/>
+                  <a:schemeClr val="bg1">
+                    <a:lumMod val="85000"/>
+                  </a:schemeClr>
                 </a:solidFill>
                 <a:latin typeface="sn별별정직" panose="02000500000000000000" pitchFamily="2" charset="0"/>
                 <a:ea typeface="sn별별정직" panose="02000500000000000000" pitchFamily="2" charset="0"/>
@@ -9681,7 +10136,9 @@
             <a:r>
               <a:rPr lang="en-US" altLang="ko-KR" sz="1600" dirty="0">
                 <a:solidFill>
-                  <a:schemeClr val="bg1"/>
+                  <a:schemeClr val="bg1">
+                    <a:lumMod val="85000"/>
+                  </a:schemeClr>
                 </a:solidFill>
                 <a:latin typeface="sn별별정직" panose="02000500000000000000" pitchFamily="2" charset="0"/>
                 <a:ea typeface="sn별별정직" panose="02000500000000000000" pitchFamily="2" charset="0"/>
@@ -9691,7 +10148,9 @@
             <a:r>
               <a:rPr lang="ko-KR" altLang="en-US" sz="1600" dirty="0">
                 <a:solidFill>
-                  <a:schemeClr val="bg1"/>
+                  <a:schemeClr val="bg1">
+                    <a:lumMod val="85000"/>
+                  </a:schemeClr>
                 </a:solidFill>
                 <a:latin typeface="sn별별정직" panose="02000500000000000000" pitchFamily="2" charset="0"/>
                 <a:ea typeface="sn별별정직" panose="02000500000000000000" pitchFamily="2" charset="0"/>
@@ -9701,7 +10160,9 @@
             <a:r>
               <a:rPr lang="en-US" altLang="ko-KR" sz="1600" dirty="0">
                 <a:solidFill>
-                  <a:schemeClr val="bg1"/>
+                  <a:schemeClr val="bg1">
+                    <a:lumMod val="85000"/>
+                  </a:schemeClr>
                 </a:solidFill>
                 <a:latin typeface="sn별별정직" panose="02000500000000000000" pitchFamily="2" charset="0"/>
                 <a:ea typeface="sn별별정직" panose="02000500000000000000" pitchFamily="2" charset="0"/>
@@ -9723,7 +10184,9 @@
             <a:r>
               <a:rPr lang="ko-KR" altLang="en-US" sz="1600" dirty="0">
                 <a:solidFill>
-                  <a:schemeClr val="bg1"/>
+                  <a:schemeClr val="bg1">
+                    <a:lumMod val="85000"/>
+                  </a:schemeClr>
                 </a:solidFill>
                 <a:latin typeface="sn별별정직" panose="02000500000000000000" pitchFamily="2" charset="0"/>
                 <a:ea typeface="sn별별정직" panose="02000500000000000000" pitchFamily="2" charset="0"/>
@@ -9733,7 +10196,9 @@
             <a:r>
               <a:rPr lang="en-US" altLang="ko-KR" sz="1600" dirty="0">
                 <a:solidFill>
-                  <a:schemeClr val="bg1"/>
+                  <a:schemeClr val="bg1">
+                    <a:lumMod val="85000"/>
+                  </a:schemeClr>
                 </a:solidFill>
                 <a:latin typeface="sn별별정직" panose="02000500000000000000" pitchFamily="2" charset="0"/>
                 <a:ea typeface="sn별별정직" panose="02000500000000000000" pitchFamily="2" charset="0"/>
@@ -9743,7 +10208,9 @@
             <a:r>
               <a:rPr lang="ko-KR" altLang="en-US" sz="1600" dirty="0">
                 <a:solidFill>
-                  <a:schemeClr val="bg1"/>
+                  <a:schemeClr val="bg1">
+                    <a:lumMod val="85000"/>
+                  </a:schemeClr>
                 </a:solidFill>
                 <a:latin typeface="sn별별정직" panose="02000500000000000000" pitchFamily="2" charset="0"/>
                 <a:ea typeface="sn별별정직" panose="02000500000000000000" pitchFamily="2" charset="0"/>
@@ -9753,7 +10220,9 @@
             <a:r>
               <a:rPr lang="en-US" altLang="ko-KR" sz="1600" dirty="0">
                 <a:solidFill>
-                  <a:schemeClr val="bg1"/>
+                  <a:schemeClr val="bg1">
+                    <a:lumMod val="85000"/>
+                  </a:schemeClr>
                 </a:solidFill>
                 <a:latin typeface="sn별별정직" panose="02000500000000000000" pitchFamily="2" charset="0"/>
                 <a:ea typeface="sn별별정직" panose="02000500000000000000" pitchFamily="2" charset="0"/>
@@ -9763,7 +10232,9 @@
             <a:r>
               <a:rPr lang="ko-KR" altLang="en-US" sz="1600" dirty="0">
                 <a:solidFill>
-                  <a:schemeClr val="bg1"/>
+                  <a:schemeClr val="bg1">
+                    <a:lumMod val="85000"/>
+                  </a:schemeClr>
                 </a:solidFill>
                 <a:latin typeface="sn별별정직" panose="02000500000000000000" pitchFamily="2" charset="0"/>
                 <a:ea typeface="sn별별정직" panose="02000500000000000000" pitchFamily="2" charset="0"/>
@@ -9773,7 +10244,9 @@
             <a:r>
               <a:rPr lang="en-US" altLang="ko-KR" sz="1600" dirty="0">
                 <a:solidFill>
-                  <a:schemeClr val="bg1"/>
+                  <a:schemeClr val="bg1">
+                    <a:lumMod val="85000"/>
+                  </a:schemeClr>
                 </a:solidFill>
                 <a:latin typeface="sn별별정직" panose="02000500000000000000" pitchFamily="2" charset="0"/>
                 <a:ea typeface="sn별별정직" panose="02000500000000000000" pitchFamily="2" charset="0"/>
@@ -9783,7 +10256,9 @@
             <a:r>
               <a:rPr lang="ko-KR" altLang="en-US" sz="1600" dirty="0">
                 <a:solidFill>
-                  <a:schemeClr val="bg1"/>
+                  <a:schemeClr val="bg1">
+                    <a:lumMod val="85000"/>
+                  </a:schemeClr>
                 </a:solidFill>
                 <a:latin typeface="sn별별정직" panose="02000500000000000000" pitchFamily="2" charset="0"/>
                 <a:ea typeface="sn별별정직" panose="02000500000000000000" pitchFamily="2" charset="0"/>
@@ -9807,7 +10282,7 @@
         </p:nvSpPr>
         <p:spPr>
           <a:xfrm>
-            <a:off x="899168" y="3314906"/>
+            <a:off x="899168" y="3346522"/>
             <a:ext cx="550151" cy="338554"/>
           </a:xfrm>
           <a:prstGeom prst="rect">
@@ -9824,7 +10299,9 @@
             <a:r>
               <a:rPr lang="en-US" altLang="ko-KR" sz="1600" dirty="0">
                 <a:solidFill>
-                  <a:schemeClr val="bg1"/>
+                  <a:schemeClr val="bg1">
+                    <a:lumMod val="85000"/>
+                  </a:schemeClr>
                 </a:solidFill>
                 <a:latin typeface="sn별별정직" panose="02000500000000000000" pitchFamily="2" charset="0"/>
                 <a:ea typeface="sn별별정직" panose="02000500000000000000" pitchFamily="2" charset="0"/>
@@ -9833,7 +10310,9 @@
             </a:r>
             <a:endParaRPr lang="ko-KR" altLang="en-US" sz="1600" dirty="0">
               <a:solidFill>
-                <a:schemeClr val="bg1"/>
+                <a:schemeClr val="bg1">
+                  <a:lumMod val="85000"/>
+                </a:schemeClr>
               </a:solidFill>
               <a:latin typeface="sn별별정직" panose="02000500000000000000" pitchFamily="2" charset="0"/>
               <a:ea typeface="sn별별정직" panose="02000500000000000000" pitchFamily="2" charset="0"/>
@@ -9855,7 +10334,7 @@
         </p:nvSpPr>
         <p:spPr>
           <a:xfrm>
-            <a:off x="899168" y="3649803"/>
+            <a:off x="899168" y="3680654"/>
             <a:ext cx="780832" cy="338554"/>
           </a:xfrm>
           <a:prstGeom prst="rect">
@@ -9872,7 +10351,9 @@
             <a:r>
               <a:rPr lang="en-US" altLang="ko-KR" sz="1600" dirty="0">
                 <a:solidFill>
-                  <a:schemeClr val="bg1"/>
+                  <a:schemeClr val="bg1">
+                    <a:lumMod val="85000"/>
+                  </a:schemeClr>
                 </a:solidFill>
                 <a:latin typeface="sn별별정직" panose="02000500000000000000" pitchFamily="2" charset="0"/>
                 <a:ea typeface="sn별별정직" panose="02000500000000000000" pitchFamily="2" charset="0"/>
@@ -9881,7 +10362,9 @@
             </a:r>
             <a:endParaRPr lang="ko-KR" altLang="en-US" sz="1600" dirty="0">
               <a:solidFill>
-                <a:schemeClr val="bg1"/>
+                <a:schemeClr val="bg1">
+                  <a:lumMod val="85000"/>
+                </a:schemeClr>
               </a:solidFill>
               <a:latin typeface="sn별별정직" panose="02000500000000000000" pitchFamily="2" charset="0"/>
               <a:ea typeface="sn별별정직" panose="02000500000000000000" pitchFamily="2" charset="0"/>
@@ -9903,7 +10386,7 @@
         </p:nvSpPr>
         <p:spPr>
           <a:xfrm>
-            <a:off x="899168" y="4031502"/>
+            <a:off x="899168" y="4014786"/>
             <a:ext cx="780832" cy="338554"/>
           </a:xfrm>
           <a:prstGeom prst="rect">
@@ -9920,7 +10403,9 @@
             <a:r>
               <a:rPr lang="en-US" altLang="ko-KR" sz="1600" dirty="0">
                 <a:solidFill>
-                  <a:schemeClr val="bg1"/>
+                  <a:schemeClr val="bg1">
+                    <a:lumMod val="85000"/>
+                  </a:schemeClr>
                 </a:solidFill>
                 <a:latin typeface="sn별별정직" panose="02000500000000000000" pitchFamily="2" charset="0"/>
                 <a:ea typeface="sn별별정직" panose="02000500000000000000" pitchFamily="2" charset="0"/>
@@ -9929,7 +10414,9 @@
             </a:r>
             <a:endParaRPr lang="ko-KR" altLang="en-US" sz="1600" dirty="0">
               <a:solidFill>
-                <a:schemeClr val="bg1"/>
+                <a:schemeClr val="bg1">
+                  <a:lumMod val="85000"/>
+                </a:schemeClr>
               </a:solidFill>
               <a:latin typeface="sn별별정직" panose="02000500000000000000" pitchFamily="2" charset="0"/>
               <a:ea typeface="sn별별정직" panose="02000500000000000000" pitchFamily="2" charset="0"/>
@@ -9968,7 +10455,9 @@
             <a:r>
               <a:rPr lang="en-US" altLang="ko-KR" sz="1600" dirty="0">
                 <a:solidFill>
-                  <a:schemeClr val="bg1"/>
+                  <a:schemeClr val="bg1">
+                    <a:lumMod val="85000"/>
+                  </a:schemeClr>
                 </a:solidFill>
                 <a:latin typeface="sn별별정직" panose="02000500000000000000" pitchFamily="2" charset="0"/>
                 <a:ea typeface="sn별별정직" panose="02000500000000000000" pitchFamily="2" charset="0"/>
@@ -9977,7 +10466,9 @@
             </a:r>
             <a:endParaRPr lang="ko-KR" altLang="en-US" sz="1600" dirty="0">
               <a:solidFill>
-                <a:schemeClr val="bg1"/>
+                <a:schemeClr val="bg1">
+                  <a:lumMod val="85000"/>
+                </a:schemeClr>
               </a:solidFill>
               <a:latin typeface="sn별별정직" panose="02000500000000000000" pitchFamily="2" charset="0"/>
               <a:ea typeface="sn별별정직" panose="02000500000000000000" pitchFamily="2" charset="0"/>
@@ -10100,7 +10591,9 @@
             <a:r>
               <a:rPr lang="en-US" altLang="ko-KR" sz="1600" dirty="0">
                 <a:solidFill>
-                  <a:schemeClr val="bg1"/>
+                  <a:schemeClr val="bg1">
+                    <a:lumMod val="85000"/>
+                  </a:schemeClr>
                 </a:solidFill>
                 <a:latin typeface="sn별별정직" panose="02000500000000000000" pitchFamily="2" charset="0"/>
                 <a:ea typeface="sn별별정직" panose="02000500000000000000" pitchFamily="2" charset="0"/>
@@ -10109,7 +10602,9 @@
             </a:r>
             <a:endParaRPr lang="ko-KR" altLang="en-US" sz="1600" dirty="0">
               <a:solidFill>
-                <a:schemeClr val="bg1"/>
+                <a:schemeClr val="bg1">
+                  <a:lumMod val="85000"/>
+                </a:schemeClr>
               </a:solidFill>
               <a:latin typeface="sn별별정직" panose="02000500000000000000" pitchFamily="2" charset="0"/>
               <a:ea typeface="sn별별정직" panose="02000500000000000000" pitchFamily="2" charset="0"/>
@@ -10170,7 +10665,9 @@
             <a:r>
               <a:rPr lang="ko-KR" altLang="en-US" sz="1600" dirty="0">
                 <a:solidFill>
-                  <a:schemeClr val="bg1"/>
+                  <a:schemeClr val="bg1">
+                    <a:lumMod val="85000"/>
+                  </a:schemeClr>
                 </a:solidFill>
                 <a:latin typeface="sn별별정직" panose="02000500000000000000" pitchFamily="2" charset="0"/>
                 <a:ea typeface="sn별별정직" panose="02000500000000000000" pitchFamily="2" charset="0"/>
@@ -10179,7 +10676,9 @@
             </a:r>
             <a:endParaRPr lang="en-US" altLang="ko-KR" sz="1600" dirty="0">
               <a:solidFill>
-                <a:schemeClr val="bg1"/>
+                <a:schemeClr val="bg1">
+                  <a:lumMod val="85000"/>
+                </a:schemeClr>
               </a:solidFill>
               <a:latin typeface="sn별별정직" panose="02000500000000000000" pitchFamily="2" charset="0"/>
               <a:ea typeface="sn별별정직" panose="02000500000000000000" pitchFamily="2" charset="0"/>
@@ -10189,7 +10688,9 @@
             <a:r>
               <a:rPr lang="en-US" altLang="ko-KR" sz="1600" dirty="0">
                 <a:solidFill>
-                  <a:schemeClr val="bg1"/>
+                  <a:schemeClr val="bg1">
+                    <a:lumMod val="85000"/>
+                  </a:schemeClr>
                 </a:solidFill>
                 <a:latin typeface="sn별별정직" panose="02000500000000000000" pitchFamily="2" charset="0"/>
                 <a:ea typeface="sn별별정직" panose="02000500000000000000" pitchFamily="2" charset="0"/>
@@ -10199,7 +10700,9 @@
             <a:r>
               <a:rPr lang="ko-KR" altLang="en-US" sz="1600" dirty="0">
                 <a:solidFill>
-                  <a:schemeClr val="bg1"/>
+                  <a:schemeClr val="bg1">
+                    <a:lumMod val="85000"/>
+                  </a:schemeClr>
                 </a:solidFill>
                 <a:latin typeface="sn별별정직" panose="02000500000000000000" pitchFamily="2" charset="0"/>
                 <a:ea typeface="sn별별정직" panose="02000500000000000000" pitchFamily="2" charset="0"/>
@@ -10209,7 +10712,9 @@
             <a:r>
               <a:rPr lang="en-US" altLang="ko-KR" sz="1600" dirty="0">
                 <a:solidFill>
-                  <a:schemeClr val="bg1"/>
+                  <a:schemeClr val="bg1">
+                    <a:lumMod val="85000"/>
+                  </a:schemeClr>
                 </a:solidFill>
                 <a:latin typeface="sn별별정직" panose="02000500000000000000" pitchFamily="2" charset="0"/>
                 <a:ea typeface="sn별별정직" panose="02000500000000000000" pitchFamily="2" charset="0"/>
@@ -10219,7 +10724,9 @@
             <a:r>
               <a:rPr lang="ko-KR" altLang="en-US" sz="1600" dirty="0">
                 <a:solidFill>
-                  <a:schemeClr val="bg1"/>
+                  <a:schemeClr val="bg1">
+                    <a:lumMod val="85000"/>
+                  </a:schemeClr>
                 </a:solidFill>
                 <a:latin typeface="sn별별정직" panose="02000500000000000000" pitchFamily="2" charset="0"/>
                 <a:ea typeface="sn별별정직" panose="02000500000000000000" pitchFamily="2" charset="0"/>
@@ -10228,7 +10735,9 @@
             </a:r>
             <a:endParaRPr lang="en-US" altLang="ko-KR" sz="1600" dirty="0">
               <a:solidFill>
-                <a:schemeClr val="bg1"/>
+                <a:schemeClr val="bg1">
+                  <a:lumMod val="85000"/>
+                </a:schemeClr>
               </a:solidFill>
               <a:latin typeface="sn별별정직" panose="02000500000000000000" pitchFamily="2" charset="0"/>
               <a:ea typeface="sn별별정직" panose="02000500000000000000" pitchFamily="2" charset="0"/>
@@ -10250,7 +10759,7 @@
         </p:nvSpPr>
         <p:spPr>
           <a:xfrm>
-            <a:off x="5399395" y="5046771"/>
+            <a:off x="5422842" y="5032643"/>
             <a:ext cx="2628323" cy="861774"/>
           </a:xfrm>
           <a:prstGeom prst="rect">
@@ -11796,7 +12305,7 @@
         <p:spPr>
           <a:xfrm>
             <a:off x="318501" y="1760966"/>
-            <a:ext cx="4182555" cy="369332"/>
+            <a:ext cx="3591048" cy="369332"/>
           </a:xfrm>
           <a:prstGeom prst="rect">
             <a:avLst/>
@@ -11843,7 +12352,7 @@
                 <a:latin typeface="sn별별정직" panose="02000500000000000000" pitchFamily="2" charset="0"/>
                 <a:ea typeface="sn별별정직" panose="02000500000000000000" pitchFamily="2" charset="0"/>
               </a:rPr>
-              <a:t>키로 개발자 도구를 실행할 수 있다 </a:t>
+              <a:t>키로 개발자 도구 실행 가능</a:t>
             </a:r>
           </a:p>
         </p:txBody>
@@ -11895,7 +12404,7 @@
           <p:nvPr>
             <p:extLst>
               <p:ext uri="{D42A27DB-BD31-4B8C-83A1-F6EECF244321}">
-                <p14:modId xmlns:p14="http://schemas.microsoft.com/office/powerpoint/2010/main" val="3418277645"/>
+                <p14:modId xmlns:p14="http://schemas.microsoft.com/office/powerpoint/2010/main" val="2480618719"/>
               </p:ext>
             </p:extLst>
           </p:nvPr>
@@ -11982,6 +12491,11 @@
                       <a:headEnd type="none" w="med" len="med"/>
                       <a:tailEnd type="none" w="med" len="med"/>
                     </a:lnB>
+                    <a:solidFill>
+                      <a:schemeClr val="accent2">
+                        <a:lumMod val="50000"/>
+                      </a:schemeClr>
+                    </a:solidFill>
                   </a:tcPr>
                 </a:tc>
                 <a:tc>
@@ -12057,6 +12571,11 @@
                       <a:headEnd type="none" w="med" len="med"/>
                       <a:tailEnd type="none" w="med" len="med"/>
                     </a:lnB>
+                    <a:solidFill>
+                      <a:schemeClr val="accent2">
+                        <a:lumMod val="50000"/>
+                      </a:schemeClr>
+                    </a:solidFill>
                   </a:tcPr>
                 </a:tc>
                 <a:tc>
@@ -12232,6 +12751,11 @@
                       <a:headEnd type="none" w="med" len="med"/>
                       <a:tailEnd type="none" w="med" len="med"/>
                     </a:lnB>
+                    <a:solidFill>
+                      <a:schemeClr val="accent2">
+                        <a:lumMod val="50000"/>
+                      </a:schemeClr>
+                    </a:solidFill>
                   </a:tcPr>
                 </a:tc>
                 <a:tc>
@@ -12366,6 +12890,11 @@
                       <a:headEnd type="none" w="med" len="med"/>
                       <a:tailEnd type="none" w="med" len="med"/>
                     </a:lnB>
+                    <a:solidFill>
+                      <a:schemeClr val="accent2">
+                        <a:lumMod val="50000"/>
+                      </a:schemeClr>
+                    </a:solidFill>
                   </a:tcPr>
                 </a:tc>
                 <a:tc>
@@ -12450,6 +12979,11 @@
                       <a:headEnd type="none" w="med" len="med"/>
                       <a:tailEnd type="none" w="med" len="med"/>
                     </a:lnB>
+                    <a:solidFill>
+                      <a:schemeClr val="accent2">
+                        <a:lumMod val="50000"/>
+                      </a:schemeClr>
+                    </a:solidFill>
                   </a:tcPr>
                 </a:tc>
                 <a:tc>
@@ -12661,6 +13195,11 @@
                       <a:headEnd type="none" w="med" len="med"/>
                       <a:tailEnd type="none" w="med" len="med"/>
                     </a:lnB>
+                    <a:solidFill>
+                      <a:schemeClr val="accent2">
+                        <a:lumMod val="50000"/>
+                      </a:schemeClr>
+                    </a:solidFill>
                   </a:tcPr>
                 </a:tc>
                 <a:tc>
@@ -12859,6 +13398,11 @@
                       <a:headEnd type="none" w="med" len="med"/>
                       <a:tailEnd type="none" w="med" len="med"/>
                     </a:lnB>
+                    <a:solidFill>
+                      <a:schemeClr val="accent2">
+                        <a:lumMod val="50000"/>
+                      </a:schemeClr>
+                    </a:solidFill>
                   </a:tcPr>
                 </a:tc>
                 <a:tc>
@@ -13057,6 +13601,11 @@
                       <a:headEnd type="none" w="med" len="med"/>
                       <a:tailEnd type="none" w="med" len="med"/>
                     </a:lnB>
+                    <a:solidFill>
+                      <a:schemeClr val="accent2">
+                        <a:lumMod val="50000"/>
+                      </a:schemeClr>
+                    </a:solidFill>
                   </a:tcPr>
                 </a:tc>
                 <a:tc>
@@ -13287,6 +13836,11 @@
                       <a:headEnd type="none" w="med" len="med"/>
                       <a:tailEnd type="none" w="med" len="med"/>
                     </a:lnB>
+                    <a:solidFill>
+                      <a:schemeClr val="accent2">
+                        <a:lumMod val="50000"/>
+                      </a:schemeClr>
+                    </a:solidFill>
                   </a:tcPr>
                 </a:tc>
                 <a:tc>
@@ -13498,6 +14052,11 @@
                       <a:headEnd type="none" w="med" len="med"/>
                       <a:tailEnd type="none" w="med" len="med"/>
                     </a:lnB>
+                    <a:solidFill>
+                      <a:schemeClr val="accent2">
+                        <a:lumMod val="50000"/>
+                      </a:schemeClr>
+                    </a:solidFill>
                   </a:tcPr>
                 </a:tc>
                 <a:tc>
@@ -13718,6 +14277,11 @@
                       <a:headEnd type="none" w="med" len="med"/>
                       <a:tailEnd type="none" w="med" len="med"/>
                     </a:lnB>
+                    <a:solidFill>
+                      <a:schemeClr val="accent2">
+                        <a:lumMod val="50000"/>
+                      </a:schemeClr>
+                    </a:solidFill>
                   </a:tcPr>
                 </a:tc>
                 <a:tc>
@@ -22414,49 +22978,6 @@
       </p:sp>
       <p:cxnSp>
         <p:nvCxnSpPr>
-          <p:cNvPr id="10" name="연결선: 구부러짐 9">
-            <a:extLst>
-              <a:ext uri="{FF2B5EF4-FFF2-40B4-BE49-F238E27FC236}">
-                <a16:creationId xmlns:a16="http://schemas.microsoft.com/office/drawing/2014/main" id="{ABF2EAA7-8A08-44A0-A32B-B28EEE004ABF}"/>
-              </a:ext>
-            </a:extLst>
-          </p:cNvPr>
-          <p:cNvCxnSpPr>
-            <a:cxnSpLocks/>
-            <a:stCxn id="6" idx="3"/>
-            <a:endCxn id="8" idx="0"/>
-          </p:cNvCxnSpPr>
-          <p:nvPr/>
-        </p:nvCxnSpPr>
-        <p:spPr>
-          <a:xfrm>
-            <a:off x="5332021" y="1330037"/>
-            <a:ext cx="1574758" cy="397232"/>
-          </a:xfrm>
-          <a:prstGeom prst="curvedConnector2">
-            <a:avLst/>
-          </a:prstGeom>
-          <a:ln w="28575">
-            <a:tailEnd type="triangle"/>
-          </a:ln>
-        </p:spPr>
-        <p:style>
-          <a:lnRef idx="1">
-            <a:schemeClr val="accent1"/>
-          </a:lnRef>
-          <a:fillRef idx="0">
-            <a:schemeClr val="accent1"/>
-          </a:fillRef>
-          <a:effectRef idx="0">
-            <a:schemeClr val="accent1"/>
-          </a:effectRef>
-          <a:fontRef idx="minor">
-            <a:schemeClr val="tx1"/>
-          </a:fontRef>
-        </p:style>
-      </p:cxnSp>
-      <p:cxnSp>
-        <p:nvCxnSpPr>
           <p:cNvPr id="15" name="직선 화살표 연결선 14">
             <a:extLst>
               <a:ext uri="{FF2B5EF4-FFF2-40B4-BE49-F238E27FC236}">
@@ -23495,6 +24016,52 @@
           </a:p>
         </p:txBody>
       </p:sp>
+      <p:cxnSp>
+        <p:nvCxnSpPr>
+          <p:cNvPr id="9" name="연결선: 꺾임 8">
+            <a:extLst>
+              <a:ext uri="{FF2B5EF4-FFF2-40B4-BE49-F238E27FC236}">
+                <a16:creationId xmlns:a16="http://schemas.microsoft.com/office/drawing/2014/main" id="{1330F478-DBFC-4D1F-B6FC-BE041BA8661E}"/>
+              </a:ext>
+            </a:extLst>
+          </p:cNvPr>
+          <p:cNvCxnSpPr>
+            <a:cxnSpLocks/>
+            <a:endCxn id="6" idx="3"/>
+          </p:cNvCxnSpPr>
+          <p:nvPr/>
+        </p:nvCxnSpPr>
+        <p:spPr>
+          <a:xfrm rot="10800000">
+            <a:off x="5332021" y="1330038"/>
+            <a:ext cx="1574758" cy="710925"/>
+          </a:xfrm>
+          <a:prstGeom prst="bentConnector3">
+            <a:avLst>
+              <a:gd name="adj1" fmla="val -96"/>
+            </a:avLst>
+          </a:prstGeom>
+          <a:ln w="19050">
+            <a:prstDash val="sysDot"/>
+            <a:headEnd type="triangle" w="med" len="med"/>
+            <a:tailEnd type="none" w="med" len="med"/>
+          </a:ln>
+        </p:spPr>
+        <p:style>
+          <a:lnRef idx="1">
+            <a:schemeClr val="accent1"/>
+          </a:lnRef>
+          <a:fillRef idx="0">
+            <a:schemeClr val="accent1"/>
+          </a:fillRef>
+          <a:effectRef idx="0">
+            <a:schemeClr val="accent1"/>
+          </a:effectRef>
+          <a:fontRef idx="minor">
+            <a:schemeClr val="tx1"/>
+          </a:fontRef>
+        </p:style>
+      </p:cxnSp>
     </p:spTree>
     <p:extLst>
       <p:ext uri="{BB962C8B-B14F-4D97-AF65-F5344CB8AC3E}">
@@ -29836,8 +30403,8 @@
         </p:nvSpPr>
         <p:spPr>
           <a:xfrm>
-            <a:off x="5370658" y="2526323"/>
-            <a:ext cx="3538391" cy="1805354"/>
+            <a:off x="5254115" y="2669757"/>
+            <a:ext cx="3425640" cy="1805354"/>
           </a:xfrm>
           <a:prstGeom prst="foldedCorner">
             <a:avLst/>
@@ -30486,8 +31053,8 @@
         </p:nvSpPr>
         <p:spPr>
           <a:xfrm>
-            <a:off x="4823159" y="2160475"/>
-            <a:ext cx="3692191" cy="643710"/>
+            <a:off x="4773430" y="2393954"/>
+            <a:ext cx="1595570" cy="643710"/>
           </a:xfrm>
           <a:custGeom>
             <a:avLst/>
@@ -30765,6 +31332,172 @@
               <a:rPr lang="en-US" altLang="ko-KR"/>
               <a:t>SOP ; Same Origin Policy</a:t>
             </a:r>
+            <a:endParaRPr lang="ko-KR" altLang="en-US" dirty="0"/>
+          </a:p>
+        </p:txBody>
+      </p:sp>
+      <p:sp>
+        <p:nvSpPr>
+          <p:cNvPr id="15" name="자유형: 도형 14">
+            <a:extLst>
+              <a:ext uri="{FF2B5EF4-FFF2-40B4-BE49-F238E27FC236}">
+                <a16:creationId xmlns:a16="http://schemas.microsoft.com/office/drawing/2014/main" id="{16C37AAB-8B3B-4005-9AD1-15E1D7BD54AB}"/>
+              </a:ext>
+            </a:extLst>
+          </p:cNvPr>
+          <p:cNvSpPr/>
+          <p:nvPr/>
+        </p:nvSpPr>
+        <p:spPr>
+          <a:xfrm rot="1493968" flipH="1">
+            <a:off x="7906256" y="2343007"/>
+            <a:ext cx="1150703" cy="745606"/>
+          </a:xfrm>
+          <a:custGeom>
+            <a:avLst/>
+            <a:gdLst>
+              <a:gd name="connsiteX0" fmla="*/ 12091 w 1208795"/>
+              <a:gd name="connsiteY0" fmla="*/ 198654 h 643710"/>
+              <a:gd name="connsiteX1" fmla="*/ 1050219 w 1208795"/>
+              <a:gd name="connsiteY1" fmla="*/ 0 h 643710"/>
+              <a:gd name="connsiteX2" fmla="*/ 1139964 w 1208795"/>
+              <a:gd name="connsiteY2" fmla="*/ 133920 h 643710"/>
+              <a:gd name="connsiteX3" fmla="*/ 1058030 w 1208795"/>
+              <a:gd name="connsiteY3" fmla="*/ 174446 h 643710"/>
+              <a:gd name="connsiteX4" fmla="*/ 1208795 w 1208795"/>
+              <a:gd name="connsiteY4" fmla="*/ 400997 h 643710"/>
+              <a:gd name="connsiteX5" fmla="*/ 1140616 w 1208795"/>
+              <a:gd name="connsiteY5" fmla="*/ 426967 h 643710"/>
+              <a:gd name="connsiteX6" fmla="*/ 1155276 w 1208795"/>
+              <a:gd name="connsiteY6" fmla="*/ 448288 h 643710"/>
+              <a:gd name="connsiteX7" fmla="*/ 134037 w 1208795"/>
+              <a:gd name="connsiteY7" fmla="*/ 643710 h 643710"/>
+              <a:gd name="connsiteX8" fmla="*/ 102005 w 1208795"/>
+              <a:gd name="connsiteY8" fmla="*/ 578594 h 643710"/>
+              <a:gd name="connsiteX9" fmla="*/ 151677 w 1208795"/>
+              <a:gd name="connsiteY9" fmla="*/ 540576 h 643710"/>
+              <a:gd name="connsiteX10" fmla="*/ 0 w 1208795"/>
+              <a:gd name="connsiteY10" fmla="*/ 312903 h 643710"/>
+              <a:gd name="connsiteX11" fmla="*/ 49671 w 1208795"/>
+              <a:gd name="connsiteY11" fmla="*/ 281571 h 643710"/>
+              <a:gd name="connsiteX12" fmla="*/ 12091 w 1208795"/>
+              <a:gd name="connsiteY12" fmla="*/ 198654 h 643710"/>
+            </a:gdLst>
+            <a:ahLst/>
+            <a:cxnLst>
+              <a:cxn ang="0">
+                <a:pos x="connsiteX0" y="connsiteY0"/>
+              </a:cxn>
+              <a:cxn ang="0">
+                <a:pos x="connsiteX1" y="connsiteY1"/>
+              </a:cxn>
+              <a:cxn ang="0">
+                <a:pos x="connsiteX2" y="connsiteY2"/>
+              </a:cxn>
+              <a:cxn ang="0">
+                <a:pos x="connsiteX3" y="connsiteY3"/>
+              </a:cxn>
+              <a:cxn ang="0">
+                <a:pos x="connsiteX4" y="connsiteY4"/>
+              </a:cxn>
+              <a:cxn ang="0">
+                <a:pos x="connsiteX5" y="connsiteY5"/>
+              </a:cxn>
+              <a:cxn ang="0">
+                <a:pos x="connsiteX6" y="connsiteY6"/>
+              </a:cxn>
+              <a:cxn ang="0">
+                <a:pos x="connsiteX7" y="connsiteY7"/>
+              </a:cxn>
+              <a:cxn ang="0">
+                <a:pos x="connsiteX8" y="connsiteY8"/>
+              </a:cxn>
+              <a:cxn ang="0">
+                <a:pos x="connsiteX9" y="connsiteY9"/>
+              </a:cxn>
+              <a:cxn ang="0">
+                <a:pos x="connsiteX10" y="connsiteY10"/>
+              </a:cxn>
+              <a:cxn ang="0">
+                <a:pos x="connsiteX11" y="connsiteY11"/>
+              </a:cxn>
+              <a:cxn ang="0">
+                <a:pos x="connsiteX12" y="connsiteY12"/>
+              </a:cxn>
+            </a:cxnLst>
+            <a:rect l="l" t="t" r="r" b="b"/>
+            <a:pathLst>
+              <a:path w="1208795" h="643710">
+                <a:moveTo>
+                  <a:pt x="12091" y="198654"/>
+                </a:moveTo>
+                <a:lnTo>
+                  <a:pt x="1050219" y="0"/>
+                </a:lnTo>
+                <a:lnTo>
+                  <a:pt x="1139964" y="133920"/>
+                </a:lnTo>
+                <a:lnTo>
+                  <a:pt x="1058030" y="174446"/>
+                </a:lnTo>
+                <a:lnTo>
+                  <a:pt x="1208795" y="400997"/>
+                </a:lnTo>
+                <a:lnTo>
+                  <a:pt x="1140616" y="426967"/>
+                </a:lnTo>
+                <a:lnTo>
+                  <a:pt x="1155276" y="448288"/>
+                </a:lnTo>
+                <a:lnTo>
+                  <a:pt x="134037" y="643710"/>
+                </a:lnTo>
+                <a:lnTo>
+                  <a:pt x="102005" y="578594"/>
+                </a:lnTo>
+                <a:lnTo>
+                  <a:pt x="151677" y="540576"/>
+                </a:lnTo>
+                <a:lnTo>
+                  <a:pt x="0" y="312903"/>
+                </a:lnTo>
+                <a:lnTo>
+                  <a:pt x="49671" y="281571"/>
+                </a:lnTo>
+                <a:lnTo>
+                  <a:pt x="12091" y="198654"/>
+                </a:lnTo>
+                <a:close/>
+              </a:path>
+            </a:pathLst>
+          </a:custGeom>
+          <a:solidFill>
+            <a:schemeClr val="accent1">
+              <a:alpha val="25000"/>
+            </a:schemeClr>
+          </a:solidFill>
+        </p:spPr>
+        <p:style>
+          <a:lnRef idx="2">
+            <a:schemeClr val="accent1">
+              <a:shade val="50000"/>
+            </a:schemeClr>
+          </a:lnRef>
+          <a:fillRef idx="1">
+            <a:schemeClr val="accent1"/>
+          </a:fillRef>
+          <a:effectRef idx="0">
+            <a:schemeClr val="accent1"/>
+          </a:effectRef>
+          <a:fontRef idx="minor">
+            <a:schemeClr val="lt1"/>
+          </a:fontRef>
+        </p:style>
+        <p:txBody>
+          <a:bodyPr rtlCol="0" anchor="ctr"/>
+          <a:lstStyle/>
+          <a:p>
+            <a:pPr algn="ctr"/>
             <a:endParaRPr lang="ko-KR" altLang="en-US" dirty="0"/>
           </a:p>
         </p:txBody>
@@ -36110,7 +36843,7 @@
         <p:spPr>
           <a:xfrm>
             <a:off x="323133" y="1620086"/>
-            <a:ext cx="3332744" cy="1256797"/>
+            <a:ext cx="3332744" cy="1345198"/>
           </a:xfrm>
           <a:prstGeom prst="rect">
             <a:avLst/>
@@ -36146,7 +36879,7 @@
           <a:p>
             <a:pPr algn="ctr"/>
             <a:r>
-              <a:rPr lang="en-US" altLang="ko-KR" dirty="0">
+              <a:rPr lang="en-US" altLang="ko-KR" sz="1600" dirty="0">
                 <a:latin typeface="sn별별정직" panose="02000500000000000000" pitchFamily="2" charset="0"/>
                 <a:ea typeface="sn별별정직" panose="02000500000000000000" pitchFamily="2" charset="0"/>
               </a:rPr>
@@ -36156,13 +36889,23 @@
           <a:p>
             <a:pPr algn="ctr"/>
             <a:r>
-              <a:rPr lang="ko-KR" altLang="en-US" sz="1600" dirty="0">
+              <a:rPr lang="ko-KR" altLang="en-US" sz="1400" dirty="0">
+                <a:solidFill>
+                  <a:schemeClr val="bg1">
+                    <a:lumMod val="85000"/>
+                  </a:schemeClr>
+                </a:solidFill>
                 <a:latin typeface="sn별별정직" panose="02000500000000000000" pitchFamily="2" charset="0"/>
                 <a:ea typeface="sn별별정직" panose="02000500000000000000" pitchFamily="2" charset="0"/>
               </a:rPr>
               <a:t>웹 문서의 뼈대</a:t>
             </a:r>
-            <a:endParaRPr lang="en-US" altLang="ko-KR" sz="1600" dirty="0">
+            <a:endParaRPr lang="en-US" altLang="ko-KR" sz="1400" dirty="0">
+              <a:solidFill>
+                <a:schemeClr val="bg1">
+                  <a:lumMod val="85000"/>
+                </a:schemeClr>
+              </a:solidFill>
               <a:latin typeface="sn별별정직" panose="02000500000000000000" pitchFamily="2" charset="0"/>
               <a:ea typeface="sn별별정직" panose="02000500000000000000" pitchFamily="2" charset="0"/>
             </a:endParaRPr>
@@ -36170,41 +36913,47 @@
           <a:p>
             <a:pPr algn="ctr"/>
             <a:r>
-              <a:rPr lang="ko-KR" altLang="en-US" sz="1600" dirty="0">
+              <a:rPr lang="ko-KR" altLang="en-US" sz="1400" dirty="0">
+                <a:solidFill>
+                  <a:schemeClr val="bg1">
+                    <a:lumMod val="85000"/>
+                  </a:schemeClr>
+                </a:solidFill>
                 <a:latin typeface="sn별별정직" panose="02000500000000000000" pitchFamily="2" charset="0"/>
                 <a:ea typeface="sn별별정직" panose="02000500000000000000" pitchFamily="2" charset="0"/>
               </a:rPr>
               <a:t>태그</a:t>
             </a:r>
             <a:r>
-              <a:rPr lang="en-US" altLang="ko-KR" sz="1600" dirty="0">
+              <a:rPr lang="en-US" altLang="ko-KR" sz="1400" dirty="0">
+                <a:solidFill>
+                  <a:schemeClr val="bg1">
+                    <a:lumMod val="85000"/>
+                  </a:schemeClr>
+                </a:solidFill>
                 <a:latin typeface="sn별별정직" panose="02000500000000000000" pitchFamily="2" charset="0"/>
                 <a:ea typeface="sn별별정직" panose="02000500000000000000" pitchFamily="2" charset="0"/>
               </a:rPr>
               <a:t>, </a:t>
             </a:r>
             <a:r>
-              <a:rPr lang="ko-KR" altLang="en-US" sz="1600" dirty="0">
-                <a:latin typeface="sn별별정직" panose="02000500000000000000" pitchFamily="2" charset="0"/>
-                <a:ea typeface="sn별별정직" panose="02000500000000000000" pitchFamily="2" charset="0"/>
-              </a:rPr>
-              <a:t>속성을 통해 </a:t>
-            </a:r>
-            <a:endParaRPr lang="en-US" altLang="ko-KR" sz="1600" dirty="0">
-              <a:latin typeface="sn별별정직" panose="02000500000000000000" pitchFamily="2" charset="0"/>
-              <a:ea typeface="sn별별정직" panose="02000500000000000000" pitchFamily="2" charset="0"/>
-            </a:endParaRPr>
-          </a:p>
-          <a:p>
-            <a:pPr algn="ctr"/>
-            <a:r>
-              <a:rPr lang="ko-KR" altLang="en-US" sz="1600" dirty="0">
-                <a:latin typeface="sn별별정직" panose="02000500000000000000" pitchFamily="2" charset="0"/>
-                <a:ea typeface="sn별별정직" panose="02000500000000000000" pitchFamily="2" charset="0"/>
-              </a:rPr>
-              <a:t>구조화된 문서 작성을 지원</a:t>
-            </a:r>
-            <a:endParaRPr lang="en-US" altLang="ko-KR" sz="1600" dirty="0">
+              <a:rPr lang="ko-KR" altLang="en-US" sz="1400" dirty="0">
+                <a:solidFill>
+                  <a:schemeClr val="bg1">
+                    <a:lumMod val="85000"/>
+                  </a:schemeClr>
+                </a:solidFill>
+                <a:latin typeface="sn별별정직" panose="02000500000000000000" pitchFamily="2" charset="0"/>
+                <a:ea typeface="sn별별정직" panose="02000500000000000000" pitchFamily="2" charset="0"/>
+              </a:rPr>
+              <a:t>속성을 통해 구조화된 문서 작성을 지원</a:t>
+            </a:r>
+            <a:endParaRPr lang="en-US" altLang="ko-KR" sz="1400" dirty="0">
+              <a:solidFill>
+                <a:schemeClr val="bg1">
+                  <a:lumMod val="85000"/>
+                </a:schemeClr>
+              </a:solidFill>
               <a:latin typeface="sn별별정직" panose="02000500000000000000" pitchFamily="2" charset="0"/>
               <a:ea typeface="sn별별정직" panose="02000500000000000000" pitchFamily="2" charset="0"/>
             </a:endParaRPr>
@@ -36273,12 +37022,22 @@
             <a:pPr algn="ctr"/>
             <a:r>
               <a:rPr lang="ko-KR" altLang="en-US" sz="1400" dirty="0">
+                <a:solidFill>
+                  <a:schemeClr val="bg1">
+                    <a:lumMod val="85000"/>
+                  </a:schemeClr>
+                </a:solidFill>
                 <a:latin typeface="sn별별정직" panose="02000500000000000000" pitchFamily="2" charset="0"/>
                 <a:ea typeface="sn별별정직" panose="02000500000000000000" pitchFamily="2" charset="0"/>
               </a:rPr>
               <a:t>웹 문서의 생김새를 지정</a:t>
             </a:r>
             <a:endParaRPr lang="en-US" altLang="ko-KR" sz="1400" dirty="0">
+              <a:solidFill>
+                <a:schemeClr val="bg1">
+                  <a:lumMod val="85000"/>
+                </a:schemeClr>
+              </a:solidFill>
               <a:latin typeface="sn별별정직" panose="02000500000000000000" pitchFamily="2" charset="0"/>
               <a:ea typeface="sn별별정직" panose="02000500000000000000" pitchFamily="2" charset="0"/>
             </a:endParaRPr>
@@ -36287,12 +37046,22 @@
             <a:pPr algn="ctr"/>
             <a:r>
               <a:rPr lang="ko-KR" altLang="en-US" sz="1400" dirty="0">
+                <a:solidFill>
+                  <a:schemeClr val="bg1">
+                    <a:lumMod val="85000"/>
+                  </a:schemeClr>
+                </a:solidFill>
                 <a:latin typeface="sn별별정직" panose="02000500000000000000" pitchFamily="2" charset="0"/>
                 <a:ea typeface="sn별별정직" panose="02000500000000000000" pitchFamily="2" charset="0"/>
               </a:rPr>
               <a:t>웹 리소스 들의 시각화 방법을 기재한 스타일 시트</a:t>
             </a:r>
             <a:endParaRPr lang="en-US" altLang="ko-KR" sz="1400" dirty="0">
+              <a:solidFill>
+                <a:schemeClr val="bg1">
+                  <a:lumMod val="85000"/>
+                </a:schemeClr>
+              </a:solidFill>
               <a:latin typeface="sn별별정직" panose="02000500000000000000" pitchFamily="2" charset="0"/>
               <a:ea typeface="sn별별정직" panose="02000500000000000000" pitchFamily="2" charset="0"/>
             </a:endParaRPr>
@@ -36361,12 +37130,22 @@
             <a:pPr algn="ctr"/>
             <a:r>
               <a:rPr lang="ko-KR" altLang="en-US" sz="1400" dirty="0">
+                <a:solidFill>
+                  <a:schemeClr val="bg1">
+                    <a:lumMod val="85000"/>
+                  </a:schemeClr>
+                </a:solidFill>
                 <a:latin typeface="sn별별정직" panose="02000500000000000000" pitchFamily="2" charset="0"/>
                 <a:ea typeface="sn별별정직" panose="02000500000000000000" pitchFamily="2" charset="0"/>
               </a:rPr>
               <a:t>웹 문서의 동작을 정의</a:t>
             </a:r>
             <a:endParaRPr lang="en-US" altLang="ko-KR" sz="1400" dirty="0">
+              <a:solidFill>
+                <a:schemeClr val="bg1">
+                  <a:lumMod val="85000"/>
+                </a:schemeClr>
+              </a:solidFill>
               <a:latin typeface="sn별별정직" panose="02000500000000000000" pitchFamily="2" charset="0"/>
               <a:ea typeface="sn별별정직" panose="02000500000000000000" pitchFamily="2" charset="0"/>
             </a:endParaRPr>
@@ -36375,12 +37154,22 @@
             <a:pPr algn="ctr"/>
             <a:r>
               <a:rPr lang="ko-KR" altLang="en-US" sz="1400" dirty="0">
+                <a:solidFill>
+                  <a:schemeClr val="bg1">
+                    <a:lumMod val="85000"/>
+                  </a:schemeClr>
+                </a:solidFill>
                 <a:latin typeface="sn별별정직" panose="02000500000000000000" pitchFamily="2" charset="0"/>
                 <a:ea typeface="sn별별정직" panose="02000500000000000000" pitchFamily="2" charset="0"/>
               </a:rPr>
               <a:t>이용자의 브라우저에서 실행됨</a:t>
             </a:r>
             <a:endParaRPr lang="en-US" altLang="ko-KR" sz="1400" dirty="0">
+              <a:solidFill>
+                <a:schemeClr val="bg1">
+                  <a:lumMod val="85000"/>
+                </a:schemeClr>
+              </a:solidFill>
               <a:latin typeface="sn별별정직" panose="02000500000000000000" pitchFamily="2" charset="0"/>
               <a:ea typeface="sn별별정직" panose="02000500000000000000" pitchFamily="2" charset="0"/>
             </a:endParaRPr>
@@ -36389,12 +37178,22 @@
             <a:pPr algn="ctr"/>
             <a:r>
               <a:rPr lang="ko-KR" altLang="en-US" sz="1400" dirty="0">
+                <a:solidFill>
+                  <a:schemeClr val="bg1">
+                    <a:lumMod val="85000"/>
+                  </a:schemeClr>
+                </a:solidFill>
                 <a:latin typeface="sn별별정직" panose="02000500000000000000" pitchFamily="2" charset="0"/>
                 <a:ea typeface="sn별별정직" panose="02000500000000000000" pitchFamily="2" charset="0"/>
               </a:rPr>
               <a:t>클라이언트 실행 코드로 </a:t>
             </a:r>
             <a:endParaRPr lang="en-US" altLang="ko-KR" sz="1400" dirty="0">
+              <a:solidFill>
+                <a:schemeClr val="bg1">
+                  <a:lumMod val="85000"/>
+                </a:schemeClr>
+              </a:solidFill>
               <a:latin typeface="sn별별정직" panose="02000500000000000000" pitchFamily="2" charset="0"/>
               <a:ea typeface="sn별별정직" panose="02000500000000000000" pitchFamily="2" charset="0"/>
             </a:endParaRPr>
@@ -36403,6 +37202,11 @@
             <a:pPr algn="ctr"/>
             <a:r>
               <a:rPr lang="en-US" altLang="ko-KR" sz="1400" dirty="0">
+                <a:solidFill>
+                  <a:schemeClr val="bg1">
+                    <a:lumMod val="85000"/>
+                  </a:schemeClr>
+                </a:solidFill>
                 <a:latin typeface="sn별별정직" panose="02000500000000000000" pitchFamily="2" charset="0"/>
                 <a:ea typeface="sn별별정직" panose="02000500000000000000" pitchFamily="2" charset="0"/>
               </a:rPr>
@@ -36410,6 +37214,11 @@
             </a:r>
             <a:r>
               <a:rPr lang="ko-KR" altLang="en-US" sz="1400" dirty="0">
+                <a:solidFill>
+                  <a:schemeClr val="bg1">
+                    <a:lumMod val="85000"/>
+                  </a:schemeClr>
+                </a:solidFill>
                 <a:latin typeface="sn별별정직" panose="02000500000000000000" pitchFamily="2" charset="0"/>
                 <a:ea typeface="sn별별정직" panose="02000500000000000000" pitchFamily="2" charset="0"/>
               </a:rPr>
